--- a/document/底层课件/03-RunLoop.pptx
+++ b/document/底层课件/03-RunLoop.pptx
@@ -239,10 +239,6 @@
 </p:presentation>
 </file>
 
-<file path=ppt/revisionInfo.xml><?xml version="1.0" encoding="utf-8"?>
-<p1510:revInfo xmlns:a="http://schemas.openxmlformats.org/drawingml/2006/main" xmlns:r="http://schemas.openxmlformats.org/officeDocument/2006/relationships" xmlns:p1510="http://schemas.microsoft.com/office/powerpoint/2015/10/main"/>
-</file>
-
 <file path=ppt/handoutMasters/handoutMaster1.xml><?xml version="1.0" encoding="utf-8"?>
 <p:handoutMaster xmlns:a="http://schemas.openxmlformats.org/drawingml/2006/main" xmlns:r="http://schemas.openxmlformats.org/officeDocument/2006/relationships" xmlns:p="http://schemas.openxmlformats.org/presentationml/2006/main">
   <p:cSld>
@@ -270,7 +266,7 @@
           <p:cNvPr id="2" name="页眉占位符 1">
             <a:extLst>
               <a:ext uri="{FF2B5EF4-FFF2-40B4-BE49-F238E27FC236}">
-                <a16:creationId xmlns="" xmlns:a16="http://schemas.microsoft.com/office/drawing/2014/main" id="{AFCBEEA2-BF04-4625-9D90-F4291A119A41}"/>
+                <a16:creationId xmlns:a16="http://schemas.microsoft.com/office/drawing/2014/main" id="{AFCBEEA2-BF04-4625-9D90-F4291A119A41}"/>
               </a:ext>
             </a:extLst>
           </p:cNvPr>
@@ -307,7 +303,7 @@
           <p:cNvPr id="3" name="日期占位符 2">
             <a:extLst>
               <a:ext uri="{FF2B5EF4-FFF2-40B4-BE49-F238E27FC236}">
-                <a16:creationId xmlns="" xmlns:a16="http://schemas.microsoft.com/office/drawing/2014/main" id="{7691C78A-5A0F-4F2E-9C48-9BEEFCC112A7}"/>
+                <a16:creationId xmlns:a16="http://schemas.microsoft.com/office/drawing/2014/main" id="{7691C78A-5A0F-4F2E-9C48-9BEEFCC112A7}"/>
               </a:ext>
             </a:extLst>
           </p:cNvPr>
@@ -337,7 +333,7 @@
           <a:p>
             <a:fld id="{2B87634C-074B-4260-9010-E574428551B5}" type="datetimeFigureOut">
               <a:rPr lang="zh-CN" altLang="en-US" smtClean="0"/>
-              <a:t>2018/5/31</a:t>
+              <a:t>2019/12/8</a:t>
             </a:fld>
             <a:endParaRPr lang="zh-CN" altLang="en-US"/>
           </a:p>
@@ -348,7 +344,7 @@
           <p:cNvPr id="4" name="页脚占位符 3">
             <a:extLst>
               <a:ext uri="{FF2B5EF4-FFF2-40B4-BE49-F238E27FC236}">
-                <a16:creationId xmlns="" xmlns:a16="http://schemas.microsoft.com/office/drawing/2014/main" id="{0CD4B301-C1F1-4488-BE41-C37374152C4E}"/>
+                <a16:creationId xmlns:a16="http://schemas.microsoft.com/office/drawing/2014/main" id="{0CD4B301-C1F1-4488-BE41-C37374152C4E}"/>
               </a:ext>
             </a:extLst>
           </p:cNvPr>
@@ -385,7 +381,7 @@
           <p:cNvPr id="5" name="灯片编号占位符 4">
             <a:extLst>
               <a:ext uri="{FF2B5EF4-FFF2-40B4-BE49-F238E27FC236}">
-                <a16:creationId xmlns="" xmlns:a16="http://schemas.microsoft.com/office/drawing/2014/main" id="{9927E0BC-A1AC-4B31-B1CD-ECA55CA19D86}"/>
+                <a16:creationId xmlns:a16="http://schemas.microsoft.com/office/drawing/2014/main" id="{9927E0BC-A1AC-4B31-B1CD-ECA55CA19D86}"/>
               </a:ext>
             </a:extLst>
           </p:cNvPr>
@@ -514,7 +510,7 @@
           <a:p>
             <a:fld id="{C25591C1-7BBD-4BAD-9912-0ADD21A74F01}" type="datetimeFigureOut">
               <a:rPr lang="zh-CN" altLang="en-US" smtClean="0"/>
-              <a:t>2018/5/31</a:t>
+              <a:t>2019/12/8</a:t>
             </a:fld>
             <a:endParaRPr lang="zh-CN" altLang="en-US"/>
           </a:p>
@@ -803,7 +799,7 @@
           <p:cNvPr id="9" name="图片 6">
             <a:extLst>
               <a:ext uri="{FF2B5EF4-FFF2-40B4-BE49-F238E27FC236}">
-                <a16:creationId xmlns="" xmlns:a16="http://schemas.microsoft.com/office/drawing/2014/main" id="{F619AC0B-D093-4B29-BED5-E396B58FD119}"/>
+                <a16:creationId xmlns:a16="http://schemas.microsoft.com/office/drawing/2014/main" id="{F619AC0B-D093-4B29-BED5-E396B58FD119}"/>
               </a:ext>
             </a:extLst>
           </p:cNvPr>
@@ -837,7 +833,7 @@
           <p:cNvPr id="10" name="图片 1">
             <a:extLst>
               <a:ext uri="{FF2B5EF4-FFF2-40B4-BE49-F238E27FC236}">
-                <a16:creationId xmlns="" xmlns:a16="http://schemas.microsoft.com/office/drawing/2014/main" id="{EC130C9D-3B92-4E92-AF34-4C37ACD51527}"/>
+                <a16:creationId xmlns:a16="http://schemas.microsoft.com/office/drawing/2014/main" id="{EC130C9D-3B92-4E92-AF34-4C37ACD51527}"/>
               </a:ext>
             </a:extLst>
           </p:cNvPr>
@@ -871,7 +867,7 @@
           <p:cNvPr id="11" name="矩形 25">
             <a:extLst>
               <a:ext uri="{FF2B5EF4-FFF2-40B4-BE49-F238E27FC236}">
-                <a16:creationId xmlns="" xmlns:a16="http://schemas.microsoft.com/office/drawing/2014/main" id="{36BA4FD9-4EAF-40CB-91E3-48F885239803}"/>
+                <a16:creationId xmlns:a16="http://schemas.microsoft.com/office/drawing/2014/main" id="{36BA4FD9-4EAF-40CB-91E3-48F885239803}"/>
               </a:ext>
             </a:extLst>
           </p:cNvPr>
@@ -943,7 +939,7 @@
           <p:cNvPr id="5" name="标题 1">
             <a:extLst>
               <a:ext uri="{FF2B5EF4-FFF2-40B4-BE49-F238E27FC236}">
-                <a16:creationId xmlns="" xmlns:a16="http://schemas.microsoft.com/office/drawing/2014/main" id="{E772C4B5-AB4E-43B0-B717-25071084FD9A}"/>
+                <a16:creationId xmlns:a16="http://schemas.microsoft.com/office/drawing/2014/main" id="{E772C4B5-AB4E-43B0-B717-25071084FD9A}"/>
               </a:ext>
             </a:extLst>
           </p:cNvPr>
@@ -985,7 +981,7 @@
           <p:cNvPr id="6" name="副标题 2">
             <a:extLst>
               <a:ext uri="{FF2B5EF4-FFF2-40B4-BE49-F238E27FC236}">
-                <a16:creationId xmlns="" xmlns:a16="http://schemas.microsoft.com/office/drawing/2014/main" id="{B401CC44-47BA-4904-A587-245165E74651}"/>
+                <a16:creationId xmlns:a16="http://schemas.microsoft.com/office/drawing/2014/main" id="{B401CC44-47BA-4904-A587-245165E74651}"/>
               </a:ext>
             </a:extLst>
           </p:cNvPr>
@@ -1096,7 +1092,7 @@
           <p:cNvPr id="9" name="图片 5">
             <a:extLst>
               <a:ext uri="{FF2B5EF4-FFF2-40B4-BE49-F238E27FC236}">
-                <a16:creationId xmlns="" xmlns:a16="http://schemas.microsoft.com/office/drawing/2014/main" id="{F612FBBA-ABAE-4812-AAB2-77CA48D54191}"/>
+                <a16:creationId xmlns:a16="http://schemas.microsoft.com/office/drawing/2014/main" id="{F612FBBA-ABAE-4812-AAB2-77CA48D54191}"/>
               </a:ext>
             </a:extLst>
           </p:cNvPr>
@@ -1130,7 +1126,7 @@
           <p:cNvPr id="11" name="矩形 29">
             <a:extLst>
               <a:ext uri="{FF2B5EF4-FFF2-40B4-BE49-F238E27FC236}">
-                <a16:creationId xmlns="" xmlns:a16="http://schemas.microsoft.com/office/drawing/2014/main" id="{89038A74-5A1B-45B4-AA7D-C9934D2FDABC}"/>
+                <a16:creationId xmlns:a16="http://schemas.microsoft.com/office/drawing/2014/main" id="{89038A74-5A1B-45B4-AA7D-C9934D2FDABC}"/>
               </a:ext>
             </a:extLst>
           </p:cNvPr>
@@ -1175,7 +1171,7 @@
           <p:cNvPr id="12" name="图片 1">
             <a:extLst>
               <a:ext uri="{FF2B5EF4-FFF2-40B4-BE49-F238E27FC236}">
-                <a16:creationId xmlns="" xmlns:a16="http://schemas.microsoft.com/office/drawing/2014/main" id="{DB3FFE7C-0303-4D2A-9F24-474FCCD761CB}"/>
+                <a16:creationId xmlns:a16="http://schemas.microsoft.com/office/drawing/2014/main" id="{DB3FFE7C-0303-4D2A-9F24-474FCCD761CB}"/>
               </a:ext>
             </a:extLst>
           </p:cNvPr>
@@ -1209,7 +1205,7 @@
           <p:cNvPr id="8" name="标题占位符 1">
             <a:extLst>
               <a:ext uri="{FF2B5EF4-FFF2-40B4-BE49-F238E27FC236}">
-                <a16:creationId xmlns="" xmlns:a16="http://schemas.microsoft.com/office/drawing/2014/main" id="{F3C067B8-78E3-4D7C-B8BF-D55591977898}"/>
+                <a16:creationId xmlns:a16="http://schemas.microsoft.com/office/drawing/2014/main" id="{F3C067B8-78E3-4D7C-B8BF-D55591977898}"/>
               </a:ext>
             </a:extLst>
           </p:cNvPr>
@@ -1261,7 +1257,7 @@
           <p:cNvPr id="13" name="内容占位符 2">
             <a:extLst>
               <a:ext uri="{FF2B5EF4-FFF2-40B4-BE49-F238E27FC236}">
-                <a16:creationId xmlns="" xmlns:a16="http://schemas.microsoft.com/office/drawing/2014/main" id="{E8B5E84D-8FAC-4FA6-9CA7-55579F675DFC}"/>
+                <a16:creationId xmlns:a16="http://schemas.microsoft.com/office/drawing/2014/main" id="{E8B5E84D-8FAC-4FA6-9CA7-55579F675DFC}"/>
               </a:ext>
             </a:extLst>
           </p:cNvPr>
@@ -1569,7 +1565,7 @@
           <a:p>
             <a:fld id="{72D8E73B-0927-45CC-BC19-B5A752C4C781}" type="datetimeFigureOut">
               <a:rPr lang="zh-CN" altLang="en-US" smtClean="0"/>
-              <a:t>2018/5/31</a:t>
+              <a:t>2019/12/8</a:t>
             </a:fld>
             <a:endParaRPr lang="zh-CN" altLang="en-US"/>
           </a:p>
@@ -1970,7 +1966,7 @@
           <p:cNvPr id="2" name="标题 1">
             <a:extLst>
               <a:ext uri="{FF2B5EF4-FFF2-40B4-BE49-F238E27FC236}">
-                <a16:creationId xmlns:a16="http://schemas.microsoft.com/office/drawing/2014/main" xmlns="" id="{355D2A8A-4D20-46E7-AB5F-6F0B875B77E9}"/>
+                <a16:creationId xmlns:a16="http://schemas.microsoft.com/office/drawing/2014/main" id="{355D2A8A-4D20-46E7-AB5F-6F0B875B77E9}"/>
               </a:ext>
             </a:extLst>
           </p:cNvPr>
@@ -2001,7 +1997,7 @@
           <p:cNvPr id="3" name="副标题 2">
             <a:extLst>
               <a:ext uri="{FF2B5EF4-FFF2-40B4-BE49-F238E27FC236}">
-                <a16:creationId xmlns:a16="http://schemas.microsoft.com/office/drawing/2014/main" xmlns="" id="{F8E18B87-7327-4283-B60A-4EF5B1BB4F6D}"/>
+                <a16:creationId xmlns:a16="http://schemas.microsoft.com/office/drawing/2014/main" id="{F8E18B87-7327-4283-B60A-4EF5B1BB4F6D}"/>
               </a:ext>
             </a:extLst>
           </p:cNvPr>
@@ -2040,7 +2036,7 @@
           <p:cNvPr id="4" name="副标题 2">
             <a:extLst>
               <a:ext uri="{FF2B5EF4-FFF2-40B4-BE49-F238E27FC236}">
-                <a16:creationId xmlns="" xmlns:a16="http://schemas.microsoft.com/office/drawing/2014/main" id="{F8E18B87-7327-4283-B60A-4EF5B1BB4F6D}"/>
+                <a16:creationId xmlns:a16="http://schemas.microsoft.com/office/drawing/2014/main" id="{F8E18B87-7327-4283-B60A-4EF5B1BB4F6D}"/>
               </a:ext>
             </a:extLst>
           </p:cNvPr>
@@ -2247,13 +2243,6 @@
   <p:clrMapOvr>
     <a:masterClrMapping/>
   </p:clrMapOvr>
-  <p:timing>
-    <p:tnLst>
-      <p:par>
-        <p:cTn id="1" dur="indefinite" restart="never" nodeType="tmRoot"/>
-      </p:par>
-    </p:tnLst>
-  </p:timing>
 </p:sld>
 </file>
 
@@ -2279,7 +2268,7 @@
           <p:cNvPr id="4" name="标题 3">
             <a:extLst>
               <a:ext uri="{FF2B5EF4-FFF2-40B4-BE49-F238E27FC236}">
-                <a16:creationId xmlns:a16="http://schemas.microsoft.com/office/drawing/2014/main" xmlns="" id="{5DCC7AE5-7EF9-4964-8408-F84B72D5D253}"/>
+                <a16:creationId xmlns:a16="http://schemas.microsoft.com/office/drawing/2014/main" id="{5DCC7AE5-7EF9-4964-8408-F84B72D5D253}"/>
               </a:ext>
             </a:extLst>
           </p:cNvPr>
@@ -3376,7 +3365,7 @@
           <p:cNvPr id="4" name="标题 3">
             <a:extLst>
               <a:ext uri="{FF2B5EF4-FFF2-40B4-BE49-F238E27FC236}">
-                <a16:creationId xmlns:a16="http://schemas.microsoft.com/office/drawing/2014/main" xmlns="" id="{5DCC7AE5-7EF9-4964-8408-F84B72D5D253}"/>
+                <a16:creationId xmlns:a16="http://schemas.microsoft.com/office/drawing/2014/main" id="{5DCC7AE5-7EF9-4964-8408-F84B72D5D253}"/>
               </a:ext>
             </a:extLst>
           </p:cNvPr>
@@ -3437,7 +3426,7 @@
               <a:buChar char="n"/>
             </a:pPr>
             <a:r>
-              <a:rPr lang="zh-CN" altLang="en-US" sz="1600">
+              <a:rPr lang="zh-CN" altLang="en-US" sz="1600" dirty="0">
                 <a:solidFill>
                   <a:schemeClr val="tx1">
                     <a:lumMod val="65000"/>
@@ -3450,7 +3439,7 @@
               <a:t>常见的</a:t>
             </a:r>
             <a:r>
-              <a:rPr lang="en-US" altLang="zh-CN" sz="1600">
+              <a:rPr lang="en-US" altLang="zh-CN" sz="1600" dirty="0">
                 <a:solidFill>
                   <a:schemeClr val="tx1">
                     <a:lumMod val="65000"/>
@@ -3463,7 +3452,7 @@
               <a:t>2</a:t>
             </a:r>
             <a:r>
-              <a:rPr lang="zh-CN" altLang="en-US" sz="1600">
+              <a:rPr lang="zh-CN" altLang="en-US" sz="1600" dirty="0">
                 <a:solidFill>
                   <a:schemeClr val="tx1">
                     <a:lumMod val="65000"/>
@@ -3476,7 +3465,7 @@
               <a:t>种</a:t>
             </a:r>
             <a:r>
-              <a:rPr lang="en-US" altLang="zh-CN" sz="1600">
+              <a:rPr lang="en-US" altLang="zh-CN" sz="1600" dirty="0">
                 <a:solidFill>
                   <a:schemeClr val="tx1">
                     <a:lumMod val="65000"/>
@@ -3498,7 +3487,7 @@
               <a:buChar char="p"/>
             </a:pPr>
             <a:r>
-              <a:rPr lang="en-US" altLang="zh-CN" sz="1600">
+              <a:rPr lang="en-US" altLang="zh-CN" sz="1600" dirty="0" err="1">
                 <a:solidFill>
                   <a:schemeClr val="tx1">
                     <a:lumMod val="65000"/>
@@ -3511,7 +3500,7 @@
               <a:t>kCFRunLoopDefaultMode</a:t>
             </a:r>
             <a:r>
-              <a:rPr lang="zh-CN" altLang="en-US" sz="1600">
+              <a:rPr lang="zh-CN" altLang="en-US" sz="1600" dirty="0">
                 <a:solidFill>
                   <a:schemeClr val="tx1">
                     <a:lumMod val="65000"/>
@@ -3524,7 +3513,7 @@
               <a:t>（</a:t>
             </a:r>
             <a:r>
-              <a:rPr lang="en-US" altLang="zh-CN" sz="1600">
+              <a:rPr lang="en-US" altLang="zh-CN" sz="1600" dirty="0" err="1">
                 <a:solidFill>
                   <a:schemeClr val="tx1">
                     <a:lumMod val="65000"/>
@@ -3537,7 +3526,7 @@
               <a:t>NSDefaultRunLoopMode</a:t>
             </a:r>
             <a:r>
-              <a:rPr lang="zh-CN" altLang="en-US" sz="1600">
+              <a:rPr lang="zh-CN" altLang="en-US" sz="1600" dirty="0">
                 <a:solidFill>
                   <a:schemeClr val="tx1">
                     <a:lumMod val="65000"/>
@@ -3550,7 +3539,7 @@
               <a:t>）：</a:t>
             </a:r>
             <a:r>
-              <a:rPr lang="en-US" altLang="zh-CN" sz="1600">
+              <a:rPr lang="en-US" altLang="zh-CN" sz="1600" dirty="0">
                 <a:solidFill>
                   <a:schemeClr val="tx1">
                     <a:lumMod val="65000"/>
@@ -3563,7 +3552,7 @@
               <a:t>App</a:t>
             </a:r>
             <a:r>
-              <a:rPr lang="zh-CN" altLang="en-US" sz="1600">
+              <a:rPr lang="zh-CN" altLang="en-US" sz="1600" dirty="0">
                 <a:solidFill>
                   <a:schemeClr val="tx1">
                     <a:lumMod val="65000"/>
@@ -3576,7 +3565,7 @@
               <a:t>的默认</a:t>
             </a:r>
             <a:r>
-              <a:rPr lang="en-US" altLang="zh-CN" sz="1600">
+              <a:rPr lang="en-US" altLang="zh-CN" sz="1600" dirty="0">
                 <a:solidFill>
                   <a:schemeClr val="tx1">
                     <a:lumMod val="65000"/>
@@ -3589,7 +3578,7 @@
               <a:t>Mode</a:t>
             </a:r>
             <a:r>
-              <a:rPr lang="zh-CN" altLang="en-US" sz="1600">
+              <a:rPr lang="zh-CN" altLang="en-US" sz="1600" dirty="0">
                 <a:solidFill>
                   <a:schemeClr val="tx1">
                     <a:lumMod val="65000"/>
@@ -3602,7 +3591,7 @@
               <a:t>，通常主线程是在这个</a:t>
             </a:r>
             <a:r>
-              <a:rPr lang="en-US" altLang="zh-CN" sz="1600">
+              <a:rPr lang="en-US" altLang="zh-CN" sz="1600" dirty="0">
                 <a:solidFill>
                   <a:schemeClr val="tx1">
                     <a:lumMod val="65000"/>
@@ -3615,7 +3604,7 @@
               <a:t>Mode</a:t>
             </a:r>
             <a:r>
-              <a:rPr lang="zh-CN" altLang="en-US" sz="1600">
+              <a:rPr lang="zh-CN" altLang="en-US" sz="1600" dirty="0">
                 <a:solidFill>
                   <a:schemeClr val="tx1">
                     <a:lumMod val="65000"/>
@@ -3627,7 +3616,7 @@
               </a:rPr>
               <a:t>下运行</a:t>
             </a:r>
-            <a:endParaRPr lang="en-US" altLang="zh-CN" sz="1600">
+            <a:endParaRPr lang="en-US" altLang="zh-CN" sz="1600" dirty="0">
               <a:solidFill>
                 <a:schemeClr val="tx1">
                   <a:lumMod val="65000"/>
@@ -3646,7 +3635,7 @@
               <a:buFont typeface="Wingdings" charset="2"/>
               <a:buChar char="p"/>
             </a:pPr>
-            <a:endParaRPr lang="en-US" altLang="zh-CN" sz="1600">
+            <a:endParaRPr lang="en-US" altLang="zh-CN" sz="1600" dirty="0">
               <a:solidFill>
                 <a:schemeClr val="tx1">
                   <a:lumMod val="65000"/>
@@ -3666,7 +3655,7 @@
               <a:buChar char="p"/>
             </a:pPr>
             <a:r>
-              <a:rPr lang="en-US" altLang="zh-CN" sz="1600">
+              <a:rPr lang="en-US" altLang="zh-CN" sz="1600" dirty="0" err="1">
                 <a:solidFill>
                   <a:schemeClr val="tx1">
                     <a:lumMod val="65000"/>
@@ -3679,7 +3668,7 @@
               <a:t>UITrackingRunLoopMode</a:t>
             </a:r>
             <a:r>
-              <a:rPr lang="zh-CN" altLang="en-US" sz="1600">
+              <a:rPr lang="zh-CN" altLang="en-US" sz="1600" dirty="0">
                 <a:solidFill>
                   <a:schemeClr val="tx1">
                     <a:lumMod val="65000"/>
@@ -3692,7 +3681,7 @@
               <a:t>：界面跟踪 </a:t>
             </a:r>
             <a:r>
-              <a:rPr lang="en-US" altLang="zh-CN" sz="1600">
+              <a:rPr lang="en-US" altLang="zh-CN" sz="1600" dirty="0">
                 <a:solidFill>
                   <a:schemeClr val="tx1">
                     <a:lumMod val="65000"/>
@@ -3705,7 +3694,7 @@
               <a:t>Mode</a:t>
             </a:r>
             <a:r>
-              <a:rPr lang="zh-CN" altLang="en-US" sz="1600">
+              <a:rPr lang="zh-CN" altLang="en-US" sz="1600" dirty="0">
                 <a:solidFill>
                   <a:schemeClr val="tx1">
                     <a:lumMod val="65000"/>
@@ -3718,20 +3707,33 @@
               <a:t>，用于 </a:t>
             </a:r>
             <a:r>
-              <a:rPr lang="en-US" altLang="zh-CN" sz="1600">
-                <a:solidFill>
-                  <a:schemeClr val="tx1">
-                    <a:lumMod val="65000"/>
-                    <a:lumOff val="35000"/>
-                  </a:schemeClr>
-                </a:solidFill>
-                <a:latin typeface="微软雅黑" panose="020B0503020204020204" pitchFamily="34" charset="-122"/>
-                <a:ea typeface="微软雅黑" panose="020B0503020204020204" pitchFamily="34" charset="-122"/>
-              </a:rPr>
-              <a:t>ScrollView </a:t>
-            </a:r>
-            <a:r>
-              <a:rPr lang="zh-CN" altLang="en-US" sz="1600">
+              <a:rPr lang="en-US" altLang="zh-CN" sz="1600" dirty="0" err="1">
+                <a:solidFill>
+                  <a:schemeClr val="tx1">
+                    <a:lumMod val="65000"/>
+                    <a:lumOff val="35000"/>
+                  </a:schemeClr>
+                </a:solidFill>
+                <a:latin typeface="微软雅黑" panose="020B0503020204020204" pitchFamily="34" charset="-122"/>
+                <a:ea typeface="微软雅黑" panose="020B0503020204020204" pitchFamily="34" charset="-122"/>
+              </a:rPr>
+              <a:t>ScrollView</a:t>
+            </a:r>
+            <a:r>
+              <a:rPr lang="en-US" altLang="zh-CN" sz="1600" dirty="0">
+                <a:solidFill>
+                  <a:schemeClr val="tx1">
+                    <a:lumMod val="65000"/>
+                    <a:lumOff val="35000"/>
+                  </a:schemeClr>
+                </a:solidFill>
+                <a:latin typeface="微软雅黑" panose="020B0503020204020204" pitchFamily="34" charset="-122"/>
+                <a:ea typeface="微软雅黑" panose="020B0503020204020204" pitchFamily="34" charset="-122"/>
+              </a:rPr>
+              <a:t> </a:t>
+            </a:r>
+            <a:r>
+              <a:rPr lang="zh-CN" altLang="en-US" sz="1600" dirty="0">
                 <a:solidFill>
                   <a:schemeClr val="tx1">
                     <a:lumMod val="65000"/>
@@ -3744,7 +3746,7 @@
               <a:t>追踪触摸滑动，保证界面滑动时不受其他 </a:t>
             </a:r>
             <a:r>
-              <a:rPr lang="en-US" altLang="zh-CN" sz="1600">
+              <a:rPr lang="en-US" altLang="zh-CN" sz="1600" dirty="0">
                 <a:solidFill>
                   <a:schemeClr val="tx1">
                     <a:lumMod val="65000"/>
@@ -3757,7 +3759,7 @@
               <a:t>Mode </a:t>
             </a:r>
             <a:r>
-              <a:rPr lang="zh-CN" altLang="en-US" sz="1600">
+              <a:rPr lang="zh-CN" altLang="en-US" sz="1600" dirty="0">
                 <a:solidFill>
                   <a:schemeClr val="tx1">
                     <a:lumMod val="65000"/>
@@ -3769,7 +3771,7 @@
               </a:rPr>
               <a:t>影响</a:t>
             </a:r>
-            <a:endParaRPr lang="en-US" altLang="zh-CN" sz="1600">
+            <a:endParaRPr lang="en-US" altLang="zh-CN" sz="1600" dirty="0">
               <a:solidFill>
                 <a:schemeClr val="tx1">
                   <a:lumMod val="65000"/>
@@ -4030,7 +4032,7 @@
           <p:cNvPr id="4" name="标题 3">
             <a:extLst>
               <a:ext uri="{FF2B5EF4-FFF2-40B4-BE49-F238E27FC236}">
-                <a16:creationId xmlns:a16="http://schemas.microsoft.com/office/drawing/2014/main" xmlns="" id="{5DCC7AE5-7EF9-4964-8408-F84B72D5D253}"/>
+                <a16:creationId xmlns:a16="http://schemas.microsoft.com/office/drawing/2014/main" id="{5DCC7AE5-7EF9-4964-8408-F84B72D5D253}"/>
               </a:ext>
             </a:extLst>
           </p:cNvPr>
@@ -4095,13 +4097,6 @@
   <p:clrMapOvr>
     <a:masterClrMapping/>
   </p:clrMapOvr>
-  <p:timing>
-    <p:tnLst>
-      <p:par>
-        <p:cTn id="1" dur="indefinite" restart="never" nodeType="tmRoot"/>
-      </p:par>
-    </p:tnLst>
-  </p:timing>
 </p:sld>
 </file>
 
@@ -4138,23 +4133,23 @@
           <a:lstStyle/>
           <a:p>
             <a:r>
-              <a:rPr kumimoji="1" lang="zh-CN" altLang="en-US"/>
+              <a:rPr kumimoji="1" lang="zh-CN" altLang="en-US" dirty="0"/>
               <a:t>添加</a:t>
             </a:r>
             <a:r>
-              <a:rPr kumimoji="1" lang="en-US" altLang="zh-CN"/>
+              <a:rPr kumimoji="1" lang="en-US" altLang="zh-CN" dirty="0"/>
               <a:t>Observer</a:t>
             </a:r>
             <a:r>
-              <a:rPr kumimoji="1" lang="zh-CN" altLang="en-US"/>
+              <a:rPr kumimoji="1" lang="zh-CN" altLang="en-US" dirty="0"/>
               <a:t>监听</a:t>
             </a:r>
             <a:r>
-              <a:rPr kumimoji="1" lang="en-US" altLang="zh-CN"/>
+              <a:rPr kumimoji="1" lang="en-US" altLang="zh-CN" dirty="0" err="1"/>
               <a:t>RunLoop</a:t>
             </a:r>
             <a:r>
-              <a:rPr kumimoji="1" lang="zh-CN" altLang="en-US"/>
+              <a:rPr kumimoji="1" lang="zh-CN" altLang="en-US" dirty="0"/>
               <a:t>的所有状态</a:t>
             </a:r>
           </a:p>
@@ -4194,13 +4189,6 @@
   <p:clrMapOvr>
     <a:masterClrMapping/>
   </p:clrMapOvr>
-  <p:timing>
-    <p:tnLst>
-      <p:par>
-        <p:cTn id="1" dur="indefinite" restart="never" nodeType="tmRoot"/>
-      </p:par>
-    </p:tnLst>
-  </p:timing>
 </p:sld>
 </file>
 
@@ -4226,7 +4214,7 @@
           <p:cNvPr id="4" name="标题 3">
             <a:extLst>
               <a:ext uri="{FF2B5EF4-FFF2-40B4-BE49-F238E27FC236}">
-                <a16:creationId xmlns:a16="http://schemas.microsoft.com/office/drawing/2014/main" xmlns="" id="{5DCC7AE5-7EF9-4964-8408-F84B72D5D253}"/>
+                <a16:creationId xmlns:a16="http://schemas.microsoft.com/office/drawing/2014/main" id="{5DCC7AE5-7EF9-4964-8408-F84B72D5D253}"/>
               </a:ext>
             </a:extLst>
           </p:cNvPr>
@@ -4293,13 +4281,6 @@
   <p:clrMapOvr>
     <a:masterClrMapping/>
   </p:clrMapOvr>
-  <p:timing>
-    <p:tnLst>
-      <p:par>
-        <p:cTn id="1" dur="indefinite" restart="never" nodeType="tmRoot"/>
-      </p:par>
-    </p:tnLst>
-  </p:timing>
 </p:sld>
 </file>
 
@@ -4325,7 +4306,7 @@
           <p:cNvPr id="4" name="标题 3">
             <a:extLst>
               <a:ext uri="{FF2B5EF4-FFF2-40B4-BE49-F238E27FC236}">
-                <a16:creationId xmlns:a16="http://schemas.microsoft.com/office/drawing/2014/main" xmlns="" id="{5DCC7AE5-7EF9-4964-8408-F84B72D5D253}"/>
+                <a16:creationId xmlns:a16="http://schemas.microsoft.com/office/drawing/2014/main" id="{5DCC7AE5-7EF9-4964-8408-F84B72D5D253}"/>
               </a:ext>
             </a:extLst>
           </p:cNvPr>
@@ -4382,7 +4363,7 @@
               <a:buChar char="n"/>
             </a:pPr>
             <a:r>
-              <a:rPr lang="en-US" altLang="zh-CN" sz="1600">
+              <a:rPr lang="en-US" altLang="zh-CN" sz="1600" dirty="0">
                 <a:solidFill>
                   <a:schemeClr val="tx1">
                     <a:lumMod val="65000"/>
@@ -4404,7 +4385,7 @@
               <a:buChar char="p"/>
             </a:pPr>
             <a:r>
-              <a:rPr lang="zh-CN" altLang="en-US" sz="1600">
+              <a:rPr lang="zh-CN" altLang="en-US" sz="1600" dirty="0">
                 <a:solidFill>
                   <a:schemeClr val="tx1">
                     <a:lumMod val="65000"/>
@@ -4416,7 +4397,7 @@
               </a:rPr>
               <a:t>触摸事件处理</a:t>
             </a:r>
-            <a:endParaRPr lang="en-US" altLang="zh-CN" sz="1600">
+            <a:endParaRPr lang="en-US" altLang="zh-CN" sz="1600" dirty="0">
               <a:solidFill>
                 <a:schemeClr val="tx1">
                   <a:lumMod val="65000"/>
@@ -4436,7 +4417,7 @@
               <a:buChar char="p"/>
             </a:pPr>
             <a:r>
-              <a:rPr lang="en-US" altLang="zh-CN" sz="1600">
+              <a:rPr lang="en-US" altLang="zh-CN" sz="1600" dirty="0" err="1">
                 <a:solidFill>
                   <a:srgbClr val="2E0D6E"/>
                 </a:solidFill>
@@ -4445,7 +4426,7 @@
               <a:t>performSelector</a:t>
             </a:r>
             <a:r>
-              <a:rPr lang="en-US" altLang="zh-CN" sz="1600">
+              <a:rPr lang="en-US" altLang="zh-CN" sz="1600" dirty="0" err="1">
                 <a:solidFill>
                   <a:srgbClr val="000000"/>
                 </a:solidFill>
@@ -4454,7 +4435,7 @@
               <a:t>:</a:t>
             </a:r>
             <a:r>
-              <a:rPr lang="en-US" altLang="zh-CN" sz="1600">
+              <a:rPr lang="en-US" altLang="zh-CN" sz="1600" dirty="0" err="1">
                 <a:solidFill>
                   <a:srgbClr val="2E0D6E"/>
                 </a:solidFill>
@@ -4463,7 +4444,7 @@
               <a:t>onThread</a:t>
             </a:r>
             <a:r>
-              <a:rPr lang="en-US" altLang="zh-CN" sz="1600">
+              <a:rPr lang="en-US" altLang="zh-CN" sz="1600" dirty="0">
                 <a:solidFill>
                   <a:srgbClr val="000000"/>
                 </a:solidFill>
@@ -4471,7 +4452,7 @@
               </a:rPr>
               <a:t>:</a:t>
             </a:r>
-            <a:endParaRPr lang="en-US" altLang="zh-CN" sz="1600">
+            <a:endParaRPr lang="en-US" altLang="zh-CN" sz="1600" dirty="0">
               <a:solidFill>
                 <a:schemeClr val="tx1">
                   <a:lumMod val="65000"/>
@@ -4490,7 +4471,7 @@
               <a:buFont typeface="Wingdings" charset="2"/>
               <a:buChar char="n"/>
             </a:pPr>
-            <a:endParaRPr lang="en-US" altLang="zh-CN" sz="1600">
+            <a:endParaRPr lang="en-US" altLang="zh-CN" sz="1600" dirty="0">
               <a:solidFill>
                 <a:schemeClr val="tx1">
                   <a:lumMod val="65000"/>
@@ -4510,7 +4491,7 @@
               <a:buChar char="n"/>
             </a:pPr>
             <a:r>
-              <a:rPr lang="en-US" altLang="zh-CN" sz="1600">
+              <a:rPr lang="en-US" altLang="zh-CN" sz="1600" dirty="0">
                 <a:solidFill>
                   <a:schemeClr val="tx1">
                     <a:lumMod val="65000"/>
@@ -4532,7 +4513,7 @@
               <a:buChar char="p"/>
             </a:pPr>
             <a:r>
-              <a:rPr lang="zh-CN" altLang="en-US" sz="1600">
+              <a:rPr lang="zh-CN" altLang="en-US" sz="1600" dirty="0">
                 <a:solidFill>
                   <a:schemeClr val="tx1">
                     <a:lumMod val="65000"/>
@@ -4545,7 +4526,7 @@
               <a:t>基于</a:t>
             </a:r>
             <a:r>
-              <a:rPr lang="en-US" altLang="zh-CN" sz="1600">
+              <a:rPr lang="en-US" altLang="zh-CN" sz="1600" dirty="0">
                 <a:solidFill>
                   <a:schemeClr val="tx1">
                     <a:lumMod val="65000"/>
@@ -4558,7 +4539,7 @@
               <a:t>Port</a:t>
             </a:r>
             <a:r>
-              <a:rPr lang="zh-CN" altLang="en-US" sz="1600">
+              <a:rPr lang="zh-CN" altLang="en-US" sz="1600" dirty="0">
                 <a:solidFill>
                   <a:schemeClr val="tx1">
                     <a:lumMod val="65000"/>
@@ -4570,7 +4551,7 @@
               </a:rPr>
               <a:t>的线程间通信</a:t>
             </a:r>
-            <a:endParaRPr lang="en-US" altLang="zh-CN" sz="1600">
+            <a:endParaRPr lang="en-US" altLang="zh-CN" sz="1600" dirty="0">
               <a:solidFill>
                 <a:schemeClr val="tx1">
                   <a:lumMod val="65000"/>
@@ -4590,7 +4571,7 @@
               <a:buChar char="p"/>
             </a:pPr>
             <a:r>
-              <a:rPr lang="zh-CN" altLang="en-US" sz="1600">
+              <a:rPr lang="zh-CN" altLang="en-US" sz="1600" dirty="0">
                 <a:solidFill>
                   <a:schemeClr val="tx1">
                     <a:lumMod val="65000"/>
@@ -4602,7 +4583,7 @@
               </a:rPr>
               <a:t>系统事件捕捉</a:t>
             </a:r>
-            <a:endParaRPr lang="en-US" altLang="zh-CN" sz="1600">
+            <a:endParaRPr lang="en-US" altLang="zh-CN" sz="1600" dirty="0">
               <a:solidFill>
                 <a:schemeClr val="tx1">
                   <a:lumMod val="65000"/>
@@ -4621,7 +4602,7 @@
               <a:buFont typeface="Wingdings" charset="2"/>
               <a:buChar char="n"/>
             </a:pPr>
-            <a:endParaRPr lang="en-US" altLang="zh-CN" sz="1600">
+            <a:endParaRPr lang="en-US" altLang="zh-CN" sz="1600" dirty="0">
               <a:solidFill>
                 <a:schemeClr val="tx1">
                   <a:lumMod val="65000"/>
@@ -4641,7 +4622,7 @@
               <a:buChar char="n"/>
             </a:pPr>
             <a:r>
-              <a:rPr lang="en-US" altLang="zh-CN" sz="1600">
+              <a:rPr lang="en-US" altLang="zh-CN" sz="1600" dirty="0">
                 <a:solidFill>
                   <a:schemeClr val="tx1">
                     <a:lumMod val="65000"/>
@@ -4663,7 +4644,7 @@
               <a:buChar char="p"/>
             </a:pPr>
             <a:r>
-              <a:rPr lang="en-US" altLang="zh-CN" sz="1600">
+              <a:rPr lang="en-US" altLang="zh-CN" sz="1600" dirty="0" err="1">
                 <a:solidFill>
                   <a:schemeClr val="tx1">
                     <a:lumMod val="65000"/>
@@ -4675,70 +4656,7 @@
               </a:rPr>
               <a:t>NSTimer</a:t>
             </a:r>
-          </a:p>
-          <a:p>
-            <a:pPr marL="342900" indent="-342900">
-              <a:lnSpc>
-                <a:spcPts val="2200"/>
-              </a:lnSpc>
-              <a:buFont typeface="Wingdings" charset="2"/>
-              <a:buChar char="p"/>
-            </a:pPr>
-            <a:r>
-              <a:rPr lang="en-US" altLang="zh-CN" sz="1600">
-                <a:solidFill>
-                  <a:srgbClr val="2E0D6E"/>
-                </a:solidFill>
-                <a:latin typeface="Menlo-Regular" charset="0"/>
-              </a:rPr>
-              <a:t>performSelector</a:t>
-            </a:r>
-            <a:r>
-              <a:rPr lang="en-US" altLang="zh-CN" sz="1600">
-                <a:solidFill>
-                  <a:srgbClr val="000000"/>
-                </a:solidFill>
-                <a:latin typeface="Menlo-Regular" charset="0"/>
-              </a:rPr>
-              <a:t>:</a:t>
-            </a:r>
-            <a:r>
-              <a:rPr lang="en-US" altLang="zh-CN" sz="1600">
-                <a:solidFill>
-                  <a:srgbClr val="2E0D6E"/>
-                </a:solidFill>
-                <a:latin typeface="Menlo-Regular" charset="0"/>
-              </a:rPr>
-              <a:t>withObject</a:t>
-            </a:r>
-            <a:r>
-              <a:rPr lang="en-US" altLang="zh-CN" sz="1600">
-                <a:solidFill>
-                  <a:srgbClr val="000000"/>
-                </a:solidFill>
-                <a:latin typeface="Menlo-Regular" charset="0"/>
-              </a:rPr>
-              <a:t>:</a:t>
-            </a:r>
-            <a:r>
-              <a:rPr lang="en-US" altLang="zh-CN" sz="1600">
-                <a:solidFill>
-                  <a:srgbClr val="2E0D6E"/>
-                </a:solidFill>
-                <a:latin typeface="Menlo-Regular" charset="0"/>
-              </a:rPr>
-              <a:t>afterDelay</a:t>
-            </a:r>
-            <a:r>
-              <a:rPr lang="en-US" altLang="zh-CN" sz="1600">
-                <a:solidFill>
-                  <a:srgbClr val="000000"/>
-                </a:solidFill>
-                <a:latin typeface="Menlo-Regular" charset="0"/>
-              </a:rPr>
-              <a:t>:</a:t>
-            </a:r>
-            <a:endParaRPr lang="en-US" altLang="zh-CN" sz="1600">
+            <a:endParaRPr lang="en-US" altLang="zh-CN" sz="1600" dirty="0">
               <a:solidFill>
                 <a:schemeClr val="tx1">
                   <a:lumMod val="65000"/>
@@ -4755,9 +4673,63 @@
                 <a:spcPts val="2200"/>
               </a:lnSpc>
               <a:buFont typeface="Wingdings" charset="2"/>
-              <a:buChar char="n"/>
+              <a:buChar char="p"/>
             </a:pPr>
-            <a:endParaRPr lang="en-US" altLang="zh-CN" sz="1600">
+            <a:r>
+              <a:rPr lang="en-US" altLang="zh-CN" sz="1600" dirty="0" err="1">
+                <a:solidFill>
+                  <a:srgbClr val="2E0D6E"/>
+                </a:solidFill>
+                <a:latin typeface="Menlo-Regular" charset="0"/>
+              </a:rPr>
+              <a:t>performSelector</a:t>
+            </a:r>
+            <a:r>
+              <a:rPr lang="en-US" altLang="zh-CN" sz="1600" dirty="0" err="1">
+                <a:solidFill>
+                  <a:srgbClr val="000000"/>
+                </a:solidFill>
+                <a:latin typeface="Menlo-Regular" charset="0"/>
+              </a:rPr>
+              <a:t>:</a:t>
+            </a:r>
+            <a:r>
+              <a:rPr lang="en-US" altLang="zh-CN" sz="1600" dirty="0" err="1">
+                <a:solidFill>
+                  <a:srgbClr val="2E0D6E"/>
+                </a:solidFill>
+                <a:latin typeface="Menlo-Regular" charset="0"/>
+              </a:rPr>
+              <a:t>withObject</a:t>
+            </a:r>
+            <a:r>
+              <a:rPr lang="en-US" altLang="zh-CN" sz="1600" dirty="0" err="1">
+                <a:solidFill>
+                  <a:srgbClr val="000000"/>
+                </a:solidFill>
+                <a:latin typeface="Menlo-Regular" charset="0"/>
+              </a:rPr>
+              <a:t>:</a:t>
+            </a:r>
+            <a:r>
+              <a:rPr lang="en-US" altLang="zh-CN" sz="1600" dirty="0" err="1">
+                <a:solidFill>
+                  <a:srgbClr val="2E0D6E"/>
+                </a:solidFill>
+                <a:latin typeface="Menlo-Regular" charset="0"/>
+              </a:rPr>
+              <a:t>afterDelay</a:t>
+            </a:r>
+            <a:r>
+              <a:rPr lang="en-US" altLang="zh-CN" sz="1600" dirty="0">
+                <a:solidFill>
+                  <a:srgbClr val="000000"/>
+                </a:solidFill>
+                <a:latin typeface="Menlo-Regular" charset="0"/>
+              </a:rPr>
+              <a:t>:</a:t>
+            </a:r>
+            <a:endParaRPr lang="en-US" altLang="zh-CN" sz="1600" dirty="0">
               <a:solidFill>
                 <a:schemeClr val="tx1">
                   <a:lumMod val="65000"/>
@@ -4776,68 +4748,7 @@
               <a:buFont typeface="Wingdings" charset="2"/>
               <a:buChar char="n"/>
             </a:pPr>
-            <a:r>
-              <a:rPr lang="en-US" altLang="zh-CN" sz="1600">
-                <a:solidFill>
-                  <a:schemeClr val="tx1">
-                    <a:lumMod val="65000"/>
-                    <a:lumOff val="35000"/>
-                  </a:schemeClr>
-                </a:solidFill>
-                <a:latin typeface="微软雅黑" panose="020B0503020204020204" pitchFamily="34" charset="-122"/>
-                <a:ea typeface="微软雅黑" panose="020B0503020204020204" pitchFamily="34" charset="-122"/>
-              </a:rPr>
-              <a:t>Observers</a:t>
-            </a:r>
-          </a:p>
-          <a:p>
-            <a:pPr marL="342900" indent="-342900">
-              <a:lnSpc>
-                <a:spcPts val="2200"/>
-              </a:lnSpc>
-              <a:buFont typeface="Wingdings" charset="2"/>
-              <a:buChar char="p"/>
-            </a:pPr>
-            <a:r>
-              <a:rPr lang="zh-CN" altLang="en-US" sz="1600">
-                <a:solidFill>
-                  <a:schemeClr val="tx1">
-                    <a:lumMod val="65000"/>
-                    <a:lumOff val="35000"/>
-                  </a:schemeClr>
-                </a:solidFill>
-                <a:latin typeface="微软雅黑" panose="020B0503020204020204" pitchFamily="34" charset="-122"/>
-                <a:ea typeface="微软雅黑" panose="020B0503020204020204" pitchFamily="34" charset="-122"/>
-              </a:rPr>
-              <a:t>用于监听</a:t>
-            </a:r>
-            <a:r>
-              <a:rPr lang="en-US" altLang="zh-CN" sz="1600">
-                <a:solidFill>
-                  <a:schemeClr val="tx1">
-                    <a:lumMod val="65000"/>
-                    <a:lumOff val="35000"/>
-                  </a:schemeClr>
-                </a:solidFill>
-                <a:latin typeface="微软雅黑" panose="020B0503020204020204" pitchFamily="34" charset="-122"/>
-                <a:ea typeface="微软雅黑" panose="020B0503020204020204" pitchFamily="34" charset="-122"/>
-              </a:rPr>
-              <a:t>RunLoop</a:t>
-            </a:r>
-            <a:r>
-              <a:rPr lang="zh-CN" altLang="en-US" sz="1600">
-                <a:solidFill>
-                  <a:schemeClr val="tx1">
-                    <a:lumMod val="65000"/>
-                    <a:lumOff val="35000"/>
-                  </a:schemeClr>
-                </a:solidFill>
-                <a:latin typeface="微软雅黑" panose="020B0503020204020204" pitchFamily="34" charset="-122"/>
-                <a:ea typeface="微软雅黑" panose="020B0503020204020204" pitchFamily="34" charset="-122"/>
-              </a:rPr>
-              <a:t>的状态</a:t>
-            </a:r>
-            <a:endParaRPr lang="en-US" altLang="zh-CN" sz="1600">
+            <a:endParaRPr lang="en-US" altLang="zh-CN" sz="1600" dirty="0">
               <a:solidFill>
                 <a:schemeClr val="tx1">
                   <a:lumMod val="65000"/>
@@ -4854,57 +4765,70 @@
                 <a:spcPts val="2200"/>
               </a:lnSpc>
               <a:buFont typeface="Wingdings" charset="2"/>
+              <a:buChar char="n"/>
+            </a:pPr>
+            <a:r>
+              <a:rPr lang="en-US" altLang="zh-CN" sz="1600" dirty="0">
+                <a:solidFill>
+                  <a:schemeClr val="tx1">
+                    <a:lumMod val="65000"/>
+                    <a:lumOff val="35000"/>
+                  </a:schemeClr>
+                </a:solidFill>
+                <a:latin typeface="微软雅黑" panose="020B0503020204020204" pitchFamily="34" charset="-122"/>
+                <a:ea typeface="微软雅黑" panose="020B0503020204020204" pitchFamily="34" charset="-122"/>
+              </a:rPr>
+              <a:t>Observers</a:t>
+            </a:r>
+          </a:p>
+          <a:p>
+            <a:pPr marL="342900" indent="-342900">
+              <a:lnSpc>
+                <a:spcPts val="2200"/>
+              </a:lnSpc>
+              <a:buFont typeface="Wingdings" charset="2"/>
               <a:buChar char="p"/>
             </a:pPr>
             <a:r>
-              <a:rPr lang="en-US" altLang="zh-CN" sz="1600">
-                <a:solidFill>
-                  <a:schemeClr val="tx1">
-                    <a:lumMod val="65000"/>
-                    <a:lumOff val="35000"/>
-                  </a:schemeClr>
-                </a:solidFill>
-                <a:latin typeface="微软雅黑" panose="020B0503020204020204" pitchFamily="34" charset="-122"/>
-                <a:ea typeface="微软雅黑" panose="020B0503020204020204" pitchFamily="34" charset="-122"/>
-              </a:rPr>
-              <a:t>UI</a:t>
-            </a:r>
-            <a:r>
-              <a:rPr lang="zh-CN" altLang="en-US" sz="1600">
-                <a:solidFill>
-                  <a:schemeClr val="tx1">
-                    <a:lumMod val="65000"/>
-                    <a:lumOff val="35000"/>
-                  </a:schemeClr>
-                </a:solidFill>
-                <a:latin typeface="微软雅黑" panose="020B0503020204020204" pitchFamily="34" charset="-122"/>
-                <a:ea typeface="微软雅黑" panose="020B0503020204020204" pitchFamily="34" charset="-122"/>
-              </a:rPr>
-              <a:t>刷新（</a:t>
-            </a:r>
-            <a:r>
-              <a:rPr lang="en-US" altLang="zh-CN" sz="1600">
-                <a:solidFill>
-                  <a:srgbClr val="000000"/>
-                </a:solidFill>
-                <a:latin typeface="Menlo-Regular" charset="0"/>
-              </a:rPr>
-              <a:t>BeforeWaiting</a:t>
-            </a:r>
-            <a:r>
-              <a:rPr lang="zh-CN" altLang="en-US" sz="1600">
-                <a:solidFill>
-                  <a:schemeClr val="tx1">
-                    <a:lumMod val="65000"/>
-                    <a:lumOff val="35000"/>
-                  </a:schemeClr>
-                </a:solidFill>
-                <a:latin typeface="微软雅黑" panose="020B0503020204020204" pitchFamily="34" charset="-122"/>
-                <a:ea typeface="微软雅黑" panose="020B0503020204020204" pitchFamily="34" charset="-122"/>
-              </a:rPr>
-              <a:t>）</a:t>
-            </a:r>
-            <a:endParaRPr lang="en-US" altLang="zh-CN" sz="1600">
+              <a:rPr lang="zh-CN" altLang="en-US" sz="1600" dirty="0">
+                <a:solidFill>
+                  <a:schemeClr val="tx1">
+                    <a:lumMod val="65000"/>
+                    <a:lumOff val="35000"/>
+                  </a:schemeClr>
+                </a:solidFill>
+                <a:latin typeface="微软雅黑" panose="020B0503020204020204" pitchFamily="34" charset="-122"/>
+                <a:ea typeface="微软雅黑" panose="020B0503020204020204" pitchFamily="34" charset="-122"/>
+              </a:rPr>
+              <a:t>用于监听</a:t>
+            </a:r>
+            <a:r>
+              <a:rPr lang="en-US" altLang="zh-CN" sz="1600" dirty="0" err="1">
+                <a:solidFill>
+                  <a:schemeClr val="tx1">
+                    <a:lumMod val="65000"/>
+                    <a:lumOff val="35000"/>
+                  </a:schemeClr>
+                </a:solidFill>
+                <a:latin typeface="微软雅黑" panose="020B0503020204020204" pitchFamily="34" charset="-122"/>
+                <a:ea typeface="微软雅黑" panose="020B0503020204020204" pitchFamily="34" charset="-122"/>
+              </a:rPr>
+              <a:t>RunLoop</a:t>
+            </a:r>
+            <a:r>
+              <a:rPr lang="zh-CN" altLang="en-US" sz="1600" dirty="0">
+                <a:solidFill>
+                  <a:schemeClr val="tx1">
+                    <a:lumMod val="65000"/>
+                    <a:lumOff val="35000"/>
+                  </a:schemeClr>
+                </a:solidFill>
+                <a:latin typeface="微软雅黑" panose="020B0503020204020204" pitchFamily="34" charset="-122"/>
+                <a:ea typeface="微软雅黑" panose="020B0503020204020204" pitchFamily="34" charset="-122"/>
+              </a:rPr>
+              <a:t>的状态</a:t>
+            </a:r>
+            <a:endParaRPr lang="en-US" altLang="zh-CN" sz="1600" dirty="0">
               <a:solidFill>
                 <a:schemeClr val="tx1">
                   <a:lumMod val="65000"/>
@@ -4924,59 +4848,33 @@
               <a:buChar char="p"/>
             </a:pPr>
             <a:r>
-              <a:rPr lang="en-US" altLang="zh-CN" sz="1600">
-                <a:solidFill>
-                  <a:schemeClr val="tx1">
-                    <a:lumMod val="65000"/>
-                    <a:lumOff val="35000"/>
-                  </a:schemeClr>
-                </a:solidFill>
-                <a:latin typeface="微软雅黑" panose="020B0503020204020204" pitchFamily="34" charset="-122"/>
-                <a:ea typeface="微软雅黑" panose="020B0503020204020204" pitchFamily="34" charset="-122"/>
-              </a:rPr>
-              <a:t>Autorelease</a:t>
-            </a:r>
-            <a:r>
-              <a:rPr lang="zh-CN" altLang="en-US" sz="1600">
-                <a:solidFill>
-                  <a:schemeClr val="tx1">
-                    <a:lumMod val="65000"/>
-                    <a:lumOff val="35000"/>
-                  </a:schemeClr>
-                </a:solidFill>
-                <a:latin typeface="微软雅黑" panose="020B0503020204020204" pitchFamily="34" charset="-122"/>
-                <a:ea typeface="微软雅黑" panose="020B0503020204020204" pitchFamily="34" charset="-122"/>
-              </a:rPr>
-              <a:t> </a:t>
-            </a:r>
-            <a:r>
-              <a:rPr lang="en-US" altLang="zh-CN" sz="1600">
-                <a:solidFill>
-                  <a:schemeClr val="tx1">
-                    <a:lumMod val="65000"/>
-                    <a:lumOff val="35000"/>
-                  </a:schemeClr>
-                </a:solidFill>
-                <a:latin typeface="微软雅黑" panose="020B0503020204020204" pitchFamily="34" charset="-122"/>
-                <a:ea typeface="微软雅黑" panose="020B0503020204020204" pitchFamily="34" charset="-122"/>
-              </a:rPr>
-              <a:t>pool</a:t>
-            </a:r>
-            <a:r>
-              <a:rPr lang="zh-CN" altLang="en-US" sz="1600">
-                <a:solidFill>
-                  <a:schemeClr val="tx1">
-                    <a:lumMod val="65000"/>
-                    <a:lumOff val="35000"/>
-                  </a:schemeClr>
-                </a:solidFill>
-                <a:latin typeface="微软雅黑" panose="020B0503020204020204" pitchFamily="34" charset="-122"/>
-                <a:ea typeface="微软雅黑" panose="020B0503020204020204" pitchFamily="34" charset="-122"/>
-              </a:rPr>
-              <a:t>（</a:t>
-            </a:r>
-            <a:r>
-              <a:rPr lang="en-US" altLang="zh-CN" sz="1600">
+              <a:rPr lang="en-US" altLang="zh-CN" sz="1600" dirty="0">
+                <a:solidFill>
+                  <a:schemeClr val="tx1">
+                    <a:lumMod val="65000"/>
+                    <a:lumOff val="35000"/>
+                  </a:schemeClr>
+                </a:solidFill>
+                <a:latin typeface="微软雅黑" panose="020B0503020204020204" pitchFamily="34" charset="-122"/>
+                <a:ea typeface="微软雅黑" panose="020B0503020204020204" pitchFamily="34" charset="-122"/>
+              </a:rPr>
+              <a:t>UI</a:t>
+            </a:r>
+            <a:r>
+              <a:rPr lang="zh-CN" altLang="en-US" sz="1600" dirty="0">
+                <a:solidFill>
+                  <a:schemeClr val="tx1">
+                    <a:lumMod val="65000"/>
+                    <a:lumOff val="35000"/>
+                  </a:schemeClr>
+                </a:solidFill>
+                <a:latin typeface="微软雅黑" panose="020B0503020204020204" pitchFamily="34" charset="-122"/>
+                <a:ea typeface="微软雅黑" panose="020B0503020204020204" pitchFamily="34" charset="-122"/>
+              </a:rPr>
+              <a:t>刷新（</a:t>
+            </a:r>
+            <a:r>
+              <a:rPr lang="en-US" altLang="zh-CN" sz="1600" dirty="0" err="1">
                 <a:solidFill>
                   <a:srgbClr val="000000"/>
                 </a:solidFill>
@@ -4985,7 +4883,7 @@
               <a:t>BeforeWaiting</a:t>
             </a:r>
             <a:r>
-              <a:rPr lang="zh-CN" altLang="en-US" sz="1600">
+              <a:rPr lang="zh-CN" altLang="en-US" sz="1600" dirty="0">
                 <a:solidFill>
                   <a:schemeClr val="tx1">
                     <a:lumMod val="65000"/>
@@ -4997,7 +4895,7 @@
               </a:rPr>
               <a:t>）</a:t>
             </a:r>
-            <a:endParaRPr lang="en-US" altLang="zh-CN" sz="1600">
+            <a:endParaRPr lang="en-US" altLang="zh-CN" sz="1600" dirty="0">
               <a:solidFill>
                 <a:schemeClr val="tx1">
                   <a:lumMod val="65000"/>
@@ -5016,7 +4914,100 @@
               <a:buFont typeface="Wingdings" charset="2"/>
               <a:buChar char="p"/>
             </a:pPr>
-            <a:endParaRPr lang="en-US" altLang="zh-CN" sz="1600">
+            <a:r>
+              <a:rPr lang="en-US" altLang="zh-CN" sz="1600" dirty="0" err="1">
+                <a:solidFill>
+                  <a:schemeClr val="tx1">
+                    <a:lumMod val="65000"/>
+                    <a:lumOff val="35000"/>
+                  </a:schemeClr>
+                </a:solidFill>
+                <a:latin typeface="微软雅黑" panose="020B0503020204020204" pitchFamily="34" charset="-122"/>
+                <a:ea typeface="微软雅黑" panose="020B0503020204020204" pitchFamily="34" charset="-122"/>
+              </a:rPr>
+              <a:t>Autorelease</a:t>
+            </a:r>
+            <a:r>
+              <a:rPr lang="zh-CN" altLang="en-US" sz="1600" dirty="0">
+                <a:solidFill>
+                  <a:schemeClr val="tx1">
+                    <a:lumMod val="65000"/>
+                    <a:lumOff val="35000"/>
+                  </a:schemeClr>
+                </a:solidFill>
+                <a:latin typeface="微软雅黑" panose="020B0503020204020204" pitchFamily="34" charset="-122"/>
+                <a:ea typeface="微软雅黑" panose="020B0503020204020204" pitchFamily="34" charset="-122"/>
+              </a:rPr>
+              <a:t> </a:t>
+            </a:r>
+            <a:r>
+              <a:rPr lang="en-US" altLang="zh-CN" sz="1600" dirty="0">
+                <a:solidFill>
+                  <a:schemeClr val="tx1">
+                    <a:lumMod val="65000"/>
+                    <a:lumOff val="35000"/>
+                  </a:schemeClr>
+                </a:solidFill>
+                <a:latin typeface="微软雅黑" panose="020B0503020204020204" pitchFamily="34" charset="-122"/>
+                <a:ea typeface="微软雅黑" panose="020B0503020204020204" pitchFamily="34" charset="-122"/>
+              </a:rPr>
+              <a:t>pool</a:t>
+            </a:r>
+            <a:r>
+              <a:rPr lang="zh-CN" altLang="en-US" sz="1600" dirty="0">
+                <a:solidFill>
+                  <a:schemeClr val="tx1">
+                    <a:lumMod val="65000"/>
+                    <a:lumOff val="35000"/>
+                  </a:schemeClr>
+                </a:solidFill>
+                <a:latin typeface="微软雅黑" panose="020B0503020204020204" pitchFamily="34" charset="-122"/>
+                <a:ea typeface="微软雅黑" panose="020B0503020204020204" pitchFamily="34" charset="-122"/>
+              </a:rPr>
+              <a:t>（</a:t>
+            </a:r>
+            <a:r>
+              <a:rPr lang="en-US" altLang="zh-CN" sz="1600" dirty="0" err="1">
+                <a:solidFill>
+                  <a:srgbClr val="000000"/>
+                </a:solidFill>
+                <a:latin typeface="Menlo-Regular" charset="0"/>
+              </a:rPr>
+              <a:t>BeforeWaiting</a:t>
+            </a:r>
+            <a:r>
+              <a:rPr lang="zh-CN" altLang="en-US" sz="1600" dirty="0">
+                <a:solidFill>
+                  <a:schemeClr val="tx1">
+                    <a:lumMod val="65000"/>
+                    <a:lumOff val="35000"/>
+                  </a:schemeClr>
+                </a:solidFill>
+                <a:latin typeface="微软雅黑" panose="020B0503020204020204" pitchFamily="34" charset="-122"/>
+                <a:ea typeface="微软雅黑" panose="020B0503020204020204" pitchFamily="34" charset="-122"/>
+              </a:rPr>
+              <a:t>）</a:t>
+            </a:r>
+            <a:endParaRPr lang="en-US" altLang="zh-CN" sz="1600" dirty="0">
+              <a:solidFill>
+                <a:schemeClr val="tx1">
+                  <a:lumMod val="65000"/>
+                  <a:lumOff val="35000"/>
+                </a:schemeClr>
+              </a:solidFill>
+              <a:latin typeface="微软雅黑" panose="020B0503020204020204" pitchFamily="34" charset="-122"/>
+              <a:ea typeface="微软雅黑" panose="020B0503020204020204" pitchFamily="34" charset="-122"/>
+            </a:endParaRPr>
+          </a:p>
+          <a:p>
+            <a:pPr marL="342900" indent="-342900">
+              <a:lnSpc>
+                <a:spcPts val="2200"/>
+              </a:lnSpc>
+              <a:buFont typeface="Wingdings" charset="2"/>
+              <a:buChar char="p"/>
+            </a:pPr>
+            <a:endParaRPr lang="en-US" altLang="zh-CN" sz="1600" dirty="0">
               <a:solidFill>
                 <a:schemeClr val="tx1">
                   <a:lumMod val="65000"/>
@@ -7013,7 +7004,7 @@
           <p:cNvPr id="4" name="标题 3">
             <a:extLst>
               <a:ext uri="{FF2B5EF4-FFF2-40B4-BE49-F238E27FC236}">
-                <a16:creationId xmlns:a16="http://schemas.microsoft.com/office/drawing/2014/main" xmlns="" id="{5DCC7AE5-7EF9-4964-8408-F84B72D5D253}"/>
+                <a16:creationId xmlns:a16="http://schemas.microsoft.com/office/drawing/2014/main" id="{5DCC7AE5-7EF9-4964-8408-F84B72D5D253}"/>
               </a:ext>
             </a:extLst>
           </p:cNvPr>
@@ -10863,7 +10854,7 @@
           <p:cNvPr id="4" name="标题 3">
             <a:extLst>
               <a:ext uri="{FF2B5EF4-FFF2-40B4-BE49-F238E27FC236}">
-                <a16:creationId xmlns:a16="http://schemas.microsoft.com/office/drawing/2014/main" xmlns="" id="{5DCC7AE5-7EF9-4964-8408-F84B72D5D253}"/>
+                <a16:creationId xmlns:a16="http://schemas.microsoft.com/office/drawing/2014/main" id="{5DCC7AE5-7EF9-4964-8408-F84B72D5D253}"/>
               </a:ext>
             </a:extLst>
           </p:cNvPr>
@@ -11860,7 +11851,7 @@
           <p:cNvPr id="4" name="标题 3">
             <a:extLst>
               <a:ext uri="{FF2B5EF4-FFF2-40B4-BE49-F238E27FC236}">
-                <a16:creationId xmlns:a16="http://schemas.microsoft.com/office/drawing/2014/main" xmlns="" id="{5DCC7AE5-7EF9-4964-8408-F84B72D5D253}"/>
+                <a16:creationId xmlns:a16="http://schemas.microsoft.com/office/drawing/2014/main" id="{5DCC7AE5-7EF9-4964-8408-F84B72D5D253}"/>
               </a:ext>
             </a:extLst>
           </p:cNvPr>
@@ -12445,7 +12436,7 @@
           <p:cNvPr id="4" name="标题 3">
             <a:extLst>
               <a:ext uri="{FF2B5EF4-FFF2-40B4-BE49-F238E27FC236}">
-                <a16:creationId xmlns:a16="http://schemas.microsoft.com/office/drawing/2014/main" xmlns="" id="{5DCC7AE5-7EF9-4964-8408-F84B72D5D253}"/>
+                <a16:creationId xmlns:a16="http://schemas.microsoft.com/office/drawing/2014/main" id="{5DCC7AE5-7EF9-4964-8408-F84B72D5D253}"/>
               </a:ext>
             </a:extLst>
           </p:cNvPr>
@@ -13714,7 +13705,7 @@
           <p:cNvPr id="4" name="标题 3">
             <a:extLst>
               <a:ext uri="{FF2B5EF4-FFF2-40B4-BE49-F238E27FC236}">
-                <a16:creationId xmlns:a16="http://schemas.microsoft.com/office/drawing/2014/main" xmlns="" id="{5DCC7AE5-7EF9-4964-8408-F84B72D5D253}"/>
+                <a16:creationId xmlns:a16="http://schemas.microsoft.com/office/drawing/2014/main" id="{5DCC7AE5-7EF9-4964-8408-F84B72D5D253}"/>
               </a:ext>
             </a:extLst>
           </p:cNvPr>
@@ -13750,7 +13741,7 @@
         </p:nvSpPr>
         <p:spPr>
           <a:xfrm>
-            <a:off x="343593" y="1357811"/>
+            <a:off x="200428" y="1357811"/>
             <a:ext cx="3860272" cy="967461"/>
           </a:xfrm>
           <a:prstGeom prst="rect">
@@ -13772,7 +13763,7 @@
               <a:buChar char="n"/>
             </a:pPr>
             <a:r>
-              <a:rPr lang="zh-CN" altLang="en-US" sz="1600">
+              <a:rPr lang="zh-CN" altLang="en-US" sz="1600" dirty="0">
                 <a:solidFill>
                   <a:schemeClr val="tx1">
                     <a:lumMod val="65000"/>
@@ -13784,7 +13775,7 @@
               </a:rPr>
               <a:t>顾名思义</a:t>
             </a:r>
-            <a:endParaRPr lang="en-US" altLang="zh-CN" sz="1600">
+            <a:endParaRPr lang="en-US" altLang="zh-CN" sz="1600" dirty="0">
               <a:solidFill>
                 <a:schemeClr val="tx1">
                   <a:lumMod val="65000"/>
@@ -13804,7 +13795,7 @@
               <a:buChar char="p"/>
             </a:pPr>
             <a:r>
-              <a:rPr lang="zh-CN" altLang="en-US" sz="1600">
+              <a:rPr lang="zh-CN" altLang="en-US" sz="1600" dirty="0">
                 <a:solidFill>
                   <a:schemeClr val="tx1">
                     <a:lumMod val="65000"/>
@@ -13816,7 +13807,7 @@
               </a:rPr>
               <a:t>运行循环</a:t>
             </a:r>
-            <a:endParaRPr lang="en-US" altLang="zh-CN" sz="1600">
+            <a:endParaRPr lang="en-US" altLang="zh-CN" sz="1600" dirty="0">
               <a:solidFill>
                 <a:schemeClr val="tx1">
                   <a:lumMod val="65000"/>
@@ -13836,7 +13827,7 @@
               <a:buChar char="p"/>
             </a:pPr>
             <a:r>
-              <a:rPr lang="zh-CN" altLang="en-US" sz="1600">
+              <a:rPr lang="zh-CN" altLang="en-US" sz="1600" dirty="0">
                 <a:solidFill>
                   <a:schemeClr val="tx1">
                     <a:lumMod val="65000"/>
@@ -13848,7 +13839,7 @@
               </a:rPr>
               <a:t>在程序运行过程中循环做一些事情</a:t>
             </a:r>
-            <a:endParaRPr lang="en-US" altLang="zh-CN" sz="1600">
+            <a:endParaRPr lang="en-US" altLang="zh-CN" sz="1600" dirty="0">
               <a:solidFill>
                 <a:schemeClr val="tx1">
                   <a:lumMod val="65000"/>
@@ -13921,7 +13912,7 @@
               <a:buChar char="n"/>
             </a:pPr>
             <a:r>
-              <a:rPr lang="zh-CN" altLang="en-US" sz="1600">
+              <a:rPr lang="zh-CN" altLang="en-US" sz="1600" dirty="0">
                 <a:solidFill>
                   <a:schemeClr val="tx1">
                     <a:lumMod val="65000"/>
@@ -13933,7 +13924,7 @@
               </a:rPr>
               <a:t>应用范畴</a:t>
             </a:r>
-            <a:endParaRPr lang="en-US" altLang="zh-CN" sz="1600">
+            <a:endParaRPr lang="en-US" altLang="zh-CN" sz="1600" dirty="0">
               <a:solidFill>
                 <a:schemeClr val="tx1">
                   <a:lumMod val="65000"/>
@@ -13953,7 +13944,7 @@
               <a:buChar char="p"/>
             </a:pPr>
             <a:r>
-              <a:rPr lang="zh-CN" altLang="en-US" sz="1600">
+              <a:rPr lang="zh-CN" altLang="en-US" sz="1600" dirty="0">
                 <a:solidFill>
                   <a:schemeClr val="tx1">
                     <a:lumMod val="65000"/>
@@ -13966,7 +13957,7 @@
               <a:t>定时器（</a:t>
             </a:r>
             <a:r>
-              <a:rPr lang="en-US" altLang="zh-CN" sz="1600">
+              <a:rPr lang="en-US" altLang="zh-CN" sz="1600" dirty="0">
                 <a:solidFill>
                   <a:schemeClr val="tx1">
                     <a:lumMod val="65000"/>
@@ -13979,7 +13970,7 @@
               <a:t>Timer</a:t>
             </a:r>
             <a:r>
-              <a:rPr lang="zh-CN" altLang="en-US" sz="1600">
+              <a:rPr lang="zh-CN" altLang="en-US" sz="1600" dirty="0">
                 <a:solidFill>
                   <a:schemeClr val="tx1">
                     <a:lumMod val="65000"/>
@@ -13992,7 +13983,7 @@
               <a:t>）、</a:t>
             </a:r>
             <a:r>
-              <a:rPr lang="en-US" altLang="zh-CN" sz="1600">
+              <a:rPr lang="en-US" altLang="zh-CN" sz="1600" dirty="0" err="1">
                 <a:solidFill>
                   <a:schemeClr val="tx1">
                     <a:lumMod val="65000"/>
@@ -14004,129 +13995,7 @@
               </a:rPr>
               <a:t>PerformSelector</a:t>
             </a:r>
-          </a:p>
-          <a:p>
-            <a:pPr marL="342900" indent="-342900">
-              <a:lnSpc>
-                <a:spcPts val="2200"/>
-              </a:lnSpc>
-              <a:buFont typeface="Wingdings" charset="2"/>
-              <a:buChar char="p"/>
-            </a:pPr>
-            <a:r>
-              <a:rPr lang="en-US" altLang="zh-CN" sz="1600">
-                <a:solidFill>
-                  <a:schemeClr val="tx1">
-                    <a:lumMod val="65000"/>
-                    <a:lumOff val="35000"/>
-                  </a:schemeClr>
-                </a:solidFill>
-                <a:latin typeface="微软雅黑" panose="020B0503020204020204" pitchFamily="34" charset="-122"/>
-                <a:ea typeface="微软雅黑" panose="020B0503020204020204" pitchFamily="34" charset="-122"/>
-              </a:rPr>
-              <a:t>GCD</a:t>
-            </a:r>
-            <a:r>
-              <a:rPr lang="zh-CN" altLang="en-US" sz="1600">
-                <a:solidFill>
-                  <a:schemeClr val="tx1">
-                    <a:lumMod val="65000"/>
-                    <a:lumOff val="35000"/>
-                  </a:schemeClr>
-                </a:solidFill>
-                <a:latin typeface="微软雅黑" panose="020B0503020204020204" pitchFamily="34" charset="-122"/>
-                <a:ea typeface="微软雅黑" panose="020B0503020204020204" pitchFamily="34" charset="-122"/>
-              </a:rPr>
-              <a:t> </a:t>
-            </a:r>
-            <a:r>
-              <a:rPr lang="en-US" altLang="zh-CN" sz="1600">
-                <a:solidFill>
-                  <a:schemeClr val="tx1">
-                    <a:lumMod val="65000"/>
-                    <a:lumOff val="35000"/>
-                  </a:schemeClr>
-                </a:solidFill>
-                <a:latin typeface="微软雅黑" panose="020B0503020204020204" pitchFamily="34" charset="-122"/>
-                <a:ea typeface="微软雅黑" panose="020B0503020204020204" pitchFamily="34" charset="-122"/>
-              </a:rPr>
-              <a:t>Async</a:t>
-            </a:r>
-            <a:r>
-              <a:rPr lang="zh-CN" altLang="en-US" sz="1600">
-                <a:solidFill>
-                  <a:schemeClr val="tx1">
-                    <a:lumMod val="65000"/>
-                    <a:lumOff val="35000"/>
-                  </a:schemeClr>
-                </a:solidFill>
-                <a:latin typeface="微软雅黑" panose="020B0503020204020204" pitchFamily="34" charset="-122"/>
-                <a:ea typeface="微软雅黑" panose="020B0503020204020204" pitchFamily="34" charset="-122"/>
-              </a:rPr>
-              <a:t> </a:t>
-            </a:r>
-            <a:r>
-              <a:rPr lang="en-US" altLang="zh-CN" sz="1600">
-                <a:solidFill>
-                  <a:schemeClr val="tx1">
-                    <a:lumMod val="65000"/>
-                    <a:lumOff val="35000"/>
-                  </a:schemeClr>
-                </a:solidFill>
-                <a:latin typeface="微软雅黑" panose="020B0503020204020204" pitchFamily="34" charset="-122"/>
-                <a:ea typeface="微软雅黑" panose="020B0503020204020204" pitchFamily="34" charset="-122"/>
-              </a:rPr>
-              <a:t>Main</a:t>
-            </a:r>
-            <a:r>
-              <a:rPr lang="zh-CN" altLang="en-US" sz="1600">
-                <a:solidFill>
-                  <a:schemeClr val="tx1">
-                    <a:lumMod val="65000"/>
-                    <a:lumOff val="35000"/>
-                  </a:schemeClr>
-                </a:solidFill>
-                <a:latin typeface="微软雅黑" panose="020B0503020204020204" pitchFamily="34" charset="-122"/>
-                <a:ea typeface="微软雅黑" panose="020B0503020204020204" pitchFamily="34" charset="-122"/>
-              </a:rPr>
-              <a:t> </a:t>
-            </a:r>
-            <a:r>
-              <a:rPr lang="en-US" altLang="zh-CN" sz="1600">
-                <a:solidFill>
-                  <a:schemeClr val="tx1">
-                    <a:lumMod val="65000"/>
-                    <a:lumOff val="35000"/>
-                  </a:schemeClr>
-                </a:solidFill>
-                <a:latin typeface="微软雅黑" panose="020B0503020204020204" pitchFamily="34" charset="-122"/>
-                <a:ea typeface="微软雅黑" panose="020B0503020204020204" pitchFamily="34" charset="-122"/>
-              </a:rPr>
-              <a:t>Queue</a:t>
-            </a:r>
-          </a:p>
-          <a:p>
-            <a:pPr marL="342900" indent="-342900">
-              <a:lnSpc>
-                <a:spcPts val="2200"/>
-              </a:lnSpc>
-              <a:buFont typeface="Wingdings" charset="2"/>
-              <a:buChar char="p"/>
-            </a:pPr>
-            <a:r>
-              <a:rPr lang="zh-CN" altLang="en-US" sz="1600">
-                <a:solidFill>
-                  <a:schemeClr val="tx1">
-                    <a:lumMod val="65000"/>
-                    <a:lumOff val="35000"/>
-                  </a:schemeClr>
-                </a:solidFill>
-                <a:latin typeface="微软雅黑" panose="020B0503020204020204" pitchFamily="34" charset="-122"/>
-                <a:ea typeface="微软雅黑" panose="020B0503020204020204" pitchFamily="34" charset="-122"/>
-              </a:rPr>
-              <a:t>事件响应、手势识别、界面刷新</a:t>
-            </a:r>
-            <a:endParaRPr lang="en-US" altLang="zh-CN" sz="1600">
+            <a:endParaRPr lang="en-US" altLang="zh-CN" sz="1600" dirty="0">
               <a:solidFill>
                 <a:schemeClr val="tx1">
                   <a:lumMod val="65000"/>
@@ -14146,19 +14015,119 @@
               <a:buChar char="p"/>
             </a:pPr>
             <a:r>
-              <a:rPr lang="zh-CN" altLang="en-US" sz="1600">
-                <a:solidFill>
-                  <a:schemeClr val="tx1">
-                    <a:lumMod val="65000"/>
-                    <a:lumOff val="35000"/>
-                  </a:schemeClr>
-                </a:solidFill>
-                <a:latin typeface="微软雅黑" panose="020B0503020204020204" pitchFamily="34" charset="-122"/>
-                <a:ea typeface="微软雅黑" panose="020B0503020204020204" pitchFamily="34" charset="-122"/>
-              </a:rPr>
-              <a:t>网络请求</a:t>
-            </a:r>
-            <a:endParaRPr lang="en-US" altLang="zh-CN" sz="1600">
+              <a:rPr lang="en-US" altLang="zh-CN" sz="1600" dirty="0">
+                <a:solidFill>
+                  <a:schemeClr val="tx1">
+                    <a:lumMod val="65000"/>
+                    <a:lumOff val="35000"/>
+                  </a:schemeClr>
+                </a:solidFill>
+                <a:latin typeface="微软雅黑" panose="020B0503020204020204" pitchFamily="34" charset="-122"/>
+                <a:ea typeface="微软雅黑" panose="020B0503020204020204" pitchFamily="34" charset="-122"/>
+              </a:rPr>
+              <a:t>GCD</a:t>
+            </a:r>
+            <a:r>
+              <a:rPr lang="zh-CN" altLang="en-US" sz="1600" dirty="0">
+                <a:solidFill>
+                  <a:schemeClr val="tx1">
+                    <a:lumMod val="65000"/>
+                    <a:lumOff val="35000"/>
+                  </a:schemeClr>
+                </a:solidFill>
+                <a:latin typeface="微软雅黑" panose="020B0503020204020204" pitchFamily="34" charset="-122"/>
+                <a:ea typeface="微软雅黑" panose="020B0503020204020204" pitchFamily="34" charset="-122"/>
+              </a:rPr>
+              <a:t> </a:t>
+            </a:r>
+            <a:r>
+              <a:rPr lang="en-US" altLang="zh-CN" sz="1600" dirty="0" err="1">
+                <a:solidFill>
+                  <a:schemeClr val="tx1">
+                    <a:lumMod val="65000"/>
+                    <a:lumOff val="35000"/>
+                  </a:schemeClr>
+                </a:solidFill>
+                <a:latin typeface="微软雅黑" panose="020B0503020204020204" pitchFamily="34" charset="-122"/>
+                <a:ea typeface="微软雅黑" panose="020B0503020204020204" pitchFamily="34" charset="-122"/>
+              </a:rPr>
+              <a:t>Async</a:t>
+            </a:r>
+            <a:r>
+              <a:rPr lang="zh-CN" altLang="en-US" sz="1600" dirty="0">
+                <a:solidFill>
+                  <a:schemeClr val="tx1">
+                    <a:lumMod val="65000"/>
+                    <a:lumOff val="35000"/>
+                  </a:schemeClr>
+                </a:solidFill>
+                <a:latin typeface="微软雅黑" panose="020B0503020204020204" pitchFamily="34" charset="-122"/>
+                <a:ea typeface="微软雅黑" panose="020B0503020204020204" pitchFamily="34" charset="-122"/>
+              </a:rPr>
+              <a:t> </a:t>
+            </a:r>
+            <a:r>
+              <a:rPr lang="en-US" altLang="zh-CN" sz="1600" dirty="0">
+                <a:solidFill>
+                  <a:schemeClr val="tx1">
+                    <a:lumMod val="65000"/>
+                    <a:lumOff val="35000"/>
+                  </a:schemeClr>
+                </a:solidFill>
+                <a:latin typeface="微软雅黑" panose="020B0503020204020204" pitchFamily="34" charset="-122"/>
+                <a:ea typeface="微软雅黑" panose="020B0503020204020204" pitchFamily="34" charset="-122"/>
+              </a:rPr>
+              <a:t>Main</a:t>
+            </a:r>
+            <a:r>
+              <a:rPr lang="zh-CN" altLang="en-US" sz="1600" dirty="0">
+                <a:solidFill>
+                  <a:schemeClr val="tx1">
+                    <a:lumMod val="65000"/>
+                    <a:lumOff val="35000"/>
+                  </a:schemeClr>
+                </a:solidFill>
+                <a:latin typeface="微软雅黑" panose="020B0503020204020204" pitchFamily="34" charset="-122"/>
+                <a:ea typeface="微软雅黑" panose="020B0503020204020204" pitchFamily="34" charset="-122"/>
+              </a:rPr>
+              <a:t> </a:t>
+            </a:r>
+            <a:r>
+              <a:rPr lang="en-US" altLang="zh-CN" sz="1600" dirty="0">
+                <a:solidFill>
+                  <a:schemeClr val="tx1">
+                    <a:lumMod val="65000"/>
+                    <a:lumOff val="35000"/>
+                  </a:schemeClr>
+                </a:solidFill>
+                <a:latin typeface="微软雅黑" panose="020B0503020204020204" pitchFamily="34" charset="-122"/>
+                <a:ea typeface="微软雅黑" panose="020B0503020204020204" pitchFamily="34" charset="-122"/>
+              </a:rPr>
+              <a:t>Queue</a:t>
+            </a:r>
+          </a:p>
+          <a:p>
+            <a:pPr marL="342900" indent="-342900">
+              <a:lnSpc>
+                <a:spcPts val="2200"/>
+              </a:lnSpc>
+              <a:buFont typeface="Wingdings" charset="2"/>
+              <a:buChar char="p"/>
+            </a:pPr>
+            <a:r>
+              <a:rPr lang="zh-CN" altLang="en-US" sz="1600" dirty="0">
+                <a:solidFill>
+                  <a:schemeClr val="tx1">
+                    <a:lumMod val="65000"/>
+                    <a:lumOff val="35000"/>
+                  </a:schemeClr>
+                </a:solidFill>
+                <a:latin typeface="微软雅黑" panose="020B0503020204020204" pitchFamily="34" charset="-122"/>
+                <a:ea typeface="微软雅黑" panose="020B0503020204020204" pitchFamily="34" charset="-122"/>
+              </a:rPr>
+              <a:t>事件响应、手势识别、界面刷新</a:t>
+            </a:r>
+            <a:endParaRPr lang="en-US" altLang="zh-CN" sz="1600" dirty="0">
               <a:solidFill>
                 <a:schemeClr val="tx1">
                   <a:lumMod val="65000"/>
@@ -14178,7 +14147,39 @@
               <a:buChar char="p"/>
             </a:pPr>
             <a:r>
-              <a:rPr lang="en-US" altLang="zh-CN" sz="1600">
+              <a:rPr lang="zh-CN" altLang="en-US" sz="1600" dirty="0">
+                <a:solidFill>
+                  <a:schemeClr val="tx1">
+                    <a:lumMod val="65000"/>
+                    <a:lumOff val="35000"/>
+                  </a:schemeClr>
+                </a:solidFill>
+                <a:latin typeface="微软雅黑" panose="020B0503020204020204" pitchFamily="34" charset="-122"/>
+                <a:ea typeface="微软雅黑" panose="020B0503020204020204" pitchFamily="34" charset="-122"/>
+              </a:rPr>
+              <a:t>网络请求</a:t>
+            </a:r>
+            <a:endParaRPr lang="en-US" altLang="zh-CN" sz="1600" dirty="0">
+              <a:solidFill>
+                <a:schemeClr val="tx1">
+                  <a:lumMod val="65000"/>
+                  <a:lumOff val="35000"/>
+                </a:schemeClr>
+              </a:solidFill>
+              <a:latin typeface="微软雅黑" panose="020B0503020204020204" pitchFamily="34" charset="-122"/>
+              <a:ea typeface="微软雅黑" panose="020B0503020204020204" pitchFamily="34" charset="-122"/>
+            </a:endParaRPr>
+          </a:p>
+          <a:p>
+            <a:pPr marL="342900" indent="-342900">
+              <a:lnSpc>
+                <a:spcPts val="2200"/>
+              </a:lnSpc>
+              <a:buFont typeface="Wingdings" charset="2"/>
+              <a:buChar char="p"/>
+            </a:pPr>
+            <a:r>
+              <a:rPr lang="en-US" altLang="zh-CN" sz="1600" dirty="0" err="1">
                 <a:solidFill>
                   <a:schemeClr val="tx1">
                     <a:lumMod val="65000"/>
@@ -14190,6 +14191,16 @@
               </a:rPr>
               <a:t>AutoreleasePool</a:t>
             </a:r>
+            <a:endParaRPr lang="en-US" altLang="zh-CN" sz="1600" dirty="0">
+              <a:solidFill>
+                <a:schemeClr val="tx1">
+                  <a:lumMod val="65000"/>
+                  <a:lumOff val="35000"/>
+                </a:schemeClr>
+              </a:solidFill>
+              <a:latin typeface="微软雅黑" panose="020B0503020204020204" pitchFamily="34" charset="-122"/>
+              <a:ea typeface="微软雅黑" panose="020B0503020204020204" pitchFamily="34" charset="-122"/>
+            </a:endParaRPr>
           </a:p>
         </p:txBody>
       </p:sp>
@@ -14852,7 +14863,7 @@
           <p:cNvPr id="4" name="标题 3">
             <a:extLst>
               <a:ext uri="{FF2B5EF4-FFF2-40B4-BE49-F238E27FC236}">
-                <a16:creationId xmlns:a16="http://schemas.microsoft.com/office/drawing/2014/main" xmlns="" id="{5DCC7AE5-7EF9-4964-8408-F84B72D5D253}"/>
+                <a16:creationId xmlns:a16="http://schemas.microsoft.com/office/drawing/2014/main" id="{5DCC7AE5-7EF9-4964-8408-F84B72D5D253}"/>
               </a:ext>
             </a:extLst>
           </p:cNvPr>
@@ -15168,7 +15179,7 @@
           <p:cNvPr id="4" name="标题 3">
             <a:extLst>
               <a:ext uri="{FF2B5EF4-FFF2-40B4-BE49-F238E27FC236}">
-                <a16:creationId xmlns:a16="http://schemas.microsoft.com/office/drawing/2014/main" xmlns="" id="{5DCC7AE5-7EF9-4964-8408-F84B72D5D253}"/>
+                <a16:creationId xmlns:a16="http://schemas.microsoft.com/office/drawing/2014/main" id="{5DCC7AE5-7EF9-4964-8408-F84B72D5D253}"/>
               </a:ext>
             </a:extLst>
           </p:cNvPr>
@@ -16075,7 +16086,7 @@
           <p:cNvPr id="4" name="标题 3">
             <a:extLst>
               <a:ext uri="{FF2B5EF4-FFF2-40B4-BE49-F238E27FC236}">
-                <a16:creationId xmlns:a16="http://schemas.microsoft.com/office/drawing/2014/main" xmlns="" id="{5DCC7AE5-7EF9-4964-8408-F84B72D5D253}"/>
+                <a16:creationId xmlns:a16="http://schemas.microsoft.com/office/drawing/2014/main" id="{5DCC7AE5-7EF9-4964-8408-F84B72D5D253}"/>
               </a:ext>
             </a:extLst>
           </p:cNvPr>
@@ -16132,7 +16143,7 @@
               <a:buChar char="n"/>
             </a:pPr>
             <a:r>
-              <a:rPr lang="en-US" altLang="zh-CN" sz="1600">
+              <a:rPr lang="en-US" altLang="zh-CN" sz="1600" dirty="0">
                 <a:solidFill>
                   <a:schemeClr val="tx1">
                     <a:lumMod val="65000"/>
@@ -16145,7 +16156,7 @@
               <a:t>iOS</a:t>
             </a:r>
             <a:r>
-              <a:rPr lang="zh-CN" altLang="en-US" sz="1600">
+              <a:rPr lang="zh-CN" altLang="en-US" sz="1600" dirty="0">
                 <a:solidFill>
                   <a:schemeClr val="tx1">
                     <a:lumMod val="65000"/>
@@ -16158,7 +16169,7 @@
               <a:t>中有</a:t>
             </a:r>
             <a:r>
-              <a:rPr lang="en-US" altLang="zh-CN" sz="1600">
+              <a:rPr lang="en-US" altLang="zh-CN" sz="1600" dirty="0">
                 <a:solidFill>
                   <a:schemeClr val="tx1">
                     <a:lumMod val="65000"/>
@@ -16171,7 +16182,7 @@
               <a:t>2</a:t>
             </a:r>
             <a:r>
-              <a:rPr lang="zh-CN" altLang="en-US" sz="1600">
+              <a:rPr lang="zh-CN" altLang="en-US" sz="1600" dirty="0">
                 <a:solidFill>
                   <a:schemeClr val="tx1">
                     <a:lumMod val="65000"/>
@@ -16184,7 +16195,7 @@
               <a:t>套</a:t>
             </a:r>
             <a:r>
-              <a:rPr lang="en-US" altLang="zh-CN" sz="1600">
+              <a:rPr lang="en-US" altLang="zh-CN" sz="1600" dirty="0">
                 <a:solidFill>
                   <a:schemeClr val="tx1">
                     <a:lumMod val="65000"/>
@@ -16197,7 +16208,7 @@
               <a:t>API</a:t>
             </a:r>
             <a:r>
-              <a:rPr lang="zh-CN" altLang="en-US" sz="1600">
+              <a:rPr lang="zh-CN" altLang="en-US" sz="1600" dirty="0">
                 <a:solidFill>
                   <a:schemeClr val="tx1">
                     <a:lumMod val="65000"/>
@@ -16210,7 +16221,7 @@
               <a:t>来访问和使用</a:t>
             </a:r>
             <a:r>
-              <a:rPr lang="en-US" altLang="zh-CN" sz="1600">
+              <a:rPr lang="en-US" altLang="zh-CN" sz="1600" dirty="0" err="1">
                 <a:solidFill>
                   <a:schemeClr val="tx1">
                     <a:lumMod val="65000"/>
@@ -16222,58 +16233,7 @@
               </a:rPr>
               <a:t>RunLoop</a:t>
             </a:r>
-          </a:p>
-          <a:p>
-            <a:pPr marL="342900" indent="-342900">
-              <a:lnSpc>
-                <a:spcPts val="2200"/>
-              </a:lnSpc>
-              <a:buFont typeface="Wingdings" charset="2"/>
-              <a:buChar char="p"/>
-            </a:pPr>
-            <a:r>
-              <a:rPr lang="en-US" altLang="zh-CN" sz="1600">
-                <a:solidFill>
-                  <a:srgbClr val="0070C0"/>
-                </a:solidFill>
-                <a:latin typeface="微软雅黑" panose="020B0503020204020204" pitchFamily="34" charset="-122"/>
-                <a:ea typeface="微软雅黑" panose="020B0503020204020204" pitchFamily="34" charset="-122"/>
-              </a:rPr>
-              <a:t>Foundation</a:t>
-            </a:r>
-            <a:r>
-              <a:rPr lang="zh-CN" altLang="en-US" sz="1600">
-                <a:solidFill>
-                  <a:schemeClr val="tx1">
-                    <a:lumMod val="65000"/>
-                    <a:lumOff val="35000"/>
-                  </a:schemeClr>
-                </a:solidFill>
-                <a:latin typeface="微软雅黑" panose="020B0503020204020204" pitchFamily="34" charset="-122"/>
-                <a:ea typeface="微软雅黑" panose="020B0503020204020204" pitchFamily="34" charset="-122"/>
-              </a:rPr>
-              <a:t>：</a:t>
-            </a:r>
-            <a:r>
-              <a:rPr lang="en-US" altLang="zh-CN" sz="1600">
-                <a:solidFill>
-                  <a:srgbClr val="FF0000"/>
-                </a:solidFill>
-                <a:latin typeface="微软雅黑" panose="020B0503020204020204" pitchFamily="34" charset="-122"/>
-                <a:ea typeface="微软雅黑" panose="020B0503020204020204" pitchFamily="34" charset="-122"/>
-              </a:rPr>
-              <a:t>NSRunLoop</a:t>
-            </a:r>
-          </a:p>
-          <a:p>
-            <a:pPr marL="342900" indent="-342900">
-              <a:lnSpc>
-                <a:spcPts val="2200"/>
-              </a:lnSpc>
-              <a:buFont typeface="Wingdings" charset="2"/>
-              <a:buChar char="n"/>
-            </a:pPr>
-            <a:endParaRPr lang="en-US" altLang="zh-CN" sz="1600">
+            <a:endParaRPr lang="en-US" altLang="zh-CN" sz="1600" dirty="0">
               <a:solidFill>
                 <a:schemeClr val="tx1">
                   <a:lumMod val="65000"/>
@@ -16293,40 +16253,17 @@
               <a:buChar char="p"/>
             </a:pPr>
             <a:r>
-              <a:rPr lang="en-US" altLang="zh-CN" sz="1600">
+              <a:rPr lang="en-US" altLang="zh-CN" sz="1600" dirty="0">
                 <a:solidFill>
                   <a:srgbClr val="0070C0"/>
                 </a:solidFill>
                 <a:latin typeface="微软雅黑" panose="020B0503020204020204" pitchFamily="34" charset="-122"/>
                 <a:ea typeface="微软雅黑" panose="020B0503020204020204" pitchFamily="34" charset="-122"/>
               </a:rPr>
-              <a:t>Core</a:t>
-            </a:r>
-            <a:r>
-              <a:rPr lang="en-US" altLang="zh-CN" sz="1600">
-                <a:solidFill>
-                  <a:schemeClr val="tx1">
-                    <a:lumMod val="65000"/>
-                    <a:lumOff val="35000"/>
-                  </a:schemeClr>
-                </a:solidFill>
-                <a:latin typeface="微软雅黑" panose="020B0503020204020204" pitchFamily="34" charset="-122"/>
-                <a:ea typeface="微软雅黑" panose="020B0503020204020204" pitchFamily="34" charset="-122"/>
-              </a:rPr>
-              <a:t> </a:t>
-            </a:r>
-            <a:r>
-              <a:rPr lang="en-US" altLang="zh-CN" sz="1600">
-                <a:solidFill>
-                  <a:srgbClr val="0070C0"/>
-                </a:solidFill>
-                <a:latin typeface="微软雅黑" panose="020B0503020204020204" pitchFamily="34" charset="-122"/>
-                <a:ea typeface="微软雅黑" panose="020B0503020204020204" pitchFamily="34" charset="-122"/>
-              </a:rPr>
               <a:t>Foundation</a:t>
             </a:r>
             <a:r>
-              <a:rPr lang="zh-CN" altLang="en-US" sz="1600">
+              <a:rPr lang="zh-CN" altLang="en-US" sz="1600" dirty="0">
                 <a:solidFill>
                   <a:schemeClr val="tx1">
                     <a:lumMod val="65000"/>
@@ -16339,15 +16276,22 @@
               <a:t>：</a:t>
             </a:r>
             <a:r>
-              <a:rPr lang="en-US" altLang="zh-CN" sz="1600">
+              <a:rPr lang="en-US" altLang="zh-CN" sz="1600" dirty="0" err="1">
                 <a:solidFill>
                   <a:srgbClr val="FF0000"/>
                 </a:solidFill>
                 <a:latin typeface="微软雅黑" panose="020B0503020204020204" pitchFamily="34" charset="-122"/>
                 <a:ea typeface="微软雅黑" panose="020B0503020204020204" pitchFamily="34" charset="-122"/>
               </a:rPr>
-              <a:t>CFRunLoopRef</a:t>
-            </a:r>
+              <a:t>NSRunLoop</a:t>
+            </a:r>
+            <a:endParaRPr lang="en-US" altLang="zh-CN" sz="1600" dirty="0">
+              <a:solidFill>
+                <a:srgbClr val="FF0000"/>
+              </a:solidFill>
+              <a:latin typeface="微软雅黑" panose="020B0503020204020204" pitchFamily="34" charset="-122"/>
+              <a:ea typeface="微软雅黑" panose="020B0503020204020204" pitchFamily="34" charset="-122"/>
+            </a:endParaRPr>
           </a:p>
           <a:p>
             <a:pPr marL="342900" indent="-342900">
@@ -16357,7 +16301,7 @@
               <a:buFont typeface="Wingdings" charset="2"/>
               <a:buChar char="n"/>
             </a:pPr>
-            <a:endParaRPr lang="en-US" altLang="zh-CN" sz="1600">
+            <a:endParaRPr lang="en-US" altLang="zh-CN" sz="1600" dirty="0">
               <a:solidFill>
                 <a:schemeClr val="tx1">
                   <a:lumMod val="65000"/>
@@ -16374,81 +16318,81 @@
                 <a:spcPts val="2200"/>
               </a:lnSpc>
               <a:buFont typeface="Wingdings" charset="2"/>
+              <a:buChar char="p"/>
+            </a:pPr>
+            <a:r>
+              <a:rPr lang="en-US" altLang="zh-CN" sz="1600" dirty="0">
+                <a:solidFill>
+                  <a:srgbClr val="0070C0"/>
+                </a:solidFill>
+                <a:latin typeface="微软雅黑" panose="020B0503020204020204" pitchFamily="34" charset="-122"/>
+                <a:ea typeface="微软雅黑" panose="020B0503020204020204" pitchFamily="34" charset="-122"/>
+              </a:rPr>
+              <a:t>Core</a:t>
+            </a:r>
+            <a:r>
+              <a:rPr lang="en-US" altLang="zh-CN" sz="1600" dirty="0">
+                <a:solidFill>
+                  <a:schemeClr val="tx1">
+                    <a:lumMod val="65000"/>
+                    <a:lumOff val="35000"/>
+                  </a:schemeClr>
+                </a:solidFill>
+                <a:latin typeface="微软雅黑" panose="020B0503020204020204" pitchFamily="34" charset="-122"/>
+                <a:ea typeface="微软雅黑" panose="020B0503020204020204" pitchFamily="34" charset="-122"/>
+              </a:rPr>
+              <a:t> </a:t>
+            </a:r>
+            <a:r>
+              <a:rPr lang="en-US" altLang="zh-CN" sz="1600" dirty="0">
+                <a:solidFill>
+                  <a:srgbClr val="0070C0"/>
+                </a:solidFill>
+                <a:latin typeface="微软雅黑" panose="020B0503020204020204" pitchFamily="34" charset="-122"/>
+                <a:ea typeface="微软雅黑" panose="020B0503020204020204" pitchFamily="34" charset="-122"/>
+              </a:rPr>
+              <a:t>Foundation</a:t>
+            </a:r>
+            <a:r>
+              <a:rPr lang="zh-CN" altLang="en-US" sz="1600" dirty="0">
+                <a:solidFill>
+                  <a:schemeClr val="tx1">
+                    <a:lumMod val="65000"/>
+                    <a:lumOff val="35000"/>
+                  </a:schemeClr>
+                </a:solidFill>
+                <a:latin typeface="微软雅黑" panose="020B0503020204020204" pitchFamily="34" charset="-122"/>
+                <a:ea typeface="微软雅黑" panose="020B0503020204020204" pitchFamily="34" charset="-122"/>
+              </a:rPr>
+              <a:t>：</a:t>
+            </a:r>
+            <a:r>
+              <a:rPr lang="en-US" altLang="zh-CN" sz="1600" dirty="0" err="1">
+                <a:solidFill>
+                  <a:srgbClr val="FF0000"/>
+                </a:solidFill>
+                <a:latin typeface="微软雅黑" panose="020B0503020204020204" pitchFamily="34" charset="-122"/>
+                <a:ea typeface="微软雅黑" panose="020B0503020204020204" pitchFamily="34" charset="-122"/>
+              </a:rPr>
+              <a:t>CFRunLoopRef</a:t>
+            </a:r>
+            <a:endParaRPr lang="en-US" altLang="zh-CN" sz="1600" dirty="0">
+              <a:solidFill>
+                <a:srgbClr val="FF0000"/>
+              </a:solidFill>
+              <a:latin typeface="微软雅黑" panose="020B0503020204020204" pitchFamily="34" charset="-122"/>
+              <a:ea typeface="微软雅黑" panose="020B0503020204020204" pitchFamily="34" charset="-122"/>
+            </a:endParaRPr>
+          </a:p>
+          <a:p>
+            <a:pPr marL="342900" indent="-342900">
+              <a:lnSpc>
+                <a:spcPts val="2200"/>
+              </a:lnSpc>
+              <a:buFont typeface="Wingdings" charset="2"/>
               <a:buChar char="n"/>
             </a:pPr>
-            <a:r>
-              <a:rPr lang="en-US" altLang="zh-CN" sz="1600">
-                <a:solidFill>
-                  <a:srgbClr val="FF0000"/>
-                </a:solidFill>
-                <a:latin typeface="微软雅黑" panose="020B0503020204020204" pitchFamily="34" charset="-122"/>
-                <a:ea typeface="微软雅黑" panose="020B0503020204020204" pitchFamily="34" charset="-122"/>
-              </a:rPr>
-              <a:t>NSRunLoop</a:t>
-            </a:r>
-            <a:r>
-              <a:rPr lang="zh-CN" altLang="en-US" sz="1600">
-                <a:solidFill>
-                  <a:schemeClr val="tx1">
-                    <a:lumMod val="65000"/>
-                    <a:lumOff val="35000"/>
-                  </a:schemeClr>
-                </a:solidFill>
-                <a:latin typeface="微软雅黑" panose="020B0503020204020204" pitchFamily="34" charset="-122"/>
-                <a:ea typeface="微软雅黑" panose="020B0503020204020204" pitchFamily="34" charset="-122"/>
-              </a:rPr>
-              <a:t>和</a:t>
-            </a:r>
-            <a:r>
-              <a:rPr lang="en-US" altLang="zh-CN" sz="1600">
-                <a:solidFill>
-                  <a:srgbClr val="FF0000"/>
-                </a:solidFill>
-                <a:latin typeface="微软雅黑" panose="020B0503020204020204" pitchFamily="34" charset="-122"/>
-                <a:ea typeface="微软雅黑" panose="020B0503020204020204" pitchFamily="34" charset="-122"/>
-              </a:rPr>
-              <a:t>CFRunLoopRef</a:t>
-            </a:r>
-            <a:r>
-              <a:rPr lang="zh-CN" altLang="en-US" sz="1600">
-                <a:solidFill>
-                  <a:schemeClr val="tx1">
-                    <a:lumMod val="65000"/>
-                    <a:lumOff val="35000"/>
-                  </a:schemeClr>
-                </a:solidFill>
-                <a:latin typeface="微软雅黑" panose="020B0503020204020204" pitchFamily="34" charset="-122"/>
-                <a:ea typeface="微软雅黑" panose="020B0503020204020204" pitchFamily="34" charset="-122"/>
-              </a:rPr>
-              <a:t>都代表着</a:t>
-            </a:r>
-            <a:r>
-              <a:rPr lang="en-US" altLang="zh-CN" sz="1600">
-                <a:solidFill>
-                  <a:schemeClr val="tx1">
-                    <a:lumMod val="65000"/>
-                    <a:lumOff val="35000"/>
-                  </a:schemeClr>
-                </a:solidFill>
-                <a:latin typeface="微软雅黑" panose="020B0503020204020204" pitchFamily="34" charset="-122"/>
-                <a:ea typeface="微软雅黑" panose="020B0503020204020204" pitchFamily="34" charset="-122"/>
-              </a:rPr>
-              <a:t>RunLoop</a:t>
-            </a:r>
-            <a:r>
-              <a:rPr lang="zh-CN" altLang="en-US" sz="1600">
-                <a:solidFill>
-                  <a:schemeClr val="tx1">
-                    <a:lumMod val="65000"/>
-                    <a:lumOff val="35000"/>
-                  </a:schemeClr>
-                </a:solidFill>
-                <a:latin typeface="微软雅黑" panose="020B0503020204020204" pitchFamily="34" charset="-122"/>
-                <a:ea typeface="微软雅黑" panose="020B0503020204020204" pitchFamily="34" charset="-122"/>
-              </a:rPr>
-              <a:t>对象</a:t>
-            </a:r>
-            <a:endParaRPr lang="en-US" altLang="zh-CN" sz="1600">
+            <a:endParaRPr lang="en-US" altLang="zh-CN" sz="1600" dirty="0">
               <a:solidFill>
                 <a:schemeClr val="tx1">
                   <a:lumMod val="65000"/>
@@ -16465,15 +16409,12 @@
                 <a:spcPts val="2200"/>
               </a:lnSpc>
               <a:buFont typeface="Wingdings" charset="2"/>
-              <a:buChar char="p"/>
+              <a:buChar char="n"/>
             </a:pPr>
             <a:r>
-              <a:rPr lang="en-US" altLang="zh-CN" sz="1600">
-                <a:solidFill>
-                  <a:schemeClr val="tx1">
-                    <a:lumMod val="65000"/>
-                    <a:lumOff val="35000"/>
-                  </a:schemeClr>
+              <a:rPr lang="en-US" altLang="zh-CN" sz="1600" dirty="0" err="1">
+                <a:solidFill>
+                  <a:srgbClr val="FF0000"/>
                 </a:solidFill>
                 <a:latin typeface="微软雅黑" panose="020B0503020204020204" pitchFamily="34" charset="-122"/>
                 <a:ea typeface="微软雅黑" panose="020B0503020204020204" pitchFamily="34" charset="-122"/>
@@ -16481,25 +16422,22 @@
               <a:t>NSRunLoop</a:t>
             </a:r>
             <a:r>
-              <a:rPr lang="zh-CN" altLang="en-US" sz="1600">
-                <a:solidFill>
-                  <a:schemeClr val="tx1">
-                    <a:lumMod val="65000"/>
-                    <a:lumOff val="35000"/>
-                  </a:schemeClr>
-                </a:solidFill>
-                <a:latin typeface="微软雅黑" panose="020B0503020204020204" pitchFamily="34" charset="-122"/>
-                <a:ea typeface="微软雅黑" panose="020B0503020204020204" pitchFamily="34" charset="-122"/>
-              </a:rPr>
-              <a:t>是基于</a:t>
-            </a:r>
-            <a:r>
-              <a:rPr lang="en-US" altLang="zh-CN" sz="1600">
-                <a:solidFill>
-                  <a:schemeClr val="tx1">
-                    <a:lumMod val="65000"/>
-                    <a:lumOff val="35000"/>
-                  </a:schemeClr>
+              <a:rPr lang="zh-CN" altLang="en-US" sz="1600" dirty="0">
+                <a:solidFill>
+                  <a:schemeClr val="tx1">
+                    <a:lumMod val="65000"/>
+                    <a:lumOff val="35000"/>
+                  </a:schemeClr>
+                </a:solidFill>
+                <a:latin typeface="微软雅黑" panose="020B0503020204020204" pitchFamily="34" charset="-122"/>
+                <a:ea typeface="微软雅黑" panose="020B0503020204020204" pitchFamily="34" charset="-122"/>
+              </a:rPr>
+              <a:t>和</a:t>
+            </a:r>
+            <a:r>
+              <a:rPr lang="en-US" altLang="zh-CN" sz="1600" dirty="0" err="1">
+                <a:solidFill>
+                  <a:srgbClr val="FF0000"/>
                 </a:solidFill>
                 <a:latin typeface="微软雅黑" panose="020B0503020204020204" pitchFamily="34" charset="-122"/>
                 <a:ea typeface="微软雅黑" panose="020B0503020204020204" pitchFamily="34" charset="-122"/>
@@ -16507,45 +16445,45 @@
               <a:t>CFRunLoopRef</a:t>
             </a:r>
             <a:r>
-              <a:rPr lang="zh-CN" altLang="en-US" sz="1600">
-                <a:solidFill>
-                  <a:schemeClr val="tx1">
-                    <a:lumMod val="65000"/>
-                    <a:lumOff val="35000"/>
-                  </a:schemeClr>
-                </a:solidFill>
-                <a:latin typeface="微软雅黑" panose="020B0503020204020204" pitchFamily="34" charset="-122"/>
-                <a:ea typeface="微软雅黑" panose="020B0503020204020204" pitchFamily="34" charset="-122"/>
-              </a:rPr>
-              <a:t>的一层</a:t>
-            </a:r>
-            <a:r>
-              <a:rPr lang="en-US" altLang="zh-CN" sz="1600">
-                <a:solidFill>
-                  <a:schemeClr val="tx1">
-                    <a:lumMod val="65000"/>
-                    <a:lumOff val="35000"/>
-                  </a:schemeClr>
-                </a:solidFill>
-                <a:latin typeface="微软雅黑" panose="020B0503020204020204" pitchFamily="34" charset="-122"/>
-                <a:ea typeface="微软雅黑" panose="020B0503020204020204" pitchFamily="34" charset="-122"/>
-              </a:rPr>
-              <a:t>OC</a:t>
-            </a:r>
-            <a:r>
-              <a:rPr lang="zh-CN" altLang="en-US" sz="1600">
-                <a:solidFill>
-                  <a:schemeClr val="tx1">
-                    <a:lumMod val="65000"/>
-                    <a:lumOff val="35000"/>
-                  </a:schemeClr>
-                </a:solidFill>
-                <a:latin typeface="微软雅黑" panose="020B0503020204020204" pitchFamily="34" charset="-122"/>
-                <a:ea typeface="微软雅黑" panose="020B0503020204020204" pitchFamily="34" charset="-122"/>
-              </a:rPr>
-              <a:t>包装</a:t>
-            </a:r>
-            <a:endParaRPr lang="en-US" altLang="zh-CN" sz="1600">
+              <a:rPr lang="zh-CN" altLang="en-US" sz="1600" dirty="0">
+                <a:solidFill>
+                  <a:schemeClr val="tx1">
+                    <a:lumMod val="65000"/>
+                    <a:lumOff val="35000"/>
+                  </a:schemeClr>
+                </a:solidFill>
+                <a:latin typeface="微软雅黑" panose="020B0503020204020204" pitchFamily="34" charset="-122"/>
+                <a:ea typeface="微软雅黑" panose="020B0503020204020204" pitchFamily="34" charset="-122"/>
+              </a:rPr>
+              <a:t>都代表着</a:t>
+            </a:r>
+            <a:r>
+              <a:rPr lang="en-US" altLang="zh-CN" sz="1600" dirty="0" err="1">
+                <a:solidFill>
+                  <a:schemeClr val="tx1">
+                    <a:lumMod val="65000"/>
+                    <a:lumOff val="35000"/>
+                  </a:schemeClr>
+                </a:solidFill>
+                <a:latin typeface="微软雅黑" panose="020B0503020204020204" pitchFamily="34" charset="-122"/>
+                <a:ea typeface="微软雅黑" panose="020B0503020204020204" pitchFamily="34" charset="-122"/>
+              </a:rPr>
+              <a:t>RunLoop</a:t>
+            </a:r>
+            <a:r>
+              <a:rPr lang="zh-CN" altLang="en-US" sz="1600" dirty="0">
+                <a:solidFill>
+                  <a:schemeClr val="tx1">
+                    <a:lumMod val="65000"/>
+                    <a:lumOff val="35000"/>
+                  </a:schemeClr>
+                </a:solidFill>
+                <a:latin typeface="微软雅黑" panose="020B0503020204020204" pitchFamily="34" charset="-122"/>
+                <a:ea typeface="微软雅黑" panose="020B0503020204020204" pitchFamily="34" charset="-122"/>
+              </a:rPr>
+              <a:t>对象</a:t>
+            </a:r>
+            <a:endParaRPr lang="en-US" altLang="zh-CN" sz="1600" dirty="0">
               <a:solidFill>
                 <a:schemeClr val="tx1">
                   <a:lumMod val="65000"/>
@@ -16565,7 +16503,33 @@
               <a:buChar char="p"/>
             </a:pPr>
             <a:r>
-              <a:rPr lang="en-US" altLang="zh-CN" sz="1600">
+              <a:rPr lang="en-US" altLang="zh-CN" sz="1600" dirty="0" err="1">
+                <a:solidFill>
+                  <a:schemeClr val="tx1">
+                    <a:lumMod val="65000"/>
+                    <a:lumOff val="35000"/>
+                  </a:schemeClr>
+                </a:solidFill>
+                <a:latin typeface="微软雅黑" panose="020B0503020204020204" pitchFamily="34" charset="-122"/>
+                <a:ea typeface="微软雅黑" panose="020B0503020204020204" pitchFamily="34" charset="-122"/>
+              </a:rPr>
+              <a:t>NSRunLoop</a:t>
+            </a:r>
+            <a:r>
+              <a:rPr lang="zh-CN" altLang="en-US" sz="1600" dirty="0">
+                <a:solidFill>
+                  <a:schemeClr val="tx1">
+                    <a:lumMod val="65000"/>
+                    <a:lumOff val="35000"/>
+                  </a:schemeClr>
+                </a:solidFill>
+                <a:latin typeface="微软雅黑" panose="020B0503020204020204" pitchFamily="34" charset="-122"/>
+                <a:ea typeface="微软雅黑" panose="020B0503020204020204" pitchFamily="34" charset="-122"/>
+              </a:rPr>
+              <a:t>是基于</a:t>
+            </a:r>
+            <a:r>
+              <a:rPr lang="en-US" altLang="zh-CN" sz="1600" dirty="0" err="1">
                 <a:solidFill>
                   <a:schemeClr val="tx1">
                     <a:lumMod val="65000"/>
@@ -16578,19 +16542,45 @@
               <a:t>CFRunLoopRef</a:t>
             </a:r>
             <a:r>
-              <a:rPr lang="zh-CN" altLang="en-US" sz="1600">
-                <a:solidFill>
-                  <a:schemeClr val="tx1">
-                    <a:lumMod val="65000"/>
-                    <a:lumOff val="35000"/>
-                  </a:schemeClr>
-                </a:solidFill>
-                <a:latin typeface="微软雅黑" panose="020B0503020204020204" pitchFamily="34" charset="-122"/>
-                <a:ea typeface="微软雅黑" panose="020B0503020204020204" pitchFamily="34" charset="-122"/>
-              </a:rPr>
-              <a:t>是开源的</a:t>
-            </a:r>
-            <a:endParaRPr lang="en-US" altLang="zh-CN" sz="1600">
+              <a:rPr lang="zh-CN" altLang="en-US" sz="1600" dirty="0">
+                <a:solidFill>
+                  <a:schemeClr val="tx1">
+                    <a:lumMod val="65000"/>
+                    <a:lumOff val="35000"/>
+                  </a:schemeClr>
+                </a:solidFill>
+                <a:latin typeface="微软雅黑" panose="020B0503020204020204" pitchFamily="34" charset="-122"/>
+                <a:ea typeface="微软雅黑" panose="020B0503020204020204" pitchFamily="34" charset="-122"/>
+              </a:rPr>
+              <a:t>的一层</a:t>
+            </a:r>
+            <a:r>
+              <a:rPr lang="en-US" altLang="zh-CN" sz="1600" dirty="0">
+                <a:solidFill>
+                  <a:schemeClr val="tx1">
+                    <a:lumMod val="65000"/>
+                    <a:lumOff val="35000"/>
+                  </a:schemeClr>
+                </a:solidFill>
+                <a:latin typeface="微软雅黑" panose="020B0503020204020204" pitchFamily="34" charset="-122"/>
+                <a:ea typeface="微软雅黑" panose="020B0503020204020204" pitchFamily="34" charset="-122"/>
+              </a:rPr>
+              <a:t>OC</a:t>
+            </a:r>
+            <a:r>
+              <a:rPr lang="zh-CN" altLang="en-US" sz="1600" dirty="0">
+                <a:solidFill>
+                  <a:schemeClr val="tx1">
+                    <a:lumMod val="65000"/>
+                    <a:lumOff val="35000"/>
+                  </a:schemeClr>
+                </a:solidFill>
+                <a:latin typeface="微软雅黑" panose="020B0503020204020204" pitchFamily="34" charset="-122"/>
+                <a:ea typeface="微软雅黑" panose="020B0503020204020204" pitchFamily="34" charset="-122"/>
+              </a:rPr>
+              <a:t>包装</a:t>
+            </a:r>
+            <a:endParaRPr lang="en-US" altLang="zh-CN" sz="1600" dirty="0">
               <a:solidFill>
                 <a:schemeClr val="tx1">
                   <a:lumMod val="65000"/>
@@ -16607,10 +16597,55 @@
                 <a:spcPts val="2200"/>
               </a:lnSpc>
               <a:buFont typeface="Wingdings" charset="2"/>
+              <a:buChar char="p"/>
+            </a:pPr>
+            <a:r>
+              <a:rPr lang="en-US" altLang="zh-CN" sz="1600" dirty="0" err="1">
+                <a:solidFill>
+                  <a:schemeClr val="tx1">
+                    <a:lumMod val="65000"/>
+                    <a:lumOff val="35000"/>
+                  </a:schemeClr>
+                </a:solidFill>
+                <a:latin typeface="微软雅黑" panose="020B0503020204020204" pitchFamily="34" charset="-122"/>
+                <a:ea typeface="微软雅黑" panose="020B0503020204020204" pitchFamily="34" charset="-122"/>
+              </a:rPr>
+              <a:t>CFRunLoopRef</a:t>
+            </a:r>
+            <a:r>
+              <a:rPr lang="zh-CN" altLang="en-US" sz="1600" dirty="0">
+                <a:solidFill>
+                  <a:schemeClr val="tx1">
+                    <a:lumMod val="65000"/>
+                    <a:lumOff val="35000"/>
+                  </a:schemeClr>
+                </a:solidFill>
+                <a:latin typeface="微软雅黑" panose="020B0503020204020204" pitchFamily="34" charset="-122"/>
+                <a:ea typeface="微软雅黑" panose="020B0503020204020204" pitchFamily="34" charset="-122"/>
+              </a:rPr>
+              <a:t>是开源的</a:t>
+            </a:r>
+            <a:endParaRPr lang="en-US" altLang="zh-CN" sz="1600" dirty="0">
+              <a:solidFill>
+                <a:schemeClr val="tx1">
+                  <a:lumMod val="65000"/>
+                  <a:lumOff val="35000"/>
+                </a:schemeClr>
+              </a:solidFill>
+              <a:latin typeface="微软雅黑" panose="020B0503020204020204" pitchFamily="34" charset="-122"/>
+              <a:ea typeface="微软雅黑" panose="020B0503020204020204" pitchFamily="34" charset="-122"/>
+            </a:endParaRPr>
+          </a:p>
+          <a:p>
+            <a:pPr marL="342900" indent="-342900">
+              <a:lnSpc>
+                <a:spcPts val="2200"/>
+              </a:lnSpc>
+              <a:buFont typeface="Wingdings" charset="2"/>
               <a:buChar char="ü"/>
             </a:pPr>
             <a:r>
-              <a:rPr lang="en-US" altLang="zh-CN" sz="1600">
+              <a:rPr lang="en-US" altLang="zh-CN" sz="1600" dirty="0">
                 <a:solidFill>
                   <a:schemeClr val="tx1">
                     <a:lumMod val="65000"/>
@@ -16623,7 +16658,7 @@
               </a:rPr>
               <a:t>https://opensource.apple.com/tarballs/CF/</a:t>
             </a:r>
-            <a:endParaRPr lang="en-US" altLang="zh-CN" sz="1600">
+            <a:endParaRPr lang="en-US" altLang="zh-CN" sz="1600" dirty="0">
               <a:solidFill>
                 <a:schemeClr val="tx1">
                   <a:lumMod val="65000"/>
@@ -17234,7 +17269,7 @@
           <p:cNvPr id="4" name="标题 3">
             <a:extLst>
               <a:ext uri="{FF2B5EF4-FFF2-40B4-BE49-F238E27FC236}">
-                <a16:creationId xmlns:a16="http://schemas.microsoft.com/office/drawing/2014/main" xmlns="" id="{5DCC7AE5-7EF9-4964-8408-F84B72D5D253}"/>
+                <a16:creationId xmlns:a16="http://schemas.microsoft.com/office/drawing/2014/main" id="{5DCC7AE5-7EF9-4964-8408-F84B72D5D253}"/>
               </a:ext>
             </a:extLst>
           </p:cNvPr>
@@ -17291,7 +17326,7 @@
               <a:buChar char="n"/>
             </a:pPr>
             <a:r>
-              <a:rPr lang="zh-CN" altLang="en-US" sz="1600">
+              <a:rPr lang="zh-CN" altLang="en-US" sz="1600" dirty="0">
                 <a:solidFill>
                   <a:schemeClr val="tx1">
                     <a:lumMod val="65000"/>
@@ -17304,7 +17339,7 @@
               <a:t>每条线程都有唯一的一个与之对应的</a:t>
             </a:r>
             <a:r>
-              <a:rPr lang="en-US" altLang="zh-CN" sz="1600">
+              <a:rPr lang="en-US" altLang="zh-CN" sz="1600" dirty="0" err="1">
                 <a:solidFill>
                   <a:schemeClr val="tx1">
                     <a:lumMod val="65000"/>
@@ -17317,7 +17352,7 @@
               <a:t>RunLoop</a:t>
             </a:r>
             <a:r>
-              <a:rPr lang="zh-CN" altLang="en-US" sz="1600">
+              <a:rPr lang="zh-CN" altLang="en-US" sz="1600" dirty="0">
                 <a:solidFill>
                   <a:schemeClr val="tx1">
                     <a:lumMod val="65000"/>
@@ -17329,7 +17364,7 @@
               </a:rPr>
               <a:t>对象</a:t>
             </a:r>
-            <a:endParaRPr lang="en-US" altLang="zh-CN" sz="1600">
+            <a:endParaRPr lang="en-US" altLang="zh-CN" sz="1600" dirty="0">
               <a:solidFill>
                 <a:schemeClr val="tx1">
                   <a:lumMod val="65000"/>
@@ -17348,7 +17383,7 @@
               <a:buFont typeface="Wingdings" charset="2"/>
               <a:buChar char="n"/>
             </a:pPr>
-            <a:endParaRPr lang="en-US" altLang="zh-CN" sz="1600">
+            <a:endParaRPr lang="en-US" altLang="zh-CN" sz="1600" dirty="0">
               <a:solidFill>
                 <a:schemeClr val="tx1">
                   <a:lumMod val="65000"/>
@@ -17368,7 +17403,7 @@
               <a:buChar char="n"/>
             </a:pPr>
             <a:r>
-              <a:rPr lang="en-US" altLang="zh-CN" sz="1600">
+              <a:rPr lang="en-US" altLang="zh-CN" sz="1600" dirty="0" err="1">
                 <a:solidFill>
                   <a:schemeClr val="tx1">
                     <a:lumMod val="65000"/>
@@ -17381,7 +17416,7 @@
               <a:t>RunLoop</a:t>
             </a:r>
             <a:r>
-              <a:rPr lang="zh-CN" altLang="en-US" sz="1600">
+              <a:rPr lang="zh-CN" altLang="en-US" sz="1600" dirty="0">
                 <a:solidFill>
                   <a:schemeClr val="tx1">
                     <a:lumMod val="65000"/>
@@ -17394,7 +17429,7 @@
               <a:t>保存在一个全局的</a:t>
             </a:r>
             <a:r>
-              <a:rPr lang="en-US" altLang="zh-CN" sz="1600">
+              <a:rPr lang="en-US" altLang="zh-CN" sz="1600" dirty="0">
                 <a:solidFill>
                   <a:schemeClr val="tx1">
                     <a:lumMod val="65000"/>
@@ -17407,7 +17442,7 @@
               <a:t>Dictionary</a:t>
             </a:r>
             <a:r>
-              <a:rPr lang="zh-CN" altLang="en-US" sz="1600">
+              <a:rPr lang="zh-CN" altLang="en-US" sz="1600" dirty="0">
                 <a:solidFill>
                   <a:schemeClr val="tx1">
                     <a:lumMod val="65000"/>
@@ -17420,7 +17455,7 @@
               <a:t>里，线程作为</a:t>
             </a:r>
             <a:r>
-              <a:rPr lang="en-US" altLang="zh-CN" sz="1600">
+              <a:rPr lang="en-US" altLang="zh-CN" sz="1600" dirty="0">
                 <a:solidFill>
                   <a:schemeClr val="tx1">
                     <a:lumMod val="65000"/>
@@ -17433,7 +17468,7 @@
               <a:t>key</a:t>
             </a:r>
             <a:r>
-              <a:rPr lang="zh-CN" altLang="en-US" sz="1600">
+              <a:rPr lang="zh-CN" altLang="en-US" sz="1600" dirty="0">
                 <a:solidFill>
                   <a:schemeClr val="tx1">
                     <a:lumMod val="65000"/>
@@ -17446,7 +17481,7 @@
               <a:t>，</a:t>
             </a:r>
             <a:r>
-              <a:rPr lang="en-US" altLang="zh-CN" sz="1600">
+              <a:rPr lang="en-US" altLang="zh-CN" sz="1600" dirty="0" err="1">
                 <a:solidFill>
                   <a:schemeClr val="tx1">
                     <a:lumMod val="65000"/>
@@ -17459,7 +17494,7 @@
               <a:t>RunLoop</a:t>
             </a:r>
             <a:r>
-              <a:rPr lang="zh-CN" altLang="en-US" sz="1600">
+              <a:rPr lang="zh-CN" altLang="en-US" sz="1600" dirty="0">
                 <a:solidFill>
                   <a:schemeClr val="tx1">
                     <a:lumMod val="65000"/>
@@ -17472,7 +17507,7 @@
               <a:t>作为</a:t>
             </a:r>
             <a:r>
-              <a:rPr lang="en-US" altLang="zh-CN" sz="1600">
+              <a:rPr lang="en-US" altLang="zh-CN" sz="1600" dirty="0">
                 <a:solidFill>
                   <a:schemeClr val="tx1">
                     <a:lumMod val="65000"/>
@@ -17493,7 +17528,7 @@
               <a:buFont typeface="Wingdings" charset="2"/>
               <a:buChar char="n"/>
             </a:pPr>
-            <a:endParaRPr lang="en-US" altLang="zh-CN" sz="1600">
+            <a:endParaRPr lang="en-US" altLang="zh-CN" sz="1600" dirty="0">
               <a:solidFill>
                 <a:schemeClr val="tx1">
                   <a:lumMod val="65000"/>
@@ -17513,7 +17548,7 @@
               <a:buChar char="n"/>
             </a:pPr>
             <a:r>
-              <a:rPr lang="zh-CN" altLang="en-US" sz="1600">
+              <a:rPr lang="zh-CN" altLang="en-US" sz="1600" dirty="0">
                 <a:solidFill>
                   <a:schemeClr val="tx1">
                     <a:lumMod val="65000"/>
@@ -17526,7 +17561,7 @@
               <a:t>线程刚创建时并没有</a:t>
             </a:r>
             <a:r>
-              <a:rPr lang="en-US" altLang="zh-CN" sz="1600">
+              <a:rPr lang="en-US" altLang="zh-CN" sz="1600" dirty="0" err="1">
                 <a:solidFill>
                   <a:schemeClr val="tx1">
                     <a:lumMod val="65000"/>
@@ -17539,7 +17574,7 @@
               <a:t>RunLoop</a:t>
             </a:r>
             <a:r>
-              <a:rPr lang="zh-CN" altLang="en-US" sz="1600">
+              <a:rPr lang="zh-CN" altLang="en-US" sz="1600" dirty="0">
                 <a:solidFill>
                   <a:schemeClr val="tx1">
                     <a:lumMod val="65000"/>
@@ -17552,7 +17587,7 @@
               <a:t>对象，</a:t>
             </a:r>
             <a:r>
-              <a:rPr lang="en-US" altLang="zh-CN" sz="1600">
+              <a:rPr lang="en-US" altLang="zh-CN" sz="1600" dirty="0" err="1">
                 <a:solidFill>
                   <a:schemeClr val="tx1">
                     <a:lumMod val="65000"/>
@@ -17565,7 +17600,7 @@
               <a:t>RunLoop</a:t>
             </a:r>
             <a:r>
-              <a:rPr lang="zh-CN" altLang="en-US" sz="1600">
+              <a:rPr lang="zh-CN" altLang="en-US" sz="1600" dirty="0">
                 <a:solidFill>
                   <a:schemeClr val="tx1">
                     <a:lumMod val="65000"/>
@@ -17577,7 +17612,7 @@
               </a:rPr>
               <a:t>会在第一次获取它时创建</a:t>
             </a:r>
-            <a:endParaRPr lang="en-US" altLang="zh-CN" sz="1600">
+            <a:endParaRPr lang="en-US" altLang="zh-CN" sz="1600" dirty="0">
               <a:solidFill>
                 <a:schemeClr val="tx1">
                   <a:lumMod val="65000"/>
@@ -17596,7 +17631,7 @@
               <a:buFont typeface="Wingdings" charset="2"/>
               <a:buChar char="n"/>
             </a:pPr>
-            <a:endParaRPr lang="en-US" altLang="zh-CN" sz="1600">
+            <a:endParaRPr lang="en-US" altLang="zh-CN" sz="1600" dirty="0">
               <a:solidFill>
                 <a:schemeClr val="tx1">
                   <a:lumMod val="65000"/>
@@ -17616,7 +17651,7 @@
               <a:buChar char="n"/>
             </a:pPr>
             <a:r>
-              <a:rPr lang="en-US" altLang="zh-CN" sz="1600">
+              <a:rPr lang="en-US" altLang="zh-CN" sz="1600" dirty="0" err="1">
                 <a:solidFill>
                   <a:schemeClr val="tx1">
                     <a:lumMod val="65000"/>
@@ -17629,7 +17664,7 @@
               <a:t>RunLoop</a:t>
             </a:r>
             <a:r>
-              <a:rPr lang="zh-CN" altLang="en-US" sz="1600">
+              <a:rPr lang="zh-CN" altLang="en-US" sz="1600" dirty="0">
                 <a:solidFill>
                   <a:schemeClr val="tx1">
                     <a:lumMod val="65000"/>
@@ -17641,7 +17676,7 @@
               </a:rPr>
               <a:t>会在线程结束时销毁</a:t>
             </a:r>
-            <a:endParaRPr lang="en-US" altLang="zh-CN" sz="1600">
+            <a:endParaRPr lang="en-US" altLang="zh-CN" sz="1600" dirty="0">
               <a:solidFill>
                 <a:schemeClr val="tx1">
                   <a:lumMod val="65000"/>
@@ -17660,7 +17695,7 @@
               <a:buFont typeface="Wingdings" charset="2"/>
               <a:buChar char="n"/>
             </a:pPr>
-            <a:endParaRPr lang="en-US" altLang="zh-CN" sz="1600">
+            <a:endParaRPr lang="en-US" altLang="zh-CN" sz="1600" dirty="0">
               <a:solidFill>
                 <a:schemeClr val="tx1">
                   <a:lumMod val="65000"/>
@@ -17680,7 +17715,7 @@
               <a:buChar char="n"/>
             </a:pPr>
             <a:r>
-              <a:rPr lang="zh-CN" altLang="en-US" sz="1600">
+              <a:rPr lang="zh-CN" altLang="en-US" sz="1600" dirty="0">
                 <a:solidFill>
                   <a:schemeClr val="tx1">
                     <a:lumMod val="65000"/>
@@ -17693,7 +17728,7 @@
               <a:t>主线程的</a:t>
             </a:r>
             <a:r>
-              <a:rPr lang="en-US" altLang="zh-CN" sz="1600">
+              <a:rPr lang="en-US" altLang="zh-CN" sz="1600" dirty="0" err="1">
                 <a:solidFill>
                   <a:schemeClr val="tx1">
                     <a:lumMod val="65000"/>
@@ -17706,7 +17741,7 @@
               <a:t>RunLoop</a:t>
             </a:r>
             <a:r>
-              <a:rPr lang="zh-CN" altLang="en-US" sz="1600">
+              <a:rPr lang="zh-CN" altLang="en-US" sz="1600" dirty="0">
                 <a:solidFill>
                   <a:schemeClr val="tx1">
                     <a:lumMod val="65000"/>
@@ -17719,7 +17754,7 @@
               <a:t>已经自动获取（创建），子线程默认没有开启</a:t>
             </a:r>
             <a:r>
-              <a:rPr lang="en-US" altLang="zh-CN" sz="1600">
+              <a:rPr lang="en-US" altLang="zh-CN" sz="1600" dirty="0" err="1">
                 <a:solidFill>
                   <a:schemeClr val="tx1">
                     <a:lumMod val="65000"/>
@@ -17731,16 +17766,7 @@
               </a:rPr>
               <a:t>RunLoop</a:t>
             </a:r>
-          </a:p>
-          <a:p>
-            <a:pPr marL="342900" indent="-342900">
-              <a:lnSpc>
-                <a:spcPts val="2200"/>
-              </a:lnSpc>
-              <a:buFont typeface="Wingdings" charset="2"/>
-              <a:buChar char="n"/>
-            </a:pPr>
-            <a:endParaRPr lang="en-US" altLang="zh-CN" sz="1600">
+            <a:endParaRPr lang="en-US" altLang="zh-CN" sz="1600" dirty="0">
               <a:solidFill>
                 <a:schemeClr val="tx1">
                   <a:lumMod val="65000"/>
@@ -17759,7 +17785,26 @@
               <a:buFont typeface="Wingdings" charset="2"/>
               <a:buChar char="n"/>
             </a:pPr>
-            <a:endParaRPr lang="en-US" altLang="zh-CN" sz="1600">
+            <a:endParaRPr lang="en-US" altLang="zh-CN" sz="1600" dirty="0">
+              <a:solidFill>
+                <a:schemeClr val="tx1">
+                  <a:lumMod val="65000"/>
+                  <a:lumOff val="35000"/>
+                </a:schemeClr>
+              </a:solidFill>
+              <a:latin typeface="微软雅黑" panose="020B0503020204020204" pitchFamily="34" charset="-122"/>
+              <a:ea typeface="微软雅黑" panose="020B0503020204020204" pitchFamily="34" charset="-122"/>
+            </a:endParaRPr>
+          </a:p>
+          <a:p>
+            <a:pPr marL="342900" indent="-342900">
+              <a:lnSpc>
+                <a:spcPts val="2200"/>
+              </a:lnSpc>
+              <a:buFont typeface="Wingdings" charset="2"/>
+              <a:buChar char="n"/>
+            </a:pPr>
+            <a:endParaRPr lang="en-US" altLang="zh-CN" sz="1600" dirty="0">
               <a:solidFill>
                 <a:schemeClr val="tx1">
                   <a:lumMod val="65000"/>
@@ -18142,7 +18187,7 @@
           <p:cNvPr id="4" name="标题 3">
             <a:extLst>
               <a:ext uri="{FF2B5EF4-FFF2-40B4-BE49-F238E27FC236}">
-                <a16:creationId xmlns:a16="http://schemas.microsoft.com/office/drawing/2014/main" xmlns="" id="{5DCC7AE5-7EF9-4964-8408-F84B72D5D253}"/>
+                <a16:creationId xmlns:a16="http://schemas.microsoft.com/office/drawing/2014/main" id="{5DCC7AE5-7EF9-4964-8408-F84B72D5D253}"/>
               </a:ext>
             </a:extLst>
           </p:cNvPr>
@@ -18203,7 +18248,7 @@
               <a:buChar char="n"/>
             </a:pPr>
             <a:r>
-              <a:rPr lang="en-US" altLang="zh-CN" sz="1600">
+              <a:rPr lang="en-US" altLang="zh-CN" sz="1600" dirty="0">
                 <a:solidFill>
                   <a:schemeClr val="tx1">
                     <a:lumMod val="65000"/>
@@ -18222,7 +18267,7 @@
               <a:buChar char="p"/>
             </a:pPr>
             <a:r>
-              <a:rPr lang="en-US" altLang="zh-CN" sz="1600">
+              <a:rPr lang="en-US" altLang="zh-CN" sz="1600" dirty="0">
                 <a:solidFill>
                   <a:srgbClr val="000000"/>
                 </a:solidFill>
@@ -18231,7 +18276,7 @@
               <a:t>[</a:t>
             </a:r>
             <a:r>
-              <a:rPr lang="en-US" altLang="zh-CN" sz="1600">
+              <a:rPr lang="en-US" altLang="zh-CN" sz="1600" dirty="0" err="1">
                 <a:solidFill>
                   <a:srgbClr val="5C2699"/>
                 </a:solidFill>
@@ -18240,7 +18285,7 @@
               <a:t>NSRunLoop</a:t>
             </a:r>
             <a:r>
-              <a:rPr lang="zh-CN" altLang="en-US" sz="1600">
+              <a:rPr lang="zh-CN" altLang="en-US" sz="1600" dirty="0">
                 <a:solidFill>
                   <a:srgbClr val="000000"/>
                 </a:solidFill>
@@ -18249,7 +18294,7 @@
               <a:t> </a:t>
             </a:r>
             <a:r>
-              <a:rPr lang="en-US" altLang="zh-CN" sz="1600">
+              <a:rPr lang="en-US" altLang="zh-CN" sz="1600" dirty="0" err="1">
                 <a:solidFill>
                   <a:srgbClr val="2E0D6E"/>
                 </a:solidFill>
@@ -18258,7 +18303,7 @@
               <a:t>currentRunLoop</a:t>
             </a:r>
             <a:r>
-              <a:rPr lang="en-US" altLang="zh-CN" sz="1600">
+              <a:rPr lang="en-US" altLang="zh-CN" sz="1600" dirty="0">
                 <a:solidFill>
                   <a:srgbClr val="000000"/>
                 </a:solidFill>
@@ -18267,7 +18312,7 @@
               <a:t>]; </a:t>
             </a:r>
             <a:r>
-              <a:rPr lang="en-US" altLang="zh-CN" sz="1600">
+              <a:rPr lang="en-US" altLang="zh-CN" sz="1600" dirty="0">
                 <a:solidFill>
                   <a:srgbClr val="007400"/>
                 </a:solidFill>
@@ -18276,7 +18321,7 @@
               <a:t>// </a:t>
             </a:r>
             <a:r>
-              <a:rPr lang="zh-CN" altLang="en-US" sz="1600">
+              <a:rPr lang="zh-CN" altLang="en-US" sz="1600" dirty="0">
                 <a:solidFill>
                   <a:srgbClr val="007400"/>
                 </a:solidFill>
@@ -18285,7 +18330,7 @@
               <a:t>获得当前线程的</a:t>
             </a:r>
             <a:r>
-              <a:rPr lang="en-US" altLang="zh-CN" sz="1600">
+              <a:rPr lang="en-US" altLang="zh-CN" sz="1600" dirty="0" err="1">
                 <a:solidFill>
                   <a:srgbClr val="007400"/>
                 </a:solidFill>
@@ -18294,7 +18339,7 @@
               <a:t>RunLoop</a:t>
             </a:r>
             <a:r>
-              <a:rPr lang="zh-CN" altLang="en-US" sz="1600">
+              <a:rPr lang="zh-CN" altLang="en-US" sz="1600" dirty="0">
                 <a:solidFill>
                   <a:srgbClr val="007400"/>
                 </a:solidFill>
@@ -18302,7 +18347,7 @@
               </a:rPr>
               <a:t>对象</a:t>
             </a:r>
-            <a:endParaRPr lang="zh-CN" altLang="en-US" sz="1200">
+            <a:endParaRPr lang="zh-CN" altLang="en-US" sz="1200" dirty="0">
               <a:solidFill>
                 <a:prstClr val="black"/>
               </a:solidFill>
@@ -18315,7 +18360,7 @@
               <a:buChar char="p"/>
             </a:pPr>
             <a:r>
-              <a:rPr lang="en-US" altLang="zh-CN" sz="1600">
+              <a:rPr lang="en-US" altLang="zh-CN" sz="1600" dirty="0">
                 <a:solidFill>
                   <a:srgbClr val="000000"/>
                 </a:solidFill>
@@ -18324,7 +18369,7 @@
               <a:t>[</a:t>
             </a:r>
             <a:r>
-              <a:rPr lang="en-US" altLang="zh-CN" sz="1600">
+              <a:rPr lang="en-US" altLang="zh-CN" sz="1600" dirty="0" err="1">
                 <a:solidFill>
                   <a:srgbClr val="5C2699"/>
                 </a:solidFill>
@@ -18333,7 +18378,7 @@
               <a:t>NSRunLoop</a:t>
             </a:r>
             <a:r>
-              <a:rPr lang="en-US" altLang="zh-CN" sz="1600">
+              <a:rPr lang="en-US" altLang="zh-CN" sz="1600" dirty="0">
                 <a:solidFill>
                   <a:srgbClr val="000000"/>
                 </a:solidFill>
@@ -18342,7 +18387,7 @@
               <a:t> </a:t>
             </a:r>
             <a:r>
-              <a:rPr lang="en-US" altLang="zh-CN" sz="1600">
+              <a:rPr lang="en-US" altLang="zh-CN" sz="1600" dirty="0" err="1">
                 <a:solidFill>
                   <a:srgbClr val="2E0D6E"/>
                 </a:solidFill>
@@ -18351,7 +18396,7 @@
               <a:t>mainRunLoop</a:t>
             </a:r>
             <a:r>
-              <a:rPr lang="en-US" altLang="zh-CN" sz="1600">
+              <a:rPr lang="en-US" altLang="zh-CN" sz="1600" dirty="0">
                 <a:solidFill>
                   <a:srgbClr val="000000"/>
                 </a:solidFill>
@@ -18360,7 +18405,7 @@
               <a:t>]; </a:t>
             </a:r>
             <a:r>
-              <a:rPr lang="en-US" altLang="zh-CN" sz="1600">
+              <a:rPr lang="en-US" altLang="zh-CN" sz="1600" dirty="0">
                 <a:solidFill>
                   <a:srgbClr val="007400"/>
                 </a:solidFill>
@@ -18369,7 +18414,7 @@
               <a:t>// </a:t>
             </a:r>
             <a:r>
-              <a:rPr lang="zh-CN" altLang="en-US" sz="1600">
+              <a:rPr lang="zh-CN" altLang="en-US" sz="1600" dirty="0">
                 <a:solidFill>
                   <a:srgbClr val="007400"/>
                 </a:solidFill>
@@ -18378,7 +18423,7 @@
               <a:t>获得主线程的</a:t>
             </a:r>
             <a:r>
-              <a:rPr lang="en-US" altLang="zh-CN" sz="1600">
+              <a:rPr lang="en-US" altLang="zh-CN" sz="1600" dirty="0" err="1">
                 <a:solidFill>
                   <a:srgbClr val="007400"/>
                 </a:solidFill>
@@ -18387,7 +18432,7 @@
               <a:t>RunLoop</a:t>
             </a:r>
             <a:r>
-              <a:rPr lang="zh-CN" altLang="en-US" sz="1600">
+              <a:rPr lang="zh-CN" altLang="en-US" sz="1600" dirty="0">
                 <a:solidFill>
                   <a:srgbClr val="007400"/>
                 </a:solidFill>
@@ -18395,7 +18440,7 @@
               </a:rPr>
               <a:t>对象</a:t>
             </a:r>
-            <a:endParaRPr lang="en-US" altLang="zh-CN" sz="1600">
+            <a:endParaRPr lang="en-US" altLang="zh-CN" sz="1600" dirty="0">
               <a:solidFill>
                 <a:srgbClr val="007400"/>
               </a:solidFill>
@@ -18407,7 +18452,7 @@
               <a:buFont typeface="Wingdings" charset="2"/>
               <a:buChar char="p"/>
             </a:pPr>
-            <a:endParaRPr lang="en-US" altLang="zh-CN" sz="1600">
+            <a:endParaRPr lang="en-US" altLang="zh-CN" sz="1600" dirty="0">
               <a:solidFill>
                 <a:srgbClr val="007400"/>
               </a:solidFill>
@@ -18421,7 +18466,7 @@
               <a:buChar char="n"/>
             </a:pPr>
             <a:r>
-              <a:rPr lang="en-US" altLang="zh-CN" sz="1600">
+              <a:rPr lang="en-US" altLang="zh-CN" sz="1600" dirty="0">
                 <a:solidFill>
                   <a:schemeClr val="tx1">
                     <a:lumMod val="65000"/>
@@ -18434,7 +18479,7 @@
               <a:t>Core</a:t>
             </a:r>
             <a:r>
-              <a:rPr lang="zh-CN" altLang="en-US" sz="1600">
+              <a:rPr lang="zh-CN" altLang="en-US" sz="1600" dirty="0">
                 <a:solidFill>
                   <a:schemeClr val="tx1">
                     <a:lumMod val="65000"/>
@@ -18447,7 +18492,7 @@
               <a:t> </a:t>
             </a:r>
             <a:r>
-              <a:rPr lang="en-US" altLang="zh-CN" sz="1600">
+              <a:rPr lang="en-US" altLang="zh-CN" sz="1600" dirty="0">
                 <a:solidFill>
                   <a:schemeClr val="tx1">
                     <a:lumMod val="65000"/>
@@ -18466,7 +18511,7 @@
               <a:buChar char="p"/>
             </a:pPr>
             <a:r>
-              <a:rPr lang="en-US" altLang="zh-CN" sz="1600">
+              <a:rPr lang="en-US" altLang="zh-CN" sz="1600" dirty="0" err="1">
                 <a:solidFill>
                   <a:srgbClr val="2E0D6E"/>
                 </a:solidFill>
@@ -18475,7 +18520,7 @@
               <a:t>CFRunLoopGetCurrent</a:t>
             </a:r>
             <a:r>
-              <a:rPr lang="en-US" altLang="zh-CN" sz="1600">
+              <a:rPr lang="en-US" altLang="zh-CN" sz="1600" dirty="0">
                 <a:solidFill>
                   <a:srgbClr val="000000"/>
                 </a:solidFill>
@@ -18484,7 +18529,7 @@
               <a:t>(); </a:t>
             </a:r>
             <a:r>
-              <a:rPr lang="en-US" altLang="zh-CN" sz="1600">
+              <a:rPr lang="en-US" altLang="zh-CN" sz="1600" dirty="0">
                 <a:solidFill>
                   <a:srgbClr val="007400"/>
                 </a:solidFill>
@@ -18493,7 +18538,7 @@
               <a:t>// </a:t>
             </a:r>
             <a:r>
-              <a:rPr lang="zh-CN" altLang="en-US" sz="1600">
+              <a:rPr lang="zh-CN" altLang="en-US" sz="1600" dirty="0">
                 <a:solidFill>
                   <a:srgbClr val="007400"/>
                 </a:solidFill>
@@ -18502,7 +18547,7 @@
               <a:t>获得当前线程的</a:t>
             </a:r>
             <a:r>
-              <a:rPr lang="en-US" altLang="zh-CN" sz="1600">
+              <a:rPr lang="en-US" altLang="zh-CN" sz="1600" dirty="0" err="1">
                 <a:solidFill>
                   <a:srgbClr val="007400"/>
                 </a:solidFill>
@@ -18511,7 +18556,7 @@
               <a:t>RunLoop</a:t>
             </a:r>
             <a:r>
-              <a:rPr lang="zh-CN" altLang="en-US" sz="1600">
+              <a:rPr lang="zh-CN" altLang="en-US" sz="1600" dirty="0">
                 <a:solidFill>
                   <a:srgbClr val="007400"/>
                 </a:solidFill>
@@ -18519,7 +18564,7 @@
               </a:rPr>
               <a:t>对象</a:t>
             </a:r>
-            <a:endParaRPr lang="zh-CN" altLang="en-US" sz="1200">
+            <a:endParaRPr lang="zh-CN" altLang="en-US" sz="1200" dirty="0">
               <a:solidFill>
                 <a:prstClr val="black"/>
               </a:solidFill>
@@ -18532,7 +18577,7 @@
               <a:buChar char="p"/>
             </a:pPr>
             <a:r>
-              <a:rPr lang="mr-IN" altLang="zh-CN" sz="1600">
+              <a:rPr lang="mr-IN" altLang="zh-CN" sz="1600" dirty="0" err="1">
                 <a:solidFill>
                   <a:srgbClr val="2E0D6E"/>
                 </a:solidFill>
@@ -18541,7 +18586,7 @@
               <a:t>CFRunLoopGetMain</a:t>
             </a:r>
             <a:r>
-              <a:rPr lang="mr-IN" altLang="zh-CN" sz="1600">
+              <a:rPr lang="mr-IN" altLang="zh-CN" sz="1600" dirty="0">
                 <a:solidFill>
                   <a:srgbClr val="000000"/>
                 </a:solidFill>
@@ -18550,7 +18595,7 @@
               <a:t>(); </a:t>
             </a:r>
             <a:r>
-              <a:rPr lang="mr-IN" altLang="zh-CN" sz="1600">
+              <a:rPr lang="mr-IN" altLang="zh-CN" sz="1600" dirty="0">
                 <a:solidFill>
                   <a:srgbClr val="007400"/>
                 </a:solidFill>
@@ -18559,7 +18604,7 @@
               <a:t>// </a:t>
             </a:r>
             <a:r>
-              <a:rPr lang="zh-CN" altLang="mr-IN" sz="1600">
+              <a:rPr lang="zh-CN" altLang="mr-IN" sz="1600" dirty="0">
                 <a:solidFill>
                   <a:srgbClr val="007400"/>
                 </a:solidFill>
@@ -18568,7 +18613,7 @@
               <a:t>获得主线程的</a:t>
             </a:r>
             <a:r>
-              <a:rPr lang="mr-IN" altLang="zh-CN" sz="1600">
+              <a:rPr lang="mr-IN" altLang="zh-CN" sz="1600" dirty="0" err="1">
                 <a:solidFill>
                   <a:srgbClr val="007400"/>
                 </a:solidFill>
@@ -18577,7 +18622,7 @@
               <a:t>RunLoop</a:t>
             </a:r>
             <a:r>
-              <a:rPr lang="zh-CN" altLang="mr-IN" sz="1600">
+              <a:rPr lang="zh-CN" altLang="mr-IN" sz="1600" dirty="0">
                 <a:solidFill>
                   <a:srgbClr val="007400"/>
                 </a:solidFill>
@@ -18585,7 +18630,7 @@
               </a:rPr>
               <a:t>对象</a:t>
             </a:r>
-            <a:endParaRPr lang="en-US" altLang="zh-CN" sz="1600">
+            <a:endParaRPr lang="en-US" altLang="zh-CN" sz="1600" dirty="0">
               <a:solidFill>
                 <a:schemeClr val="tx1">
                   <a:lumMod val="65000"/>
@@ -18601,7 +18646,7 @@
               <a:buFont typeface="Wingdings" charset="2"/>
               <a:buChar char="p"/>
             </a:pPr>
-            <a:endParaRPr lang="en-US" altLang="zh-CN" sz="1600">
+            <a:endParaRPr lang="en-US" altLang="zh-CN" sz="1600" dirty="0">
               <a:solidFill>
                 <a:schemeClr val="tx1">
                   <a:lumMod val="65000"/>
@@ -19045,7 +19090,7 @@
           <p:cNvPr id="4" name="标题 3">
             <a:extLst>
               <a:ext uri="{FF2B5EF4-FFF2-40B4-BE49-F238E27FC236}">
-                <a16:creationId xmlns:a16="http://schemas.microsoft.com/office/drawing/2014/main" xmlns="" id="{5DCC7AE5-7EF9-4964-8408-F84B72D5D253}"/>
+                <a16:creationId xmlns:a16="http://schemas.microsoft.com/office/drawing/2014/main" id="{5DCC7AE5-7EF9-4964-8408-F84B72D5D253}"/>
               </a:ext>
             </a:extLst>
           </p:cNvPr>
@@ -19102,7 +19147,7 @@
               <a:buChar char="n"/>
             </a:pPr>
             <a:r>
-              <a:rPr lang="en-US" altLang="zh-CN" sz="1600">
+              <a:rPr lang="en-US" altLang="zh-CN" sz="1600" dirty="0">
                 <a:solidFill>
                   <a:schemeClr val="tx1">
                     <a:lumMod val="65000"/>
@@ -19115,7 +19160,7 @@
               <a:t>Core Foundation</a:t>
             </a:r>
             <a:r>
-              <a:rPr lang="zh-CN" altLang="en-US" sz="1600">
+              <a:rPr lang="zh-CN" altLang="en-US" sz="1600" dirty="0">
                 <a:solidFill>
                   <a:schemeClr val="tx1">
                     <a:lumMod val="65000"/>
@@ -19128,7 +19173,7 @@
               <a:t>中关于</a:t>
             </a:r>
             <a:r>
-              <a:rPr lang="en-US" altLang="zh-CN" sz="1600">
+              <a:rPr lang="en-US" altLang="zh-CN" sz="1600" dirty="0" err="1">
                 <a:solidFill>
                   <a:schemeClr val="tx1">
                     <a:lumMod val="65000"/>
@@ -19141,7 +19186,7 @@
               <a:t>RunLoop</a:t>
             </a:r>
             <a:r>
-              <a:rPr lang="zh-CN" altLang="en-US" sz="1600">
+              <a:rPr lang="zh-CN" altLang="en-US" sz="1600" dirty="0">
                 <a:solidFill>
                   <a:schemeClr val="tx1">
                     <a:lumMod val="65000"/>
@@ -19154,7 +19199,7 @@
               <a:t>的</a:t>
             </a:r>
             <a:r>
-              <a:rPr lang="en-US" altLang="zh-CN" sz="1600">
+              <a:rPr lang="en-US" altLang="zh-CN" sz="1600" dirty="0">
                 <a:solidFill>
                   <a:schemeClr val="tx1">
                     <a:lumMod val="65000"/>
@@ -19167,7 +19212,7 @@
               <a:t>5</a:t>
             </a:r>
             <a:r>
-              <a:rPr lang="zh-CN" altLang="en-US" sz="1600">
+              <a:rPr lang="zh-CN" altLang="en-US" sz="1600" dirty="0">
                 <a:solidFill>
                   <a:schemeClr val="tx1">
                     <a:lumMod val="65000"/>
@@ -19179,7 +19224,7 @@
               </a:rPr>
               <a:t>个类</a:t>
             </a:r>
-            <a:endParaRPr lang="en-US" altLang="zh-CN" sz="1600">
+            <a:endParaRPr lang="en-US" altLang="zh-CN" sz="1600" dirty="0">
               <a:solidFill>
                 <a:schemeClr val="tx1">
                   <a:lumMod val="65000"/>
@@ -19199,7 +19244,7 @@
               <a:buChar char="p"/>
             </a:pPr>
             <a:r>
-              <a:rPr lang="en-US" altLang="zh-CN" sz="1600">
+              <a:rPr lang="en-US" altLang="zh-CN" sz="1600" dirty="0" err="1">
                 <a:solidFill>
                   <a:schemeClr val="tx1">
                     <a:lumMod val="65000"/>
@@ -19211,6 +19256,16 @@
               </a:rPr>
               <a:t>CFRunLoopRef</a:t>
             </a:r>
+            <a:endParaRPr lang="en-US" altLang="zh-CN" sz="1600" dirty="0">
+              <a:solidFill>
+                <a:schemeClr val="tx1">
+                  <a:lumMod val="65000"/>
+                  <a:lumOff val="35000"/>
+                </a:schemeClr>
+              </a:solidFill>
+              <a:latin typeface="微软雅黑" panose="020B0503020204020204" pitchFamily="34" charset="-122"/>
+              <a:ea typeface="微软雅黑" panose="020B0503020204020204" pitchFamily="34" charset="-122"/>
+            </a:endParaRPr>
           </a:p>
           <a:p>
             <a:pPr marL="342900" indent="-342900">
@@ -19221,7 +19276,7 @@
               <a:buChar char="p"/>
             </a:pPr>
             <a:r>
-              <a:rPr lang="en-US" altLang="zh-CN" sz="1600">
+              <a:rPr lang="en-US" altLang="zh-CN" sz="1600" dirty="0" err="1">
                 <a:solidFill>
                   <a:schemeClr val="tx1">
                     <a:lumMod val="65000"/>
@@ -19233,6 +19288,16 @@
               </a:rPr>
               <a:t>CFRunLoopModeRef</a:t>
             </a:r>
+            <a:endParaRPr lang="en-US" altLang="zh-CN" sz="1600" dirty="0">
+              <a:solidFill>
+                <a:schemeClr val="tx1">
+                  <a:lumMod val="65000"/>
+                  <a:lumOff val="35000"/>
+                </a:schemeClr>
+              </a:solidFill>
+              <a:latin typeface="微软雅黑" panose="020B0503020204020204" pitchFamily="34" charset="-122"/>
+              <a:ea typeface="微软雅黑" panose="020B0503020204020204" pitchFamily="34" charset="-122"/>
+            </a:endParaRPr>
           </a:p>
           <a:p>
             <a:pPr marL="342900" indent="-342900">
@@ -19243,7 +19308,7 @@
               <a:buChar char="p"/>
             </a:pPr>
             <a:r>
-              <a:rPr lang="en-US" altLang="zh-CN" sz="1600">
+              <a:rPr lang="en-US" altLang="zh-CN" sz="1600" dirty="0" err="1">
                 <a:solidFill>
                   <a:schemeClr val="tx1">
                     <a:lumMod val="65000"/>
@@ -19255,6 +19320,16 @@
               </a:rPr>
               <a:t>CFRunLoopSourceRef</a:t>
             </a:r>
+            <a:endParaRPr lang="en-US" altLang="zh-CN" sz="1600" dirty="0">
+              <a:solidFill>
+                <a:schemeClr val="tx1">
+                  <a:lumMod val="65000"/>
+                  <a:lumOff val="35000"/>
+                </a:schemeClr>
+              </a:solidFill>
+              <a:latin typeface="微软雅黑" panose="020B0503020204020204" pitchFamily="34" charset="-122"/>
+              <a:ea typeface="微软雅黑" panose="020B0503020204020204" pitchFamily="34" charset="-122"/>
+            </a:endParaRPr>
           </a:p>
           <a:p>
             <a:pPr marL="342900" indent="-342900">
@@ -19265,7 +19340,7 @@
               <a:buChar char="p"/>
             </a:pPr>
             <a:r>
-              <a:rPr lang="en-US" altLang="zh-CN" sz="1600">
+              <a:rPr lang="en-US" altLang="zh-CN" sz="1600" dirty="0" err="1">
                 <a:solidFill>
                   <a:schemeClr val="tx1">
                     <a:lumMod val="65000"/>
@@ -19277,6 +19352,16 @@
               </a:rPr>
               <a:t>CFRunLoopTimerRef</a:t>
             </a:r>
+            <a:endParaRPr lang="en-US" altLang="zh-CN" sz="1600" dirty="0">
+              <a:solidFill>
+                <a:schemeClr val="tx1">
+                  <a:lumMod val="65000"/>
+                  <a:lumOff val="35000"/>
+                </a:schemeClr>
+              </a:solidFill>
+              <a:latin typeface="微软雅黑" panose="020B0503020204020204" pitchFamily="34" charset="-122"/>
+              <a:ea typeface="微软雅黑" panose="020B0503020204020204" pitchFamily="34" charset="-122"/>
+            </a:endParaRPr>
           </a:p>
           <a:p>
             <a:pPr marL="342900" indent="-342900">
@@ -19287,7 +19372,7 @@
               <a:buChar char="p"/>
             </a:pPr>
             <a:r>
-              <a:rPr lang="en-US" altLang="zh-CN" sz="1600">
+              <a:rPr lang="en-US" altLang="zh-CN" sz="1600" dirty="0" err="1">
                 <a:solidFill>
                   <a:schemeClr val="tx1">
                     <a:lumMod val="65000"/>
@@ -19299,6 +19384,16 @@
               </a:rPr>
               <a:t>CFRunLoopObserverRef</a:t>
             </a:r>
+            <a:endParaRPr lang="en-US" altLang="zh-CN" sz="1600" dirty="0">
+              <a:solidFill>
+                <a:schemeClr val="tx1">
+                  <a:lumMod val="65000"/>
+                  <a:lumOff val="35000"/>
+                </a:schemeClr>
+              </a:solidFill>
+              <a:latin typeface="微软雅黑" panose="020B0503020204020204" pitchFamily="34" charset="-122"/>
+              <a:ea typeface="微软雅黑" panose="020B0503020204020204" pitchFamily="34" charset="-122"/>
+            </a:endParaRPr>
           </a:p>
         </p:txBody>
       </p:sp>

--- a/document/底层课件/03-RunLoop.pptx
+++ b/document/底层课件/03-RunLoop.pptx
@@ -333,7 +333,7 @@
           <a:p>
             <a:fld id="{2B87634C-074B-4260-9010-E574428551B5}" type="datetimeFigureOut">
               <a:rPr lang="zh-CN" altLang="en-US" smtClean="0"/>
-              <a:t>2019/12/8</a:t>
+              <a:t>2021/1/25</a:t>
             </a:fld>
             <a:endParaRPr lang="zh-CN" altLang="en-US"/>
           </a:p>
@@ -510,7 +510,7 @@
           <a:p>
             <a:fld id="{C25591C1-7BBD-4BAD-9912-0ADD21A74F01}" type="datetimeFigureOut">
               <a:rPr lang="zh-CN" altLang="en-US" smtClean="0"/>
-              <a:t>2019/12/8</a:t>
+              <a:t>2021/1/25</a:t>
             </a:fld>
             <a:endParaRPr lang="zh-CN" altLang="en-US"/>
           </a:p>
@@ -1565,7 +1565,7 @@
           <a:p>
             <a:fld id="{72D8E73B-0927-45CC-BC19-B5A752C4C781}" type="datetimeFigureOut">
               <a:rPr lang="zh-CN" altLang="en-US" smtClean="0"/>
-              <a:t>2019/12/8</a:t>
+              <a:t>2021/1/25</a:t>
             </a:fld>
             <a:endParaRPr lang="zh-CN" altLang="en-US"/>
           </a:p>
@@ -7090,7 +7090,7 @@
           <a:lstStyle/>
           <a:p>
             <a:r>
-              <a:rPr lang="en-US" altLang="zh-CN" sz="1400">
+              <a:rPr lang="en-US" altLang="zh-CN" sz="1400" dirty="0">
                 <a:solidFill>
                   <a:schemeClr val="bg1"/>
                 </a:solidFill>
@@ -7100,7 +7100,7 @@
               <a:t>01</a:t>
             </a:r>
             <a:r>
-              <a:rPr lang="zh-CN" altLang="en-US" sz="1400">
+              <a:rPr lang="zh-CN" altLang="en-US" sz="1400" dirty="0">
                 <a:solidFill>
                   <a:schemeClr val="bg1"/>
                 </a:solidFill>
@@ -7110,7 +7110,7 @@
               <a:t>、通知</a:t>
             </a:r>
             <a:r>
-              <a:rPr lang="en-US" altLang="zh-CN" sz="1400">
+              <a:rPr lang="en-US" altLang="zh-CN" sz="1400" dirty="0">
                 <a:solidFill>
                   <a:schemeClr val="bg1"/>
                 </a:solidFill>
@@ -7120,7 +7120,7 @@
               <a:t>Observers</a:t>
             </a:r>
             <a:r>
-              <a:rPr lang="zh-CN" altLang="en-US" sz="1400">
+              <a:rPr lang="zh-CN" altLang="en-US" sz="1400" dirty="0">
                 <a:solidFill>
                   <a:schemeClr val="bg1"/>
                 </a:solidFill>
@@ -7130,7 +7130,7 @@
               <a:t>：进入</a:t>
             </a:r>
             <a:r>
-              <a:rPr lang="en-US" altLang="zh-CN" sz="1400">
+              <a:rPr lang="en-US" altLang="zh-CN" sz="1400" dirty="0">
                 <a:solidFill>
                   <a:schemeClr val="bg1"/>
                 </a:solidFill>
@@ -7454,7 +7454,7 @@
           <a:lstStyle/>
           <a:p>
             <a:r>
-              <a:rPr lang="en-US" altLang="zh-CN" sz="1400">
+              <a:rPr lang="en-US" altLang="zh-CN" sz="1400" dirty="0">
                 <a:solidFill>
                   <a:schemeClr val="bg1"/>
                 </a:solidFill>
@@ -7464,7 +7464,7 @@
               <a:t>05</a:t>
             </a:r>
             <a:r>
-              <a:rPr lang="zh-CN" altLang="en-US" sz="1400">
+              <a:rPr lang="zh-CN" altLang="en-US" sz="1400" dirty="0">
                 <a:solidFill>
                   <a:schemeClr val="bg1"/>
                 </a:solidFill>
@@ -7474,7 +7474,7 @@
               <a:t>、处理</a:t>
             </a:r>
             <a:r>
-              <a:rPr lang="en-US" altLang="zh-CN" sz="1400">
+              <a:rPr lang="en-US" altLang="zh-CN" sz="1400" dirty="0">
                 <a:solidFill>
                   <a:schemeClr val="bg1"/>
                 </a:solidFill>
@@ -7484,7 +7484,7 @@
               <a:t>Source0</a:t>
             </a:r>
             <a:r>
-              <a:rPr lang="zh-CN" altLang="en-US" sz="1400">
+              <a:rPr lang="zh-CN" altLang="en-US" sz="1400" dirty="0">
                 <a:solidFill>
                   <a:schemeClr val="bg1"/>
                 </a:solidFill>
@@ -7494,7 +7494,7 @@
               <a:t>（可能会再次处理</a:t>
             </a:r>
             <a:r>
-              <a:rPr lang="en-US" altLang="zh-CN" sz="1400">
+              <a:rPr lang="en-US" altLang="zh-CN" sz="1400" dirty="0">
                 <a:solidFill>
                   <a:schemeClr val="bg1"/>
                 </a:solidFill>
@@ -7504,7 +7504,7 @@
               <a:t>Blocks</a:t>
             </a:r>
             <a:r>
-              <a:rPr lang="zh-CN" altLang="en-US" sz="1400">
+              <a:rPr lang="zh-CN" altLang="en-US" sz="1400" dirty="0">
                 <a:solidFill>
                   <a:schemeClr val="bg1"/>
                 </a:solidFill>
@@ -7666,7 +7666,7 @@
           <a:lstStyle/>
           <a:p>
             <a:r>
-              <a:rPr lang="en-US" altLang="zh-CN" sz="1200">
+              <a:rPr lang="en-US" altLang="zh-CN" sz="1200" dirty="0">
                 <a:solidFill>
                   <a:schemeClr val="bg1"/>
                 </a:solidFill>
@@ -7676,7 +7676,7 @@
               <a:t>07</a:t>
             </a:r>
             <a:r>
-              <a:rPr lang="zh-CN" altLang="en-US" sz="1200">
+              <a:rPr lang="zh-CN" altLang="en-US" sz="1200" dirty="0">
                 <a:solidFill>
                   <a:schemeClr val="bg1"/>
                 </a:solidFill>
@@ -7686,7 +7686,7 @@
               <a:t>、通知</a:t>
             </a:r>
             <a:r>
-              <a:rPr lang="en-US" altLang="zh-CN" sz="1200">
+              <a:rPr lang="en-US" altLang="zh-CN" sz="1200" dirty="0">
                 <a:solidFill>
                   <a:schemeClr val="bg1"/>
                 </a:solidFill>
@@ -7696,7 +7696,7 @@
               <a:t>Observers</a:t>
             </a:r>
             <a:r>
-              <a:rPr lang="zh-CN" altLang="en-US" sz="1200">
+              <a:rPr lang="zh-CN" altLang="en-US" sz="1200" dirty="0">
                 <a:solidFill>
                   <a:schemeClr val="bg1"/>
                 </a:solidFill>
@@ -11923,7 +11923,7 @@
               <a:buChar char="n"/>
             </a:pPr>
             <a:r>
-              <a:rPr lang="zh-CN" altLang="en-US" sz="1600">
+              <a:rPr lang="zh-CN" altLang="en-US" sz="1600" dirty="0">
                 <a:solidFill>
                   <a:schemeClr val="tx1">
                     <a:lumMod val="65000"/>
@@ -11934,6 +11934,83 @@
                 <a:ea typeface="微软雅黑" panose="020B0503020204020204" pitchFamily="34" charset="-122"/>
               </a:rPr>
               <a:t>控制线程生命周期（线程保活）</a:t>
+            </a:r>
+            <a:endParaRPr lang="en-US" altLang="zh-CN" sz="1600" dirty="0">
+              <a:solidFill>
+                <a:schemeClr val="tx1">
+                  <a:lumMod val="65000"/>
+                  <a:lumOff val="35000"/>
+                </a:schemeClr>
+              </a:solidFill>
+              <a:latin typeface="微软雅黑" panose="020B0503020204020204" pitchFamily="34" charset="-122"/>
+              <a:ea typeface="微软雅黑" panose="020B0503020204020204" pitchFamily="34" charset="-122"/>
+            </a:endParaRPr>
+          </a:p>
+          <a:p>
+            <a:pPr marL="342900" indent="-342900">
+              <a:lnSpc>
+                <a:spcPts val="2200"/>
+              </a:lnSpc>
+              <a:buFont typeface="Wingdings" charset="2"/>
+              <a:buChar char="n"/>
+            </a:pPr>
+            <a:endParaRPr lang="en-US" altLang="zh-CN" sz="1600" dirty="0">
+              <a:solidFill>
+                <a:schemeClr val="tx1">
+                  <a:lumMod val="65000"/>
+                  <a:lumOff val="35000"/>
+                </a:schemeClr>
+              </a:solidFill>
+              <a:latin typeface="微软雅黑" panose="020B0503020204020204" pitchFamily="34" charset="-122"/>
+              <a:ea typeface="微软雅黑" panose="020B0503020204020204" pitchFamily="34" charset="-122"/>
+            </a:endParaRPr>
+          </a:p>
+          <a:p>
+            <a:pPr marL="342900" indent="-342900">
+              <a:lnSpc>
+                <a:spcPts val="2200"/>
+              </a:lnSpc>
+              <a:buFont typeface="Wingdings" charset="2"/>
+              <a:buChar char="n"/>
+            </a:pPr>
+            <a:r>
+              <a:rPr lang="zh-CN" altLang="en-US" sz="1600" dirty="0">
+                <a:solidFill>
+                  <a:schemeClr val="tx1">
+                    <a:lumMod val="65000"/>
+                    <a:lumOff val="35000"/>
+                  </a:schemeClr>
+                </a:solidFill>
+                <a:latin typeface="微软雅黑" panose="020B0503020204020204" pitchFamily="34" charset="-122"/>
+                <a:ea typeface="微软雅黑" panose="020B0503020204020204" pitchFamily="34" charset="-122"/>
+              </a:rPr>
+              <a:t>解决</a:t>
+            </a:r>
+            <a:r>
+              <a:rPr lang="en-US" altLang="zh-CN" sz="1600" dirty="0" err="1">
+                <a:solidFill>
+                  <a:schemeClr val="tx1">
+                    <a:lumMod val="65000"/>
+                    <a:lumOff val="35000"/>
+                  </a:schemeClr>
+                </a:solidFill>
+                <a:latin typeface="微软雅黑" panose="020B0503020204020204" pitchFamily="34" charset="-122"/>
+                <a:ea typeface="微软雅黑" panose="020B0503020204020204" pitchFamily="34" charset="-122"/>
+              </a:rPr>
+              <a:t>NSTimer</a:t>
+            </a:r>
+            <a:r>
+              <a:rPr lang="zh-CN" altLang="en-US" sz="1600" dirty="0">
+                <a:solidFill>
+                  <a:schemeClr val="tx1">
+                    <a:lumMod val="65000"/>
+                    <a:lumOff val="35000"/>
+                  </a:schemeClr>
+                </a:solidFill>
+                <a:latin typeface="微软雅黑" panose="020B0503020204020204" pitchFamily="34" charset="-122"/>
+                <a:ea typeface="微软雅黑" panose="020B0503020204020204" pitchFamily="34" charset="-122"/>
+              </a:rPr>
+              <a:t>在滑动时停止工作的问题</a:t>
             </a:r>
             <a:endParaRPr lang="en-US" altLang="zh-CN" sz="1600">
               <a:solidFill>
@@ -11974,45 +12051,19 @@
               <a:buChar char="n"/>
             </a:pPr>
             <a:r>
-              <a:rPr lang="zh-CN" altLang="en-US" sz="1600">
-                <a:solidFill>
-                  <a:schemeClr val="tx1">
-                    <a:lumMod val="65000"/>
-                    <a:lumOff val="35000"/>
-                  </a:schemeClr>
-                </a:solidFill>
-                <a:latin typeface="微软雅黑" panose="020B0503020204020204" pitchFamily="34" charset="-122"/>
-                <a:ea typeface="微软雅黑" panose="020B0503020204020204" pitchFamily="34" charset="-122"/>
-              </a:rPr>
-              <a:t>解决</a:t>
-            </a:r>
-            <a:r>
-              <a:rPr lang="en-US" altLang="zh-CN" sz="1600">
-                <a:solidFill>
-                  <a:schemeClr val="tx1">
-                    <a:lumMod val="65000"/>
-                    <a:lumOff val="35000"/>
-                  </a:schemeClr>
-                </a:solidFill>
-                <a:latin typeface="微软雅黑" panose="020B0503020204020204" pitchFamily="34" charset="-122"/>
-                <a:ea typeface="微软雅黑" panose="020B0503020204020204" pitchFamily="34" charset="-122"/>
-              </a:rPr>
-              <a:t>NSTimer</a:t>
-            </a:r>
-            <a:r>
-              <a:rPr lang="zh-CN" altLang="en-US" sz="1600">
-                <a:solidFill>
-                  <a:schemeClr val="tx1">
-                    <a:lumMod val="65000"/>
-                    <a:lumOff val="35000"/>
-                  </a:schemeClr>
-                </a:solidFill>
-                <a:latin typeface="微软雅黑" panose="020B0503020204020204" pitchFamily="34" charset="-122"/>
-                <a:ea typeface="微软雅黑" panose="020B0503020204020204" pitchFamily="34" charset="-122"/>
-              </a:rPr>
-              <a:t>在滑动时停止工作的问题</a:t>
-            </a:r>
-            <a:endParaRPr lang="en-US" altLang="zh-CN" sz="1600">
+              <a:rPr lang="zh-CN" altLang="en-US" sz="1600" dirty="0">
+                <a:solidFill>
+                  <a:schemeClr val="tx1">
+                    <a:lumMod val="65000"/>
+                    <a:lumOff val="35000"/>
+                  </a:schemeClr>
+                </a:solidFill>
+                <a:latin typeface="微软雅黑" panose="020B0503020204020204" pitchFamily="34" charset="-122"/>
+                <a:ea typeface="微软雅黑" panose="020B0503020204020204" pitchFamily="34" charset="-122"/>
+              </a:rPr>
+              <a:t>监控应用卡顿</a:t>
+            </a:r>
+            <a:endParaRPr lang="en-US" altLang="zh-CN" sz="1600" dirty="0">
               <a:solidFill>
                 <a:schemeClr val="tx1">
                   <a:lumMod val="65000"/>
@@ -12031,7 +12082,7 @@
               <a:buFont typeface="Wingdings" charset="2"/>
               <a:buChar char="n"/>
             </a:pPr>
-            <a:endParaRPr lang="en-US" altLang="zh-CN" sz="1600">
+            <a:endParaRPr lang="en-US" altLang="zh-CN" sz="1600" dirty="0">
               <a:solidFill>
                 <a:schemeClr val="tx1">
                   <a:lumMod val="65000"/>
@@ -12051,58 +12102,7 @@
               <a:buChar char="n"/>
             </a:pPr>
             <a:r>
-              <a:rPr lang="zh-CN" altLang="en-US" sz="1600">
-                <a:solidFill>
-                  <a:schemeClr val="tx1">
-                    <a:lumMod val="65000"/>
-                    <a:lumOff val="35000"/>
-                  </a:schemeClr>
-                </a:solidFill>
-                <a:latin typeface="微软雅黑" panose="020B0503020204020204" pitchFamily="34" charset="-122"/>
-                <a:ea typeface="微软雅黑" panose="020B0503020204020204" pitchFamily="34" charset="-122"/>
-              </a:rPr>
-              <a:t>监控应用卡顿</a:t>
-            </a:r>
-            <a:endParaRPr lang="en-US" altLang="zh-CN" sz="1600">
-              <a:solidFill>
-                <a:schemeClr val="tx1">
-                  <a:lumMod val="65000"/>
-                  <a:lumOff val="35000"/>
-                </a:schemeClr>
-              </a:solidFill>
-              <a:latin typeface="微软雅黑" panose="020B0503020204020204" pitchFamily="34" charset="-122"/>
-              <a:ea typeface="微软雅黑" panose="020B0503020204020204" pitchFamily="34" charset="-122"/>
-            </a:endParaRPr>
-          </a:p>
-          <a:p>
-            <a:pPr marL="342900" indent="-342900">
-              <a:lnSpc>
-                <a:spcPts val="2200"/>
-              </a:lnSpc>
-              <a:buFont typeface="Wingdings" charset="2"/>
-              <a:buChar char="n"/>
-            </a:pPr>
-            <a:endParaRPr lang="en-US" altLang="zh-CN" sz="1600">
-              <a:solidFill>
-                <a:schemeClr val="tx1">
-                  <a:lumMod val="65000"/>
-                  <a:lumOff val="35000"/>
-                </a:schemeClr>
-              </a:solidFill>
-              <a:latin typeface="微软雅黑" panose="020B0503020204020204" pitchFamily="34" charset="-122"/>
-              <a:ea typeface="微软雅黑" panose="020B0503020204020204" pitchFamily="34" charset="-122"/>
-            </a:endParaRPr>
-          </a:p>
-          <a:p>
-            <a:pPr marL="342900" indent="-342900">
-              <a:lnSpc>
-                <a:spcPts val="2200"/>
-              </a:lnSpc>
-              <a:buFont typeface="Wingdings" charset="2"/>
-              <a:buChar char="n"/>
-            </a:pPr>
-            <a:r>
-              <a:rPr lang="zh-CN" altLang="en-US" sz="1600">
+              <a:rPr lang="zh-CN" altLang="en-US" sz="1600" dirty="0">
                 <a:solidFill>
                   <a:schemeClr val="tx1">
                     <a:lumMod val="65000"/>
@@ -12114,7 +12114,7 @@
               </a:rPr>
               <a:t>性能优化</a:t>
             </a:r>
-            <a:endParaRPr lang="en-US" altLang="zh-CN" sz="1600">
+            <a:endParaRPr lang="en-US" altLang="zh-CN" sz="1600" dirty="0">
               <a:solidFill>
                 <a:schemeClr val="tx1">
                   <a:lumMod val="65000"/>
@@ -20121,7 +20121,7 @@
         </p:blipFill>
         <p:spPr>
           <a:xfrm>
-            <a:off x="4912795" y="1279651"/>
+            <a:off x="5057483" y="1349930"/>
             <a:ext cx="5157480" cy="2195174"/>
           </a:xfrm>
           <a:prstGeom prst="rect">

--- a/document/底层课件/03-RunLoop.pptx
+++ b/document/底层课件/03-RunLoop.pptx
@@ -333,7 +333,7 @@
           <a:p>
             <a:fld id="{2B87634C-074B-4260-9010-E574428551B5}" type="datetimeFigureOut">
               <a:rPr lang="zh-CN" altLang="en-US" smtClean="0"/>
-              <a:t>2021/1/25</a:t>
+              <a:t>2023/10/15</a:t>
             </a:fld>
             <a:endParaRPr lang="zh-CN" altLang="en-US"/>
           </a:p>
@@ -510,7 +510,7 @@
           <a:p>
             <a:fld id="{C25591C1-7BBD-4BAD-9912-0ADD21A74F01}" type="datetimeFigureOut">
               <a:rPr lang="zh-CN" altLang="en-US" smtClean="0"/>
-              <a:t>2021/1/25</a:t>
+              <a:t>2023/10/15</a:t>
             </a:fld>
             <a:endParaRPr lang="zh-CN" altLang="en-US"/>
           </a:p>
@@ -1565,7 +1565,7 @@
           <a:p>
             <a:fld id="{72D8E73B-0927-45CC-BC19-B5A752C4C781}" type="datetimeFigureOut">
               <a:rPr lang="zh-CN" altLang="en-US" smtClean="0"/>
-              <a:t>2021/1/25</a:t>
+              <a:t>2023/10/15</a:t>
             </a:fld>
             <a:endParaRPr lang="zh-CN" altLang="en-US"/>
           </a:p>
@@ -1985,10 +1985,10 @@
           <a:lstStyle/>
           <a:p>
             <a:r>
-              <a:rPr lang="en-US" altLang="zh-CN"/>
+              <a:rPr lang="en-US" altLang="zh-CN" dirty="0"/>
               <a:t>RunLoop</a:t>
             </a:r>
-            <a:endParaRPr lang="zh-CN" altLang="en-US"/>
+            <a:endParaRPr lang="zh-CN" altLang="en-US" dirty="0"/>
           </a:p>
         </p:txBody>
       </p:sp>
@@ -2329,7 +2329,7 @@
               <a:buChar char="n"/>
             </a:pPr>
             <a:r>
-              <a:rPr lang="en-US" altLang="zh-CN" sz="1600">
+              <a:rPr lang="en-US" altLang="zh-CN" sz="1600" dirty="0" err="1">
                 <a:solidFill>
                   <a:schemeClr val="tx1">
                     <a:lumMod val="65000"/>
@@ -2342,7 +2342,7 @@
               <a:t>CFRunLoopModeRef</a:t>
             </a:r>
             <a:r>
-              <a:rPr lang="zh-CN" altLang="en-US" sz="1600">
+              <a:rPr lang="zh-CN" altLang="en-US" sz="1600" dirty="0">
                 <a:solidFill>
                   <a:schemeClr val="tx1">
                     <a:lumMod val="65000"/>
@@ -2355,7 +2355,7 @@
               <a:t>代表</a:t>
             </a:r>
             <a:r>
-              <a:rPr lang="en-US" altLang="zh-CN" sz="1600">
+              <a:rPr lang="en-US" altLang="zh-CN" sz="1600" dirty="0">
                 <a:solidFill>
                   <a:schemeClr val="tx1">
                     <a:lumMod val="65000"/>
@@ -2368,7 +2368,7 @@
               <a:t>RunLoop</a:t>
             </a:r>
             <a:r>
-              <a:rPr lang="zh-CN" altLang="en-US" sz="1600">
+              <a:rPr lang="zh-CN" altLang="en-US" sz="1600" dirty="0">
                 <a:solidFill>
                   <a:schemeClr val="tx1">
                     <a:lumMod val="65000"/>
@@ -2380,7 +2380,7 @@
               </a:rPr>
               <a:t>的运行模式</a:t>
             </a:r>
-            <a:endParaRPr lang="en-US" altLang="zh-CN" sz="1600">
+            <a:endParaRPr lang="en-US" altLang="zh-CN" sz="1600" dirty="0">
               <a:solidFill>
                 <a:schemeClr val="tx1">
                   <a:lumMod val="65000"/>
@@ -2399,7 +2399,7 @@
               <a:buFont typeface="Wingdings" charset="2"/>
               <a:buChar char="n"/>
             </a:pPr>
-            <a:endParaRPr lang="en-US" altLang="zh-CN" sz="1600">
+            <a:endParaRPr lang="en-US" altLang="zh-CN" sz="1600" dirty="0">
               <a:solidFill>
                 <a:schemeClr val="tx1">
                   <a:lumMod val="65000"/>
@@ -2419,7 +2419,7 @@
               <a:buChar char="n"/>
             </a:pPr>
             <a:r>
-              <a:rPr lang="zh-CN" altLang="en-US" sz="1600">
+              <a:rPr lang="zh-CN" altLang="en-US" sz="1600" dirty="0">
                 <a:solidFill>
                   <a:schemeClr val="tx1">
                     <a:lumMod val="65000"/>
@@ -2432,7 +2432,7 @@
               <a:t>一个</a:t>
             </a:r>
             <a:r>
-              <a:rPr lang="en-US" altLang="zh-CN" sz="1600">
+              <a:rPr lang="en-US" altLang="zh-CN" sz="1600" dirty="0">
                 <a:solidFill>
                   <a:schemeClr val="tx1">
                     <a:lumMod val="65000"/>
@@ -2445,7 +2445,7 @@
               <a:t>RunLoop</a:t>
             </a:r>
             <a:r>
-              <a:rPr lang="zh-CN" altLang="en-US" sz="1600">
+              <a:rPr lang="zh-CN" altLang="en-US" sz="1600" dirty="0">
                 <a:solidFill>
                   <a:schemeClr val="tx1">
                     <a:lumMod val="65000"/>
@@ -2458,7 +2458,7 @@
               <a:t>包含若干个</a:t>
             </a:r>
             <a:r>
-              <a:rPr lang="en-US" altLang="zh-CN" sz="1600">
+              <a:rPr lang="en-US" altLang="zh-CN" sz="1600" dirty="0">
                 <a:solidFill>
                   <a:schemeClr val="tx1">
                     <a:lumMod val="65000"/>
@@ -2471,7 +2471,7 @@
               <a:t>Mode</a:t>
             </a:r>
             <a:r>
-              <a:rPr lang="zh-CN" altLang="en-US" sz="1600">
+              <a:rPr lang="zh-CN" altLang="en-US" sz="1600" dirty="0">
                 <a:solidFill>
                   <a:schemeClr val="tx1">
                     <a:lumMod val="65000"/>
@@ -2484,7 +2484,7 @@
               <a:t>，每个</a:t>
             </a:r>
             <a:r>
-              <a:rPr lang="en-US" altLang="zh-CN" sz="1600">
+              <a:rPr lang="en-US" altLang="zh-CN" sz="1600" dirty="0">
                 <a:solidFill>
                   <a:schemeClr val="tx1">
                     <a:lumMod val="65000"/>
@@ -2497,7 +2497,7 @@
               <a:t>Mode</a:t>
             </a:r>
             <a:r>
-              <a:rPr lang="zh-CN" altLang="en-US" sz="1600">
+              <a:rPr lang="zh-CN" altLang="en-US" sz="1600" dirty="0">
                 <a:solidFill>
                   <a:schemeClr val="tx1">
                     <a:lumMod val="65000"/>
@@ -2510,7 +2510,7 @@
               <a:t>又包含若干个</a:t>
             </a:r>
             <a:r>
-              <a:rPr lang="en-US" altLang="zh-CN" sz="1600">
+              <a:rPr lang="en-US" altLang="zh-CN" sz="1600" dirty="0">
                 <a:solidFill>
                   <a:schemeClr val="tx1">
                     <a:lumMod val="65000"/>
@@ -2531,7 +2531,7 @@
               <a:buFont typeface="Wingdings" charset="2"/>
               <a:buChar char="n"/>
             </a:pPr>
-            <a:endParaRPr lang="en-US" altLang="zh-CN" sz="1600">
+            <a:endParaRPr lang="en-US" altLang="zh-CN" sz="1600" dirty="0">
               <a:solidFill>
                 <a:schemeClr val="tx1">
                   <a:lumMod val="65000"/>
@@ -2551,7 +2551,7 @@
               <a:buChar char="n"/>
             </a:pPr>
             <a:r>
-              <a:rPr lang="en-US" altLang="zh-CN" sz="1600">
+              <a:rPr lang="en-US" altLang="zh-CN" sz="1600" dirty="0">
                 <a:solidFill>
                   <a:schemeClr val="tx1">
                     <a:lumMod val="65000"/>
@@ -2564,7 +2564,7 @@
               <a:t>RunLoop</a:t>
             </a:r>
             <a:r>
-              <a:rPr lang="zh-CN" altLang="en-US" sz="1600">
+              <a:rPr lang="zh-CN" altLang="en-US" sz="1600" dirty="0">
                 <a:solidFill>
                   <a:schemeClr val="tx1">
                     <a:lumMod val="65000"/>
@@ -2577,7 +2577,7 @@
               <a:t>启动时只能选择其中一个</a:t>
             </a:r>
             <a:r>
-              <a:rPr lang="en-US" altLang="zh-CN" sz="1600">
+              <a:rPr lang="en-US" altLang="zh-CN" sz="1600" dirty="0">
                 <a:solidFill>
                   <a:schemeClr val="tx1">
                     <a:lumMod val="65000"/>
@@ -2590,7 +2590,7 @@
               <a:t>Mode</a:t>
             </a:r>
             <a:r>
-              <a:rPr lang="zh-CN" altLang="en-US" sz="1600">
+              <a:rPr lang="zh-CN" altLang="en-US" sz="1600" dirty="0">
                 <a:solidFill>
                   <a:schemeClr val="tx1">
                     <a:lumMod val="65000"/>
@@ -2603,7 +2603,7 @@
               <a:t>，作为</a:t>
             </a:r>
             <a:r>
-              <a:rPr lang="en-US" altLang="zh-CN" sz="1600">
+              <a:rPr lang="en-US" altLang="zh-CN" sz="1600" dirty="0" err="1">
                 <a:solidFill>
                   <a:schemeClr val="tx1">
                     <a:lumMod val="65000"/>
@@ -2615,16 +2615,7 @@
               </a:rPr>
               <a:t>currentMode</a:t>
             </a:r>
-          </a:p>
-          <a:p>
-            <a:pPr marL="342900" indent="-342900">
-              <a:lnSpc>
-                <a:spcPts val="2200"/>
-              </a:lnSpc>
-              <a:buFont typeface="Wingdings" charset="2"/>
-              <a:buChar char="n"/>
-            </a:pPr>
-            <a:endParaRPr lang="en-US" altLang="zh-CN" sz="1600">
+            <a:endParaRPr lang="en-US" altLang="zh-CN" sz="1600" dirty="0">
               <a:solidFill>
                 <a:schemeClr val="tx1">
                   <a:lumMod val="65000"/>
@@ -2643,98 +2634,7 @@
               <a:buFont typeface="Wingdings" charset="2"/>
               <a:buChar char="n"/>
             </a:pPr>
-            <a:r>
-              <a:rPr lang="zh-CN" altLang="en-US" sz="1600">
-                <a:solidFill>
-                  <a:schemeClr val="tx1">
-                    <a:lumMod val="65000"/>
-                    <a:lumOff val="35000"/>
-                  </a:schemeClr>
-                </a:solidFill>
-                <a:latin typeface="微软雅黑" panose="020B0503020204020204" pitchFamily="34" charset="-122"/>
-                <a:ea typeface="微软雅黑" panose="020B0503020204020204" pitchFamily="34" charset="-122"/>
-              </a:rPr>
-              <a:t>如果需要切换</a:t>
-            </a:r>
-            <a:r>
-              <a:rPr lang="en-US" altLang="zh-CN" sz="1600">
-                <a:solidFill>
-                  <a:schemeClr val="tx1">
-                    <a:lumMod val="65000"/>
-                    <a:lumOff val="35000"/>
-                  </a:schemeClr>
-                </a:solidFill>
-                <a:latin typeface="微软雅黑" panose="020B0503020204020204" pitchFamily="34" charset="-122"/>
-                <a:ea typeface="微软雅黑" panose="020B0503020204020204" pitchFamily="34" charset="-122"/>
-              </a:rPr>
-              <a:t>Mode</a:t>
-            </a:r>
-            <a:r>
-              <a:rPr lang="zh-CN" altLang="en-US" sz="1600">
-                <a:solidFill>
-                  <a:schemeClr val="tx1">
-                    <a:lumMod val="65000"/>
-                    <a:lumOff val="35000"/>
-                  </a:schemeClr>
-                </a:solidFill>
-                <a:latin typeface="微软雅黑" panose="020B0503020204020204" pitchFamily="34" charset="-122"/>
-                <a:ea typeface="微软雅黑" panose="020B0503020204020204" pitchFamily="34" charset="-122"/>
-              </a:rPr>
-              <a:t>，只能退出当前</a:t>
-            </a:r>
-            <a:r>
-              <a:rPr lang="en-US" altLang="zh-CN" sz="1600">
-                <a:solidFill>
-                  <a:schemeClr val="tx1">
-                    <a:lumMod val="65000"/>
-                    <a:lumOff val="35000"/>
-                  </a:schemeClr>
-                </a:solidFill>
-                <a:latin typeface="微软雅黑" panose="020B0503020204020204" pitchFamily="34" charset="-122"/>
-                <a:ea typeface="微软雅黑" panose="020B0503020204020204" pitchFamily="34" charset="-122"/>
-              </a:rPr>
-              <a:t>Loop</a:t>
-            </a:r>
-            <a:r>
-              <a:rPr lang="zh-CN" altLang="en-US" sz="1600">
-                <a:solidFill>
-                  <a:schemeClr val="tx1">
-                    <a:lumMod val="65000"/>
-                    <a:lumOff val="35000"/>
-                  </a:schemeClr>
-                </a:solidFill>
-                <a:latin typeface="微软雅黑" panose="020B0503020204020204" pitchFamily="34" charset="-122"/>
-                <a:ea typeface="微软雅黑" panose="020B0503020204020204" pitchFamily="34" charset="-122"/>
-              </a:rPr>
-              <a:t>，再重新选择一个</a:t>
-            </a:r>
-            <a:r>
-              <a:rPr lang="en-US" altLang="zh-CN" sz="1600">
-                <a:solidFill>
-                  <a:schemeClr val="tx1">
-                    <a:lumMod val="65000"/>
-                    <a:lumOff val="35000"/>
-                  </a:schemeClr>
-                </a:solidFill>
-                <a:latin typeface="微软雅黑" panose="020B0503020204020204" pitchFamily="34" charset="-122"/>
-                <a:ea typeface="微软雅黑" panose="020B0503020204020204" pitchFamily="34" charset="-122"/>
-              </a:rPr>
-              <a:t>Mode</a:t>
-            </a:r>
-            <a:r>
-              <a:rPr lang="zh-CN" altLang="en-US" sz="1600">
-                <a:solidFill>
-                  <a:schemeClr val="tx1">
-                    <a:lumMod val="65000"/>
-                    <a:lumOff val="35000"/>
-                  </a:schemeClr>
-                </a:solidFill>
-                <a:latin typeface="微软雅黑" panose="020B0503020204020204" pitchFamily="34" charset="-122"/>
-                <a:ea typeface="微软雅黑" panose="020B0503020204020204" pitchFamily="34" charset="-122"/>
-              </a:rPr>
-              <a:t>进入</a:t>
-            </a:r>
-            <a:endParaRPr lang="en-US" altLang="zh-CN" sz="1600">
+            <a:endParaRPr lang="en-US" altLang="zh-CN" sz="1600" dirty="0">
               <a:solidFill>
                 <a:schemeClr val="tx1">
                   <a:lumMod val="65000"/>
@@ -2751,48 +2651,100 @@
                 <a:spcPts val="2200"/>
               </a:lnSpc>
               <a:buFont typeface="Wingdings" charset="2"/>
-              <a:buChar char="p"/>
+              <a:buChar char="n"/>
             </a:pPr>
             <a:r>
-              <a:rPr lang="zh-CN" altLang="en-US" sz="1600">
-                <a:solidFill>
-                  <a:schemeClr val="tx1">
-                    <a:lumMod val="65000"/>
-                    <a:lumOff val="35000"/>
-                  </a:schemeClr>
-                </a:solidFill>
-                <a:latin typeface="微软雅黑" panose="020B0503020204020204" pitchFamily="34" charset="-122"/>
-                <a:ea typeface="微软雅黑" panose="020B0503020204020204" pitchFamily="34" charset="-122"/>
-              </a:rPr>
-              <a:t>不同组的</a:t>
-            </a:r>
-            <a:r>
-              <a:rPr lang="en-US" altLang="zh-CN" sz="1600">
-                <a:solidFill>
-                  <a:schemeClr val="tx1">
-                    <a:lumMod val="65000"/>
-                    <a:lumOff val="35000"/>
-                  </a:schemeClr>
-                </a:solidFill>
-                <a:latin typeface="微软雅黑" panose="020B0503020204020204" pitchFamily="34" charset="-122"/>
-                <a:ea typeface="微软雅黑" panose="020B0503020204020204" pitchFamily="34" charset="-122"/>
-              </a:rPr>
-              <a:t>Source0/Source1/Timer/Observer</a:t>
-            </a:r>
-            <a:r>
-              <a:rPr lang="zh-CN" altLang="en-US" sz="1600">
-                <a:solidFill>
-                  <a:schemeClr val="tx1">
-                    <a:lumMod val="65000"/>
-                    <a:lumOff val="35000"/>
-                  </a:schemeClr>
-                </a:solidFill>
-                <a:latin typeface="微软雅黑" panose="020B0503020204020204" pitchFamily="34" charset="-122"/>
-                <a:ea typeface="微软雅黑" panose="020B0503020204020204" pitchFamily="34" charset="-122"/>
-              </a:rPr>
-              <a:t>能分隔开来，互不影响</a:t>
-            </a:r>
-            <a:endParaRPr lang="en-US" altLang="zh-CN" sz="1600">
+              <a:rPr lang="zh-CN" altLang="en-US" sz="1600" dirty="0">
+                <a:solidFill>
+                  <a:schemeClr val="tx1">
+                    <a:lumMod val="65000"/>
+                    <a:lumOff val="35000"/>
+                  </a:schemeClr>
+                </a:solidFill>
+                <a:latin typeface="微软雅黑" panose="020B0503020204020204" pitchFamily="34" charset="-122"/>
+                <a:ea typeface="微软雅黑" panose="020B0503020204020204" pitchFamily="34" charset="-122"/>
+              </a:rPr>
+              <a:t>如果需要切换</a:t>
+            </a:r>
+            <a:r>
+              <a:rPr lang="en-US" altLang="zh-CN" sz="1600" dirty="0">
+                <a:solidFill>
+                  <a:schemeClr val="tx1">
+                    <a:lumMod val="65000"/>
+                    <a:lumOff val="35000"/>
+                  </a:schemeClr>
+                </a:solidFill>
+                <a:latin typeface="微软雅黑" panose="020B0503020204020204" pitchFamily="34" charset="-122"/>
+                <a:ea typeface="微软雅黑" panose="020B0503020204020204" pitchFamily="34" charset="-122"/>
+              </a:rPr>
+              <a:t>Mode</a:t>
+            </a:r>
+            <a:r>
+              <a:rPr lang="zh-CN" altLang="en-US" sz="1600" dirty="0">
+                <a:solidFill>
+                  <a:schemeClr val="tx1">
+                    <a:lumMod val="65000"/>
+                    <a:lumOff val="35000"/>
+                  </a:schemeClr>
+                </a:solidFill>
+                <a:latin typeface="微软雅黑" panose="020B0503020204020204" pitchFamily="34" charset="-122"/>
+                <a:ea typeface="微软雅黑" panose="020B0503020204020204" pitchFamily="34" charset="-122"/>
+              </a:rPr>
+              <a:t>，只能退出当前</a:t>
+            </a:r>
+            <a:r>
+              <a:rPr lang="en-US" altLang="zh-CN" sz="1600" dirty="0">
+                <a:solidFill>
+                  <a:schemeClr val="tx1">
+                    <a:lumMod val="65000"/>
+                    <a:lumOff val="35000"/>
+                  </a:schemeClr>
+                </a:solidFill>
+                <a:latin typeface="微软雅黑" panose="020B0503020204020204" pitchFamily="34" charset="-122"/>
+                <a:ea typeface="微软雅黑" panose="020B0503020204020204" pitchFamily="34" charset="-122"/>
+              </a:rPr>
+              <a:t>Loop</a:t>
+            </a:r>
+            <a:r>
+              <a:rPr lang="zh-CN" altLang="en-US" sz="1600" dirty="0">
+                <a:solidFill>
+                  <a:schemeClr val="tx1">
+                    <a:lumMod val="65000"/>
+                    <a:lumOff val="35000"/>
+                  </a:schemeClr>
+                </a:solidFill>
+                <a:latin typeface="微软雅黑" panose="020B0503020204020204" pitchFamily="34" charset="-122"/>
+                <a:ea typeface="微软雅黑" panose="020B0503020204020204" pitchFamily="34" charset="-122"/>
+              </a:rPr>
+              <a:t>，再重新选择一个</a:t>
+            </a:r>
+            <a:r>
+              <a:rPr lang="en-US" altLang="zh-CN" sz="1600" dirty="0">
+                <a:solidFill>
+                  <a:schemeClr val="tx1">
+                    <a:lumMod val="65000"/>
+                    <a:lumOff val="35000"/>
+                  </a:schemeClr>
+                </a:solidFill>
+                <a:latin typeface="微软雅黑" panose="020B0503020204020204" pitchFamily="34" charset="-122"/>
+                <a:ea typeface="微软雅黑" panose="020B0503020204020204" pitchFamily="34" charset="-122"/>
+              </a:rPr>
+              <a:t>Mode</a:t>
+            </a:r>
+            <a:r>
+              <a:rPr lang="zh-CN" altLang="en-US" sz="1600" dirty="0">
+                <a:solidFill>
+                  <a:schemeClr val="tx1">
+                    <a:lumMod val="65000"/>
+                    <a:lumOff val="35000"/>
+                  </a:schemeClr>
+                </a:solidFill>
+                <a:latin typeface="微软雅黑" panose="020B0503020204020204" pitchFamily="34" charset="-122"/>
+                <a:ea typeface="微软雅黑" panose="020B0503020204020204" pitchFamily="34" charset="-122"/>
+              </a:rPr>
+              <a:t>进入</a:t>
+            </a:r>
+            <a:endParaRPr lang="en-US" altLang="zh-CN" sz="1600" dirty="0">
               <a:solidFill>
                 <a:schemeClr val="tx1">
                   <a:lumMod val="65000"/>
@@ -2809,9 +2761,48 @@
                 <a:spcPts val="2200"/>
               </a:lnSpc>
               <a:buFont typeface="Wingdings" charset="2"/>
-              <a:buChar char="n"/>
+              <a:buChar char="p"/>
             </a:pPr>
-            <a:endParaRPr lang="en-US" altLang="zh-CN" sz="1600">
+            <a:r>
+              <a:rPr lang="zh-CN" altLang="en-US" sz="1600" dirty="0">
+                <a:solidFill>
+                  <a:schemeClr val="tx1">
+                    <a:lumMod val="65000"/>
+                    <a:lumOff val="35000"/>
+                  </a:schemeClr>
+                </a:solidFill>
+                <a:latin typeface="微软雅黑" panose="020B0503020204020204" pitchFamily="34" charset="-122"/>
+                <a:ea typeface="微软雅黑" panose="020B0503020204020204" pitchFamily="34" charset="-122"/>
+              </a:rPr>
+              <a:t>不同组的</a:t>
+            </a:r>
+            <a:r>
+              <a:rPr lang="en-US" altLang="zh-CN" sz="1600" dirty="0">
+                <a:solidFill>
+                  <a:schemeClr val="tx1">
+                    <a:lumMod val="65000"/>
+                    <a:lumOff val="35000"/>
+                  </a:schemeClr>
+                </a:solidFill>
+                <a:latin typeface="微软雅黑" panose="020B0503020204020204" pitchFamily="34" charset="-122"/>
+                <a:ea typeface="微软雅黑" panose="020B0503020204020204" pitchFamily="34" charset="-122"/>
+              </a:rPr>
+              <a:t>Source0/Source1/Timer/Observer</a:t>
+            </a:r>
+            <a:r>
+              <a:rPr lang="zh-CN" altLang="en-US" sz="1600" dirty="0">
+                <a:solidFill>
+                  <a:schemeClr val="tx1">
+                    <a:lumMod val="65000"/>
+                    <a:lumOff val="35000"/>
+                  </a:schemeClr>
+                </a:solidFill>
+                <a:latin typeface="微软雅黑" panose="020B0503020204020204" pitchFamily="34" charset="-122"/>
+                <a:ea typeface="微软雅黑" panose="020B0503020204020204" pitchFamily="34" charset="-122"/>
+              </a:rPr>
+              <a:t>能分隔开来，互不影响</a:t>
+            </a:r>
+            <a:endParaRPr lang="en-US" altLang="zh-CN" sz="1600" dirty="0">
               <a:solidFill>
                 <a:schemeClr val="tx1">
                   <a:lumMod val="65000"/>
@@ -2830,8 +2821,27 @@
               <a:buFont typeface="Wingdings" charset="2"/>
               <a:buChar char="n"/>
             </a:pPr>
-            <a:r>
-              <a:rPr lang="zh-CN" altLang="en-US" sz="1600">
+            <a:endParaRPr lang="en-US" altLang="zh-CN" sz="1600" dirty="0">
+              <a:solidFill>
+                <a:schemeClr val="tx1">
+                  <a:lumMod val="65000"/>
+                  <a:lumOff val="35000"/>
+                </a:schemeClr>
+              </a:solidFill>
+              <a:latin typeface="微软雅黑" panose="020B0503020204020204" pitchFamily="34" charset="-122"/>
+              <a:ea typeface="微软雅黑" panose="020B0503020204020204" pitchFamily="34" charset="-122"/>
+            </a:endParaRPr>
+          </a:p>
+          <a:p>
+            <a:pPr marL="342900" indent="-342900">
+              <a:lnSpc>
+                <a:spcPts val="2200"/>
+              </a:lnSpc>
+              <a:buFont typeface="Wingdings" charset="2"/>
+              <a:buChar char="n"/>
+            </a:pPr>
+            <a:r>
+              <a:rPr lang="zh-CN" altLang="en-US" sz="1600" dirty="0">
                 <a:solidFill>
                   <a:schemeClr val="tx1">
                     <a:lumMod val="65000"/>
@@ -2844,7 +2854,7 @@
               <a:t>如果</a:t>
             </a:r>
             <a:r>
-              <a:rPr lang="en-US" altLang="zh-CN" sz="1600">
+              <a:rPr lang="en-US" altLang="zh-CN" sz="1600" dirty="0">
                 <a:solidFill>
                   <a:schemeClr val="tx1">
                     <a:lumMod val="65000"/>
@@ -2857,7 +2867,7 @@
               <a:t>Mode</a:t>
             </a:r>
             <a:r>
-              <a:rPr lang="zh-CN" altLang="en-US" sz="1600">
+              <a:rPr lang="zh-CN" altLang="en-US" sz="1600" dirty="0">
                 <a:solidFill>
                   <a:schemeClr val="tx1">
                     <a:lumMod val="65000"/>
@@ -2870,7 +2880,7 @@
               <a:t>里没有任何</a:t>
             </a:r>
             <a:r>
-              <a:rPr lang="en-US" altLang="zh-CN" sz="1600">
+              <a:rPr lang="en-US" altLang="zh-CN" sz="1600" dirty="0">
                 <a:solidFill>
                   <a:schemeClr val="tx1">
                     <a:lumMod val="65000"/>
@@ -2883,7 +2893,7 @@
               <a:t>Source0/Source1/Timer/Observer</a:t>
             </a:r>
             <a:r>
-              <a:rPr lang="zh-CN" altLang="en-US" sz="1600">
+              <a:rPr lang="zh-CN" altLang="en-US" sz="1600" dirty="0">
                 <a:solidFill>
                   <a:schemeClr val="tx1">
                     <a:lumMod val="65000"/>
@@ -2896,7 +2906,7 @@
               <a:t>，</a:t>
             </a:r>
             <a:r>
-              <a:rPr lang="en-US" altLang="zh-CN" sz="1600">
+              <a:rPr lang="en-US" altLang="zh-CN" sz="1600" dirty="0">
                 <a:solidFill>
                   <a:schemeClr val="tx1">
                     <a:lumMod val="65000"/>
@@ -2909,7 +2919,7 @@
               <a:t>RunLoop</a:t>
             </a:r>
             <a:r>
-              <a:rPr lang="zh-CN" altLang="en-US" sz="1600">
+              <a:rPr lang="zh-CN" altLang="en-US" sz="1600" dirty="0">
                 <a:solidFill>
                   <a:schemeClr val="tx1">
                     <a:lumMod val="65000"/>
@@ -2921,7 +2931,583 @@
               </a:rPr>
               <a:t>会立马退出</a:t>
             </a:r>
-            <a:endParaRPr lang="en-US" altLang="zh-CN" sz="1600">
+            <a:endParaRPr lang="en-US" altLang="zh-CN" sz="1600" dirty="0">
+              <a:solidFill>
+                <a:schemeClr val="tx1">
+                  <a:lumMod val="65000"/>
+                  <a:lumOff val="35000"/>
+                </a:schemeClr>
+              </a:solidFill>
+              <a:latin typeface="微软雅黑" panose="020B0503020204020204" pitchFamily="34" charset="-122"/>
+              <a:ea typeface="微软雅黑" panose="020B0503020204020204" pitchFamily="34" charset="-122"/>
+            </a:endParaRPr>
+          </a:p>
+          <a:p>
+            <a:pPr marL="342900" indent="-342900">
+              <a:lnSpc>
+                <a:spcPts val="2200"/>
+              </a:lnSpc>
+              <a:buFont typeface="Wingdings" charset="2"/>
+              <a:buChar char="n"/>
+            </a:pPr>
+            <a:endParaRPr lang="en-US" altLang="zh-CN" sz="1600" dirty="0">
+              <a:solidFill>
+                <a:schemeClr val="tx1">
+                  <a:lumMod val="65000"/>
+                  <a:lumOff val="35000"/>
+                </a:schemeClr>
+              </a:solidFill>
+              <a:latin typeface="微软雅黑" panose="020B0503020204020204" pitchFamily="34" charset="-122"/>
+              <a:ea typeface="微软雅黑" panose="020B0503020204020204" pitchFamily="34" charset="-122"/>
+            </a:endParaRPr>
+          </a:p>
+          <a:p>
+            <a:pPr marL="342900" indent="-342900">
+              <a:lnSpc>
+                <a:spcPts val="2200"/>
+              </a:lnSpc>
+              <a:buFont typeface="Wingdings" charset="2"/>
+              <a:buChar char="n"/>
+            </a:pPr>
+            <a:r>
+              <a:rPr lang="en-US" altLang="zh-CN" sz="1600" dirty="0">
+                <a:solidFill>
+                  <a:schemeClr val="tx1">
+                    <a:lumMod val="65000"/>
+                    <a:lumOff val="35000"/>
+                  </a:schemeClr>
+                </a:solidFill>
+                <a:latin typeface="微软雅黑" panose="020B0503020204020204" pitchFamily="34" charset="-122"/>
+                <a:ea typeface="微软雅黑" panose="020B0503020204020204" pitchFamily="34" charset="-122"/>
+              </a:rPr>
+              <a:t>Source0</a:t>
+            </a:r>
+            <a:r>
+              <a:rPr lang="zh-CN" altLang="en-US" sz="1600" dirty="0">
+                <a:solidFill>
+                  <a:schemeClr val="tx1">
+                    <a:lumMod val="65000"/>
+                    <a:lumOff val="35000"/>
+                  </a:schemeClr>
+                </a:solidFill>
+                <a:latin typeface="微软雅黑" panose="020B0503020204020204" pitchFamily="34" charset="-122"/>
+                <a:ea typeface="微软雅黑" panose="020B0503020204020204" pitchFamily="34" charset="-122"/>
+              </a:rPr>
+              <a:t>与</a:t>
+            </a:r>
+            <a:r>
+              <a:rPr lang="en-US" altLang="zh-CN" sz="1600" dirty="0">
+                <a:solidFill>
+                  <a:schemeClr val="tx1">
+                    <a:lumMod val="65000"/>
+                    <a:lumOff val="35000"/>
+                  </a:schemeClr>
+                </a:solidFill>
+                <a:latin typeface="微软雅黑" panose="020B0503020204020204" pitchFamily="34" charset="-122"/>
+                <a:ea typeface="微软雅黑" panose="020B0503020204020204" pitchFamily="34" charset="-122"/>
+              </a:rPr>
+              <a:t>Source1</a:t>
+            </a:r>
+            <a:r>
+              <a:rPr lang="zh-CN" altLang="en-US" sz="1600" dirty="0">
+                <a:solidFill>
+                  <a:schemeClr val="tx1">
+                    <a:lumMod val="65000"/>
+                    <a:lumOff val="35000"/>
+                  </a:schemeClr>
+                </a:solidFill>
+                <a:latin typeface="微软雅黑" panose="020B0503020204020204" pitchFamily="34" charset="-122"/>
+                <a:ea typeface="微软雅黑" panose="020B0503020204020204" pitchFamily="34" charset="-122"/>
+              </a:rPr>
+              <a:t>的区别？</a:t>
+            </a:r>
+            <a:endParaRPr lang="en-US" altLang="zh-CN" sz="1600" dirty="0">
+              <a:solidFill>
+                <a:schemeClr val="tx1">
+                  <a:lumMod val="65000"/>
+                  <a:lumOff val="35000"/>
+                </a:schemeClr>
+              </a:solidFill>
+              <a:latin typeface="微软雅黑" panose="020B0503020204020204" pitchFamily="34" charset="-122"/>
+              <a:ea typeface="微软雅黑" panose="020B0503020204020204" pitchFamily="34" charset="-122"/>
+            </a:endParaRPr>
+          </a:p>
+          <a:p>
+            <a:pPr marL="342900" indent="-342900">
+              <a:lnSpc>
+                <a:spcPts val="2200"/>
+              </a:lnSpc>
+              <a:buFont typeface="Wingdings" charset="2"/>
+              <a:buChar char="n"/>
+            </a:pPr>
+            <a:r>
+              <a:rPr lang="en-US" altLang="zh-CN" sz="1400" dirty="0">
+                <a:solidFill>
+                  <a:schemeClr val="tx1">
+                    <a:lumMod val="65000"/>
+                    <a:lumOff val="35000"/>
+                  </a:schemeClr>
+                </a:solidFill>
+                <a:latin typeface="微软雅黑" panose="020B0503020204020204" pitchFamily="34" charset="-122"/>
+                <a:ea typeface="微软雅黑" panose="020B0503020204020204" pitchFamily="34" charset="-122"/>
+              </a:rPr>
+              <a:t>Source0</a:t>
+            </a:r>
+            <a:r>
+              <a:rPr lang="zh-CN" altLang="en-US" sz="1400" dirty="0">
+                <a:solidFill>
+                  <a:schemeClr val="tx1">
+                    <a:lumMod val="65000"/>
+                    <a:lumOff val="35000"/>
+                  </a:schemeClr>
+                </a:solidFill>
+                <a:latin typeface="微软雅黑" panose="020B0503020204020204" pitchFamily="34" charset="-122"/>
+                <a:ea typeface="微软雅黑" panose="020B0503020204020204" pitchFamily="34" charset="-122"/>
+              </a:rPr>
+              <a:t>：应用层事件，它并不能主动触发事件。</a:t>
+            </a:r>
+            <a:endParaRPr lang="en-US" altLang="zh-CN" sz="1400" dirty="0">
+              <a:solidFill>
+                <a:schemeClr val="tx1">
+                  <a:lumMod val="65000"/>
+                  <a:lumOff val="35000"/>
+                </a:schemeClr>
+              </a:solidFill>
+              <a:latin typeface="微软雅黑" panose="020B0503020204020204" pitchFamily="34" charset="-122"/>
+              <a:ea typeface="微软雅黑" panose="020B0503020204020204" pitchFamily="34" charset="-122"/>
+            </a:endParaRPr>
+          </a:p>
+          <a:p>
+            <a:pPr marL="342900" indent="-342900">
+              <a:lnSpc>
+                <a:spcPts val="2200"/>
+              </a:lnSpc>
+              <a:buFont typeface="Wingdings" charset="2"/>
+              <a:buChar char="n"/>
+            </a:pPr>
+            <a:r>
+              <a:rPr lang="en-US" altLang="zh-CN" sz="1400" dirty="0">
+                <a:solidFill>
+                  <a:schemeClr val="tx1">
+                    <a:lumMod val="65000"/>
+                    <a:lumOff val="35000"/>
+                  </a:schemeClr>
+                </a:solidFill>
+                <a:latin typeface="微软雅黑" panose="020B0503020204020204" pitchFamily="34" charset="-122"/>
+                <a:ea typeface="微软雅黑" panose="020B0503020204020204" pitchFamily="34" charset="-122"/>
+              </a:rPr>
+              <a:t>Source1</a:t>
+            </a:r>
+            <a:r>
+              <a:rPr lang="zh-CN" altLang="en-US" sz="1400" dirty="0">
+                <a:solidFill>
+                  <a:schemeClr val="tx1">
+                    <a:lumMod val="65000"/>
+                    <a:lumOff val="35000"/>
+                  </a:schemeClr>
+                </a:solidFill>
+                <a:latin typeface="微软雅黑" panose="020B0503020204020204" pitchFamily="34" charset="-122"/>
+                <a:ea typeface="微软雅黑" panose="020B0503020204020204" pitchFamily="34" charset="-122"/>
+              </a:rPr>
+              <a:t>：系统事件，基于</a:t>
+            </a:r>
+            <a:r>
+              <a:rPr lang="en" altLang="zh-CN" sz="1400" dirty="0" err="1">
+                <a:solidFill>
+                  <a:schemeClr val="tx1">
+                    <a:lumMod val="65000"/>
+                    <a:lumOff val="35000"/>
+                  </a:schemeClr>
+                </a:solidFill>
+                <a:latin typeface="微软雅黑" panose="020B0503020204020204" pitchFamily="34" charset="-122"/>
+                <a:ea typeface="微软雅黑" panose="020B0503020204020204" pitchFamily="34" charset="-122"/>
+              </a:rPr>
+              <a:t>mach_Port</a:t>
+            </a:r>
+            <a:r>
+              <a:rPr lang="zh-CN" altLang="en" sz="1400" dirty="0">
+                <a:solidFill>
+                  <a:schemeClr val="tx1">
+                    <a:lumMod val="65000"/>
+                    <a:lumOff val="35000"/>
+                  </a:schemeClr>
+                </a:solidFill>
+                <a:latin typeface="微软雅黑" panose="020B0503020204020204" pitchFamily="34" charset="-122"/>
+                <a:ea typeface="微软雅黑" panose="020B0503020204020204" pitchFamily="34" charset="-122"/>
+              </a:rPr>
+              <a:t>线程</a:t>
+            </a:r>
+            <a:r>
+              <a:rPr lang="zh-CN" altLang="en-US" sz="1400" dirty="0">
+                <a:solidFill>
+                  <a:schemeClr val="tx1">
+                    <a:lumMod val="65000"/>
+                    <a:lumOff val="35000"/>
+                  </a:schemeClr>
+                </a:solidFill>
+                <a:latin typeface="微软雅黑" panose="020B0503020204020204" pitchFamily="34" charset="-122"/>
+                <a:ea typeface="微软雅黑" panose="020B0503020204020204" pitchFamily="34" charset="-122"/>
+              </a:rPr>
+              <a:t>间通信，可以主动唤醒休眠中的</a:t>
+            </a:r>
+            <a:r>
+              <a:rPr lang="en" altLang="zh-CN" sz="1400" dirty="0" err="1">
+                <a:solidFill>
+                  <a:schemeClr val="tx1">
+                    <a:lumMod val="65000"/>
+                    <a:lumOff val="35000"/>
+                  </a:schemeClr>
+                </a:solidFill>
+                <a:latin typeface="微软雅黑" panose="020B0503020204020204" pitchFamily="34" charset="-122"/>
+                <a:ea typeface="微软雅黑" panose="020B0503020204020204" pitchFamily="34" charset="-122"/>
+              </a:rPr>
+              <a:t>RunLoop</a:t>
+            </a:r>
+            <a:r>
+              <a:rPr lang="zh-CN" altLang="en-US" sz="1400" dirty="0">
+                <a:solidFill>
+                  <a:schemeClr val="tx1">
+                    <a:lumMod val="65000"/>
+                    <a:lumOff val="35000"/>
+                  </a:schemeClr>
+                </a:solidFill>
+                <a:latin typeface="微软雅黑" panose="020B0503020204020204" pitchFamily="34" charset="-122"/>
+                <a:ea typeface="微软雅黑" panose="020B0503020204020204" pitchFamily="34" charset="-122"/>
+              </a:rPr>
+              <a:t>。</a:t>
+            </a:r>
+            <a:endParaRPr lang="en-US" altLang="zh-CN" sz="1400" dirty="0">
+              <a:solidFill>
+                <a:schemeClr val="tx1">
+                  <a:lumMod val="65000"/>
+                  <a:lumOff val="35000"/>
+                </a:schemeClr>
+              </a:solidFill>
+              <a:latin typeface="微软雅黑" panose="020B0503020204020204" pitchFamily="34" charset="-122"/>
+              <a:ea typeface="微软雅黑" panose="020B0503020204020204" pitchFamily="34" charset="-122"/>
+            </a:endParaRPr>
+          </a:p>
+          <a:p>
+            <a:pPr marL="342900" indent="-342900">
+              <a:lnSpc>
+                <a:spcPts val="2200"/>
+              </a:lnSpc>
+              <a:buFont typeface="Wingdings" charset="2"/>
+              <a:buChar char="n"/>
+            </a:pPr>
+            <a:r>
+              <a:rPr lang="zh-CN" altLang="en-US" sz="1400" dirty="0">
+                <a:solidFill>
+                  <a:schemeClr val="tx1">
+                    <a:lumMod val="65000"/>
+                    <a:lumOff val="35000"/>
+                  </a:schemeClr>
+                </a:solidFill>
+                <a:latin typeface="微软雅黑" panose="020B0503020204020204" pitchFamily="34" charset="-122"/>
+                <a:ea typeface="微软雅黑" panose="020B0503020204020204" pitchFamily="34" charset="-122"/>
+              </a:rPr>
+              <a:t>举个例子：我们触摸屏幕</a:t>
+            </a:r>
+            <a:r>
+              <a:rPr lang="en-US" altLang="zh-CN" sz="1400" dirty="0">
+                <a:solidFill>
+                  <a:schemeClr val="tx1">
+                    <a:lumMod val="65000"/>
+                    <a:lumOff val="35000"/>
+                  </a:schemeClr>
+                </a:solidFill>
+                <a:latin typeface="微软雅黑" panose="020B0503020204020204" pitchFamily="34" charset="-122"/>
+                <a:ea typeface="微软雅黑" panose="020B0503020204020204" pitchFamily="34" charset="-122"/>
+              </a:rPr>
+              <a:t>,</a:t>
+            </a:r>
+            <a:r>
+              <a:rPr lang="zh-CN" altLang="en-US" sz="1400" dirty="0">
+                <a:solidFill>
+                  <a:schemeClr val="tx1">
+                    <a:lumMod val="65000"/>
+                    <a:lumOff val="35000"/>
+                  </a:schemeClr>
+                </a:solidFill>
+                <a:latin typeface="微软雅黑" panose="020B0503020204020204" pitchFamily="34" charset="-122"/>
+                <a:ea typeface="微软雅黑" panose="020B0503020204020204" pitchFamily="34" charset="-122"/>
+              </a:rPr>
+              <a:t>先摸到硬件</a:t>
+            </a:r>
+            <a:r>
+              <a:rPr lang="en-US" altLang="zh-CN" sz="1400" dirty="0">
+                <a:solidFill>
+                  <a:schemeClr val="tx1">
+                    <a:lumMod val="65000"/>
+                    <a:lumOff val="35000"/>
+                  </a:schemeClr>
+                </a:solidFill>
+                <a:latin typeface="微软雅黑" panose="020B0503020204020204" pitchFamily="34" charset="-122"/>
+                <a:ea typeface="微软雅黑" panose="020B0503020204020204" pitchFamily="34" charset="-122"/>
+              </a:rPr>
+              <a:t>(</a:t>
+            </a:r>
+            <a:r>
+              <a:rPr lang="zh-CN" altLang="en-US" sz="1400" dirty="0">
+                <a:solidFill>
+                  <a:schemeClr val="tx1">
+                    <a:lumMod val="65000"/>
+                    <a:lumOff val="35000"/>
+                  </a:schemeClr>
+                </a:solidFill>
+                <a:latin typeface="微软雅黑" panose="020B0503020204020204" pitchFamily="34" charset="-122"/>
+                <a:ea typeface="微软雅黑" panose="020B0503020204020204" pitchFamily="34" charset="-122"/>
+              </a:rPr>
+              <a:t>屏幕</a:t>
+            </a:r>
+            <a:r>
+              <a:rPr lang="en-US" altLang="zh-CN" sz="1400" dirty="0">
+                <a:solidFill>
+                  <a:schemeClr val="tx1">
+                    <a:lumMod val="65000"/>
+                    <a:lumOff val="35000"/>
+                  </a:schemeClr>
+                </a:solidFill>
+                <a:latin typeface="微软雅黑" panose="020B0503020204020204" pitchFamily="34" charset="-122"/>
+                <a:ea typeface="微软雅黑" panose="020B0503020204020204" pitchFamily="34" charset="-122"/>
+              </a:rPr>
+              <a:t>)</a:t>
+            </a:r>
+            <a:r>
+              <a:rPr lang="zh-CN" altLang="en-US" sz="1400" dirty="0">
+                <a:solidFill>
+                  <a:schemeClr val="tx1">
+                    <a:lumMod val="65000"/>
+                    <a:lumOff val="35000"/>
+                  </a:schemeClr>
+                </a:solidFill>
+                <a:latin typeface="微软雅黑" panose="020B0503020204020204" pitchFamily="34" charset="-122"/>
+                <a:ea typeface="微软雅黑" panose="020B0503020204020204" pitchFamily="34" charset="-122"/>
+              </a:rPr>
+              <a:t>，屏幕表面的事件会先包装成</a:t>
+            </a:r>
+            <a:r>
+              <a:rPr lang="en" altLang="zh-CN" sz="1400" dirty="0">
+                <a:solidFill>
+                  <a:schemeClr val="tx1">
+                    <a:lumMod val="65000"/>
+                    <a:lumOff val="35000"/>
+                  </a:schemeClr>
+                </a:solidFill>
+                <a:latin typeface="微软雅黑" panose="020B0503020204020204" pitchFamily="34" charset="-122"/>
+                <a:ea typeface="微软雅黑" panose="020B0503020204020204" pitchFamily="34" charset="-122"/>
+              </a:rPr>
+              <a:t>Event, Event</a:t>
+            </a:r>
+            <a:r>
+              <a:rPr lang="zh-CN" altLang="en-US" sz="1400" dirty="0">
+                <a:solidFill>
+                  <a:schemeClr val="tx1">
+                    <a:lumMod val="65000"/>
+                    <a:lumOff val="35000"/>
+                  </a:schemeClr>
+                </a:solidFill>
+                <a:latin typeface="微软雅黑" panose="020B0503020204020204" pitchFamily="34" charset="-122"/>
+                <a:ea typeface="微软雅黑" panose="020B0503020204020204" pitchFamily="34" charset="-122"/>
+              </a:rPr>
+              <a:t>先告诉</a:t>
+            </a:r>
+            <a:r>
+              <a:rPr lang="en" altLang="zh-CN" sz="1400" dirty="0">
+                <a:solidFill>
+                  <a:schemeClr val="tx1">
+                    <a:lumMod val="65000"/>
+                    <a:lumOff val="35000"/>
+                  </a:schemeClr>
+                </a:solidFill>
+                <a:latin typeface="微软雅黑" panose="020B0503020204020204" pitchFamily="34" charset="-122"/>
+                <a:ea typeface="微软雅黑" panose="020B0503020204020204" pitchFamily="34" charset="-122"/>
+              </a:rPr>
+              <a:t>source1</a:t>
+            </a:r>
+            <a:r>
+              <a:rPr lang="zh-CN" altLang="en" sz="1400" dirty="0">
+                <a:solidFill>
+                  <a:schemeClr val="tx1">
+                    <a:lumMod val="65000"/>
+                    <a:lumOff val="35000"/>
+                  </a:schemeClr>
+                </a:solidFill>
+                <a:latin typeface="微软雅黑" panose="020B0503020204020204" pitchFamily="34" charset="-122"/>
+                <a:ea typeface="微软雅黑" panose="020B0503020204020204" pitchFamily="34" charset="-122"/>
+              </a:rPr>
+              <a:t>（</a:t>
+            </a:r>
+            <a:r>
+              <a:rPr lang="en" altLang="zh-CN" sz="1400" dirty="0" err="1">
+                <a:solidFill>
+                  <a:schemeClr val="tx1">
+                    <a:lumMod val="65000"/>
+                    <a:lumOff val="35000"/>
+                  </a:schemeClr>
+                </a:solidFill>
+                <a:latin typeface="微软雅黑" panose="020B0503020204020204" pitchFamily="34" charset="-122"/>
+                <a:ea typeface="微软雅黑" panose="020B0503020204020204" pitchFamily="34" charset="-122"/>
+              </a:rPr>
+              <a:t>mach_port</a:t>
+            </a:r>
+            <a:r>
+              <a:rPr lang="zh-CN" altLang="en" sz="1400" dirty="0">
+                <a:solidFill>
+                  <a:schemeClr val="tx1">
+                    <a:lumMod val="65000"/>
+                    <a:lumOff val="35000"/>
+                  </a:schemeClr>
+                </a:solidFill>
+                <a:latin typeface="微软雅黑" panose="020B0503020204020204" pitchFamily="34" charset="-122"/>
+                <a:ea typeface="微软雅黑" panose="020B0503020204020204" pitchFamily="34" charset="-122"/>
+              </a:rPr>
+              <a:t>）</a:t>
+            </a:r>
+            <a:r>
+              <a:rPr lang="en" altLang="zh-CN" sz="1400" dirty="0">
+                <a:solidFill>
+                  <a:schemeClr val="tx1">
+                    <a:lumMod val="65000"/>
+                    <a:lumOff val="35000"/>
+                  </a:schemeClr>
+                </a:solidFill>
+                <a:latin typeface="微软雅黑" panose="020B0503020204020204" pitchFamily="34" charset="-122"/>
+                <a:ea typeface="微软雅黑" panose="020B0503020204020204" pitchFamily="34" charset="-122"/>
+              </a:rPr>
+              <a:t>,source1</a:t>
+            </a:r>
+            <a:r>
+              <a:rPr lang="zh-CN" altLang="en-US" sz="1400" dirty="0">
+                <a:solidFill>
+                  <a:schemeClr val="tx1">
+                    <a:lumMod val="65000"/>
+                    <a:lumOff val="35000"/>
+                  </a:schemeClr>
+                </a:solidFill>
+                <a:latin typeface="微软雅黑" panose="020B0503020204020204" pitchFamily="34" charset="-122"/>
+                <a:ea typeface="微软雅黑" panose="020B0503020204020204" pitchFamily="34" charset="-122"/>
+              </a:rPr>
+              <a:t>唤醒</a:t>
+            </a:r>
+            <a:r>
+              <a:rPr lang="en" altLang="zh-CN" sz="1400" dirty="0" err="1">
+                <a:solidFill>
+                  <a:schemeClr val="tx1">
+                    <a:lumMod val="65000"/>
+                    <a:lumOff val="35000"/>
+                  </a:schemeClr>
+                </a:solidFill>
+                <a:latin typeface="微软雅黑" panose="020B0503020204020204" pitchFamily="34" charset="-122"/>
+                <a:ea typeface="微软雅黑" panose="020B0503020204020204" pitchFamily="34" charset="-122"/>
+              </a:rPr>
+              <a:t>RunLoop</a:t>
+            </a:r>
+            <a:r>
+              <a:rPr lang="en" altLang="zh-CN" sz="1400" dirty="0">
+                <a:solidFill>
+                  <a:schemeClr val="tx1">
+                    <a:lumMod val="65000"/>
+                    <a:lumOff val="35000"/>
+                  </a:schemeClr>
+                </a:solidFill>
+                <a:latin typeface="微软雅黑" panose="020B0503020204020204" pitchFamily="34" charset="-122"/>
+                <a:ea typeface="微软雅黑" panose="020B0503020204020204" pitchFamily="34" charset="-122"/>
+              </a:rPr>
+              <a:t>, </a:t>
+            </a:r>
+            <a:r>
+              <a:rPr lang="zh-CN" altLang="en-US" sz="1400" dirty="0">
+                <a:solidFill>
+                  <a:schemeClr val="tx1">
+                    <a:lumMod val="65000"/>
+                    <a:lumOff val="35000"/>
+                  </a:schemeClr>
+                </a:solidFill>
+                <a:latin typeface="微软雅黑" panose="020B0503020204020204" pitchFamily="34" charset="-122"/>
+                <a:ea typeface="微软雅黑" panose="020B0503020204020204" pitchFamily="34" charset="-122"/>
+              </a:rPr>
+              <a:t>然后将事件</a:t>
+            </a:r>
+            <a:r>
+              <a:rPr lang="en" altLang="zh-CN" sz="1400" dirty="0">
+                <a:solidFill>
+                  <a:schemeClr val="tx1">
+                    <a:lumMod val="65000"/>
+                    <a:lumOff val="35000"/>
+                  </a:schemeClr>
+                </a:solidFill>
+                <a:latin typeface="微软雅黑" panose="020B0503020204020204" pitchFamily="34" charset="-122"/>
+                <a:ea typeface="微软雅黑" panose="020B0503020204020204" pitchFamily="34" charset="-122"/>
+              </a:rPr>
+              <a:t>Event</a:t>
+            </a:r>
+            <a:r>
+              <a:rPr lang="zh-CN" altLang="en-US" sz="1400" dirty="0">
+                <a:solidFill>
+                  <a:schemeClr val="tx1">
+                    <a:lumMod val="65000"/>
+                    <a:lumOff val="35000"/>
+                  </a:schemeClr>
+                </a:solidFill>
+                <a:latin typeface="微软雅黑" panose="020B0503020204020204" pitchFamily="34" charset="-122"/>
+                <a:ea typeface="微软雅黑" panose="020B0503020204020204" pitchFamily="34" charset="-122"/>
+              </a:rPr>
+              <a:t>分发给</a:t>
+            </a:r>
+            <a:r>
+              <a:rPr lang="en" altLang="zh-CN" sz="1400" dirty="0">
+                <a:solidFill>
+                  <a:schemeClr val="tx1">
+                    <a:lumMod val="65000"/>
+                    <a:lumOff val="35000"/>
+                  </a:schemeClr>
+                </a:solidFill>
+                <a:latin typeface="微软雅黑" panose="020B0503020204020204" pitchFamily="34" charset="-122"/>
+                <a:ea typeface="微软雅黑" panose="020B0503020204020204" pitchFamily="34" charset="-122"/>
+              </a:rPr>
+              <a:t>source0,</a:t>
+            </a:r>
+            <a:r>
+              <a:rPr lang="zh-CN" altLang="en-US" sz="1400" dirty="0">
+                <a:solidFill>
+                  <a:schemeClr val="tx1">
+                    <a:lumMod val="65000"/>
+                    <a:lumOff val="35000"/>
+                  </a:schemeClr>
+                </a:solidFill>
+                <a:latin typeface="微软雅黑" panose="020B0503020204020204" pitchFamily="34" charset="-122"/>
+                <a:ea typeface="微软雅黑" panose="020B0503020204020204" pitchFamily="34" charset="-122"/>
+              </a:rPr>
+              <a:t>然后由</a:t>
+            </a:r>
+            <a:r>
+              <a:rPr lang="en" altLang="zh-CN" sz="1400" dirty="0">
+                <a:solidFill>
+                  <a:schemeClr val="tx1">
+                    <a:lumMod val="65000"/>
+                    <a:lumOff val="35000"/>
+                  </a:schemeClr>
+                </a:solidFill>
+                <a:latin typeface="微软雅黑" panose="020B0503020204020204" pitchFamily="34" charset="-122"/>
+                <a:ea typeface="微软雅黑" panose="020B0503020204020204" pitchFamily="34" charset="-122"/>
+              </a:rPr>
+              <a:t>source0</a:t>
+            </a:r>
+            <a:r>
+              <a:rPr lang="zh-CN" altLang="en-US" sz="1400" dirty="0">
+                <a:solidFill>
+                  <a:schemeClr val="tx1">
+                    <a:lumMod val="65000"/>
+                    <a:lumOff val="35000"/>
+                  </a:schemeClr>
+                </a:solidFill>
+                <a:latin typeface="微软雅黑" panose="020B0503020204020204" pitchFamily="34" charset="-122"/>
+                <a:ea typeface="微软雅黑" panose="020B0503020204020204" pitchFamily="34" charset="-122"/>
+              </a:rPr>
+              <a:t>来处理。</a:t>
+            </a:r>
+            <a:endParaRPr lang="en-US" altLang="zh-CN" sz="1400" dirty="0">
               <a:solidFill>
                 <a:schemeClr val="tx1">
                   <a:lumMod val="65000"/>
@@ -3318,6 +3904,250 @@
                       </p:childTnLst>
                     </p:cTn>
                   </p:par>
+                  <p:par>
+                    <p:cTn id="33" fill="hold">
+                      <p:stCondLst>
+                        <p:cond delay="indefinite"/>
+                      </p:stCondLst>
+                      <p:childTnLst>
+                        <p:par>
+                          <p:cTn id="34" fill="hold">
+                            <p:stCondLst>
+                              <p:cond delay="0"/>
+                            </p:stCondLst>
+                            <p:childTnLst>
+                              <p:par>
+                                <p:cTn id="35" presetID="22" presetClass="entr" presetSubtype="8" fill="hold" nodeType="clickEffect">
+                                  <p:stCondLst>
+                                    <p:cond delay="0"/>
+                                  </p:stCondLst>
+                                  <p:childTnLst>
+                                    <p:set>
+                                      <p:cBhvr>
+                                        <p:cTn id="36" dur="1" fill="hold">
+                                          <p:stCondLst>
+                                            <p:cond delay="0"/>
+                                          </p:stCondLst>
+                                        </p:cTn>
+                                        <p:tgtEl>
+                                          <p:spTgt spid="44">
+                                            <p:txEl>
+                                              <p:pRg st="11" end="11"/>
+                                            </p:txEl>
+                                          </p:spTgt>
+                                        </p:tgtEl>
+                                        <p:attrNameLst>
+                                          <p:attrName>style.visibility</p:attrName>
+                                        </p:attrNameLst>
+                                      </p:cBhvr>
+                                      <p:to>
+                                        <p:strVal val="visible"/>
+                                      </p:to>
+                                    </p:set>
+                                    <p:animEffect transition="in" filter="wipe(left)">
+                                      <p:cBhvr>
+                                        <p:cTn id="37" dur="500"/>
+                                        <p:tgtEl>
+                                          <p:spTgt spid="44">
+                                            <p:txEl>
+                                              <p:pRg st="11" end="11"/>
+                                            </p:txEl>
+                                          </p:spTgt>
+                                        </p:tgtEl>
+                                      </p:cBhvr>
+                                    </p:animEffect>
+                                  </p:childTnLst>
+                                </p:cTn>
+                              </p:par>
+                            </p:childTnLst>
+                          </p:cTn>
+                        </p:par>
+                      </p:childTnLst>
+                    </p:cTn>
+                  </p:par>
+                  <p:par>
+                    <p:cTn id="38" fill="hold">
+                      <p:stCondLst>
+                        <p:cond delay="indefinite"/>
+                      </p:stCondLst>
+                      <p:childTnLst>
+                        <p:par>
+                          <p:cTn id="39" fill="hold">
+                            <p:stCondLst>
+                              <p:cond delay="0"/>
+                            </p:stCondLst>
+                            <p:childTnLst>
+                              <p:par>
+                                <p:cTn id="40" presetID="22" presetClass="entr" presetSubtype="8" fill="hold" nodeType="clickEffect">
+                                  <p:stCondLst>
+                                    <p:cond delay="0"/>
+                                  </p:stCondLst>
+                                  <p:childTnLst>
+                                    <p:set>
+                                      <p:cBhvr>
+                                        <p:cTn id="41" dur="1" fill="hold">
+                                          <p:stCondLst>
+                                            <p:cond delay="0"/>
+                                          </p:stCondLst>
+                                        </p:cTn>
+                                        <p:tgtEl>
+                                          <p:spTgt spid="44">
+                                            <p:txEl>
+                                              <p:pRg st="12" end="12"/>
+                                            </p:txEl>
+                                          </p:spTgt>
+                                        </p:tgtEl>
+                                        <p:attrNameLst>
+                                          <p:attrName>style.visibility</p:attrName>
+                                        </p:attrNameLst>
+                                      </p:cBhvr>
+                                      <p:to>
+                                        <p:strVal val="visible"/>
+                                      </p:to>
+                                    </p:set>
+                                    <p:animEffect transition="in" filter="wipe(left)">
+                                      <p:cBhvr>
+                                        <p:cTn id="42" dur="500"/>
+                                        <p:tgtEl>
+                                          <p:spTgt spid="44">
+                                            <p:txEl>
+                                              <p:pRg st="12" end="12"/>
+                                            </p:txEl>
+                                          </p:spTgt>
+                                        </p:tgtEl>
+                                      </p:cBhvr>
+                                    </p:animEffect>
+                                  </p:childTnLst>
+                                </p:cTn>
+                              </p:par>
+                            </p:childTnLst>
+                          </p:cTn>
+                        </p:par>
+                      </p:childTnLst>
+                    </p:cTn>
+                  </p:par>
+                  <p:par>
+                    <p:cTn id="43" fill="hold">
+                      <p:stCondLst>
+                        <p:cond delay="indefinite"/>
+                      </p:stCondLst>
+                      <p:childTnLst>
+                        <p:par>
+                          <p:cTn id="44" fill="hold">
+                            <p:stCondLst>
+                              <p:cond delay="0"/>
+                            </p:stCondLst>
+                            <p:childTnLst>
+                              <p:par>
+                                <p:cTn id="45" presetID="22" presetClass="entr" presetSubtype="8" fill="hold" nodeType="clickEffect">
+                                  <p:stCondLst>
+                                    <p:cond delay="0"/>
+                                  </p:stCondLst>
+                                  <p:childTnLst>
+                                    <p:set>
+                                      <p:cBhvr>
+                                        <p:cTn id="46" dur="1" fill="hold">
+                                          <p:stCondLst>
+                                            <p:cond delay="0"/>
+                                          </p:stCondLst>
+                                        </p:cTn>
+                                        <p:tgtEl>
+                                          <p:spTgt spid="44">
+                                            <p:txEl>
+                                              <p:pRg st="13" end="13"/>
+                                            </p:txEl>
+                                          </p:spTgt>
+                                        </p:tgtEl>
+                                        <p:attrNameLst>
+                                          <p:attrName>style.visibility</p:attrName>
+                                        </p:attrNameLst>
+                                      </p:cBhvr>
+                                      <p:to>
+                                        <p:strVal val="visible"/>
+                                      </p:to>
+                                    </p:set>
+                                    <p:animEffect transition="in" filter="wipe(left)">
+                                      <p:cBhvr>
+                                        <p:cTn id="47" dur="500"/>
+                                        <p:tgtEl>
+                                          <p:spTgt spid="44">
+                                            <p:txEl>
+                                              <p:pRg st="13" end="13"/>
+                                            </p:txEl>
+                                          </p:spTgt>
+                                        </p:tgtEl>
+                                      </p:cBhvr>
+                                    </p:animEffect>
+                                  </p:childTnLst>
+                                </p:cTn>
+                              </p:par>
+                            </p:childTnLst>
+                          </p:cTn>
+                        </p:par>
+                      </p:childTnLst>
+                    </p:cTn>
+                  </p:par>
+                  <p:par>
+                    <p:cTn id="48" fill="hold">
+                      <p:stCondLst>
+                        <p:cond delay="indefinite"/>
+                      </p:stCondLst>
+                      <p:childTnLst>
+                        <p:par>
+                          <p:cTn id="49" fill="hold">
+                            <p:stCondLst>
+                              <p:cond delay="0"/>
+                            </p:stCondLst>
+                            <p:childTnLst>
+                              <p:par>
+                                <p:cTn id="50" presetID="22" presetClass="entr" presetSubtype="8" fill="hold" nodeType="clickEffect">
+                                  <p:stCondLst>
+                                    <p:cond delay="0"/>
+                                  </p:stCondLst>
+                                  <p:childTnLst>
+                                    <p:set>
+                                      <p:cBhvr>
+                                        <p:cTn id="51" dur="1" fill="hold">
+                                          <p:stCondLst>
+                                            <p:cond delay="0"/>
+                                          </p:stCondLst>
+                                        </p:cTn>
+                                        <p:tgtEl>
+                                          <p:spTgt spid="44">
+                                            <p:txEl>
+                                              <p:pRg st="14" end="14"/>
+                                            </p:txEl>
+                                          </p:spTgt>
+                                        </p:tgtEl>
+                                        <p:attrNameLst>
+                                          <p:attrName>style.visibility</p:attrName>
+                                        </p:attrNameLst>
+                                      </p:cBhvr>
+                                      <p:to>
+                                        <p:strVal val="visible"/>
+                                      </p:to>
+                                    </p:set>
+                                    <p:animEffect transition="in" filter="wipe(left)">
+                                      <p:cBhvr>
+                                        <p:cTn id="52" dur="500"/>
+                                        <p:tgtEl>
+                                          <p:spTgt spid="44">
+                                            <p:txEl>
+                                              <p:pRg st="14" end="14"/>
+                                            </p:txEl>
+                                          </p:spTgt>
+                                        </p:tgtEl>
+                                      </p:cBhvr>
+                                    </p:animEffect>
+                                  </p:childTnLst>
+                                </p:cTn>
+                              </p:par>
+                            </p:childTnLst>
+                          </p:cTn>
+                        </p:par>
+                      </p:childTnLst>
+                    </p:cTn>
+                  </p:par>
                 </p:childTnLst>
               </p:cTn>
               <p:prevCondLst>
@@ -3426,7 +4256,7 @@
               <a:buChar char="n"/>
             </a:pPr>
             <a:r>
-              <a:rPr lang="zh-CN" altLang="en-US" sz="1600" dirty="0">
+              <a:rPr lang="zh-CN" altLang="en-US" sz="1600">
                 <a:solidFill>
                   <a:schemeClr val="tx1">
                     <a:lumMod val="65000"/>
@@ -3439,7 +4269,7 @@
               <a:t>常见的</a:t>
             </a:r>
             <a:r>
-              <a:rPr lang="en-US" altLang="zh-CN" sz="1600" dirty="0">
+              <a:rPr lang="en-US" altLang="zh-CN" sz="1600">
                 <a:solidFill>
                   <a:schemeClr val="tx1">
                     <a:lumMod val="65000"/>
@@ -3452,7 +4282,7 @@
               <a:t>2</a:t>
             </a:r>
             <a:r>
-              <a:rPr lang="zh-CN" altLang="en-US" sz="1600" dirty="0">
+              <a:rPr lang="zh-CN" altLang="en-US" sz="1600">
                 <a:solidFill>
                   <a:schemeClr val="tx1">
                     <a:lumMod val="65000"/>
@@ -3465,7 +4295,7 @@
               <a:t>种</a:t>
             </a:r>
             <a:r>
-              <a:rPr lang="en-US" altLang="zh-CN" sz="1600" dirty="0">
+              <a:rPr lang="en-US" altLang="zh-CN" sz="1600">
                 <a:solidFill>
                   <a:schemeClr val="tx1">
                     <a:lumMod val="65000"/>
@@ -3487,7 +4317,7 @@
               <a:buChar char="p"/>
             </a:pPr>
             <a:r>
-              <a:rPr lang="en-US" altLang="zh-CN" sz="1600" dirty="0" err="1">
+              <a:rPr lang="en-US" altLang="zh-CN" sz="1600">
                 <a:solidFill>
                   <a:schemeClr val="tx1">
                     <a:lumMod val="65000"/>
@@ -3500,7 +4330,7 @@
               <a:t>kCFRunLoopDefaultMode</a:t>
             </a:r>
             <a:r>
-              <a:rPr lang="zh-CN" altLang="en-US" sz="1600" dirty="0">
+              <a:rPr lang="zh-CN" altLang="en-US" sz="1600">
                 <a:solidFill>
                   <a:schemeClr val="tx1">
                     <a:lumMod val="65000"/>
@@ -3513,7 +4343,7 @@
               <a:t>（</a:t>
             </a:r>
             <a:r>
-              <a:rPr lang="en-US" altLang="zh-CN" sz="1600" dirty="0" err="1">
+              <a:rPr lang="en-US" altLang="zh-CN" sz="1600">
                 <a:solidFill>
                   <a:schemeClr val="tx1">
                     <a:lumMod val="65000"/>
@@ -3526,7 +4356,7 @@
               <a:t>NSDefaultRunLoopMode</a:t>
             </a:r>
             <a:r>
-              <a:rPr lang="zh-CN" altLang="en-US" sz="1600" dirty="0">
+              <a:rPr lang="zh-CN" altLang="en-US" sz="1600">
                 <a:solidFill>
                   <a:schemeClr val="tx1">
                     <a:lumMod val="65000"/>
@@ -3539,7 +4369,7 @@
               <a:t>）：</a:t>
             </a:r>
             <a:r>
-              <a:rPr lang="en-US" altLang="zh-CN" sz="1600" dirty="0">
+              <a:rPr lang="en-US" altLang="zh-CN" sz="1600">
                 <a:solidFill>
                   <a:schemeClr val="tx1">
                     <a:lumMod val="65000"/>
@@ -3552,7 +4382,7 @@
               <a:t>App</a:t>
             </a:r>
             <a:r>
-              <a:rPr lang="zh-CN" altLang="en-US" sz="1600" dirty="0">
+              <a:rPr lang="zh-CN" altLang="en-US" sz="1600">
                 <a:solidFill>
                   <a:schemeClr val="tx1">
                     <a:lumMod val="65000"/>
@@ -3565,7 +4395,7 @@
               <a:t>的默认</a:t>
             </a:r>
             <a:r>
-              <a:rPr lang="en-US" altLang="zh-CN" sz="1600" dirty="0">
+              <a:rPr lang="en-US" altLang="zh-CN" sz="1600">
                 <a:solidFill>
                   <a:schemeClr val="tx1">
                     <a:lumMod val="65000"/>
@@ -3578,7 +4408,7 @@
               <a:t>Mode</a:t>
             </a:r>
             <a:r>
-              <a:rPr lang="zh-CN" altLang="en-US" sz="1600" dirty="0">
+              <a:rPr lang="zh-CN" altLang="en-US" sz="1600">
                 <a:solidFill>
                   <a:schemeClr val="tx1">
                     <a:lumMod val="65000"/>
@@ -3591,7 +4421,7 @@
               <a:t>，通常主线程是在这个</a:t>
             </a:r>
             <a:r>
-              <a:rPr lang="en-US" altLang="zh-CN" sz="1600" dirty="0">
+              <a:rPr lang="en-US" altLang="zh-CN" sz="1600">
                 <a:solidFill>
                   <a:schemeClr val="tx1">
                     <a:lumMod val="65000"/>
@@ -3604,7 +4434,7 @@
               <a:t>Mode</a:t>
             </a:r>
             <a:r>
-              <a:rPr lang="zh-CN" altLang="en-US" sz="1600" dirty="0">
+              <a:rPr lang="zh-CN" altLang="en-US" sz="1600">
                 <a:solidFill>
                   <a:schemeClr val="tx1">
                     <a:lumMod val="65000"/>
@@ -3616,7 +4446,7 @@
               </a:rPr>
               <a:t>下运行</a:t>
             </a:r>
-            <a:endParaRPr lang="en-US" altLang="zh-CN" sz="1600" dirty="0">
+            <a:endParaRPr lang="en-US" altLang="zh-CN" sz="1600">
               <a:solidFill>
                 <a:schemeClr val="tx1">
                   <a:lumMod val="65000"/>
@@ -3635,7 +4465,7 @@
               <a:buFont typeface="Wingdings" charset="2"/>
               <a:buChar char="p"/>
             </a:pPr>
-            <a:endParaRPr lang="en-US" altLang="zh-CN" sz="1600" dirty="0">
+            <a:endParaRPr lang="en-US" altLang="zh-CN" sz="1600">
               <a:solidFill>
                 <a:schemeClr val="tx1">
                   <a:lumMod val="65000"/>
@@ -3655,7 +4485,7 @@
               <a:buChar char="p"/>
             </a:pPr>
             <a:r>
-              <a:rPr lang="en-US" altLang="zh-CN" sz="1600" dirty="0" err="1">
+              <a:rPr lang="en-US" altLang="zh-CN" sz="1600">
                 <a:solidFill>
                   <a:schemeClr val="tx1">
                     <a:lumMod val="65000"/>
@@ -3668,7 +4498,7 @@
               <a:t>UITrackingRunLoopMode</a:t>
             </a:r>
             <a:r>
-              <a:rPr lang="zh-CN" altLang="en-US" sz="1600" dirty="0">
+              <a:rPr lang="zh-CN" altLang="en-US" sz="1600">
                 <a:solidFill>
                   <a:schemeClr val="tx1">
                     <a:lumMod val="65000"/>
@@ -3681,7 +4511,7 @@
               <a:t>：界面跟踪 </a:t>
             </a:r>
             <a:r>
-              <a:rPr lang="en-US" altLang="zh-CN" sz="1600" dirty="0">
+              <a:rPr lang="en-US" altLang="zh-CN" sz="1600">
                 <a:solidFill>
                   <a:schemeClr val="tx1">
                     <a:lumMod val="65000"/>
@@ -3694,7 +4524,7 @@
               <a:t>Mode</a:t>
             </a:r>
             <a:r>
-              <a:rPr lang="zh-CN" altLang="en-US" sz="1600" dirty="0">
+              <a:rPr lang="zh-CN" altLang="en-US" sz="1600">
                 <a:solidFill>
                   <a:schemeClr val="tx1">
                     <a:lumMod val="65000"/>
@@ -3707,33 +4537,20 @@
               <a:t>，用于 </a:t>
             </a:r>
             <a:r>
-              <a:rPr lang="en-US" altLang="zh-CN" sz="1600" dirty="0" err="1">
-                <a:solidFill>
-                  <a:schemeClr val="tx1">
-                    <a:lumMod val="65000"/>
-                    <a:lumOff val="35000"/>
-                  </a:schemeClr>
-                </a:solidFill>
-                <a:latin typeface="微软雅黑" panose="020B0503020204020204" pitchFamily="34" charset="-122"/>
-                <a:ea typeface="微软雅黑" panose="020B0503020204020204" pitchFamily="34" charset="-122"/>
-              </a:rPr>
-              <a:t>ScrollView</a:t>
-            </a:r>
-            <a:r>
-              <a:rPr lang="en-US" altLang="zh-CN" sz="1600" dirty="0">
-                <a:solidFill>
-                  <a:schemeClr val="tx1">
-                    <a:lumMod val="65000"/>
-                    <a:lumOff val="35000"/>
-                  </a:schemeClr>
-                </a:solidFill>
-                <a:latin typeface="微软雅黑" panose="020B0503020204020204" pitchFamily="34" charset="-122"/>
-                <a:ea typeface="微软雅黑" panose="020B0503020204020204" pitchFamily="34" charset="-122"/>
-              </a:rPr>
-              <a:t> </a:t>
-            </a:r>
-            <a:r>
-              <a:rPr lang="zh-CN" altLang="en-US" sz="1600" dirty="0">
+              <a:rPr lang="en-US" altLang="zh-CN" sz="1600">
+                <a:solidFill>
+                  <a:schemeClr val="tx1">
+                    <a:lumMod val="65000"/>
+                    <a:lumOff val="35000"/>
+                  </a:schemeClr>
+                </a:solidFill>
+                <a:latin typeface="微软雅黑" panose="020B0503020204020204" pitchFamily="34" charset="-122"/>
+                <a:ea typeface="微软雅黑" panose="020B0503020204020204" pitchFamily="34" charset="-122"/>
+              </a:rPr>
+              <a:t>ScrollView </a:t>
+            </a:r>
+            <a:r>
+              <a:rPr lang="zh-CN" altLang="en-US" sz="1600">
                 <a:solidFill>
                   <a:schemeClr val="tx1">
                     <a:lumMod val="65000"/>
@@ -3746,7 +4563,7 @@
               <a:t>追踪触摸滑动，保证界面滑动时不受其他 </a:t>
             </a:r>
             <a:r>
-              <a:rPr lang="en-US" altLang="zh-CN" sz="1600" dirty="0">
+              <a:rPr lang="en-US" altLang="zh-CN" sz="1600">
                 <a:solidFill>
                   <a:schemeClr val="tx1">
                     <a:lumMod val="65000"/>
@@ -3759,7 +4576,7 @@
               <a:t>Mode </a:t>
             </a:r>
             <a:r>
-              <a:rPr lang="zh-CN" altLang="en-US" sz="1600" dirty="0">
+              <a:rPr lang="zh-CN" altLang="en-US" sz="1600">
                 <a:solidFill>
                   <a:schemeClr val="tx1">
                     <a:lumMod val="65000"/>
@@ -3771,7 +4588,7 @@
               </a:rPr>
               <a:t>影响</a:t>
             </a:r>
-            <a:endParaRPr lang="en-US" altLang="zh-CN" sz="1600" dirty="0">
+            <a:endParaRPr lang="en-US" altLang="zh-CN" sz="1600">
               <a:solidFill>
                 <a:schemeClr val="tx1">
                   <a:lumMod val="65000"/>
@@ -4145,7 +4962,7 @@
               <a:t>监听</a:t>
             </a:r>
             <a:r>
-              <a:rPr kumimoji="1" lang="en-US" altLang="zh-CN" dirty="0" err="1"/>
+              <a:rPr kumimoji="1" lang="en-US" altLang="zh-CN" dirty="0"/>
               <a:t>RunLoop</a:t>
             </a:r>
             <a:r>
@@ -4231,11 +5048,11 @@
           <a:lstStyle/>
           <a:p>
             <a:r>
-              <a:rPr lang="en-US" altLang="zh-CN"/>
+              <a:rPr lang="en-US" altLang="zh-CN" dirty="0"/>
               <a:t>RunLoop</a:t>
             </a:r>
             <a:r>
-              <a:rPr lang="zh-CN" altLang="en-US"/>
+              <a:rPr lang="zh-CN" altLang="en-US" dirty="0"/>
               <a:t>的运行逻辑</a:t>
             </a:r>
           </a:p>
@@ -4323,11 +5140,11 @@
           <a:lstStyle/>
           <a:p>
             <a:r>
-              <a:rPr lang="en-US" altLang="zh-CN"/>
+              <a:rPr lang="en-US" altLang="zh-CN" dirty="0"/>
               <a:t>RunLoop</a:t>
             </a:r>
             <a:r>
-              <a:rPr lang="zh-CN" altLang="en-US"/>
+              <a:rPr lang="zh-CN" altLang="en-US" dirty="0"/>
               <a:t>的运行逻辑</a:t>
             </a:r>
           </a:p>
@@ -4644,7 +5461,7 @@
               <a:buChar char="p"/>
             </a:pPr>
             <a:r>
-              <a:rPr lang="en-US" altLang="zh-CN" sz="1600" dirty="0" err="1">
+              <a:rPr lang="en-US" altLang="zh-CN" sz="1600" dirty="0">
                 <a:solidFill>
                   <a:schemeClr val="tx1">
                     <a:lumMod val="65000"/>
@@ -4656,16 +5473,6 @@
               </a:rPr>
               <a:t>NSTimer</a:t>
             </a:r>
-            <a:endParaRPr lang="en-US" altLang="zh-CN" sz="1600" dirty="0">
-              <a:solidFill>
-                <a:schemeClr val="tx1">
-                  <a:lumMod val="65000"/>
-                  <a:lumOff val="35000"/>
-                </a:schemeClr>
-              </a:solidFill>
-              <a:latin typeface="微软雅黑" panose="020B0503020204020204" pitchFamily="34" charset="-122"/>
-              <a:ea typeface="微软雅黑" panose="020B0503020204020204" pitchFamily="34" charset="-122"/>
-            </a:endParaRPr>
           </a:p>
           <a:p>
             <a:pPr marL="342900" indent="-342900">
@@ -4803,7 +5610,7 @@
               <a:t>用于监听</a:t>
             </a:r>
             <a:r>
-              <a:rPr lang="en-US" altLang="zh-CN" sz="1600" dirty="0" err="1">
+              <a:rPr lang="en-US" altLang="zh-CN" sz="1600" dirty="0">
                 <a:solidFill>
                   <a:schemeClr val="tx1">
                     <a:lumMod val="65000"/>
@@ -5050,7 +5857,7 @@
               <a:buChar char="n"/>
             </a:pPr>
             <a:r>
-              <a:rPr lang="en-US" altLang="zh-CN" sz="1600">
+              <a:rPr lang="en-US" altLang="zh-CN" sz="1600" dirty="0">
                 <a:solidFill>
                   <a:schemeClr val="tx1">
                     <a:lumMod val="65000"/>
@@ -5063,7 +5870,7 @@
               <a:t>01</a:t>
             </a:r>
             <a:r>
-              <a:rPr lang="zh-CN" altLang="en-US" sz="1600">
+              <a:rPr lang="zh-CN" altLang="en-US" sz="1600" dirty="0">
                 <a:solidFill>
                   <a:schemeClr val="tx1">
                     <a:lumMod val="65000"/>
@@ -5076,7 +5883,7 @@
               <a:t>、通知</a:t>
             </a:r>
             <a:r>
-              <a:rPr lang="en-US" altLang="zh-CN" sz="1600">
+              <a:rPr lang="en-US" altLang="zh-CN" sz="1600" dirty="0">
                 <a:solidFill>
                   <a:schemeClr val="tx1">
                     <a:lumMod val="65000"/>
@@ -5089,7 +5896,7 @@
               <a:t>Observers</a:t>
             </a:r>
             <a:r>
-              <a:rPr lang="zh-CN" altLang="en-US" sz="1600">
+              <a:rPr lang="zh-CN" altLang="en-US" sz="1600" dirty="0">
                 <a:solidFill>
                   <a:schemeClr val="tx1">
                     <a:lumMod val="65000"/>
@@ -5102,7 +5909,7 @@
               <a:t>：进入</a:t>
             </a:r>
             <a:r>
-              <a:rPr lang="en-US" altLang="zh-CN" sz="1600">
+              <a:rPr lang="en-US" altLang="zh-CN" sz="1600" dirty="0">
                 <a:solidFill>
                   <a:schemeClr val="tx1">
                     <a:lumMod val="65000"/>
@@ -5124,7 +5931,7 @@
               <a:buChar char="n"/>
             </a:pPr>
             <a:r>
-              <a:rPr lang="en-US" altLang="zh-CN" sz="1600">
+              <a:rPr lang="en-US" altLang="zh-CN" sz="1600" dirty="0">
                 <a:solidFill>
                   <a:schemeClr val="tx1">
                     <a:lumMod val="65000"/>
@@ -5137,7 +5944,7 @@
               <a:t>02</a:t>
             </a:r>
             <a:r>
-              <a:rPr lang="zh-CN" altLang="en-US" sz="1600">
+              <a:rPr lang="zh-CN" altLang="en-US" sz="1600" dirty="0">
                 <a:solidFill>
                   <a:schemeClr val="tx1">
                     <a:lumMod val="65000"/>
@@ -5150,7 +5957,7 @@
               <a:t>、通知</a:t>
             </a:r>
             <a:r>
-              <a:rPr lang="en-US" altLang="zh-CN" sz="1600">
+              <a:rPr lang="en-US" altLang="zh-CN" sz="1600" dirty="0">
                 <a:solidFill>
                   <a:schemeClr val="tx1">
                     <a:lumMod val="65000"/>
@@ -5163,25 +5970,32 @@
               <a:t>Observers</a:t>
             </a:r>
             <a:r>
-              <a:rPr lang="zh-CN" altLang="en-US" sz="1600">
-                <a:solidFill>
-                  <a:schemeClr val="tx1">
-                    <a:lumMod val="65000"/>
-                    <a:lumOff val="35000"/>
-                  </a:schemeClr>
-                </a:solidFill>
-                <a:latin typeface="微软雅黑" panose="020B0503020204020204" pitchFamily="34" charset="-122"/>
-                <a:ea typeface="微软雅黑" panose="020B0503020204020204" pitchFamily="34" charset="-122"/>
-              </a:rPr>
-              <a:t>：即将处理</a:t>
-            </a:r>
-            <a:r>
-              <a:rPr lang="en-US" altLang="zh-CN" sz="1600">
-                <a:solidFill>
-                  <a:schemeClr val="tx1">
-                    <a:lumMod val="65000"/>
-                    <a:lumOff val="35000"/>
-                  </a:schemeClr>
+              <a:rPr lang="zh-CN" altLang="en-US" sz="1600" dirty="0">
+                <a:solidFill>
+                  <a:schemeClr val="tx1">
+                    <a:lumMod val="65000"/>
+                    <a:lumOff val="35000"/>
+                  </a:schemeClr>
+                </a:solidFill>
+                <a:latin typeface="微软雅黑" panose="020B0503020204020204" pitchFamily="34" charset="-122"/>
+                <a:ea typeface="微软雅黑" panose="020B0503020204020204" pitchFamily="34" charset="-122"/>
+              </a:rPr>
+              <a:t>：</a:t>
+            </a:r>
+            <a:r>
+              <a:rPr lang="zh-CN" altLang="en-US" sz="1600" dirty="0">
+                <a:solidFill>
+                  <a:srgbClr val="FF0000"/>
+                </a:solidFill>
+                <a:latin typeface="微软雅黑" panose="020B0503020204020204" pitchFamily="34" charset="-122"/>
+                <a:ea typeface="微软雅黑" panose="020B0503020204020204" pitchFamily="34" charset="-122"/>
+              </a:rPr>
+              <a:t>即将处理</a:t>
+            </a:r>
+            <a:r>
+              <a:rPr lang="en-US" altLang="zh-CN" sz="1600" dirty="0">
+                <a:solidFill>
+                  <a:srgbClr val="FF0000"/>
                 </a:solidFill>
                 <a:latin typeface="微软雅黑" panose="020B0503020204020204" pitchFamily="34" charset="-122"/>
                 <a:ea typeface="微软雅黑" panose="020B0503020204020204" pitchFamily="34" charset="-122"/>
@@ -5198,7 +6012,7 @@
               <a:buChar char="n"/>
             </a:pPr>
             <a:r>
-              <a:rPr lang="en-US" altLang="zh-CN" sz="1600">
+              <a:rPr lang="en-US" altLang="zh-CN" sz="1600" dirty="0">
                 <a:solidFill>
                   <a:schemeClr val="tx1">
                     <a:lumMod val="65000"/>
@@ -5211,7 +6025,7 @@
               <a:t>03</a:t>
             </a:r>
             <a:r>
-              <a:rPr lang="zh-CN" altLang="en-US" sz="1600">
+              <a:rPr lang="zh-CN" altLang="en-US" sz="1600" dirty="0">
                 <a:solidFill>
                   <a:schemeClr val="tx1">
                     <a:lumMod val="65000"/>
@@ -5224,7 +6038,7 @@
               <a:t>、通知</a:t>
             </a:r>
             <a:r>
-              <a:rPr lang="en-US" altLang="zh-CN" sz="1600">
+              <a:rPr lang="en-US" altLang="zh-CN" sz="1600" dirty="0">
                 <a:solidFill>
                   <a:schemeClr val="tx1">
                     <a:lumMod val="65000"/>
@@ -5237,25 +6051,32 @@
               <a:t>Observers</a:t>
             </a:r>
             <a:r>
-              <a:rPr lang="zh-CN" altLang="en-US" sz="1600">
-                <a:solidFill>
-                  <a:schemeClr val="tx1">
-                    <a:lumMod val="65000"/>
-                    <a:lumOff val="35000"/>
-                  </a:schemeClr>
-                </a:solidFill>
-                <a:latin typeface="微软雅黑" panose="020B0503020204020204" pitchFamily="34" charset="-122"/>
-                <a:ea typeface="微软雅黑" panose="020B0503020204020204" pitchFamily="34" charset="-122"/>
-              </a:rPr>
-              <a:t>：即将处理</a:t>
-            </a:r>
-            <a:r>
-              <a:rPr lang="en-US" altLang="zh-CN" sz="1600">
-                <a:solidFill>
-                  <a:schemeClr val="tx1">
-                    <a:lumMod val="65000"/>
-                    <a:lumOff val="35000"/>
-                  </a:schemeClr>
+              <a:rPr lang="zh-CN" altLang="en-US" sz="1600" dirty="0">
+                <a:solidFill>
+                  <a:schemeClr val="tx1">
+                    <a:lumMod val="65000"/>
+                    <a:lumOff val="35000"/>
+                  </a:schemeClr>
+                </a:solidFill>
+                <a:latin typeface="微软雅黑" panose="020B0503020204020204" pitchFamily="34" charset="-122"/>
+                <a:ea typeface="微软雅黑" panose="020B0503020204020204" pitchFamily="34" charset="-122"/>
+              </a:rPr>
+              <a:t>：</a:t>
+            </a:r>
+            <a:r>
+              <a:rPr lang="zh-CN" altLang="en-US" sz="1600" dirty="0">
+                <a:solidFill>
+                  <a:srgbClr val="FF0000"/>
+                </a:solidFill>
+                <a:latin typeface="微软雅黑" panose="020B0503020204020204" pitchFamily="34" charset="-122"/>
+                <a:ea typeface="微软雅黑" panose="020B0503020204020204" pitchFamily="34" charset="-122"/>
+              </a:rPr>
+              <a:t>即将处理</a:t>
+            </a:r>
+            <a:r>
+              <a:rPr lang="en-US" altLang="zh-CN" sz="1600" dirty="0">
+                <a:solidFill>
+                  <a:srgbClr val="FF0000"/>
                 </a:solidFill>
                 <a:latin typeface="微软雅黑" panose="020B0503020204020204" pitchFamily="34" charset="-122"/>
                 <a:ea typeface="微软雅黑" panose="020B0503020204020204" pitchFamily="34" charset="-122"/>
@@ -5272,7 +6093,7 @@
               <a:buChar char="n"/>
             </a:pPr>
             <a:r>
-              <a:rPr lang="en-US" altLang="zh-CN" sz="1600">
+              <a:rPr lang="en-US" altLang="zh-CN" sz="1600" dirty="0">
                 <a:solidFill>
                   <a:schemeClr val="tx1">
                     <a:lumMod val="65000"/>
@@ -5285,7 +6106,7 @@
               <a:t>04</a:t>
             </a:r>
             <a:r>
-              <a:rPr lang="zh-CN" altLang="en-US" sz="1600">
+              <a:rPr lang="zh-CN" altLang="en-US" sz="1600" dirty="0">
                 <a:solidFill>
                   <a:schemeClr val="tx1">
                     <a:lumMod val="65000"/>
@@ -5298,7 +6119,7 @@
               <a:t>、处理</a:t>
             </a:r>
             <a:r>
-              <a:rPr lang="en-US" altLang="zh-CN" sz="1600">
+              <a:rPr lang="en-US" altLang="zh-CN" sz="1600" dirty="0">
                 <a:solidFill>
                   <a:schemeClr val="tx1">
                     <a:lumMod val="65000"/>
@@ -5320,7 +6141,7 @@
               <a:buChar char="n"/>
             </a:pPr>
             <a:r>
-              <a:rPr lang="en-US" altLang="zh-CN" sz="1600">
+              <a:rPr lang="en-US" altLang="zh-CN" sz="1600" dirty="0">
                 <a:solidFill>
                   <a:schemeClr val="tx1">
                     <a:lumMod val="65000"/>
@@ -5333,7 +6154,7 @@
               <a:t>05</a:t>
             </a:r>
             <a:r>
-              <a:rPr lang="zh-CN" altLang="en-US" sz="1600">
+              <a:rPr lang="zh-CN" altLang="en-US" sz="1600" dirty="0">
                 <a:solidFill>
                   <a:schemeClr val="tx1">
                     <a:lumMod val="65000"/>
@@ -5346,7 +6167,7 @@
               <a:t>、处理</a:t>
             </a:r>
             <a:r>
-              <a:rPr lang="en-US" altLang="zh-CN" sz="1600">
+              <a:rPr lang="en-US" altLang="zh-CN" sz="1600" dirty="0">
                 <a:solidFill>
                   <a:schemeClr val="tx1">
                     <a:lumMod val="65000"/>
@@ -5359,7 +6180,7 @@
               <a:t>Source0</a:t>
             </a:r>
             <a:r>
-              <a:rPr lang="zh-CN" altLang="en-US" sz="1600">
+              <a:rPr lang="zh-CN" altLang="en-US" sz="1600" dirty="0">
                 <a:solidFill>
                   <a:schemeClr val="tx1">
                     <a:lumMod val="65000"/>
@@ -5372,7 +6193,7 @@
               <a:t>（可能会再次处理</a:t>
             </a:r>
             <a:r>
-              <a:rPr lang="en-US" altLang="zh-CN" sz="1600">
+              <a:rPr lang="en-US" altLang="zh-CN" sz="1600" dirty="0">
                 <a:solidFill>
                   <a:schemeClr val="tx1">
                     <a:lumMod val="65000"/>
@@ -5385,7 +6206,7 @@
               <a:t>Blocks</a:t>
             </a:r>
             <a:r>
-              <a:rPr lang="zh-CN" altLang="en-US" sz="1600">
+              <a:rPr lang="zh-CN" altLang="en-US" sz="1600" dirty="0">
                 <a:solidFill>
                   <a:schemeClr val="tx1">
                     <a:lumMod val="65000"/>
@@ -5397,7 +6218,7 @@
               </a:rPr>
               <a:t>）</a:t>
             </a:r>
-            <a:endParaRPr lang="en-US" altLang="zh-CN" sz="1600">
+            <a:endParaRPr lang="en-US" altLang="zh-CN" sz="1600" dirty="0">
               <a:solidFill>
                 <a:schemeClr val="tx1">
                   <a:lumMod val="65000"/>
@@ -5417,7 +6238,7 @@
               <a:buChar char="n"/>
             </a:pPr>
             <a:r>
-              <a:rPr lang="en-US" altLang="zh-CN" sz="1600">
+              <a:rPr lang="en-US" altLang="zh-CN" sz="1600" dirty="0">
                 <a:solidFill>
                   <a:schemeClr val="tx1">
                     <a:lumMod val="65000"/>
@@ -5430,7 +6251,7 @@
               <a:t>06</a:t>
             </a:r>
             <a:r>
-              <a:rPr lang="zh-CN" altLang="en-US" sz="1600">
+              <a:rPr lang="zh-CN" altLang="en-US" sz="1600" dirty="0">
                 <a:solidFill>
                   <a:schemeClr val="tx1">
                     <a:lumMod val="65000"/>
@@ -5443,7 +6264,7 @@
               <a:t>、如果存在</a:t>
             </a:r>
             <a:r>
-              <a:rPr lang="en-US" altLang="zh-CN" sz="1600">
+              <a:rPr lang="en-US" altLang="zh-CN" sz="1600" dirty="0">
                 <a:solidFill>
                   <a:schemeClr val="tx1">
                     <a:lumMod val="65000"/>
@@ -5456,7 +6277,7 @@
               <a:t>Source1</a:t>
             </a:r>
             <a:r>
-              <a:rPr lang="zh-CN" altLang="en-US" sz="1600">
+              <a:rPr lang="zh-CN" altLang="en-US" sz="1600" dirty="0">
                 <a:solidFill>
                   <a:schemeClr val="tx1">
                     <a:lumMod val="65000"/>
@@ -5469,7 +6290,7 @@
               <a:t>，就跳转到第</a:t>
             </a:r>
             <a:r>
-              <a:rPr lang="en-US" altLang="zh-CN" sz="1600">
+              <a:rPr lang="en-US" altLang="zh-CN" sz="1600" dirty="0">
                 <a:solidFill>
                   <a:schemeClr val="tx1">
                     <a:lumMod val="65000"/>
@@ -5482,7 +6303,7 @@
               <a:t>8</a:t>
             </a:r>
             <a:r>
-              <a:rPr lang="zh-CN" altLang="en-US" sz="1600">
+              <a:rPr lang="zh-CN" altLang="en-US" sz="1600" dirty="0">
                 <a:solidFill>
                   <a:schemeClr val="tx1">
                     <a:lumMod val="65000"/>
@@ -5494,7 +6315,7 @@
               </a:rPr>
               <a:t>步</a:t>
             </a:r>
-            <a:endParaRPr lang="en-US" altLang="zh-CN" sz="1600">
+            <a:endParaRPr lang="en-US" altLang="zh-CN" sz="1600" dirty="0">
               <a:solidFill>
                 <a:schemeClr val="tx1">
                   <a:lumMod val="65000"/>
@@ -5514,7 +6335,7 @@
               <a:buChar char="n"/>
             </a:pPr>
             <a:r>
-              <a:rPr lang="en-US" altLang="zh-CN" sz="1600">
+              <a:rPr lang="en-US" altLang="zh-CN" sz="1600" dirty="0">
                 <a:solidFill>
                   <a:schemeClr val="tx1">
                     <a:lumMod val="65000"/>
@@ -5527,7 +6348,7 @@
               <a:t>07</a:t>
             </a:r>
             <a:r>
-              <a:rPr lang="zh-CN" altLang="en-US" sz="1600">
+              <a:rPr lang="zh-CN" altLang="en-US" sz="1600" dirty="0">
                 <a:solidFill>
                   <a:schemeClr val="tx1">
                     <a:lumMod val="65000"/>
@@ -5540,7 +6361,7 @@
               <a:t>、通知</a:t>
             </a:r>
             <a:r>
-              <a:rPr lang="en-US" altLang="zh-CN" sz="1600">
+              <a:rPr lang="en-US" altLang="zh-CN" sz="1600" dirty="0">
                 <a:solidFill>
                   <a:schemeClr val="tx1">
                     <a:lumMod val="65000"/>
@@ -5553,7 +6374,7 @@
               <a:t>Observers</a:t>
             </a:r>
             <a:r>
-              <a:rPr lang="zh-CN" altLang="en-US" sz="1600">
+              <a:rPr lang="zh-CN" altLang="en-US" sz="1600" dirty="0">
                 <a:solidFill>
                   <a:schemeClr val="tx1">
                     <a:lumMod val="65000"/>
@@ -5565,7 +6386,7 @@
               </a:rPr>
               <a:t>：开始休眠（等待消息唤醒）</a:t>
             </a:r>
-            <a:endParaRPr lang="en-US" altLang="zh-CN" sz="1600">
+            <a:endParaRPr lang="en-US" altLang="zh-CN" sz="1600" dirty="0">
               <a:solidFill>
                 <a:schemeClr val="tx1">
                   <a:lumMod val="65000"/>
@@ -5585,7 +6406,7 @@
               <a:buChar char="n"/>
             </a:pPr>
             <a:r>
-              <a:rPr lang="en-US" altLang="zh-CN" sz="1600">
+              <a:rPr lang="en-US" altLang="zh-CN" sz="1600" dirty="0">
                 <a:solidFill>
                   <a:schemeClr val="tx1">
                     <a:lumMod val="65000"/>
@@ -5598,7 +6419,7 @@
               <a:t>08</a:t>
             </a:r>
             <a:r>
-              <a:rPr lang="zh-CN" altLang="en-US" sz="1600">
+              <a:rPr lang="zh-CN" altLang="en-US" sz="1600" dirty="0">
                 <a:solidFill>
                   <a:schemeClr val="tx1">
                     <a:lumMod val="65000"/>
@@ -5611,7 +6432,7 @@
               <a:t>、通知</a:t>
             </a:r>
             <a:r>
-              <a:rPr lang="en-US" altLang="zh-CN" sz="1600">
+              <a:rPr lang="en-US" altLang="zh-CN" sz="1600" dirty="0">
                 <a:solidFill>
                   <a:schemeClr val="tx1">
                     <a:lumMod val="65000"/>
@@ -5624,7 +6445,7 @@
               <a:t>Observers</a:t>
             </a:r>
             <a:r>
-              <a:rPr lang="zh-CN" altLang="en-US" sz="1600">
+              <a:rPr lang="zh-CN" altLang="en-US" sz="1600" dirty="0">
                 <a:solidFill>
                   <a:schemeClr val="tx1">
                     <a:lumMod val="65000"/>
@@ -5636,7 +6457,7 @@
               </a:rPr>
               <a:t>：结束休眠（被某个消息唤醒）</a:t>
             </a:r>
-            <a:endParaRPr lang="en-US" altLang="zh-CN" sz="1600">
+            <a:endParaRPr lang="en-US" altLang="zh-CN" sz="1600" dirty="0">
               <a:solidFill>
                 <a:schemeClr val="tx1">
                   <a:lumMod val="65000"/>
@@ -5656,7 +6477,7 @@
               <a:buChar char="p"/>
             </a:pPr>
             <a:r>
-              <a:rPr lang="en-US" altLang="zh-CN" sz="1600">
+              <a:rPr lang="en-US" altLang="zh-CN" sz="1600" dirty="0">
                 <a:solidFill>
                   <a:schemeClr val="tx1">
                     <a:lumMod val="65000"/>
@@ -5669,7 +6490,7 @@
               <a:t>01&gt; </a:t>
             </a:r>
             <a:r>
-              <a:rPr lang="zh-CN" altLang="en-US" sz="1600">
+              <a:rPr lang="zh-CN" altLang="en-US" sz="1600" dirty="0">
                 <a:solidFill>
                   <a:schemeClr val="tx1">
                     <a:lumMod val="65000"/>
@@ -5682,7 +6503,7 @@
               <a:t>处理</a:t>
             </a:r>
             <a:r>
-              <a:rPr lang="en-US" altLang="zh-CN" sz="1600">
+              <a:rPr lang="en-US" altLang="zh-CN" sz="1600" dirty="0">
                 <a:solidFill>
                   <a:schemeClr val="tx1">
                     <a:lumMod val="65000"/>
@@ -5704,7 +6525,7 @@
               <a:buChar char="p"/>
             </a:pPr>
             <a:r>
-              <a:rPr lang="en-US" altLang="zh-CN" sz="1600">
+              <a:rPr lang="en-US" altLang="zh-CN" sz="1600" dirty="0">
                 <a:solidFill>
                   <a:schemeClr val="tx1">
                     <a:lumMod val="65000"/>
@@ -5717,7 +6538,7 @@
               <a:t>02&gt; </a:t>
             </a:r>
             <a:r>
-              <a:rPr lang="zh-CN" altLang="en-US" sz="1600">
+              <a:rPr lang="zh-CN" altLang="en-US" sz="1600" dirty="0">
                 <a:solidFill>
                   <a:schemeClr val="tx1">
                     <a:lumMod val="65000"/>
@@ -5730,7 +6551,7 @@
               <a:t>处理</a:t>
             </a:r>
             <a:r>
-              <a:rPr lang="en-US" altLang="zh-CN" sz="1600">
+              <a:rPr lang="en-US" altLang="zh-CN" sz="1600" dirty="0">
                 <a:solidFill>
                   <a:schemeClr val="tx1">
                     <a:lumMod val="65000"/>
@@ -5752,7 +6573,7 @@
               <a:buChar char="p"/>
             </a:pPr>
             <a:r>
-              <a:rPr lang="en-US" altLang="zh-CN" sz="1600">
+              <a:rPr lang="en-US" altLang="zh-CN" sz="1600" dirty="0">
                 <a:solidFill>
                   <a:schemeClr val="tx1">
                     <a:lumMod val="65000"/>
@@ -5765,7 +6586,7 @@
               <a:t>03&gt; </a:t>
             </a:r>
             <a:r>
-              <a:rPr lang="zh-CN" altLang="en-US" sz="1600">
+              <a:rPr lang="zh-CN" altLang="en-US" sz="1600" dirty="0">
                 <a:solidFill>
                   <a:schemeClr val="tx1">
                     <a:lumMod val="65000"/>
@@ -5778,7 +6599,7 @@
               <a:t>处理</a:t>
             </a:r>
             <a:r>
-              <a:rPr lang="en-US" altLang="zh-CN" sz="1600">
+              <a:rPr lang="en-US" altLang="zh-CN" sz="1600" dirty="0">
                 <a:solidFill>
                   <a:schemeClr val="tx1">
                     <a:lumMod val="65000"/>
@@ -5800,7 +6621,7 @@
               <a:buChar char="n"/>
             </a:pPr>
             <a:r>
-              <a:rPr lang="en-US" altLang="zh-CN" sz="1600">
+              <a:rPr lang="en-US" altLang="zh-CN" sz="1600" dirty="0">
                 <a:solidFill>
                   <a:schemeClr val="tx1">
                     <a:lumMod val="65000"/>
@@ -5813,7 +6634,7 @@
               <a:t>09</a:t>
             </a:r>
             <a:r>
-              <a:rPr lang="zh-CN" altLang="en-US" sz="1600">
+              <a:rPr lang="zh-CN" altLang="en-US" sz="1600" dirty="0">
                 <a:solidFill>
                   <a:schemeClr val="tx1">
                     <a:lumMod val="65000"/>
@@ -5826,7 +6647,7 @@
               <a:t>、处理</a:t>
             </a:r>
             <a:r>
-              <a:rPr lang="en-US" altLang="zh-CN" sz="1600">
+              <a:rPr lang="en-US" altLang="zh-CN" sz="1600" dirty="0">
                 <a:solidFill>
                   <a:schemeClr val="tx1">
                     <a:lumMod val="65000"/>
@@ -5848,7 +6669,7 @@
               <a:buChar char="n"/>
             </a:pPr>
             <a:r>
-              <a:rPr lang="en-US" altLang="zh-CN" sz="1600">
+              <a:rPr lang="en-US" altLang="zh-CN" sz="1600" dirty="0">
                 <a:solidFill>
                   <a:schemeClr val="tx1">
                     <a:lumMod val="65000"/>
@@ -5861,7 +6682,7 @@
               <a:t>10</a:t>
             </a:r>
             <a:r>
-              <a:rPr lang="zh-CN" altLang="en-US" sz="1600">
+              <a:rPr lang="zh-CN" altLang="en-US" sz="1600" dirty="0">
                 <a:solidFill>
                   <a:schemeClr val="tx1">
                     <a:lumMod val="65000"/>
@@ -5873,7 +6694,7 @@
               </a:rPr>
               <a:t>、根据前面的执行结果，决定如何操作</a:t>
             </a:r>
-            <a:endParaRPr lang="en-US" altLang="zh-CN" sz="1600">
+            <a:endParaRPr lang="en-US" altLang="zh-CN" sz="1600" dirty="0">
               <a:solidFill>
                 <a:schemeClr val="tx1">
                   <a:lumMod val="65000"/>
@@ -5893,7 +6714,7 @@
               <a:buChar char="p"/>
             </a:pPr>
             <a:r>
-              <a:rPr lang="en-US" altLang="zh-CN" sz="1600">
+              <a:rPr lang="en-US" altLang="zh-CN" sz="1600" dirty="0">
                 <a:solidFill>
                   <a:schemeClr val="tx1">
                     <a:lumMod val="65000"/>
@@ -5906,7 +6727,7 @@
               <a:t>01&gt; </a:t>
             </a:r>
             <a:r>
-              <a:rPr lang="zh-CN" altLang="en-US" sz="1600">
+              <a:rPr lang="zh-CN" altLang="en-US" sz="1600" dirty="0">
                 <a:solidFill>
                   <a:schemeClr val="tx1">
                     <a:lumMod val="65000"/>
@@ -5919,7 +6740,7 @@
               <a:t>回到第</a:t>
             </a:r>
             <a:r>
-              <a:rPr lang="en-US" altLang="zh-CN" sz="1600">
+              <a:rPr lang="en-US" altLang="zh-CN" sz="1600" dirty="0">
                 <a:solidFill>
                   <a:schemeClr val="tx1">
                     <a:lumMod val="65000"/>
@@ -5932,7 +6753,7 @@
               <a:t>02</a:t>
             </a:r>
             <a:r>
-              <a:rPr lang="zh-CN" altLang="en-US" sz="1600">
+              <a:rPr lang="zh-CN" altLang="en-US" sz="1600" dirty="0">
                 <a:solidFill>
                   <a:schemeClr val="tx1">
                     <a:lumMod val="65000"/>
@@ -5944,7 +6765,7 @@
               </a:rPr>
               <a:t>步</a:t>
             </a:r>
-            <a:endParaRPr lang="en-US" altLang="zh-CN" sz="1600">
+            <a:endParaRPr lang="en-US" altLang="zh-CN" sz="1600" dirty="0">
               <a:solidFill>
                 <a:schemeClr val="tx1">
                   <a:lumMod val="65000"/>
@@ -5964,7 +6785,7 @@
               <a:buChar char="p"/>
             </a:pPr>
             <a:r>
-              <a:rPr lang="en-US" altLang="zh-CN" sz="1600">
+              <a:rPr lang="en-US" altLang="zh-CN" sz="1600" dirty="0">
                 <a:solidFill>
                   <a:schemeClr val="tx1">
                     <a:lumMod val="65000"/>
@@ -5977,7 +6798,7 @@
               <a:t>02&gt; </a:t>
             </a:r>
             <a:r>
-              <a:rPr lang="zh-CN" altLang="en-US" sz="1600">
+              <a:rPr lang="zh-CN" altLang="en-US" sz="1600" dirty="0">
                 <a:solidFill>
                   <a:schemeClr val="tx1">
                     <a:lumMod val="65000"/>
@@ -5990,7 +6811,7 @@
               <a:t>退出</a:t>
             </a:r>
             <a:r>
-              <a:rPr lang="en-US" altLang="zh-CN" sz="1600">
+              <a:rPr lang="en-US" altLang="zh-CN" sz="1600" dirty="0">
                 <a:solidFill>
                   <a:schemeClr val="tx1">
                     <a:lumMod val="65000"/>
@@ -6012,7 +6833,7 @@
               <a:buChar char="n"/>
             </a:pPr>
             <a:r>
-              <a:rPr lang="en-US" altLang="zh-CN" sz="1600">
+              <a:rPr lang="en-US" altLang="zh-CN" sz="1600" dirty="0">
                 <a:solidFill>
                   <a:schemeClr val="tx1">
                     <a:lumMod val="65000"/>
@@ -6025,7 +6846,7 @@
               <a:t>11</a:t>
             </a:r>
             <a:r>
-              <a:rPr lang="zh-CN" altLang="en-US" sz="1600">
+              <a:rPr lang="zh-CN" altLang="en-US" sz="1600" dirty="0">
                 <a:solidFill>
                   <a:schemeClr val="tx1">
                     <a:lumMod val="65000"/>
@@ -6038,7 +6859,7 @@
               <a:t>、通知</a:t>
             </a:r>
             <a:r>
-              <a:rPr lang="en-US" altLang="zh-CN" sz="1600">
+              <a:rPr lang="en-US" altLang="zh-CN" sz="1600" dirty="0">
                 <a:solidFill>
                   <a:schemeClr val="tx1">
                     <a:lumMod val="65000"/>
@@ -6051,7 +6872,7 @@
               <a:t>Observers</a:t>
             </a:r>
             <a:r>
-              <a:rPr lang="zh-CN" altLang="en-US" sz="1600">
+              <a:rPr lang="zh-CN" altLang="en-US" sz="1600" dirty="0">
                 <a:solidFill>
                   <a:schemeClr val="tx1">
                     <a:lumMod val="65000"/>
@@ -6064,7 +6885,7 @@
               <a:t>：退出</a:t>
             </a:r>
             <a:r>
-              <a:rPr lang="en-US" altLang="zh-CN" sz="1600">
+              <a:rPr lang="en-US" altLang="zh-CN" sz="1600" dirty="0">
                 <a:solidFill>
                   <a:schemeClr val="tx1">
                     <a:lumMod val="65000"/>
@@ -6085,7 +6906,7 @@
               <a:buFont typeface="Wingdings" charset="2"/>
               <a:buChar char="p"/>
             </a:pPr>
-            <a:endParaRPr lang="en-US" altLang="zh-CN" sz="1600">
+            <a:endParaRPr lang="en-US" altLang="zh-CN" sz="1600" dirty="0">
               <a:solidFill>
                 <a:schemeClr val="tx1">
                   <a:lumMod val="65000"/>
@@ -7021,7 +7842,7 @@
           <a:lstStyle/>
           <a:p>
             <a:r>
-              <a:rPr lang="en-US" altLang="zh-CN">
+              <a:rPr lang="en-US" altLang="zh-CN" dirty="0">
                 <a:solidFill>
                   <a:schemeClr val="tx1">
                     <a:lumMod val="65000"/>
@@ -7032,7 +7853,7 @@
               <a:t>RunLoop</a:t>
             </a:r>
             <a:r>
-              <a:rPr lang="zh-CN" altLang="en-US">
+              <a:rPr lang="zh-CN" altLang="en-US" dirty="0">
                 <a:solidFill>
                   <a:schemeClr val="tx1">
                     <a:lumMod val="65000"/>
@@ -7042,7 +7863,7 @@
               </a:rPr>
               <a:t>的运行逻辑</a:t>
             </a:r>
-            <a:endParaRPr lang="zh-CN" altLang="en-US"/>
+            <a:endParaRPr lang="zh-CN" altLang="en-US" dirty="0"/>
           </a:p>
         </p:txBody>
       </p:sp>
@@ -7090,7 +7911,7 @@
           <a:lstStyle/>
           <a:p>
             <a:r>
-              <a:rPr lang="en-US" altLang="zh-CN" sz="1400" dirty="0">
+              <a:rPr lang="en-US" altLang="zh-CN" sz="1400">
                 <a:solidFill>
                   <a:schemeClr val="bg1"/>
                 </a:solidFill>
@@ -7100,7 +7921,7 @@
               <a:t>01</a:t>
             </a:r>
             <a:r>
-              <a:rPr lang="zh-CN" altLang="en-US" sz="1400" dirty="0">
+              <a:rPr lang="zh-CN" altLang="en-US" sz="1400">
                 <a:solidFill>
                   <a:schemeClr val="bg1"/>
                 </a:solidFill>
@@ -7110,7 +7931,7 @@
               <a:t>、通知</a:t>
             </a:r>
             <a:r>
-              <a:rPr lang="en-US" altLang="zh-CN" sz="1400" dirty="0">
+              <a:rPr lang="en-US" altLang="zh-CN" sz="1400">
                 <a:solidFill>
                   <a:schemeClr val="bg1"/>
                 </a:solidFill>
@@ -7120,7 +7941,7 @@
               <a:t>Observers</a:t>
             </a:r>
             <a:r>
-              <a:rPr lang="zh-CN" altLang="en-US" sz="1400" dirty="0">
+              <a:rPr lang="zh-CN" altLang="en-US" sz="1400">
                 <a:solidFill>
                   <a:schemeClr val="bg1"/>
                 </a:solidFill>
@@ -7130,7 +7951,7 @@
               <a:t>：进入</a:t>
             </a:r>
             <a:r>
-              <a:rPr lang="en-US" altLang="zh-CN" sz="1400" dirty="0">
+              <a:rPr lang="en-US" altLang="zh-CN" sz="1400">
                 <a:solidFill>
                   <a:schemeClr val="bg1"/>
                 </a:solidFill>
@@ -7454,7 +8275,7 @@
           <a:lstStyle/>
           <a:p>
             <a:r>
-              <a:rPr lang="en-US" altLang="zh-CN" sz="1400" dirty="0">
+              <a:rPr lang="en-US" altLang="zh-CN" sz="1400">
                 <a:solidFill>
                   <a:schemeClr val="bg1"/>
                 </a:solidFill>
@@ -7464,7 +8285,7 @@
               <a:t>05</a:t>
             </a:r>
             <a:r>
-              <a:rPr lang="zh-CN" altLang="en-US" sz="1400" dirty="0">
+              <a:rPr lang="zh-CN" altLang="en-US" sz="1400">
                 <a:solidFill>
                   <a:schemeClr val="bg1"/>
                 </a:solidFill>
@@ -7474,7 +8295,7 @@
               <a:t>、处理</a:t>
             </a:r>
             <a:r>
-              <a:rPr lang="en-US" altLang="zh-CN" sz="1400" dirty="0">
+              <a:rPr lang="en-US" altLang="zh-CN" sz="1400">
                 <a:solidFill>
                   <a:schemeClr val="bg1"/>
                 </a:solidFill>
@@ -7484,7 +8305,7 @@
               <a:t>Source0</a:t>
             </a:r>
             <a:r>
-              <a:rPr lang="zh-CN" altLang="en-US" sz="1400" dirty="0">
+              <a:rPr lang="zh-CN" altLang="en-US" sz="1400">
                 <a:solidFill>
                   <a:schemeClr val="bg1"/>
                 </a:solidFill>
@@ -7494,7 +8315,7 @@
               <a:t>（可能会再次处理</a:t>
             </a:r>
             <a:r>
-              <a:rPr lang="en-US" altLang="zh-CN" sz="1400" dirty="0">
+              <a:rPr lang="en-US" altLang="zh-CN" sz="1400">
                 <a:solidFill>
                   <a:schemeClr val="bg1"/>
                 </a:solidFill>
@@ -7504,7 +8325,7 @@
               <a:t>Blocks</a:t>
             </a:r>
             <a:r>
-              <a:rPr lang="zh-CN" altLang="en-US" sz="1400" dirty="0">
+              <a:rPr lang="zh-CN" altLang="en-US" sz="1400">
                 <a:solidFill>
                   <a:schemeClr val="bg1"/>
                 </a:solidFill>
@@ -7666,7 +8487,7 @@
           <a:lstStyle/>
           <a:p>
             <a:r>
-              <a:rPr lang="en-US" altLang="zh-CN" sz="1200" dirty="0">
+              <a:rPr lang="en-US" altLang="zh-CN" sz="1200">
                 <a:solidFill>
                   <a:schemeClr val="bg1"/>
                 </a:solidFill>
@@ -7676,7 +8497,7 @@
               <a:t>07</a:t>
             </a:r>
             <a:r>
-              <a:rPr lang="zh-CN" altLang="en-US" sz="1200" dirty="0">
+              <a:rPr lang="zh-CN" altLang="en-US" sz="1200">
                 <a:solidFill>
                   <a:schemeClr val="bg1"/>
                 </a:solidFill>
@@ -7686,7 +8507,7 @@
               <a:t>、通知</a:t>
             </a:r>
             <a:r>
-              <a:rPr lang="en-US" altLang="zh-CN" sz="1200" dirty="0">
+              <a:rPr lang="en-US" altLang="zh-CN" sz="1200">
                 <a:solidFill>
                   <a:schemeClr val="bg1"/>
                 </a:solidFill>
@@ -7696,7 +8517,7 @@
               <a:t>Observers</a:t>
             </a:r>
             <a:r>
-              <a:rPr lang="zh-CN" altLang="en-US" sz="1200" dirty="0">
+              <a:rPr lang="zh-CN" altLang="en-US" sz="1200">
                 <a:solidFill>
                   <a:schemeClr val="bg1"/>
                 </a:solidFill>
@@ -10871,7 +11692,7 @@
           <a:lstStyle/>
           <a:p>
             <a:r>
-              <a:rPr lang="en-US" altLang="zh-CN">
+              <a:rPr lang="en-US" altLang="zh-CN" dirty="0">
                 <a:solidFill>
                   <a:schemeClr val="tx1">
                     <a:lumMod val="65000"/>
@@ -10882,7 +11703,7 @@
               <a:t>RunLoop</a:t>
             </a:r>
             <a:r>
-              <a:rPr lang="zh-CN" altLang="en-US">
+              <a:rPr lang="zh-CN" altLang="en-US" dirty="0">
                 <a:solidFill>
                   <a:schemeClr val="tx1">
                     <a:lumMod val="65000"/>
@@ -10892,7 +11713,7 @@
               </a:rPr>
               <a:t>休眠的实现原理</a:t>
             </a:r>
-            <a:endParaRPr lang="zh-CN" altLang="en-US"/>
+            <a:endParaRPr lang="zh-CN" altLang="en-US" dirty="0"/>
           </a:p>
         </p:txBody>
       </p:sp>
@@ -11361,6 +12182,236 @@
               <a:t>处理消息</a:t>
             </a:r>
             <a:endParaRPr lang="en-US" altLang="zh-CN" sz="1600">
+              <a:solidFill>
+                <a:schemeClr val="tx1">
+                  <a:lumMod val="65000"/>
+                  <a:lumOff val="35000"/>
+                </a:schemeClr>
+              </a:solidFill>
+              <a:latin typeface="微软雅黑" panose="020B0503020204020204" pitchFamily="34" charset="-122"/>
+              <a:ea typeface="微软雅黑" panose="020B0503020204020204" pitchFamily="34" charset="-122"/>
+            </a:endParaRPr>
+          </a:p>
+        </p:txBody>
+      </p:sp>
+      <p:sp>
+        <p:nvSpPr>
+          <p:cNvPr id="15" name="文本框 14">
+            <a:extLst>
+              <a:ext uri="{FF2B5EF4-FFF2-40B4-BE49-F238E27FC236}">
+                <a16:creationId xmlns:a16="http://schemas.microsoft.com/office/drawing/2014/main" id="{FEFA54D9-BE5B-6E4E-874D-B3BDDD9F7686}"/>
+              </a:ext>
+            </a:extLst>
+          </p:cNvPr>
+          <p:cNvSpPr txBox="1"/>
+          <p:nvPr/>
+        </p:nvSpPr>
+        <p:spPr>
+          <a:xfrm>
+            <a:off x="308225" y="5894362"/>
+            <a:ext cx="11137186" cy="641009"/>
+          </a:xfrm>
+          <a:prstGeom prst="rect">
+            <a:avLst/>
+          </a:prstGeom>
+          <a:noFill/>
+        </p:spPr>
+        <p:txBody>
+          <a:bodyPr wrap="square">
+            <a:spAutoFit/>
+          </a:bodyPr>
+          <a:lstStyle/>
+          <a:p>
+            <a:pPr marL="342900" indent="-342900">
+              <a:lnSpc>
+                <a:spcPts val="2200"/>
+              </a:lnSpc>
+              <a:buFont typeface="Wingdings" charset="2"/>
+              <a:buChar char="n"/>
+            </a:pPr>
+            <a:r>
+              <a:rPr lang="zh-CN" altLang="en-US" dirty="0">
+                <a:solidFill>
+                  <a:schemeClr val="tx1">
+                    <a:lumMod val="65000"/>
+                    <a:lumOff val="35000"/>
+                  </a:schemeClr>
+                </a:solidFill>
+                <a:latin typeface="微软雅黑" panose="020B0503020204020204" pitchFamily="34" charset="-122"/>
+                <a:ea typeface="微软雅黑" panose="020B0503020204020204" pitchFamily="34" charset="-122"/>
+              </a:rPr>
+              <a:t>用户态调用</a:t>
+            </a:r>
+            <a:r>
+              <a:rPr lang="en-US" altLang="zh-CN" dirty="0" err="1">
+                <a:solidFill>
+                  <a:schemeClr val="tx1">
+                    <a:lumMod val="65000"/>
+                    <a:lumOff val="35000"/>
+                  </a:schemeClr>
+                </a:solidFill>
+                <a:latin typeface="微软雅黑" panose="020B0503020204020204" pitchFamily="34" charset="-122"/>
+                <a:ea typeface="微软雅黑" panose="020B0503020204020204" pitchFamily="34" charset="-122"/>
+              </a:rPr>
+              <a:t>mach_msg</a:t>
+            </a:r>
+            <a:r>
+              <a:rPr lang="en-US" altLang="zh-CN" dirty="0">
+                <a:solidFill>
+                  <a:schemeClr val="tx1">
+                    <a:lumMod val="65000"/>
+                    <a:lumOff val="35000"/>
+                  </a:schemeClr>
+                </a:solidFill>
+                <a:latin typeface="微软雅黑" panose="020B0503020204020204" pitchFamily="34" charset="-122"/>
+                <a:ea typeface="微软雅黑" panose="020B0503020204020204" pitchFamily="34" charset="-122"/>
+              </a:rPr>
+              <a:t>(),</a:t>
+            </a:r>
+            <a:r>
+              <a:rPr lang="zh-CN" altLang="en-US" dirty="0">
+                <a:solidFill>
+                  <a:schemeClr val="tx1">
+                    <a:lumMod val="65000"/>
+                    <a:lumOff val="35000"/>
+                  </a:schemeClr>
+                </a:solidFill>
+                <a:latin typeface="微软雅黑" panose="020B0503020204020204" pitchFamily="34" charset="-122"/>
+                <a:ea typeface="微软雅黑" panose="020B0503020204020204" pitchFamily="34" charset="-122"/>
+              </a:rPr>
+              <a:t>会自动调用内核态的</a:t>
+            </a:r>
+            <a:r>
+              <a:rPr lang="en-US" altLang="zh-CN" dirty="0" err="1">
+                <a:solidFill>
+                  <a:schemeClr val="tx1">
+                    <a:lumMod val="65000"/>
+                    <a:lumOff val="35000"/>
+                  </a:schemeClr>
+                </a:solidFill>
+                <a:latin typeface="微软雅黑" panose="020B0503020204020204" pitchFamily="34" charset="-122"/>
+                <a:ea typeface="微软雅黑" panose="020B0503020204020204" pitchFamily="34" charset="-122"/>
+              </a:rPr>
+              <a:t>mach_msg</a:t>
+            </a:r>
+            <a:r>
+              <a:rPr lang="en-US" altLang="zh-CN" dirty="0">
+                <a:solidFill>
+                  <a:schemeClr val="tx1">
+                    <a:lumMod val="65000"/>
+                    <a:lumOff val="35000"/>
+                  </a:schemeClr>
+                </a:solidFill>
+                <a:latin typeface="微软雅黑" panose="020B0503020204020204" pitchFamily="34" charset="-122"/>
+                <a:ea typeface="微软雅黑" panose="020B0503020204020204" pitchFamily="34" charset="-122"/>
+              </a:rPr>
+              <a:t>(),</a:t>
+            </a:r>
+            <a:r>
+              <a:rPr lang="zh-CN" altLang="en-US" dirty="0">
+                <a:solidFill>
+                  <a:schemeClr val="tx1">
+                    <a:lumMod val="65000"/>
+                    <a:lumOff val="35000"/>
+                  </a:schemeClr>
+                </a:solidFill>
+                <a:latin typeface="微软雅黑" panose="020B0503020204020204" pitchFamily="34" charset="-122"/>
+                <a:ea typeface="微软雅黑" panose="020B0503020204020204" pitchFamily="34" charset="-122"/>
+              </a:rPr>
+              <a:t>内核态的这个</a:t>
+            </a:r>
+            <a:r>
+              <a:rPr lang="en-US" altLang="zh-CN" dirty="0" err="1">
+                <a:solidFill>
+                  <a:schemeClr val="tx1">
+                    <a:lumMod val="65000"/>
+                    <a:lumOff val="35000"/>
+                  </a:schemeClr>
+                </a:solidFill>
+                <a:latin typeface="微软雅黑" panose="020B0503020204020204" pitchFamily="34" charset="-122"/>
+                <a:ea typeface="微软雅黑" panose="020B0503020204020204" pitchFamily="34" charset="-122"/>
+              </a:rPr>
+              <a:t>mach_msg</a:t>
+            </a:r>
+            <a:r>
+              <a:rPr lang="en-US" altLang="zh-CN" dirty="0">
+                <a:solidFill>
+                  <a:schemeClr val="tx1">
+                    <a:lumMod val="65000"/>
+                    <a:lumOff val="35000"/>
+                  </a:schemeClr>
+                </a:solidFill>
+                <a:latin typeface="微软雅黑" panose="020B0503020204020204" pitchFamily="34" charset="-122"/>
+                <a:ea typeface="微软雅黑" panose="020B0503020204020204" pitchFamily="34" charset="-122"/>
+              </a:rPr>
+              <a:t>()</a:t>
+            </a:r>
+            <a:r>
+              <a:rPr lang="zh-CN" altLang="en-US" dirty="0">
+                <a:solidFill>
+                  <a:schemeClr val="tx1">
+                    <a:lumMod val="65000"/>
+                    <a:lumOff val="35000"/>
+                  </a:schemeClr>
+                </a:solidFill>
+                <a:latin typeface="微软雅黑" panose="020B0503020204020204" pitchFamily="34" charset="-122"/>
+                <a:ea typeface="微软雅黑" panose="020B0503020204020204" pitchFamily="34" charset="-122"/>
+              </a:rPr>
+              <a:t>函数内部真正实现</a:t>
+            </a:r>
+            <a:r>
+              <a:rPr lang="en-US" altLang="zh-CN" dirty="0">
+                <a:solidFill>
+                  <a:schemeClr val="tx1">
+                    <a:lumMod val="65000"/>
+                    <a:lumOff val="35000"/>
+                  </a:schemeClr>
+                </a:solidFill>
+                <a:latin typeface="微软雅黑" panose="020B0503020204020204" pitchFamily="34" charset="-122"/>
+                <a:ea typeface="微软雅黑" panose="020B0503020204020204" pitchFamily="34" charset="-122"/>
+              </a:rPr>
+              <a:t>RunLoop</a:t>
+            </a:r>
+            <a:r>
+              <a:rPr lang="zh-CN" altLang="en-US" dirty="0">
+                <a:solidFill>
+                  <a:schemeClr val="tx1">
+                    <a:lumMod val="65000"/>
+                    <a:lumOff val="35000"/>
+                  </a:schemeClr>
+                </a:solidFill>
+                <a:latin typeface="微软雅黑" panose="020B0503020204020204" pitchFamily="34" charset="-122"/>
+                <a:ea typeface="微软雅黑" panose="020B0503020204020204" pitchFamily="34" charset="-122"/>
+              </a:rPr>
+              <a:t>的休眠，当有消息的时候就唤醒</a:t>
+            </a:r>
+            <a:r>
+              <a:rPr lang="en-US" altLang="zh-CN" dirty="0">
+                <a:solidFill>
+                  <a:schemeClr val="tx1">
+                    <a:lumMod val="65000"/>
+                    <a:lumOff val="35000"/>
+                  </a:schemeClr>
+                </a:solidFill>
+                <a:latin typeface="微软雅黑" panose="020B0503020204020204" pitchFamily="34" charset="-122"/>
+                <a:ea typeface="微软雅黑" panose="020B0503020204020204" pitchFamily="34" charset="-122"/>
+              </a:rPr>
+              <a:t>RunLoop</a:t>
+            </a:r>
+            <a:r>
+              <a:rPr lang="zh-CN" altLang="en-US" dirty="0">
+                <a:solidFill>
+                  <a:schemeClr val="tx1">
+                    <a:lumMod val="65000"/>
+                    <a:lumOff val="35000"/>
+                  </a:schemeClr>
+                </a:solidFill>
+                <a:latin typeface="微软雅黑" panose="020B0503020204020204" pitchFamily="34" charset="-122"/>
+                <a:ea typeface="微软雅黑" panose="020B0503020204020204" pitchFamily="34" charset="-122"/>
+              </a:rPr>
+              <a:t>，从内核态切换成用户态。</a:t>
+            </a:r>
+            <a:endParaRPr lang="en-US" altLang="zh-CN" sz="1800" dirty="0">
               <a:solidFill>
                 <a:schemeClr val="tx1">
                   <a:lumMod val="65000"/>
@@ -11868,7 +12919,7 @@
           <a:lstStyle/>
           <a:p>
             <a:r>
-              <a:rPr lang="en-US" altLang="zh-CN">
+              <a:rPr lang="en-US" altLang="zh-CN" dirty="0">
                 <a:solidFill>
                   <a:schemeClr val="tx1">
                     <a:lumMod val="65000"/>
@@ -11879,7 +12930,7 @@
               <a:t>RunLoop</a:t>
             </a:r>
             <a:r>
-              <a:rPr lang="zh-CN" altLang="en-US">
+              <a:rPr lang="zh-CN" altLang="en-US" dirty="0">
                 <a:solidFill>
                   <a:schemeClr val="tx1">
                     <a:lumMod val="65000"/>
@@ -11889,7 +12940,7 @@
               </a:rPr>
               <a:t>在实际开中的应用</a:t>
             </a:r>
-            <a:endParaRPr lang="zh-CN" altLang="en-US"/>
+            <a:endParaRPr lang="zh-CN" altLang="en-US" dirty="0"/>
           </a:p>
         </p:txBody>
       </p:sp>
@@ -11954,6 +13005,689 @@
               <a:buFont typeface="Wingdings" charset="2"/>
               <a:buChar char="n"/>
             </a:pPr>
+            <a:r>
+              <a:rPr lang="zh-CN" altLang="en-US" sz="1400" dirty="0">
+                <a:solidFill>
+                  <a:schemeClr val="tx1">
+                    <a:lumMod val="65000"/>
+                    <a:lumOff val="35000"/>
+                  </a:schemeClr>
+                </a:solidFill>
+                <a:latin typeface="微软雅黑" panose="020B0503020204020204" pitchFamily="34" charset="-122"/>
+                <a:ea typeface="微软雅黑" panose="020B0503020204020204" pitchFamily="34" charset="-122"/>
+              </a:rPr>
+              <a:t>线程保活的实现：</a:t>
+            </a:r>
+            <a:endParaRPr lang="en-US" altLang="zh-CN" sz="1400" dirty="0">
+              <a:solidFill>
+                <a:schemeClr val="tx1">
+                  <a:lumMod val="65000"/>
+                  <a:lumOff val="35000"/>
+                </a:schemeClr>
+              </a:solidFill>
+              <a:latin typeface="微软雅黑" panose="020B0503020204020204" pitchFamily="34" charset="-122"/>
+              <a:ea typeface="微软雅黑" panose="020B0503020204020204" pitchFamily="34" charset="-122"/>
+            </a:endParaRPr>
+          </a:p>
+          <a:p>
+            <a:pPr marL="342900" indent="-342900">
+              <a:lnSpc>
+                <a:spcPts val="2200"/>
+              </a:lnSpc>
+              <a:buFont typeface="Wingdings" charset="2"/>
+              <a:buChar char="n"/>
+            </a:pPr>
+            <a:r>
+              <a:rPr lang="zh-CN" altLang="en-US" sz="1400" dirty="0">
+                <a:solidFill>
+                  <a:schemeClr val="tx1">
+                    <a:lumMod val="65000"/>
+                    <a:lumOff val="35000"/>
+                  </a:schemeClr>
+                </a:solidFill>
+                <a:latin typeface="微软雅黑" panose="020B0503020204020204" pitchFamily="34" charset="-122"/>
+                <a:ea typeface="微软雅黑" panose="020B0503020204020204" pitchFamily="34" charset="-122"/>
+              </a:rPr>
+              <a:t>不能直接用</a:t>
+            </a:r>
+            <a:r>
+              <a:rPr lang="en-US" altLang="zh-CN" sz="1400" dirty="0">
+                <a:solidFill>
+                  <a:schemeClr val="tx1">
+                    <a:lumMod val="65000"/>
+                    <a:lumOff val="35000"/>
+                  </a:schemeClr>
+                </a:solidFill>
+                <a:latin typeface="微软雅黑" panose="020B0503020204020204" pitchFamily="34" charset="-122"/>
+                <a:ea typeface="微软雅黑" panose="020B0503020204020204" pitchFamily="34" charset="-122"/>
+              </a:rPr>
+              <a:t>run</a:t>
+            </a:r>
+            <a:r>
+              <a:rPr lang="zh-CN" altLang="en-US" sz="1400" dirty="0">
+                <a:solidFill>
+                  <a:schemeClr val="tx1">
+                    <a:lumMod val="65000"/>
+                    <a:lumOff val="35000"/>
+                  </a:schemeClr>
+                </a:solidFill>
+                <a:latin typeface="微软雅黑" panose="020B0503020204020204" pitchFamily="34" charset="-122"/>
+                <a:ea typeface="微软雅黑" panose="020B0503020204020204" pitchFamily="34" charset="-122"/>
+              </a:rPr>
+              <a:t>方法，要用</a:t>
+            </a:r>
+            <a:r>
+              <a:rPr lang="en-US" altLang="zh-CN" sz="1400" dirty="0" err="1">
+                <a:solidFill>
+                  <a:schemeClr val="tx1">
+                    <a:lumMod val="65000"/>
+                    <a:lumOff val="35000"/>
+                  </a:schemeClr>
+                </a:solidFill>
+                <a:latin typeface="微软雅黑" panose="020B0503020204020204" pitchFamily="34" charset="-122"/>
+                <a:ea typeface="微软雅黑" panose="020B0503020204020204" pitchFamily="34" charset="-122"/>
+              </a:rPr>
+              <a:t>runMode:beforeDate</a:t>
+            </a:r>
+            <a:r>
+              <a:rPr lang="zh-CN" altLang="en-US" sz="1400" dirty="0">
+                <a:solidFill>
+                  <a:schemeClr val="tx1">
+                    <a:lumMod val="65000"/>
+                    <a:lumOff val="35000"/>
+                  </a:schemeClr>
+                </a:solidFill>
+                <a:latin typeface="微软雅黑" panose="020B0503020204020204" pitchFamily="34" charset="-122"/>
+                <a:ea typeface="微软雅黑" panose="020B0503020204020204" pitchFamily="34" charset="-122"/>
+              </a:rPr>
+              <a:t>：方法</a:t>
+            </a:r>
+            <a:endParaRPr lang="en-US" altLang="zh-CN" sz="1400" dirty="0">
+              <a:solidFill>
+                <a:schemeClr val="tx1">
+                  <a:lumMod val="65000"/>
+                  <a:lumOff val="35000"/>
+                </a:schemeClr>
+              </a:solidFill>
+              <a:latin typeface="微软雅黑" panose="020B0503020204020204" pitchFamily="34" charset="-122"/>
+              <a:ea typeface="微软雅黑" panose="020B0503020204020204" pitchFamily="34" charset="-122"/>
+            </a:endParaRPr>
+          </a:p>
+          <a:p>
+            <a:pPr marL="342900" indent="-342900">
+              <a:lnSpc>
+                <a:spcPts val="2200"/>
+              </a:lnSpc>
+              <a:buFont typeface="Wingdings" charset="2"/>
+              <a:buChar char="n"/>
+            </a:pPr>
+            <a:r>
+              <a:rPr lang="zh-CN" altLang="en-US" sz="1400" dirty="0">
+                <a:solidFill>
+                  <a:schemeClr val="tx1">
+                    <a:lumMod val="65000"/>
+                    <a:lumOff val="35000"/>
+                  </a:schemeClr>
+                </a:solidFill>
+                <a:latin typeface="微软雅黑" panose="020B0503020204020204" pitchFamily="34" charset="-122"/>
+                <a:ea typeface="微软雅黑" panose="020B0503020204020204" pitchFamily="34" charset="-122"/>
+              </a:rPr>
+              <a:t>因为</a:t>
+            </a:r>
+            <a:r>
+              <a:rPr lang="en-US" altLang="zh-CN" sz="1400" dirty="0">
+                <a:solidFill>
+                  <a:schemeClr val="tx1">
+                    <a:lumMod val="65000"/>
+                    <a:lumOff val="35000"/>
+                  </a:schemeClr>
+                </a:solidFill>
+                <a:latin typeface="微软雅黑" panose="020B0503020204020204" pitchFamily="34" charset="-122"/>
+                <a:ea typeface="微软雅黑" panose="020B0503020204020204" pitchFamily="34" charset="-122"/>
+              </a:rPr>
+              <a:t>run</a:t>
+            </a:r>
+            <a:r>
+              <a:rPr lang="zh-CN" altLang="en-US" sz="1400" dirty="0">
+                <a:solidFill>
+                  <a:schemeClr val="tx1">
+                    <a:lumMod val="65000"/>
+                    <a:lumOff val="35000"/>
+                  </a:schemeClr>
+                </a:solidFill>
+                <a:latin typeface="微软雅黑" panose="020B0503020204020204" pitchFamily="34" charset="-122"/>
+                <a:ea typeface="微软雅黑" panose="020B0503020204020204" pitchFamily="34" charset="-122"/>
+              </a:rPr>
+              <a:t>方法内部是类似开启一个</a:t>
+            </a:r>
+            <a:r>
+              <a:rPr lang="en-US" altLang="zh-CN" sz="1400" dirty="0">
+                <a:solidFill>
+                  <a:schemeClr val="tx1">
+                    <a:lumMod val="65000"/>
+                    <a:lumOff val="35000"/>
+                  </a:schemeClr>
+                </a:solidFill>
+                <a:latin typeface="微软雅黑" panose="020B0503020204020204" pitchFamily="34" charset="-122"/>
+                <a:ea typeface="微软雅黑" panose="020B0503020204020204" pitchFamily="34" charset="-122"/>
+              </a:rPr>
+              <a:t>while</a:t>
+            </a:r>
+            <a:r>
+              <a:rPr lang="zh-CN" altLang="en-US" sz="1400" dirty="0">
+                <a:solidFill>
+                  <a:schemeClr val="tx1">
+                    <a:lumMod val="65000"/>
+                    <a:lumOff val="35000"/>
+                  </a:schemeClr>
+                </a:solidFill>
+                <a:latin typeface="微软雅黑" panose="020B0503020204020204" pitchFamily="34" charset="-122"/>
+                <a:ea typeface="微软雅黑" panose="020B0503020204020204" pitchFamily="34" charset="-122"/>
+              </a:rPr>
+              <a:t>循环，内部调用了</a:t>
+            </a:r>
+            <a:r>
+              <a:rPr lang="en-US" altLang="zh-CN" sz="1400" dirty="0" err="1">
+                <a:solidFill>
+                  <a:schemeClr val="tx1">
+                    <a:lumMod val="65000"/>
+                    <a:lumOff val="35000"/>
+                  </a:schemeClr>
+                </a:solidFill>
+                <a:latin typeface="微软雅黑" panose="020B0503020204020204" pitchFamily="34" charset="-122"/>
+                <a:ea typeface="微软雅黑" panose="020B0503020204020204" pitchFamily="34" charset="-122"/>
+              </a:rPr>
+              <a:t>runMode:beforeDate</a:t>
+            </a:r>
+            <a:r>
+              <a:rPr lang="zh-CN" altLang="en-US" sz="1400" dirty="0">
+                <a:solidFill>
+                  <a:schemeClr val="tx1">
+                    <a:lumMod val="65000"/>
+                    <a:lumOff val="35000"/>
+                  </a:schemeClr>
+                </a:solidFill>
+                <a:latin typeface="微软雅黑" panose="020B0503020204020204" pitchFamily="34" charset="-122"/>
+                <a:ea typeface="微软雅黑" panose="020B0503020204020204" pitchFamily="34" charset="-122"/>
+              </a:rPr>
+              <a:t>：方法，我们要自己控制这个</a:t>
+            </a:r>
+            <a:r>
+              <a:rPr lang="en-US" altLang="zh-CN" sz="1400" dirty="0">
+                <a:solidFill>
+                  <a:schemeClr val="tx1">
+                    <a:lumMod val="65000"/>
+                    <a:lumOff val="35000"/>
+                  </a:schemeClr>
+                </a:solidFill>
+                <a:latin typeface="微软雅黑" panose="020B0503020204020204" pitchFamily="34" charset="-122"/>
+                <a:ea typeface="微软雅黑" panose="020B0503020204020204" pitchFamily="34" charset="-122"/>
+              </a:rPr>
+              <a:t>while</a:t>
+            </a:r>
+            <a:r>
+              <a:rPr lang="zh-CN" altLang="en-US" sz="1400" dirty="0">
+                <a:solidFill>
+                  <a:schemeClr val="tx1">
+                    <a:lumMod val="65000"/>
+                    <a:lumOff val="35000"/>
+                  </a:schemeClr>
+                </a:solidFill>
+                <a:latin typeface="微软雅黑" panose="020B0503020204020204" pitchFamily="34" charset="-122"/>
+                <a:ea typeface="微软雅黑" panose="020B0503020204020204" pitchFamily="34" charset="-122"/>
+              </a:rPr>
+              <a:t>循环的结束条件。</a:t>
+            </a:r>
+            <a:endParaRPr lang="en-US" altLang="zh-CN" sz="1400" dirty="0">
+              <a:solidFill>
+                <a:schemeClr val="tx1">
+                  <a:lumMod val="65000"/>
+                  <a:lumOff val="35000"/>
+                </a:schemeClr>
+              </a:solidFill>
+              <a:latin typeface="微软雅黑" panose="020B0503020204020204" pitchFamily="34" charset="-122"/>
+              <a:ea typeface="微软雅黑" panose="020B0503020204020204" pitchFamily="34" charset="-122"/>
+            </a:endParaRPr>
+          </a:p>
+          <a:p>
+            <a:pPr marL="342900" indent="-342900">
+              <a:lnSpc>
+                <a:spcPts val="2200"/>
+              </a:lnSpc>
+              <a:buFont typeface="Wingdings" charset="2"/>
+              <a:buChar char="n"/>
+            </a:pPr>
+            <a:r>
+              <a:rPr lang="zh-CN" altLang="en-US" sz="1400" dirty="0">
+                <a:solidFill>
+                  <a:schemeClr val="tx1">
+                    <a:lumMod val="65000"/>
+                    <a:lumOff val="35000"/>
+                  </a:schemeClr>
+                </a:solidFill>
+                <a:latin typeface="微软雅黑" panose="020B0503020204020204" pitchFamily="34" charset="-122"/>
+                <a:ea typeface="微软雅黑" panose="020B0503020204020204" pitchFamily="34" charset="-122"/>
+              </a:rPr>
+              <a:t>自己写个</a:t>
+            </a:r>
+            <a:r>
+              <a:rPr lang="en-US" altLang="zh-CN" sz="1400" dirty="0">
+                <a:solidFill>
+                  <a:schemeClr val="tx1">
+                    <a:lumMod val="65000"/>
+                    <a:lumOff val="35000"/>
+                  </a:schemeClr>
+                </a:solidFill>
+                <a:latin typeface="微软雅黑" panose="020B0503020204020204" pitchFamily="34" charset="-122"/>
+                <a:ea typeface="微软雅黑" panose="020B0503020204020204" pitchFamily="34" charset="-122"/>
+              </a:rPr>
+              <a:t>while</a:t>
+            </a:r>
+            <a:r>
+              <a:rPr lang="zh-CN" altLang="en-US" sz="1400" dirty="0">
+                <a:solidFill>
+                  <a:schemeClr val="tx1">
+                    <a:lumMod val="65000"/>
+                    <a:lumOff val="35000"/>
+                  </a:schemeClr>
+                </a:solidFill>
+                <a:latin typeface="微软雅黑" panose="020B0503020204020204" pitchFamily="34" charset="-122"/>
+                <a:ea typeface="微软雅黑" panose="020B0503020204020204" pitchFamily="34" charset="-122"/>
+              </a:rPr>
+              <a:t>循环（</a:t>
+            </a:r>
+            <a:r>
+              <a:rPr lang="en" altLang="zh-CN" sz="1400" dirty="0">
+                <a:solidFill>
+                  <a:schemeClr val="tx1">
+                    <a:lumMod val="65000"/>
+                    <a:lumOff val="35000"/>
+                  </a:schemeClr>
+                </a:solidFill>
+                <a:latin typeface="微软雅黑" panose="020B0503020204020204" pitchFamily="34" charset="-122"/>
+                <a:ea typeface="微软雅黑" panose="020B0503020204020204" pitchFamily="34" charset="-122"/>
+              </a:rPr>
+              <a:t> </a:t>
+            </a:r>
+            <a:r>
+              <a:rPr lang="en-US" altLang="zh-CN" sz="1400" dirty="0">
+                <a:solidFill>
+                  <a:schemeClr val="tx1">
+                    <a:lumMod val="65000"/>
+                    <a:lumOff val="35000"/>
+                  </a:schemeClr>
+                </a:solidFill>
+                <a:latin typeface="微软雅黑" panose="020B0503020204020204" pitchFamily="34" charset="-122"/>
+                <a:ea typeface="微软雅黑" panose="020B0503020204020204" pitchFamily="34" charset="-122"/>
+              </a:rPr>
+              <a:t>k</a:t>
+            </a:r>
+            <a:r>
+              <a:rPr lang="en" altLang="zh-CN" sz="1400" dirty="0" err="1">
+                <a:solidFill>
+                  <a:schemeClr val="tx1">
+                    <a:lumMod val="65000"/>
+                    <a:lumOff val="35000"/>
+                  </a:schemeClr>
+                </a:solidFill>
+                <a:latin typeface="微软雅黑" panose="020B0503020204020204" pitchFamily="34" charset="-122"/>
+                <a:ea typeface="微软雅黑" panose="020B0503020204020204" pitchFamily="34" charset="-122"/>
+              </a:rPr>
+              <a:t>eepRunning</a:t>
+            </a:r>
+            <a:r>
+              <a:rPr lang="zh-CN" altLang="en-US" sz="1400" dirty="0">
+                <a:solidFill>
+                  <a:schemeClr val="tx1">
+                    <a:lumMod val="65000"/>
+                    <a:lumOff val="35000"/>
+                  </a:schemeClr>
+                </a:solidFill>
+                <a:latin typeface="微软雅黑" panose="020B0503020204020204" pitchFamily="34" charset="-122"/>
+                <a:ea typeface="微软雅黑" panose="020B0503020204020204" pitchFamily="34" charset="-122"/>
+              </a:rPr>
+              <a:t>），手动控制</a:t>
+            </a:r>
+            <a:r>
+              <a:rPr lang="en-US" altLang="zh-CN" sz="1400" dirty="0" err="1">
+                <a:solidFill>
+                  <a:schemeClr val="tx1">
+                    <a:lumMod val="65000"/>
+                    <a:lumOff val="35000"/>
+                  </a:schemeClr>
+                </a:solidFill>
+                <a:latin typeface="微软雅黑" panose="020B0503020204020204" pitchFamily="34" charset="-122"/>
+                <a:ea typeface="微软雅黑" panose="020B0503020204020204" pitchFamily="34" charset="-122"/>
+              </a:rPr>
+              <a:t>runLoop</a:t>
+            </a:r>
+            <a:r>
+              <a:rPr lang="zh-CN" altLang="en-US" sz="1400" dirty="0">
+                <a:solidFill>
+                  <a:schemeClr val="tx1">
+                    <a:lumMod val="65000"/>
+                    <a:lumOff val="35000"/>
+                  </a:schemeClr>
+                </a:solidFill>
+                <a:latin typeface="微软雅黑" panose="020B0503020204020204" pitchFamily="34" charset="-122"/>
+                <a:ea typeface="微软雅黑" panose="020B0503020204020204" pitchFamily="34" charset="-122"/>
+              </a:rPr>
+              <a:t>的执行，</a:t>
+            </a:r>
+            <a:r>
+              <a:rPr lang="en-US" altLang="zh-CN" sz="1400" dirty="0">
+                <a:solidFill>
+                  <a:schemeClr val="tx1">
+                    <a:lumMod val="65000"/>
+                    <a:lumOff val="35000"/>
+                  </a:schemeClr>
+                </a:solidFill>
+                <a:latin typeface="微软雅黑" panose="020B0503020204020204" pitchFamily="34" charset="-122"/>
+                <a:ea typeface="微软雅黑" panose="020B0503020204020204" pitchFamily="34" charset="-122"/>
+              </a:rPr>
+              <a:t>stop</a:t>
+            </a:r>
+            <a:r>
+              <a:rPr lang="zh-CN" altLang="en-US" sz="1400" dirty="0">
+                <a:solidFill>
+                  <a:schemeClr val="tx1">
+                    <a:lumMod val="65000"/>
+                    <a:lumOff val="35000"/>
+                  </a:schemeClr>
+                </a:solidFill>
+                <a:latin typeface="微软雅黑" panose="020B0503020204020204" pitchFamily="34" charset="-122"/>
+                <a:ea typeface="微软雅黑" panose="020B0503020204020204" pitchFamily="34" charset="-122"/>
+              </a:rPr>
+              <a:t>方法仍然需要调用：</a:t>
+            </a:r>
+            <a:r>
+              <a:rPr lang="en" altLang="zh-CN" sz="1400" dirty="0">
+                <a:solidFill>
+                  <a:schemeClr val="tx1">
+                    <a:lumMod val="65000"/>
+                    <a:lumOff val="35000"/>
+                  </a:schemeClr>
+                </a:solidFill>
+                <a:latin typeface="微软雅黑" panose="020B0503020204020204" pitchFamily="34" charset="-122"/>
+                <a:ea typeface="微软雅黑" panose="020B0503020204020204" pitchFamily="34" charset="-122"/>
+              </a:rPr>
+              <a:t> </a:t>
+            </a:r>
+            <a:r>
+              <a:rPr lang="en" altLang="zh-CN" sz="1400" dirty="0" err="1">
+                <a:solidFill>
+                  <a:schemeClr val="tx1">
+                    <a:lumMod val="65000"/>
+                    <a:lumOff val="35000"/>
+                  </a:schemeClr>
+                </a:solidFill>
+                <a:latin typeface="微软雅黑" panose="020B0503020204020204" pitchFamily="34" charset="-122"/>
+                <a:ea typeface="微软雅黑" panose="020B0503020204020204" pitchFamily="34" charset="-122"/>
+              </a:rPr>
+              <a:t>CFRunLoopStop</a:t>
+            </a:r>
+            <a:r>
+              <a:rPr lang="en" altLang="zh-CN" sz="1400" dirty="0">
+                <a:solidFill>
+                  <a:schemeClr val="tx1">
+                    <a:lumMod val="65000"/>
+                    <a:lumOff val="35000"/>
+                  </a:schemeClr>
+                </a:solidFill>
+                <a:latin typeface="微软雅黑" panose="020B0503020204020204" pitchFamily="34" charset="-122"/>
+                <a:ea typeface="微软雅黑" panose="020B0503020204020204" pitchFamily="34" charset="-122"/>
+              </a:rPr>
+              <a:t>(</a:t>
+            </a:r>
+            <a:r>
+              <a:rPr lang="en" altLang="zh-CN" sz="1400" dirty="0" err="1">
+                <a:solidFill>
+                  <a:schemeClr val="tx1">
+                    <a:lumMod val="65000"/>
+                    <a:lumOff val="35000"/>
+                  </a:schemeClr>
+                </a:solidFill>
+                <a:latin typeface="微软雅黑" panose="020B0503020204020204" pitchFamily="34" charset="-122"/>
+                <a:ea typeface="微软雅黑" panose="020B0503020204020204" pitchFamily="34" charset="-122"/>
+              </a:rPr>
+              <a:t>CFRunLoopGetCurrent</a:t>
+            </a:r>
+            <a:r>
+              <a:rPr lang="en" altLang="zh-CN" sz="1400" dirty="0">
+                <a:solidFill>
+                  <a:schemeClr val="tx1">
+                    <a:lumMod val="65000"/>
+                    <a:lumOff val="35000"/>
+                  </a:schemeClr>
+                </a:solidFill>
+                <a:latin typeface="微软雅黑" panose="020B0503020204020204" pitchFamily="34" charset="-122"/>
+                <a:ea typeface="微软雅黑" panose="020B0503020204020204" pitchFamily="34" charset="-122"/>
+              </a:rPr>
+              <a:t>());</a:t>
+            </a:r>
+          </a:p>
+          <a:p>
+            <a:pPr marL="342900" indent="-342900">
+              <a:lnSpc>
+                <a:spcPts val="2200"/>
+              </a:lnSpc>
+              <a:buFont typeface="Wingdings" charset="2"/>
+              <a:buChar char="n"/>
+            </a:pPr>
+            <a:r>
+              <a:rPr lang="zh-CN" altLang="en" sz="1400" dirty="0">
+                <a:solidFill>
+                  <a:srgbClr val="FF0000"/>
+                </a:solidFill>
+                <a:latin typeface="微软雅黑" panose="020B0503020204020204" pitchFamily="34" charset="-122"/>
+                <a:ea typeface="微软雅黑" panose="020B0503020204020204" pitchFamily="34" charset="-122"/>
+              </a:rPr>
+              <a:t>补充</a:t>
+            </a:r>
+            <a:r>
+              <a:rPr lang="zh-CN" altLang="en-US" sz="1400" dirty="0">
+                <a:solidFill>
+                  <a:srgbClr val="FF0000"/>
+                </a:solidFill>
+                <a:latin typeface="微软雅黑" panose="020B0503020204020204" pitchFamily="34" charset="-122"/>
+                <a:ea typeface="微软雅黑" panose="020B0503020204020204" pitchFamily="34" charset="-122"/>
+              </a:rPr>
+              <a:t>：</a:t>
+            </a:r>
+            <a:r>
+              <a:rPr lang="en-US" altLang="zh-CN" sz="1400" dirty="0">
+                <a:solidFill>
+                  <a:srgbClr val="FF0000"/>
+                </a:solidFill>
+                <a:latin typeface="微软雅黑" panose="020B0503020204020204" pitchFamily="34" charset="-122"/>
+                <a:ea typeface="微软雅黑" panose="020B0503020204020204" pitchFamily="34" charset="-122"/>
+              </a:rPr>
+              <a:t>AFN2.0</a:t>
+            </a:r>
+            <a:r>
+              <a:rPr lang="zh-CN" altLang="en-US" sz="1400" dirty="0">
+                <a:solidFill>
+                  <a:srgbClr val="FF0000"/>
+                </a:solidFill>
+                <a:latin typeface="微软雅黑" panose="020B0503020204020204" pitchFamily="34" charset="-122"/>
+                <a:ea typeface="微软雅黑" panose="020B0503020204020204" pitchFamily="34" charset="-122"/>
+              </a:rPr>
+              <a:t>基于</a:t>
+            </a:r>
+            <a:r>
+              <a:rPr lang="en" altLang="zh-CN" sz="1400" dirty="0" err="1">
+                <a:solidFill>
+                  <a:srgbClr val="FF0000"/>
+                </a:solidFill>
+                <a:latin typeface="微软雅黑" panose="020B0503020204020204" pitchFamily="34" charset="-122"/>
+                <a:ea typeface="微软雅黑" panose="020B0503020204020204" pitchFamily="34" charset="-122"/>
+              </a:rPr>
+              <a:t>NSURLConnection</a:t>
+            </a:r>
+            <a:r>
+              <a:rPr lang="zh-CN" altLang="en-US" sz="1400" dirty="0">
+                <a:solidFill>
+                  <a:srgbClr val="FF0000"/>
+                </a:solidFill>
+                <a:latin typeface="微软雅黑" panose="020B0503020204020204" pitchFamily="34" charset="-122"/>
+                <a:ea typeface="微软雅黑" panose="020B0503020204020204" pitchFamily="34" charset="-122"/>
+              </a:rPr>
+              <a:t>，需要线程保活，</a:t>
+            </a:r>
+            <a:r>
+              <a:rPr lang="en-US" altLang="zh-CN" sz="1400" dirty="0">
+                <a:solidFill>
+                  <a:srgbClr val="FF0000"/>
+                </a:solidFill>
+                <a:latin typeface="微软雅黑" panose="020B0503020204020204" pitchFamily="34" charset="-122"/>
+                <a:ea typeface="微软雅黑" panose="020B0503020204020204" pitchFamily="34" charset="-122"/>
+              </a:rPr>
+              <a:t>AFN3.0</a:t>
+            </a:r>
+            <a:r>
+              <a:rPr lang="zh-CN" altLang="en-US" sz="1400" dirty="0">
+                <a:solidFill>
+                  <a:srgbClr val="FF0000"/>
+                </a:solidFill>
+                <a:latin typeface="微软雅黑" panose="020B0503020204020204" pitchFamily="34" charset="-122"/>
+                <a:ea typeface="微软雅黑" panose="020B0503020204020204" pitchFamily="34" charset="-122"/>
+              </a:rPr>
+              <a:t>是基于</a:t>
+            </a:r>
+            <a:r>
+              <a:rPr lang="en" altLang="zh-CN" sz="1400" dirty="0" err="1">
+                <a:solidFill>
+                  <a:srgbClr val="FF0000"/>
+                </a:solidFill>
+                <a:latin typeface="微软雅黑" panose="020B0503020204020204" pitchFamily="34" charset="-122"/>
+                <a:ea typeface="微软雅黑" panose="020B0503020204020204" pitchFamily="34" charset="-122"/>
+              </a:rPr>
+              <a:t>NSUrlSession</a:t>
+            </a:r>
+            <a:r>
+              <a:rPr lang="zh-CN" altLang="en-US" sz="1400" dirty="0">
+                <a:solidFill>
+                  <a:srgbClr val="FF0000"/>
+                </a:solidFill>
+                <a:latin typeface="微软雅黑" panose="020B0503020204020204" pitchFamily="34" charset="-122"/>
+                <a:ea typeface="微软雅黑" panose="020B0503020204020204" pitchFamily="34" charset="-122"/>
+              </a:rPr>
+              <a:t>，</a:t>
+            </a:r>
+            <a:r>
+              <a:rPr lang="en" altLang="zh-CN" sz="1400" dirty="0" err="1">
+                <a:solidFill>
+                  <a:srgbClr val="FF0000"/>
+                </a:solidFill>
+                <a:latin typeface="微软雅黑" panose="020B0503020204020204" pitchFamily="34" charset="-122"/>
+                <a:ea typeface="微软雅黑" panose="020B0503020204020204" pitchFamily="34" charset="-122"/>
+              </a:rPr>
+              <a:t>NSUrlSession</a:t>
+            </a:r>
+            <a:r>
+              <a:rPr lang="zh-CN" altLang="en-US" sz="1400" dirty="0">
+                <a:solidFill>
+                  <a:srgbClr val="FF0000"/>
+                </a:solidFill>
+                <a:latin typeface="微软雅黑" panose="020B0503020204020204" pitchFamily="34" charset="-122"/>
+                <a:ea typeface="微软雅黑" panose="020B0503020204020204" pitchFamily="34" charset="-122"/>
+              </a:rPr>
+              <a:t>维护了一个线程池，用来做</a:t>
+            </a:r>
+            <a:r>
+              <a:rPr lang="en" altLang="zh-CN" sz="1400" dirty="0">
+                <a:solidFill>
+                  <a:srgbClr val="FF0000"/>
+                </a:solidFill>
+                <a:latin typeface="微软雅黑" panose="020B0503020204020204" pitchFamily="34" charset="-122"/>
+                <a:ea typeface="微软雅黑" panose="020B0503020204020204" pitchFamily="34" charset="-122"/>
+              </a:rPr>
+              <a:t>Request</a:t>
+            </a:r>
+            <a:r>
+              <a:rPr lang="zh-CN" altLang="en-US" sz="1400" dirty="0">
+                <a:solidFill>
+                  <a:srgbClr val="FF0000"/>
+                </a:solidFill>
+                <a:latin typeface="微软雅黑" panose="020B0503020204020204" pitchFamily="34" charset="-122"/>
+                <a:ea typeface="微软雅黑" panose="020B0503020204020204" pitchFamily="34" charset="-122"/>
+              </a:rPr>
+              <a:t>线程的调度与管理，所以不再需要常驻线程。</a:t>
+            </a:r>
+            <a:endParaRPr lang="en" altLang="zh-CN" sz="1400" dirty="0">
+              <a:solidFill>
+                <a:srgbClr val="FF0000"/>
+              </a:solidFill>
+              <a:latin typeface="微软雅黑" panose="020B0503020204020204" pitchFamily="34" charset="-122"/>
+              <a:ea typeface="微软雅黑" panose="020B0503020204020204" pitchFamily="34" charset="-122"/>
+            </a:endParaRPr>
+          </a:p>
+          <a:p>
+            <a:pPr marL="342900" indent="-342900">
+              <a:lnSpc>
+                <a:spcPts val="2200"/>
+              </a:lnSpc>
+              <a:buFont typeface="Wingdings" charset="2"/>
+              <a:buChar char="n"/>
+            </a:pPr>
+            <a:endParaRPr lang="en-US" altLang="zh-CN" sz="1400" dirty="0">
+              <a:solidFill>
+                <a:schemeClr val="tx1">
+                  <a:lumMod val="65000"/>
+                  <a:lumOff val="35000"/>
+                </a:schemeClr>
+              </a:solidFill>
+              <a:latin typeface="微软雅黑" panose="020B0503020204020204" pitchFamily="34" charset="-122"/>
+              <a:ea typeface="微软雅黑" panose="020B0503020204020204" pitchFamily="34" charset="-122"/>
+            </a:endParaRPr>
+          </a:p>
+          <a:p>
+            <a:pPr marL="342900" indent="-342900">
+              <a:lnSpc>
+                <a:spcPts val="2200"/>
+              </a:lnSpc>
+              <a:buFont typeface="Wingdings" charset="2"/>
+              <a:buChar char="n"/>
+            </a:pPr>
+            <a:r>
+              <a:rPr lang="zh-CN" altLang="en-US" sz="1600" dirty="0">
+                <a:solidFill>
+                  <a:schemeClr val="tx1">
+                    <a:lumMod val="65000"/>
+                    <a:lumOff val="35000"/>
+                  </a:schemeClr>
+                </a:solidFill>
+                <a:latin typeface="微软雅黑" panose="020B0503020204020204" pitchFamily="34" charset="-122"/>
+                <a:ea typeface="微软雅黑" panose="020B0503020204020204" pitchFamily="34" charset="-122"/>
+              </a:rPr>
+              <a:t>解决</a:t>
+            </a:r>
+            <a:r>
+              <a:rPr lang="en-US" altLang="zh-CN" sz="1600" dirty="0">
+                <a:solidFill>
+                  <a:schemeClr val="tx1">
+                    <a:lumMod val="65000"/>
+                    <a:lumOff val="35000"/>
+                  </a:schemeClr>
+                </a:solidFill>
+                <a:latin typeface="微软雅黑" panose="020B0503020204020204" pitchFamily="34" charset="-122"/>
+                <a:ea typeface="微软雅黑" panose="020B0503020204020204" pitchFamily="34" charset="-122"/>
+              </a:rPr>
+              <a:t>NSTimer</a:t>
+            </a:r>
+            <a:r>
+              <a:rPr lang="zh-CN" altLang="en-US" sz="1600" dirty="0">
+                <a:solidFill>
+                  <a:schemeClr val="tx1">
+                    <a:lumMod val="65000"/>
+                    <a:lumOff val="35000"/>
+                  </a:schemeClr>
+                </a:solidFill>
+                <a:latin typeface="微软雅黑" panose="020B0503020204020204" pitchFamily="34" charset="-122"/>
+                <a:ea typeface="微软雅黑" panose="020B0503020204020204" pitchFamily="34" charset="-122"/>
+              </a:rPr>
+              <a:t>在滑动时停止工作的问题</a:t>
+            </a:r>
             <a:endParaRPr lang="en-US" altLang="zh-CN" sz="1600" dirty="0">
               <a:solidFill>
                 <a:schemeClr val="tx1">
@@ -11974,45 +13708,128 @@
               <a:buChar char="n"/>
             </a:pPr>
             <a:r>
-              <a:rPr lang="zh-CN" altLang="en-US" sz="1600" dirty="0">
-                <a:solidFill>
-                  <a:schemeClr val="tx1">
-                    <a:lumMod val="65000"/>
-                    <a:lumOff val="35000"/>
-                  </a:schemeClr>
-                </a:solidFill>
-                <a:latin typeface="微软雅黑" panose="020B0503020204020204" pitchFamily="34" charset="-122"/>
-                <a:ea typeface="微软雅黑" panose="020B0503020204020204" pitchFamily="34" charset="-122"/>
-              </a:rPr>
-              <a:t>解决</a:t>
-            </a:r>
-            <a:r>
-              <a:rPr lang="en-US" altLang="zh-CN" sz="1600" dirty="0" err="1">
-                <a:solidFill>
-                  <a:schemeClr val="tx1">
-                    <a:lumMod val="65000"/>
-                    <a:lumOff val="35000"/>
-                  </a:schemeClr>
-                </a:solidFill>
-                <a:latin typeface="微软雅黑" panose="020B0503020204020204" pitchFamily="34" charset="-122"/>
-                <a:ea typeface="微软雅黑" panose="020B0503020204020204" pitchFamily="34" charset="-122"/>
-              </a:rPr>
-              <a:t>NSTimer</a:t>
-            </a:r>
-            <a:r>
-              <a:rPr lang="zh-CN" altLang="en-US" sz="1600" dirty="0">
-                <a:solidFill>
-                  <a:schemeClr val="tx1">
-                    <a:lumMod val="65000"/>
-                    <a:lumOff val="35000"/>
-                  </a:schemeClr>
-                </a:solidFill>
-                <a:latin typeface="微软雅黑" panose="020B0503020204020204" pitchFamily="34" charset="-122"/>
-                <a:ea typeface="微软雅黑" panose="020B0503020204020204" pitchFamily="34" charset="-122"/>
-              </a:rPr>
-              <a:t>在滑动时停止工作的问题</a:t>
-            </a:r>
-            <a:endParaRPr lang="en-US" altLang="zh-CN" sz="1600">
+              <a:rPr lang="zh-CN" altLang="en-US" sz="1400" dirty="0">
+                <a:solidFill>
+                  <a:schemeClr val="tx1">
+                    <a:lumMod val="65000"/>
+                    <a:lumOff val="35000"/>
+                  </a:schemeClr>
+                </a:solidFill>
+                <a:latin typeface="微软雅黑" panose="020B0503020204020204" pitchFamily="34" charset="-122"/>
+                <a:ea typeface="微软雅黑" panose="020B0503020204020204" pitchFamily="34" charset="-122"/>
+              </a:rPr>
+              <a:t>两种方法解决：</a:t>
+            </a:r>
+            <a:r>
+              <a:rPr lang="en-US" altLang="zh-CN" sz="1400" dirty="0">
+                <a:solidFill>
+                  <a:schemeClr val="tx1">
+                    <a:lumMod val="65000"/>
+                    <a:lumOff val="35000"/>
+                  </a:schemeClr>
+                </a:solidFill>
+                <a:latin typeface="微软雅黑" panose="020B0503020204020204" pitchFamily="34" charset="-122"/>
+                <a:ea typeface="微软雅黑" panose="020B0503020204020204" pitchFamily="34" charset="-122"/>
+              </a:rPr>
+              <a:t>(</a:t>
+            </a:r>
+            <a:r>
+              <a:rPr lang="zh-CN" altLang="en-US" sz="1400" dirty="0">
+                <a:solidFill>
+                  <a:schemeClr val="tx1">
+                    <a:lumMod val="65000"/>
+                    <a:lumOff val="35000"/>
+                  </a:schemeClr>
+                </a:solidFill>
+                <a:latin typeface="微软雅黑" panose="020B0503020204020204" pitchFamily="34" charset="-122"/>
+                <a:ea typeface="微软雅黑" panose="020B0503020204020204" pitchFamily="34" charset="-122"/>
+              </a:rPr>
+              <a:t>两种方法完全等价</a:t>
+            </a:r>
+            <a:r>
+              <a:rPr lang="en-US" altLang="zh-CN" sz="1400" dirty="0">
+                <a:solidFill>
+                  <a:schemeClr val="tx1">
+                    <a:lumMod val="65000"/>
+                    <a:lumOff val="35000"/>
+                  </a:schemeClr>
+                </a:solidFill>
+                <a:latin typeface="微软雅黑" panose="020B0503020204020204" pitchFamily="34" charset="-122"/>
+                <a:ea typeface="微软雅黑" panose="020B0503020204020204" pitchFamily="34" charset="-122"/>
+              </a:rPr>
+              <a:t>)</a:t>
+            </a:r>
+          </a:p>
+          <a:p>
+            <a:pPr marL="342900" indent="-342900">
+              <a:lnSpc>
+                <a:spcPts val="2200"/>
+              </a:lnSpc>
+              <a:buFont typeface="Wingdings" charset="2"/>
+              <a:buChar char="n"/>
+            </a:pPr>
+            <a:r>
+              <a:rPr lang="en-US" altLang="zh-CN" sz="1200" dirty="0">
+                <a:solidFill>
+                  <a:schemeClr val="tx1">
+                    <a:lumMod val="65000"/>
+                    <a:lumOff val="35000"/>
+                  </a:schemeClr>
+                </a:solidFill>
+                <a:latin typeface="微软雅黑" panose="020B0503020204020204" pitchFamily="34" charset="-122"/>
+                <a:ea typeface="微软雅黑" panose="020B0503020204020204" pitchFamily="34" charset="-122"/>
+              </a:rPr>
+              <a:t>1.</a:t>
+            </a:r>
+            <a:r>
+              <a:rPr lang="en" altLang="zh-CN" sz="1200" dirty="0">
+                <a:solidFill>
+                  <a:schemeClr val="tx1">
+                    <a:lumMod val="65000"/>
+                    <a:lumOff val="35000"/>
+                  </a:schemeClr>
+                </a:solidFill>
+                <a:latin typeface="微软雅黑" panose="020B0503020204020204" pitchFamily="34" charset="-122"/>
+                <a:ea typeface="微软雅黑" panose="020B0503020204020204" pitchFamily="34" charset="-122"/>
+              </a:rPr>
+              <a:t> [[NSRunLoop currentRunLoop] addTimer:timer forMode:NSDefaultRunLoopMode];</a:t>
+            </a:r>
+          </a:p>
+          <a:p>
+            <a:pPr marL="342900" indent="-342900">
+              <a:lnSpc>
+                <a:spcPts val="2200"/>
+              </a:lnSpc>
+              <a:buFont typeface="Wingdings" charset="2"/>
+              <a:buChar char="n"/>
+            </a:pPr>
+            <a:r>
+              <a:rPr lang="zh-CN" altLang="en-US" sz="1200" dirty="0">
+                <a:solidFill>
+                  <a:schemeClr val="tx1">
+                    <a:lumMod val="65000"/>
+                    <a:lumOff val="35000"/>
+                  </a:schemeClr>
+                </a:solidFill>
+                <a:latin typeface="微软雅黑" panose="020B0503020204020204" pitchFamily="34" charset="-122"/>
+                <a:ea typeface="微软雅黑" panose="020B0503020204020204" pitchFamily="34" charset="-122"/>
+              </a:rPr>
+              <a:t>    </a:t>
+            </a:r>
+            <a:r>
+              <a:rPr lang="en" altLang="zh-CN" sz="1200" dirty="0">
+                <a:solidFill>
+                  <a:schemeClr val="tx1">
+                    <a:lumMod val="65000"/>
+                    <a:lumOff val="35000"/>
+                  </a:schemeClr>
+                </a:solidFill>
+                <a:latin typeface="微软雅黑" panose="020B0503020204020204" pitchFamily="34" charset="-122"/>
+                <a:ea typeface="微软雅黑" panose="020B0503020204020204" pitchFamily="34" charset="-122"/>
+              </a:rPr>
+              <a:t>[[NSRunLoop currentRunLoop] addTimer:timer forMode:UITrackingRunLoopMode];</a:t>
+            </a:r>
+            <a:endParaRPr lang="en-US" altLang="zh-CN" sz="1200" dirty="0">
               <a:solidFill>
                 <a:schemeClr val="tx1">
                   <a:lumMod val="65000"/>
@@ -12031,7 +13848,46 @@
               <a:buFont typeface="Wingdings" charset="2"/>
               <a:buChar char="n"/>
             </a:pPr>
-            <a:endParaRPr lang="en-US" altLang="zh-CN" sz="1600">
+            <a:r>
+              <a:rPr lang="en-US" altLang="zh-CN" sz="1200" dirty="0">
+                <a:solidFill>
+                  <a:schemeClr val="tx1">
+                    <a:lumMod val="65000"/>
+                    <a:lumOff val="35000"/>
+                  </a:schemeClr>
+                </a:solidFill>
+                <a:latin typeface="微软雅黑" panose="020B0503020204020204" pitchFamily="34" charset="-122"/>
+                <a:ea typeface="微软雅黑" panose="020B0503020204020204" pitchFamily="34" charset="-122"/>
+              </a:rPr>
+              <a:t>2.</a:t>
+            </a:r>
+            <a:r>
+              <a:rPr lang="zh-CN" altLang="en-US" sz="1200" dirty="0">
+                <a:solidFill>
+                  <a:schemeClr val="tx1">
+                    <a:lumMod val="65000"/>
+                    <a:lumOff val="35000"/>
+                  </a:schemeClr>
+                </a:solidFill>
+                <a:latin typeface="微软雅黑" panose="020B0503020204020204" pitchFamily="34" charset="-122"/>
+                <a:ea typeface="微软雅黑" panose="020B0503020204020204" pitchFamily="34" charset="-122"/>
+              </a:rPr>
+              <a:t> </a:t>
+            </a:r>
+            <a:r>
+              <a:rPr lang="en" altLang="zh-CN" sz="1200" dirty="0">
+                <a:solidFill>
+                  <a:schemeClr val="tx1">
+                    <a:lumMod val="65000"/>
+                    <a:lumOff val="35000"/>
+                  </a:schemeClr>
+                </a:solidFill>
+                <a:latin typeface="微软雅黑" panose="020B0503020204020204" pitchFamily="34" charset="-122"/>
+                <a:ea typeface="微软雅黑" panose="020B0503020204020204" pitchFamily="34" charset="-122"/>
+              </a:rPr>
+              <a:t>[[NSRunLoop currentRunLoop] addTimer:timer forMode:NSRunLoopCommonModes];</a:t>
+            </a:r>
+            <a:endParaRPr lang="en-US" altLang="zh-CN" sz="1200" dirty="0">
               <a:solidFill>
                 <a:schemeClr val="tx1">
                   <a:lumMod val="65000"/>
@@ -12127,6 +13983,42 @@
           </a:p>
         </p:txBody>
       </p:sp>
+      <p:pic>
+        <p:nvPicPr>
+          <p:cNvPr id="3" name="图片 2">
+            <a:extLst>
+              <a:ext uri="{FF2B5EF4-FFF2-40B4-BE49-F238E27FC236}">
+                <a16:creationId xmlns:a16="http://schemas.microsoft.com/office/drawing/2014/main" id="{5ED5CCC5-734B-E048-BD15-0794921EE9E8}"/>
+              </a:ext>
+            </a:extLst>
+          </p:cNvPr>
+          <p:cNvPicPr>
+            <a:picLocks noChangeAspect="1"/>
+          </p:cNvPicPr>
+          <p:nvPr/>
+        </p:nvPicPr>
+        <p:blipFill>
+          <a:blip r:embed="rId2">
+            <a:extLst>
+              <a:ext uri="{28A0092B-C50C-407E-A947-70E740481C1C}">
+                <a14:useLocalDpi xmlns:a14="http://schemas.microsoft.com/office/drawing/2010/main" val="0"/>
+              </a:ext>
+            </a:extLst>
+          </a:blip>
+          <a:stretch>
+            <a:fillRect/>
+          </a:stretch>
+        </p:blipFill>
+        <p:spPr>
+          <a:xfrm>
+            <a:off x="5309628" y="1041513"/>
+            <a:ext cx="3094634" cy="1031544"/>
+          </a:xfrm>
+          <a:prstGeom prst="rect">
+            <a:avLst/>
+          </a:prstGeom>
+        </p:spPr>
+      </p:pic>
     </p:spTree>
     <p:extLst>
       <p:ext uri="{BB962C8B-B14F-4D97-AF65-F5344CB8AC3E}">
@@ -12234,7 +14126,7 @@
                                         <p:tgtEl>
                                           <p:spTgt spid="44">
                                             <p:txEl>
-                                              <p:pRg st="2" end="2"/>
+                                              <p:pRg st="1" end="1"/>
                                             </p:txEl>
                                           </p:spTgt>
                                         </p:tgtEl>
@@ -12252,7 +14144,7 @@
                                         <p:tgtEl>
                                           <p:spTgt spid="44">
                                             <p:txEl>
-                                              <p:pRg st="2" end="2"/>
+                                              <p:pRg st="1" end="1"/>
                                             </p:txEl>
                                           </p:spTgt>
                                         </p:tgtEl>
@@ -12295,7 +14187,7 @@
                                         <p:tgtEl>
                                           <p:spTgt spid="44">
                                             <p:txEl>
-                                              <p:pRg st="4" end="4"/>
+                                              <p:pRg st="2" end="2"/>
                                             </p:txEl>
                                           </p:spTgt>
                                         </p:tgtEl>
@@ -12313,7 +14205,7 @@
                                         <p:tgtEl>
                                           <p:spTgt spid="44">
                                             <p:txEl>
-                                              <p:pRg st="4" end="4"/>
+                                              <p:pRg st="2" end="2"/>
                                             </p:txEl>
                                           </p:spTgt>
                                         </p:tgtEl>
@@ -12356,7 +14248,7 @@
                                         <p:tgtEl>
                                           <p:spTgt spid="44">
                                             <p:txEl>
-                                              <p:pRg st="6" end="6"/>
+                                              <p:pRg st="3" end="3"/>
                                             </p:txEl>
                                           </p:spTgt>
                                         </p:tgtEl>
@@ -12374,7 +14266,556 @@
                                         <p:tgtEl>
                                           <p:spTgt spid="44">
                                             <p:txEl>
-                                              <p:pRg st="6" end="6"/>
+                                              <p:pRg st="3" end="3"/>
+                                            </p:txEl>
+                                          </p:spTgt>
+                                        </p:tgtEl>
+                                      </p:cBhvr>
+                                    </p:animEffect>
+                                  </p:childTnLst>
+                                </p:cTn>
+                              </p:par>
+                            </p:childTnLst>
+                          </p:cTn>
+                        </p:par>
+                      </p:childTnLst>
+                    </p:cTn>
+                  </p:par>
+                  <p:par>
+                    <p:cTn id="23" fill="hold">
+                      <p:stCondLst>
+                        <p:cond delay="indefinite"/>
+                      </p:stCondLst>
+                      <p:childTnLst>
+                        <p:par>
+                          <p:cTn id="24" fill="hold">
+                            <p:stCondLst>
+                              <p:cond delay="0"/>
+                            </p:stCondLst>
+                            <p:childTnLst>
+                              <p:par>
+                                <p:cTn id="25" presetID="22" presetClass="entr" presetSubtype="8" fill="hold" nodeType="clickEffect">
+                                  <p:stCondLst>
+                                    <p:cond delay="0"/>
+                                  </p:stCondLst>
+                                  <p:childTnLst>
+                                    <p:set>
+                                      <p:cBhvr>
+                                        <p:cTn id="26" dur="1" fill="hold">
+                                          <p:stCondLst>
+                                            <p:cond delay="0"/>
+                                          </p:stCondLst>
+                                        </p:cTn>
+                                        <p:tgtEl>
+                                          <p:spTgt spid="44">
+                                            <p:txEl>
+                                              <p:pRg st="4" end="4"/>
+                                            </p:txEl>
+                                          </p:spTgt>
+                                        </p:tgtEl>
+                                        <p:attrNameLst>
+                                          <p:attrName>style.visibility</p:attrName>
+                                        </p:attrNameLst>
+                                      </p:cBhvr>
+                                      <p:to>
+                                        <p:strVal val="visible"/>
+                                      </p:to>
+                                    </p:set>
+                                    <p:animEffect transition="in" filter="wipe(left)">
+                                      <p:cBhvr>
+                                        <p:cTn id="27" dur="500"/>
+                                        <p:tgtEl>
+                                          <p:spTgt spid="44">
+                                            <p:txEl>
+                                              <p:pRg st="4" end="4"/>
+                                            </p:txEl>
+                                          </p:spTgt>
+                                        </p:tgtEl>
+                                      </p:cBhvr>
+                                    </p:animEffect>
+                                  </p:childTnLst>
+                                </p:cTn>
+                              </p:par>
+                            </p:childTnLst>
+                          </p:cTn>
+                        </p:par>
+                      </p:childTnLst>
+                    </p:cTn>
+                  </p:par>
+                  <p:par>
+                    <p:cTn id="28" fill="hold">
+                      <p:stCondLst>
+                        <p:cond delay="indefinite"/>
+                      </p:stCondLst>
+                      <p:childTnLst>
+                        <p:par>
+                          <p:cTn id="29" fill="hold">
+                            <p:stCondLst>
+                              <p:cond delay="0"/>
+                            </p:stCondLst>
+                            <p:childTnLst>
+                              <p:par>
+                                <p:cTn id="30" presetID="22" presetClass="entr" presetSubtype="8" fill="hold" nodeType="clickEffect">
+                                  <p:stCondLst>
+                                    <p:cond delay="0"/>
+                                  </p:stCondLst>
+                                  <p:childTnLst>
+                                    <p:set>
+                                      <p:cBhvr>
+                                        <p:cTn id="31" dur="1" fill="hold">
+                                          <p:stCondLst>
+                                            <p:cond delay="0"/>
+                                          </p:stCondLst>
+                                        </p:cTn>
+                                        <p:tgtEl>
+                                          <p:spTgt spid="44">
+                                            <p:txEl>
+                                              <p:pRg st="5" end="5"/>
+                                            </p:txEl>
+                                          </p:spTgt>
+                                        </p:tgtEl>
+                                        <p:attrNameLst>
+                                          <p:attrName>style.visibility</p:attrName>
+                                        </p:attrNameLst>
+                                      </p:cBhvr>
+                                      <p:to>
+                                        <p:strVal val="visible"/>
+                                      </p:to>
+                                    </p:set>
+                                    <p:animEffect transition="in" filter="wipe(left)">
+                                      <p:cBhvr>
+                                        <p:cTn id="32" dur="500"/>
+                                        <p:tgtEl>
+                                          <p:spTgt spid="44">
+                                            <p:txEl>
+                                              <p:pRg st="5" end="5"/>
+                                            </p:txEl>
+                                          </p:spTgt>
+                                        </p:tgtEl>
+                                      </p:cBhvr>
+                                    </p:animEffect>
+                                  </p:childTnLst>
+                                </p:cTn>
+                              </p:par>
+                            </p:childTnLst>
+                          </p:cTn>
+                        </p:par>
+                      </p:childTnLst>
+                    </p:cTn>
+                  </p:par>
+                  <p:par>
+                    <p:cTn id="33" fill="hold">
+                      <p:stCondLst>
+                        <p:cond delay="indefinite"/>
+                      </p:stCondLst>
+                      <p:childTnLst>
+                        <p:par>
+                          <p:cTn id="34" fill="hold">
+                            <p:stCondLst>
+                              <p:cond delay="0"/>
+                            </p:stCondLst>
+                            <p:childTnLst>
+                              <p:par>
+                                <p:cTn id="35" presetID="22" presetClass="entr" presetSubtype="8" fill="hold" nodeType="clickEffect">
+                                  <p:stCondLst>
+                                    <p:cond delay="0"/>
+                                  </p:stCondLst>
+                                  <p:childTnLst>
+                                    <p:set>
+                                      <p:cBhvr>
+                                        <p:cTn id="36" dur="1" fill="hold">
+                                          <p:stCondLst>
+                                            <p:cond delay="0"/>
+                                          </p:stCondLst>
+                                        </p:cTn>
+                                        <p:tgtEl>
+                                          <p:spTgt spid="44">
+                                            <p:txEl>
+                                              <p:pRg st="7" end="7"/>
+                                            </p:txEl>
+                                          </p:spTgt>
+                                        </p:tgtEl>
+                                        <p:attrNameLst>
+                                          <p:attrName>style.visibility</p:attrName>
+                                        </p:attrNameLst>
+                                      </p:cBhvr>
+                                      <p:to>
+                                        <p:strVal val="visible"/>
+                                      </p:to>
+                                    </p:set>
+                                    <p:animEffect transition="in" filter="wipe(left)">
+                                      <p:cBhvr>
+                                        <p:cTn id="37" dur="500"/>
+                                        <p:tgtEl>
+                                          <p:spTgt spid="44">
+                                            <p:txEl>
+                                              <p:pRg st="7" end="7"/>
+                                            </p:txEl>
+                                          </p:spTgt>
+                                        </p:tgtEl>
+                                      </p:cBhvr>
+                                    </p:animEffect>
+                                  </p:childTnLst>
+                                </p:cTn>
+                              </p:par>
+                            </p:childTnLst>
+                          </p:cTn>
+                        </p:par>
+                      </p:childTnLst>
+                    </p:cTn>
+                  </p:par>
+                  <p:par>
+                    <p:cTn id="38" fill="hold">
+                      <p:stCondLst>
+                        <p:cond delay="indefinite"/>
+                      </p:stCondLst>
+                      <p:childTnLst>
+                        <p:par>
+                          <p:cTn id="39" fill="hold">
+                            <p:stCondLst>
+                              <p:cond delay="0"/>
+                            </p:stCondLst>
+                            <p:childTnLst>
+                              <p:par>
+                                <p:cTn id="40" presetID="22" presetClass="entr" presetSubtype="8" fill="hold" nodeType="clickEffect">
+                                  <p:stCondLst>
+                                    <p:cond delay="0"/>
+                                  </p:stCondLst>
+                                  <p:childTnLst>
+                                    <p:set>
+                                      <p:cBhvr>
+                                        <p:cTn id="41" dur="1" fill="hold">
+                                          <p:stCondLst>
+                                            <p:cond delay="0"/>
+                                          </p:stCondLst>
+                                        </p:cTn>
+                                        <p:tgtEl>
+                                          <p:spTgt spid="44">
+                                            <p:txEl>
+                                              <p:pRg st="8" end="8"/>
+                                            </p:txEl>
+                                          </p:spTgt>
+                                        </p:tgtEl>
+                                        <p:attrNameLst>
+                                          <p:attrName>style.visibility</p:attrName>
+                                        </p:attrNameLst>
+                                      </p:cBhvr>
+                                      <p:to>
+                                        <p:strVal val="visible"/>
+                                      </p:to>
+                                    </p:set>
+                                    <p:animEffect transition="in" filter="wipe(left)">
+                                      <p:cBhvr>
+                                        <p:cTn id="42" dur="500"/>
+                                        <p:tgtEl>
+                                          <p:spTgt spid="44">
+                                            <p:txEl>
+                                              <p:pRg st="8" end="8"/>
+                                            </p:txEl>
+                                          </p:spTgt>
+                                        </p:tgtEl>
+                                      </p:cBhvr>
+                                    </p:animEffect>
+                                  </p:childTnLst>
+                                </p:cTn>
+                              </p:par>
+                            </p:childTnLst>
+                          </p:cTn>
+                        </p:par>
+                      </p:childTnLst>
+                    </p:cTn>
+                  </p:par>
+                  <p:par>
+                    <p:cTn id="43" fill="hold">
+                      <p:stCondLst>
+                        <p:cond delay="indefinite"/>
+                      </p:stCondLst>
+                      <p:childTnLst>
+                        <p:par>
+                          <p:cTn id="44" fill="hold">
+                            <p:stCondLst>
+                              <p:cond delay="0"/>
+                            </p:stCondLst>
+                            <p:childTnLst>
+                              <p:par>
+                                <p:cTn id="45" presetID="22" presetClass="entr" presetSubtype="8" fill="hold" nodeType="clickEffect">
+                                  <p:stCondLst>
+                                    <p:cond delay="0"/>
+                                  </p:stCondLst>
+                                  <p:childTnLst>
+                                    <p:set>
+                                      <p:cBhvr>
+                                        <p:cTn id="46" dur="1" fill="hold">
+                                          <p:stCondLst>
+                                            <p:cond delay="0"/>
+                                          </p:stCondLst>
+                                        </p:cTn>
+                                        <p:tgtEl>
+                                          <p:spTgt spid="44">
+                                            <p:txEl>
+                                              <p:pRg st="9" end="9"/>
+                                            </p:txEl>
+                                          </p:spTgt>
+                                        </p:tgtEl>
+                                        <p:attrNameLst>
+                                          <p:attrName>style.visibility</p:attrName>
+                                        </p:attrNameLst>
+                                      </p:cBhvr>
+                                      <p:to>
+                                        <p:strVal val="visible"/>
+                                      </p:to>
+                                    </p:set>
+                                    <p:animEffect transition="in" filter="wipe(left)">
+                                      <p:cBhvr>
+                                        <p:cTn id="47" dur="500"/>
+                                        <p:tgtEl>
+                                          <p:spTgt spid="44">
+                                            <p:txEl>
+                                              <p:pRg st="9" end="9"/>
+                                            </p:txEl>
+                                          </p:spTgt>
+                                        </p:tgtEl>
+                                      </p:cBhvr>
+                                    </p:animEffect>
+                                  </p:childTnLst>
+                                </p:cTn>
+                              </p:par>
+                            </p:childTnLst>
+                          </p:cTn>
+                        </p:par>
+                      </p:childTnLst>
+                    </p:cTn>
+                  </p:par>
+                  <p:par>
+                    <p:cTn id="48" fill="hold">
+                      <p:stCondLst>
+                        <p:cond delay="indefinite"/>
+                      </p:stCondLst>
+                      <p:childTnLst>
+                        <p:par>
+                          <p:cTn id="49" fill="hold">
+                            <p:stCondLst>
+                              <p:cond delay="0"/>
+                            </p:stCondLst>
+                            <p:childTnLst>
+                              <p:par>
+                                <p:cTn id="50" presetID="22" presetClass="entr" presetSubtype="8" fill="hold" nodeType="clickEffect">
+                                  <p:stCondLst>
+                                    <p:cond delay="0"/>
+                                  </p:stCondLst>
+                                  <p:childTnLst>
+                                    <p:set>
+                                      <p:cBhvr>
+                                        <p:cTn id="51" dur="1" fill="hold">
+                                          <p:stCondLst>
+                                            <p:cond delay="0"/>
+                                          </p:stCondLst>
+                                        </p:cTn>
+                                        <p:tgtEl>
+                                          <p:spTgt spid="44">
+                                            <p:txEl>
+                                              <p:pRg st="10" end="10"/>
+                                            </p:txEl>
+                                          </p:spTgt>
+                                        </p:tgtEl>
+                                        <p:attrNameLst>
+                                          <p:attrName>style.visibility</p:attrName>
+                                        </p:attrNameLst>
+                                      </p:cBhvr>
+                                      <p:to>
+                                        <p:strVal val="visible"/>
+                                      </p:to>
+                                    </p:set>
+                                    <p:animEffect transition="in" filter="wipe(left)">
+                                      <p:cBhvr>
+                                        <p:cTn id="52" dur="500"/>
+                                        <p:tgtEl>
+                                          <p:spTgt spid="44">
+                                            <p:txEl>
+                                              <p:pRg st="10" end="10"/>
+                                            </p:txEl>
+                                          </p:spTgt>
+                                        </p:tgtEl>
+                                      </p:cBhvr>
+                                    </p:animEffect>
+                                  </p:childTnLst>
+                                </p:cTn>
+                              </p:par>
+                            </p:childTnLst>
+                          </p:cTn>
+                        </p:par>
+                      </p:childTnLst>
+                    </p:cTn>
+                  </p:par>
+                  <p:par>
+                    <p:cTn id="53" fill="hold">
+                      <p:stCondLst>
+                        <p:cond delay="indefinite"/>
+                      </p:stCondLst>
+                      <p:childTnLst>
+                        <p:par>
+                          <p:cTn id="54" fill="hold">
+                            <p:stCondLst>
+                              <p:cond delay="0"/>
+                            </p:stCondLst>
+                            <p:childTnLst>
+                              <p:par>
+                                <p:cTn id="55" presetID="22" presetClass="entr" presetSubtype="8" fill="hold" nodeType="clickEffect">
+                                  <p:stCondLst>
+                                    <p:cond delay="0"/>
+                                  </p:stCondLst>
+                                  <p:childTnLst>
+                                    <p:set>
+                                      <p:cBhvr>
+                                        <p:cTn id="56" dur="1" fill="hold">
+                                          <p:stCondLst>
+                                            <p:cond delay="0"/>
+                                          </p:stCondLst>
+                                        </p:cTn>
+                                        <p:tgtEl>
+                                          <p:spTgt spid="44">
+                                            <p:txEl>
+                                              <p:pRg st="11" end="11"/>
+                                            </p:txEl>
+                                          </p:spTgt>
+                                        </p:tgtEl>
+                                        <p:attrNameLst>
+                                          <p:attrName>style.visibility</p:attrName>
+                                        </p:attrNameLst>
+                                      </p:cBhvr>
+                                      <p:to>
+                                        <p:strVal val="visible"/>
+                                      </p:to>
+                                    </p:set>
+                                    <p:animEffect transition="in" filter="wipe(left)">
+                                      <p:cBhvr>
+                                        <p:cTn id="57" dur="500"/>
+                                        <p:tgtEl>
+                                          <p:spTgt spid="44">
+                                            <p:txEl>
+                                              <p:pRg st="11" end="11"/>
+                                            </p:txEl>
+                                          </p:spTgt>
+                                        </p:tgtEl>
+                                      </p:cBhvr>
+                                    </p:animEffect>
+                                  </p:childTnLst>
+                                </p:cTn>
+                              </p:par>
+                            </p:childTnLst>
+                          </p:cTn>
+                        </p:par>
+                      </p:childTnLst>
+                    </p:cTn>
+                  </p:par>
+                  <p:par>
+                    <p:cTn id="58" fill="hold">
+                      <p:stCondLst>
+                        <p:cond delay="indefinite"/>
+                      </p:stCondLst>
+                      <p:childTnLst>
+                        <p:par>
+                          <p:cTn id="59" fill="hold">
+                            <p:stCondLst>
+                              <p:cond delay="0"/>
+                            </p:stCondLst>
+                            <p:childTnLst>
+                              <p:par>
+                                <p:cTn id="60" presetID="22" presetClass="entr" presetSubtype="8" fill="hold" nodeType="clickEffect">
+                                  <p:stCondLst>
+                                    <p:cond delay="0"/>
+                                  </p:stCondLst>
+                                  <p:childTnLst>
+                                    <p:set>
+                                      <p:cBhvr>
+                                        <p:cTn id="61" dur="1" fill="hold">
+                                          <p:stCondLst>
+                                            <p:cond delay="0"/>
+                                          </p:stCondLst>
+                                        </p:cTn>
+                                        <p:tgtEl>
+                                          <p:spTgt spid="44">
+                                            <p:txEl>
+                                              <p:pRg st="12" end="12"/>
+                                            </p:txEl>
+                                          </p:spTgt>
+                                        </p:tgtEl>
+                                        <p:attrNameLst>
+                                          <p:attrName>style.visibility</p:attrName>
+                                        </p:attrNameLst>
+                                      </p:cBhvr>
+                                      <p:to>
+                                        <p:strVal val="visible"/>
+                                      </p:to>
+                                    </p:set>
+                                    <p:animEffect transition="in" filter="wipe(left)">
+                                      <p:cBhvr>
+                                        <p:cTn id="62" dur="500"/>
+                                        <p:tgtEl>
+                                          <p:spTgt spid="44">
+                                            <p:txEl>
+                                              <p:pRg st="12" end="12"/>
+                                            </p:txEl>
+                                          </p:spTgt>
+                                        </p:tgtEl>
+                                      </p:cBhvr>
+                                    </p:animEffect>
+                                  </p:childTnLst>
+                                </p:cTn>
+                              </p:par>
+                            </p:childTnLst>
+                          </p:cTn>
+                        </p:par>
+                      </p:childTnLst>
+                    </p:cTn>
+                  </p:par>
+                  <p:par>
+                    <p:cTn id="63" fill="hold">
+                      <p:stCondLst>
+                        <p:cond delay="indefinite"/>
+                      </p:stCondLst>
+                      <p:childTnLst>
+                        <p:par>
+                          <p:cTn id="64" fill="hold">
+                            <p:stCondLst>
+                              <p:cond delay="0"/>
+                            </p:stCondLst>
+                            <p:childTnLst>
+                              <p:par>
+                                <p:cTn id="65" presetID="22" presetClass="entr" presetSubtype="8" fill="hold" nodeType="clickEffect">
+                                  <p:stCondLst>
+                                    <p:cond delay="0"/>
+                                  </p:stCondLst>
+                                  <p:childTnLst>
+                                    <p:set>
+                                      <p:cBhvr>
+                                        <p:cTn id="66" dur="1" fill="hold">
+                                          <p:stCondLst>
+                                            <p:cond delay="0"/>
+                                          </p:stCondLst>
+                                        </p:cTn>
+                                        <p:tgtEl>
+                                          <p:spTgt spid="44">
+                                            <p:txEl>
+                                              <p:pRg st="14" end="14"/>
+                                            </p:txEl>
+                                          </p:spTgt>
+                                        </p:tgtEl>
+                                        <p:attrNameLst>
+                                          <p:attrName>style.visibility</p:attrName>
+                                        </p:attrNameLst>
+                                      </p:cBhvr>
+                                      <p:to>
+                                        <p:strVal val="visible"/>
+                                      </p:to>
+                                    </p:set>
+                                    <p:animEffect transition="in" filter="wipe(left)">
+                                      <p:cBhvr>
+                                        <p:cTn id="67" dur="500"/>
+                                        <p:tgtEl>
+                                          <p:spTgt spid="44">
+                                            <p:txEl>
+                                              <p:pRg st="14" end="14"/>
                                             </p:txEl>
                                           </p:spTgt>
                                         </p:tgtEl>
@@ -12489,7 +14930,7 @@
               <a:buChar char="n"/>
             </a:pPr>
             <a:r>
-              <a:rPr lang="zh-CN" altLang="en-US" sz="1600">
+              <a:rPr lang="zh-CN" altLang="en-US" sz="1600" dirty="0">
                 <a:solidFill>
                   <a:schemeClr val="tx1">
                     <a:lumMod val="65000"/>
@@ -12502,7 +14943,7 @@
               <a:t>讲讲 </a:t>
             </a:r>
             <a:r>
-              <a:rPr lang="en-US" altLang="zh-CN" sz="1600">
+              <a:rPr lang="en-US" altLang="zh-CN" sz="1600" dirty="0">
                 <a:solidFill>
                   <a:schemeClr val="tx1">
                     <a:lumMod val="65000"/>
@@ -12515,7 +14956,7 @@
               <a:t>RunLoop</a:t>
             </a:r>
             <a:r>
-              <a:rPr lang="zh-CN" altLang="en-US" sz="1600">
+              <a:rPr lang="zh-CN" altLang="en-US" sz="1600" dirty="0">
                 <a:solidFill>
                   <a:schemeClr val="tx1">
                     <a:lumMod val="65000"/>
@@ -12527,7 +14968,7 @@
               </a:rPr>
               <a:t>，项目中有用到吗？</a:t>
             </a:r>
-            <a:endParaRPr lang="en-US" altLang="zh-CN" sz="1600">
+            <a:endParaRPr lang="en-US" altLang="zh-CN" sz="1600" dirty="0">
               <a:solidFill>
                 <a:schemeClr val="tx1">
                   <a:lumMod val="65000"/>
@@ -12546,7 +14987,7 @@
               <a:buFont typeface="Wingdings" charset="2"/>
               <a:buChar char="n"/>
             </a:pPr>
-            <a:endParaRPr lang="en-US" altLang="zh-CN" sz="1600">
+            <a:endParaRPr lang="en-US" altLang="zh-CN" sz="1600" dirty="0">
               <a:solidFill>
                 <a:schemeClr val="tx1">
                   <a:lumMod val="65000"/>
@@ -12566,7 +15007,7 @@
               <a:buChar char="n"/>
             </a:pPr>
             <a:r>
-              <a:rPr lang="en-US" altLang="zh-CN" sz="1600">
+              <a:rPr lang="en-US" altLang="zh-CN" sz="1600" dirty="0" err="1">
                 <a:solidFill>
                   <a:schemeClr val="tx1">
                     <a:lumMod val="65000"/>
@@ -12579,7 +15020,7 @@
               <a:t>runloop</a:t>
             </a:r>
             <a:r>
-              <a:rPr lang="zh-CN" altLang="en-US" sz="1600">
+              <a:rPr lang="zh-CN" altLang="en-US" sz="1600" dirty="0">
                 <a:solidFill>
                   <a:schemeClr val="tx1">
                     <a:lumMod val="65000"/>
@@ -12600,7 +15041,7 @@
               <a:buFont typeface="Wingdings" charset="2"/>
               <a:buChar char="n"/>
             </a:pPr>
-            <a:endParaRPr lang="en-US" altLang="zh-CN" sz="1600">
+            <a:endParaRPr lang="en-US" altLang="zh-CN" sz="1600" dirty="0">
               <a:solidFill>
                 <a:schemeClr val="tx1">
                   <a:lumMod val="65000"/>
@@ -12620,7 +15061,7 @@
               <a:buChar char="n"/>
             </a:pPr>
             <a:r>
-              <a:rPr lang="en-US" altLang="zh-CN" sz="1600">
+              <a:rPr lang="en-US" altLang="zh-CN" sz="1600" dirty="0" err="1">
                 <a:solidFill>
                   <a:schemeClr val="tx1">
                     <a:lumMod val="65000"/>
@@ -12633,7 +15074,7 @@
               <a:t>runloop</a:t>
             </a:r>
             <a:r>
-              <a:rPr lang="zh-CN" altLang="en-US" sz="1600">
+              <a:rPr lang="zh-CN" altLang="en-US" sz="1600" dirty="0">
                 <a:solidFill>
                   <a:schemeClr val="tx1">
                     <a:lumMod val="65000"/>
@@ -12645,7 +15086,7 @@
               </a:rPr>
               <a:t>和线程的关系？</a:t>
             </a:r>
-            <a:endParaRPr lang="en-US" altLang="zh-CN" sz="1600">
+            <a:endParaRPr lang="en-US" altLang="zh-CN" sz="1600" dirty="0">
               <a:solidFill>
                 <a:schemeClr val="tx1">
                   <a:lumMod val="65000"/>
@@ -12664,7 +15105,7 @@
               <a:buFont typeface="Wingdings" charset="2"/>
               <a:buChar char="n"/>
             </a:pPr>
-            <a:endParaRPr lang="en-US" altLang="zh-CN" sz="1600">
+            <a:endParaRPr lang="en-US" altLang="zh-CN" sz="1600" dirty="0">
               <a:solidFill>
                 <a:schemeClr val="tx1">
                   <a:lumMod val="65000"/>
@@ -12684,7 +15125,7 @@
               <a:buChar char="n"/>
             </a:pPr>
             <a:r>
-              <a:rPr lang="en-US" altLang="zh-CN" sz="1600">
+              <a:rPr lang="en-US" altLang="zh-CN" sz="1600" dirty="0">
                 <a:solidFill>
                   <a:schemeClr val="tx1">
                     <a:lumMod val="65000"/>
@@ -12697,7 +15138,7 @@
               <a:t>timer </a:t>
             </a:r>
             <a:r>
-              <a:rPr lang="zh-CN" altLang="en-US" sz="1600">
+              <a:rPr lang="zh-CN" altLang="en-US" sz="1600" dirty="0">
                 <a:solidFill>
                   <a:schemeClr val="tx1">
                     <a:lumMod val="65000"/>
@@ -12710,20 +15151,33 @@
               <a:t>与 </a:t>
             </a:r>
             <a:r>
-              <a:rPr lang="en-US" altLang="zh-CN" sz="1600">
-                <a:solidFill>
-                  <a:schemeClr val="tx1">
-                    <a:lumMod val="65000"/>
-                    <a:lumOff val="35000"/>
-                  </a:schemeClr>
-                </a:solidFill>
-                <a:latin typeface="微软雅黑" panose="020B0503020204020204" pitchFamily="34" charset="-122"/>
-                <a:ea typeface="微软雅黑" panose="020B0503020204020204" pitchFamily="34" charset="-122"/>
-              </a:rPr>
-              <a:t>runloop </a:t>
-            </a:r>
-            <a:r>
-              <a:rPr lang="zh-CN" altLang="en-US" sz="1600">
+              <a:rPr lang="en-US" altLang="zh-CN" sz="1600" dirty="0" err="1">
+                <a:solidFill>
+                  <a:schemeClr val="tx1">
+                    <a:lumMod val="65000"/>
+                    <a:lumOff val="35000"/>
+                  </a:schemeClr>
+                </a:solidFill>
+                <a:latin typeface="微软雅黑" panose="020B0503020204020204" pitchFamily="34" charset="-122"/>
+                <a:ea typeface="微软雅黑" panose="020B0503020204020204" pitchFamily="34" charset="-122"/>
+              </a:rPr>
+              <a:t>runloop</a:t>
+            </a:r>
+            <a:r>
+              <a:rPr lang="en-US" altLang="zh-CN" sz="1600" dirty="0">
+                <a:solidFill>
+                  <a:schemeClr val="tx1">
+                    <a:lumMod val="65000"/>
+                    <a:lumOff val="35000"/>
+                  </a:schemeClr>
+                </a:solidFill>
+                <a:latin typeface="微软雅黑" panose="020B0503020204020204" pitchFamily="34" charset="-122"/>
+                <a:ea typeface="微软雅黑" panose="020B0503020204020204" pitchFamily="34" charset="-122"/>
+              </a:rPr>
+              <a:t> </a:t>
+            </a:r>
+            <a:r>
+              <a:rPr lang="zh-CN" altLang="en-US" sz="1600" dirty="0">
                 <a:solidFill>
                   <a:schemeClr val="tx1">
                     <a:lumMod val="65000"/>
@@ -12735,7 +15189,7 @@
               </a:rPr>
               <a:t>的关系？</a:t>
             </a:r>
-            <a:endParaRPr lang="en-US" altLang="zh-CN" sz="1600">
+            <a:endParaRPr lang="en-US" altLang="zh-CN" sz="1600" dirty="0">
               <a:solidFill>
                 <a:schemeClr val="tx1">
                   <a:lumMod val="65000"/>
@@ -12754,7 +15208,7 @@
               <a:buFont typeface="Wingdings" charset="2"/>
               <a:buChar char="n"/>
             </a:pPr>
-            <a:endParaRPr lang="en-US" altLang="zh-CN" sz="1600">
+            <a:endParaRPr lang="en-US" altLang="zh-CN" sz="1600" dirty="0">
               <a:solidFill>
                 <a:schemeClr val="tx1">
                   <a:lumMod val="65000"/>
@@ -12774,7 +15228,7 @@
               <a:buChar char="n"/>
             </a:pPr>
             <a:r>
-              <a:rPr lang="zh-CN" altLang="en-US" sz="1600">
+              <a:rPr lang="zh-CN" altLang="en-US" sz="1600" dirty="0">
                 <a:solidFill>
                   <a:schemeClr val="tx1">
                     <a:lumMod val="65000"/>
@@ -12787,7 +15241,7 @@
               <a:t>程序中添加每</a:t>
             </a:r>
             <a:r>
-              <a:rPr lang="en-US" altLang="zh-CN" sz="1600">
+              <a:rPr lang="en-US" altLang="zh-CN" sz="1600" dirty="0">
                 <a:solidFill>
                   <a:schemeClr val="tx1">
                     <a:lumMod val="65000"/>
@@ -12800,7 +15254,7 @@
               <a:t>3</a:t>
             </a:r>
             <a:r>
-              <a:rPr lang="zh-CN" altLang="en-US" sz="1600">
+              <a:rPr lang="zh-CN" altLang="en-US" sz="1600" dirty="0">
                 <a:solidFill>
                   <a:schemeClr val="tx1">
                     <a:lumMod val="65000"/>
@@ -12813,7 +15267,7 @@
               <a:t>秒响应一次的</a:t>
             </a:r>
             <a:r>
-              <a:rPr lang="en-US" altLang="zh-CN" sz="1600">
+              <a:rPr lang="en-US" altLang="zh-CN" sz="1600" dirty="0">
                 <a:solidFill>
                   <a:schemeClr val="tx1">
                     <a:lumMod val="65000"/>
@@ -12826,7 +15280,7 @@
               <a:t>NSTimer</a:t>
             </a:r>
             <a:r>
-              <a:rPr lang="zh-CN" altLang="en-US" sz="1600">
+              <a:rPr lang="zh-CN" altLang="en-US" sz="1600" dirty="0">
                 <a:solidFill>
                   <a:schemeClr val="tx1">
                     <a:lumMod val="65000"/>
@@ -12839,7 +15293,7 @@
               <a:t>，当拖动</a:t>
             </a:r>
             <a:r>
-              <a:rPr lang="en-US" altLang="zh-CN" sz="1600">
+              <a:rPr lang="en-US" altLang="zh-CN" sz="1600" dirty="0" err="1">
                 <a:solidFill>
                   <a:schemeClr val="tx1">
                     <a:lumMod val="65000"/>
@@ -12852,7 +15306,7 @@
               <a:t>tableview</a:t>
             </a:r>
             <a:r>
-              <a:rPr lang="zh-CN" altLang="en-US" sz="1600">
+              <a:rPr lang="zh-CN" altLang="en-US" sz="1600" dirty="0">
                 <a:solidFill>
                   <a:schemeClr val="tx1">
                     <a:lumMod val="65000"/>
@@ -12865,7 +15319,7 @@
               <a:t>时</a:t>
             </a:r>
             <a:r>
-              <a:rPr lang="en-US" altLang="zh-CN" sz="1600">
+              <a:rPr lang="en-US" altLang="zh-CN" sz="1600" dirty="0">
                 <a:solidFill>
                   <a:schemeClr val="tx1">
                     <a:lumMod val="65000"/>
@@ -12878,7 +15332,7 @@
               <a:t>timer</a:t>
             </a:r>
             <a:r>
-              <a:rPr lang="zh-CN" altLang="en-US" sz="1600">
+              <a:rPr lang="zh-CN" altLang="en-US" sz="1600" dirty="0">
                 <a:solidFill>
                   <a:schemeClr val="tx1">
                     <a:lumMod val="65000"/>
@@ -12890,7 +15344,7 @@
               </a:rPr>
               <a:t>可能无法响应要怎么解决？</a:t>
             </a:r>
-            <a:endParaRPr lang="en-US" altLang="zh-CN" sz="1600">
+            <a:endParaRPr lang="en-US" altLang="zh-CN" sz="1600" dirty="0">
               <a:solidFill>
                 <a:schemeClr val="tx1">
                   <a:lumMod val="65000"/>
@@ -12909,7 +15363,7 @@
               <a:buFont typeface="Wingdings" charset="2"/>
               <a:buChar char="n"/>
             </a:pPr>
-            <a:endParaRPr lang="en-US" altLang="zh-CN" sz="1600">
+            <a:endParaRPr lang="en-US" altLang="zh-CN" sz="1600" dirty="0">
               <a:solidFill>
                 <a:schemeClr val="tx1">
                   <a:lumMod val="65000"/>
@@ -12929,20 +15383,33 @@
               <a:buChar char="n"/>
             </a:pPr>
             <a:r>
-              <a:rPr lang="en-US" altLang="zh-CN" sz="1600">
-                <a:solidFill>
-                  <a:schemeClr val="tx1">
-                    <a:lumMod val="65000"/>
-                    <a:lumOff val="35000"/>
-                  </a:schemeClr>
-                </a:solidFill>
-                <a:latin typeface="微软雅黑" panose="020B0503020204020204" pitchFamily="34" charset="-122"/>
-                <a:ea typeface="微软雅黑" panose="020B0503020204020204" pitchFamily="34" charset="-122"/>
-              </a:rPr>
-              <a:t>runloop </a:t>
-            </a:r>
-            <a:r>
-              <a:rPr lang="zh-CN" altLang="en-US" sz="1600">
+              <a:rPr lang="en-US" altLang="zh-CN" sz="1600" dirty="0" err="1">
+                <a:solidFill>
+                  <a:schemeClr val="tx1">
+                    <a:lumMod val="65000"/>
+                    <a:lumOff val="35000"/>
+                  </a:schemeClr>
+                </a:solidFill>
+                <a:latin typeface="微软雅黑" panose="020B0503020204020204" pitchFamily="34" charset="-122"/>
+                <a:ea typeface="微软雅黑" panose="020B0503020204020204" pitchFamily="34" charset="-122"/>
+              </a:rPr>
+              <a:t>runloop</a:t>
+            </a:r>
+            <a:r>
+              <a:rPr lang="en-US" altLang="zh-CN" sz="1600" dirty="0">
+                <a:solidFill>
+                  <a:schemeClr val="tx1">
+                    <a:lumMod val="65000"/>
+                    <a:lumOff val="35000"/>
+                  </a:schemeClr>
+                </a:solidFill>
+                <a:latin typeface="微软雅黑" panose="020B0503020204020204" pitchFamily="34" charset="-122"/>
+                <a:ea typeface="微软雅黑" panose="020B0503020204020204" pitchFamily="34" charset="-122"/>
+              </a:rPr>
+              <a:t> </a:t>
+            </a:r>
+            <a:r>
+              <a:rPr lang="zh-CN" altLang="en-US" sz="1600" dirty="0">
                 <a:solidFill>
                   <a:schemeClr val="tx1">
                     <a:lumMod val="65000"/>
@@ -12954,7 +15421,7 @@
               </a:rPr>
               <a:t>是怎么响应用户操作的， 具体流程是什么样的？</a:t>
             </a:r>
-            <a:endParaRPr lang="en-US" altLang="zh-CN" sz="1600">
+            <a:endParaRPr lang="en-US" altLang="zh-CN" sz="1600" dirty="0">
               <a:solidFill>
                 <a:schemeClr val="tx1">
                   <a:lumMod val="65000"/>
@@ -12973,7 +15440,7 @@
               <a:buFont typeface="Wingdings" charset="2"/>
               <a:buChar char="n"/>
             </a:pPr>
-            <a:endParaRPr lang="en-US" altLang="zh-CN" sz="1600">
+            <a:endParaRPr lang="en-US" altLang="zh-CN" sz="1600" dirty="0">
               <a:solidFill>
                 <a:schemeClr val="tx1">
                   <a:lumMod val="65000"/>
@@ -12993,7 +15460,7 @@
               <a:buChar char="n"/>
             </a:pPr>
             <a:r>
-              <a:rPr lang="zh-CN" altLang="en-US" sz="1600">
+              <a:rPr lang="zh-CN" altLang="en-US" sz="1600" dirty="0">
                 <a:solidFill>
                   <a:schemeClr val="tx1">
                     <a:lumMod val="65000"/>
@@ -13006,7 +15473,7 @@
               <a:t>说说</a:t>
             </a:r>
             <a:r>
-              <a:rPr lang="en-US" altLang="zh-CN" sz="1600">
+              <a:rPr lang="en-US" altLang="zh-CN" sz="1600" dirty="0" err="1">
                 <a:solidFill>
                   <a:schemeClr val="tx1">
                     <a:lumMod val="65000"/>
@@ -13019,7 +15486,7 @@
               <a:t>runLoop</a:t>
             </a:r>
             <a:r>
-              <a:rPr lang="zh-CN" altLang="en-US" sz="1600">
+              <a:rPr lang="zh-CN" altLang="en-US" sz="1600" dirty="0">
                 <a:solidFill>
                   <a:schemeClr val="tx1">
                     <a:lumMod val="65000"/>
@@ -13040,7 +15507,7 @@
               <a:buFont typeface="Wingdings" charset="2"/>
               <a:buChar char="n"/>
             </a:pPr>
-            <a:endParaRPr lang="en-US" altLang="zh-CN" sz="1600">
+            <a:endParaRPr lang="en-US" altLang="zh-CN" sz="1600" dirty="0">
               <a:solidFill>
                 <a:schemeClr val="tx1">
                   <a:lumMod val="65000"/>
@@ -13060,7 +15527,7 @@
               <a:buChar char="n"/>
             </a:pPr>
             <a:r>
-              <a:rPr lang="en-US" altLang="zh-CN" sz="1600">
+              <a:rPr lang="en-US" altLang="zh-CN" sz="1600" dirty="0" err="1">
                 <a:solidFill>
                   <a:schemeClr val="tx1">
                     <a:lumMod val="65000"/>
@@ -13073,7 +15540,7 @@
               <a:t>runloop</a:t>
             </a:r>
             <a:r>
-              <a:rPr lang="zh-CN" altLang="en-US" sz="1600">
+              <a:rPr lang="zh-CN" altLang="en-US" sz="1600" dirty="0">
                 <a:solidFill>
                   <a:schemeClr val="tx1">
                     <a:lumMod val="65000"/>
@@ -13086,7 +15553,7 @@
               <a:t>的</a:t>
             </a:r>
             <a:r>
-              <a:rPr lang="en-US" altLang="zh-CN" sz="1600">
+              <a:rPr lang="en-US" altLang="zh-CN" sz="1600" dirty="0">
                 <a:solidFill>
                   <a:schemeClr val="tx1">
                     <a:lumMod val="65000"/>
@@ -13099,7 +15566,7 @@
               <a:t>mode</a:t>
             </a:r>
             <a:r>
-              <a:rPr lang="zh-CN" altLang="en-US" sz="1600">
+              <a:rPr lang="zh-CN" altLang="en-US" sz="1600" dirty="0">
                 <a:solidFill>
                   <a:schemeClr val="tx1">
                     <a:lumMod val="65000"/>
@@ -13120,7 +15587,7 @@
               <a:buFont typeface="Wingdings" charset="2"/>
               <a:buChar char="n"/>
             </a:pPr>
-            <a:endParaRPr lang="zh-CN" altLang="en-US" sz="1600">
+            <a:endParaRPr lang="zh-CN" altLang="en-US" sz="1600" dirty="0">
               <a:solidFill>
                 <a:schemeClr val="tx1">
                   <a:lumMod val="65000"/>
@@ -13139,7 +15606,7 @@
               <a:buFont typeface="Wingdings" charset="2"/>
               <a:buChar char="n"/>
             </a:pPr>
-            <a:endParaRPr lang="zh-CN" altLang="en-US" sz="1600">
+            <a:endParaRPr lang="zh-CN" altLang="en-US" sz="1600" dirty="0">
               <a:solidFill>
                 <a:schemeClr val="tx1">
                   <a:lumMod val="65000"/>
@@ -13722,14 +16189,14 @@
           <a:lstStyle/>
           <a:p>
             <a:r>
-              <a:rPr lang="zh-CN" altLang="en-US"/>
+              <a:rPr lang="zh-CN" altLang="en-US" dirty="0"/>
               <a:t>什么是</a:t>
             </a:r>
             <a:r>
-              <a:rPr lang="en-US" altLang="zh-CN"/>
+              <a:rPr lang="en-US" altLang="zh-CN" dirty="0"/>
               <a:t>RunLoop</a:t>
             </a:r>
-            <a:endParaRPr lang="zh-CN" altLang="en-US"/>
+            <a:endParaRPr lang="zh-CN" altLang="en-US" dirty="0"/>
           </a:p>
         </p:txBody>
       </p:sp>
@@ -13741,7 +16208,7 @@
         </p:nvSpPr>
         <p:spPr>
           <a:xfrm>
-            <a:off x="200428" y="1357811"/>
+            <a:off x="343593" y="1357811"/>
             <a:ext cx="3860272" cy="967461"/>
           </a:xfrm>
           <a:prstGeom prst="rect">
@@ -13763,7 +16230,7 @@
               <a:buChar char="n"/>
             </a:pPr>
             <a:r>
-              <a:rPr lang="zh-CN" altLang="en-US" sz="1600" dirty="0">
+              <a:rPr lang="zh-CN" altLang="en-US" sz="1600">
                 <a:solidFill>
                   <a:schemeClr val="tx1">
                     <a:lumMod val="65000"/>
@@ -13775,7 +16242,7 @@
               </a:rPr>
               <a:t>顾名思义</a:t>
             </a:r>
-            <a:endParaRPr lang="en-US" altLang="zh-CN" sz="1600" dirty="0">
+            <a:endParaRPr lang="en-US" altLang="zh-CN" sz="1600">
               <a:solidFill>
                 <a:schemeClr val="tx1">
                   <a:lumMod val="65000"/>
@@ -13795,7 +16262,7 @@
               <a:buChar char="p"/>
             </a:pPr>
             <a:r>
-              <a:rPr lang="zh-CN" altLang="en-US" sz="1600" dirty="0">
+              <a:rPr lang="zh-CN" altLang="en-US" sz="1600">
                 <a:solidFill>
                   <a:schemeClr val="tx1">
                     <a:lumMod val="65000"/>
@@ -13807,7 +16274,7 @@
               </a:rPr>
               <a:t>运行循环</a:t>
             </a:r>
-            <a:endParaRPr lang="en-US" altLang="zh-CN" sz="1600" dirty="0">
+            <a:endParaRPr lang="en-US" altLang="zh-CN" sz="1600">
               <a:solidFill>
                 <a:schemeClr val="tx1">
                   <a:lumMod val="65000"/>
@@ -13827,7 +16294,7 @@
               <a:buChar char="p"/>
             </a:pPr>
             <a:r>
-              <a:rPr lang="zh-CN" altLang="en-US" sz="1600" dirty="0">
+              <a:rPr lang="zh-CN" altLang="en-US" sz="1600">
                 <a:solidFill>
                   <a:schemeClr val="tx1">
                     <a:lumMod val="65000"/>
@@ -13839,7 +16306,7 @@
               </a:rPr>
               <a:t>在程序运行过程中循环做一些事情</a:t>
             </a:r>
-            <a:endParaRPr lang="en-US" altLang="zh-CN" sz="1600" dirty="0">
+            <a:endParaRPr lang="en-US" altLang="zh-CN" sz="1600">
               <a:solidFill>
                 <a:schemeClr val="tx1">
                   <a:lumMod val="65000"/>
@@ -13912,7 +16379,7 @@
               <a:buChar char="n"/>
             </a:pPr>
             <a:r>
-              <a:rPr lang="zh-CN" altLang="en-US" sz="1600" dirty="0">
+              <a:rPr lang="zh-CN" altLang="en-US" sz="1600">
                 <a:solidFill>
                   <a:schemeClr val="tx1">
                     <a:lumMod val="65000"/>
@@ -13924,7 +16391,7 @@
               </a:rPr>
               <a:t>应用范畴</a:t>
             </a:r>
-            <a:endParaRPr lang="en-US" altLang="zh-CN" sz="1600" dirty="0">
+            <a:endParaRPr lang="en-US" altLang="zh-CN" sz="1600">
               <a:solidFill>
                 <a:schemeClr val="tx1">
                   <a:lumMod val="65000"/>
@@ -13944,7 +16411,7 @@
               <a:buChar char="p"/>
             </a:pPr>
             <a:r>
-              <a:rPr lang="zh-CN" altLang="en-US" sz="1600" dirty="0">
+              <a:rPr lang="zh-CN" altLang="en-US" sz="1600">
                 <a:solidFill>
                   <a:schemeClr val="tx1">
                     <a:lumMod val="65000"/>
@@ -13957,7 +16424,7 @@
               <a:t>定时器（</a:t>
             </a:r>
             <a:r>
-              <a:rPr lang="en-US" altLang="zh-CN" sz="1600" dirty="0">
+              <a:rPr lang="en-US" altLang="zh-CN" sz="1600">
                 <a:solidFill>
                   <a:schemeClr val="tx1">
                     <a:lumMod val="65000"/>
@@ -13970,7 +16437,7 @@
               <a:t>Timer</a:t>
             </a:r>
             <a:r>
-              <a:rPr lang="zh-CN" altLang="en-US" sz="1600" dirty="0">
+              <a:rPr lang="zh-CN" altLang="en-US" sz="1600">
                 <a:solidFill>
                   <a:schemeClr val="tx1">
                     <a:lumMod val="65000"/>
@@ -13983,7 +16450,7 @@
               <a:t>）、</a:t>
             </a:r>
             <a:r>
-              <a:rPr lang="en-US" altLang="zh-CN" sz="1600" dirty="0" err="1">
+              <a:rPr lang="en-US" altLang="zh-CN" sz="1600">
                 <a:solidFill>
                   <a:schemeClr val="tx1">
                     <a:lumMod val="65000"/>
@@ -13995,7 +16462,129 @@
               </a:rPr>
               <a:t>PerformSelector</a:t>
             </a:r>
-            <a:endParaRPr lang="en-US" altLang="zh-CN" sz="1600" dirty="0">
+          </a:p>
+          <a:p>
+            <a:pPr marL="342900" indent="-342900">
+              <a:lnSpc>
+                <a:spcPts val="2200"/>
+              </a:lnSpc>
+              <a:buFont typeface="Wingdings" charset="2"/>
+              <a:buChar char="p"/>
+            </a:pPr>
+            <a:r>
+              <a:rPr lang="en-US" altLang="zh-CN" sz="1600">
+                <a:solidFill>
+                  <a:schemeClr val="tx1">
+                    <a:lumMod val="65000"/>
+                    <a:lumOff val="35000"/>
+                  </a:schemeClr>
+                </a:solidFill>
+                <a:latin typeface="微软雅黑" panose="020B0503020204020204" pitchFamily="34" charset="-122"/>
+                <a:ea typeface="微软雅黑" panose="020B0503020204020204" pitchFamily="34" charset="-122"/>
+              </a:rPr>
+              <a:t>GCD</a:t>
+            </a:r>
+            <a:r>
+              <a:rPr lang="zh-CN" altLang="en-US" sz="1600">
+                <a:solidFill>
+                  <a:schemeClr val="tx1">
+                    <a:lumMod val="65000"/>
+                    <a:lumOff val="35000"/>
+                  </a:schemeClr>
+                </a:solidFill>
+                <a:latin typeface="微软雅黑" panose="020B0503020204020204" pitchFamily="34" charset="-122"/>
+                <a:ea typeface="微软雅黑" panose="020B0503020204020204" pitchFamily="34" charset="-122"/>
+              </a:rPr>
+              <a:t> </a:t>
+            </a:r>
+            <a:r>
+              <a:rPr lang="en-US" altLang="zh-CN" sz="1600">
+                <a:solidFill>
+                  <a:schemeClr val="tx1">
+                    <a:lumMod val="65000"/>
+                    <a:lumOff val="35000"/>
+                  </a:schemeClr>
+                </a:solidFill>
+                <a:latin typeface="微软雅黑" panose="020B0503020204020204" pitchFamily="34" charset="-122"/>
+                <a:ea typeface="微软雅黑" panose="020B0503020204020204" pitchFamily="34" charset="-122"/>
+              </a:rPr>
+              <a:t>Async</a:t>
+            </a:r>
+            <a:r>
+              <a:rPr lang="zh-CN" altLang="en-US" sz="1600">
+                <a:solidFill>
+                  <a:schemeClr val="tx1">
+                    <a:lumMod val="65000"/>
+                    <a:lumOff val="35000"/>
+                  </a:schemeClr>
+                </a:solidFill>
+                <a:latin typeface="微软雅黑" panose="020B0503020204020204" pitchFamily="34" charset="-122"/>
+                <a:ea typeface="微软雅黑" panose="020B0503020204020204" pitchFamily="34" charset="-122"/>
+              </a:rPr>
+              <a:t> </a:t>
+            </a:r>
+            <a:r>
+              <a:rPr lang="en-US" altLang="zh-CN" sz="1600">
+                <a:solidFill>
+                  <a:schemeClr val="tx1">
+                    <a:lumMod val="65000"/>
+                    <a:lumOff val="35000"/>
+                  </a:schemeClr>
+                </a:solidFill>
+                <a:latin typeface="微软雅黑" panose="020B0503020204020204" pitchFamily="34" charset="-122"/>
+                <a:ea typeface="微软雅黑" panose="020B0503020204020204" pitchFamily="34" charset="-122"/>
+              </a:rPr>
+              <a:t>Main</a:t>
+            </a:r>
+            <a:r>
+              <a:rPr lang="zh-CN" altLang="en-US" sz="1600">
+                <a:solidFill>
+                  <a:schemeClr val="tx1">
+                    <a:lumMod val="65000"/>
+                    <a:lumOff val="35000"/>
+                  </a:schemeClr>
+                </a:solidFill>
+                <a:latin typeface="微软雅黑" panose="020B0503020204020204" pitchFamily="34" charset="-122"/>
+                <a:ea typeface="微软雅黑" panose="020B0503020204020204" pitchFamily="34" charset="-122"/>
+              </a:rPr>
+              <a:t> </a:t>
+            </a:r>
+            <a:r>
+              <a:rPr lang="en-US" altLang="zh-CN" sz="1600">
+                <a:solidFill>
+                  <a:schemeClr val="tx1">
+                    <a:lumMod val="65000"/>
+                    <a:lumOff val="35000"/>
+                  </a:schemeClr>
+                </a:solidFill>
+                <a:latin typeface="微软雅黑" panose="020B0503020204020204" pitchFamily="34" charset="-122"/>
+                <a:ea typeface="微软雅黑" panose="020B0503020204020204" pitchFamily="34" charset="-122"/>
+              </a:rPr>
+              <a:t>Queue</a:t>
+            </a:r>
+          </a:p>
+          <a:p>
+            <a:pPr marL="342900" indent="-342900">
+              <a:lnSpc>
+                <a:spcPts val="2200"/>
+              </a:lnSpc>
+              <a:buFont typeface="Wingdings" charset="2"/>
+              <a:buChar char="p"/>
+            </a:pPr>
+            <a:r>
+              <a:rPr lang="zh-CN" altLang="en-US" sz="1600">
+                <a:solidFill>
+                  <a:schemeClr val="tx1">
+                    <a:lumMod val="65000"/>
+                    <a:lumOff val="35000"/>
+                  </a:schemeClr>
+                </a:solidFill>
+                <a:latin typeface="微软雅黑" panose="020B0503020204020204" pitchFamily="34" charset="-122"/>
+                <a:ea typeface="微软雅黑" panose="020B0503020204020204" pitchFamily="34" charset="-122"/>
+              </a:rPr>
+              <a:t>事件响应、手势识别、界面刷新</a:t>
+            </a:r>
+            <a:endParaRPr lang="en-US" altLang="zh-CN" sz="1600">
               <a:solidFill>
                 <a:schemeClr val="tx1">
                   <a:lumMod val="65000"/>
@@ -14015,119 +16604,19 @@
               <a:buChar char="p"/>
             </a:pPr>
             <a:r>
-              <a:rPr lang="en-US" altLang="zh-CN" sz="1600" dirty="0">
-                <a:solidFill>
-                  <a:schemeClr val="tx1">
-                    <a:lumMod val="65000"/>
-                    <a:lumOff val="35000"/>
-                  </a:schemeClr>
-                </a:solidFill>
-                <a:latin typeface="微软雅黑" panose="020B0503020204020204" pitchFamily="34" charset="-122"/>
-                <a:ea typeface="微软雅黑" panose="020B0503020204020204" pitchFamily="34" charset="-122"/>
-              </a:rPr>
-              <a:t>GCD</a:t>
-            </a:r>
-            <a:r>
-              <a:rPr lang="zh-CN" altLang="en-US" sz="1600" dirty="0">
-                <a:solidFill>
-                  <a:schemeClr val="tx1">
-                    <a:lumMod val="65000"/>
-                    <a:lumOff val="35000"/>
-                  </a:schemeClr>
-                </a:solidFill>
-                <a:latin typeface="微软雅黑" panose="020B0503020204020204" pitchFamily="34" charset="-122"/>
-                <a:ea typeface="微软雅黑" panose="020B0503020204020204" pitchFamily="34" charset="-122"/>
-              </a:rPr>
-              <a:t> </a:t>
-            </a:r>
-            <a:r>
-              <a:rPr lang="en-US" altLang="zh-CN" sz="1600" dirty="0" err="1">
-                <a:solidFill>
-                  <a:schemeClr val="tx1">
-                    <a:lumMod val="65000"/>
-                    <a:lumOff val="35000"/>
-                  </a:schemeClr>
-                </a:solidFill>
-                <a:latin typeface="微软雅黑" panose="020B0503020204020204" pitchFamily="34" charset="-122"/>
-                <a:ea typeface="微软雅黑" panose="020B0503020204020204" pitchFamily="34" charset="-122"/>
-              </a:rPr>
-              <a:t>Async</a:t>
-            </a:r>
-            <a:r>
-              <a:rPr lang="zh-CN" altLang="en-US" sz="1600" dirty="0">
-                <a:solidFill>
-                  <a:schemeClr val="tx1">
-                    <a:lumMod val="65000"/>
-                    <a:lumOff val="35000"/>
-                  </a:schemeClr>
-                </a:solidFill>
-                <a:latin typeface="微软雅黑" panose="020B0503020204020204" pitchFamily="34" charset="-122"/>
-                <a:ea typeface="微软雅黑" panose="020B0503020204020204" pitchFamily="34" charset="-122"/>
-              </a:rPr>
-              <a:t> </a:t>
-            </a:r>
-            <a:r>
-              <a:rPr lang="en-US" altLang="zh-CN" sz="1600" dirty="0">
-                <a:solidFill>
-                  <a:schemeClr val="tx1">
-                    <a:lumMod val="65000"/>
-                    <a:lumOff val="35000"/>
-                  </a:schemeClr>
-                </a:solidFill>
-                <a:latin typeface="微软雅黑" panose="020B0503020204020204" pitchFamily="34" charset="-122"/>
-                <a:ea typeface="微软雅黑" panose="020B0503020204020204" pitchFamily="34" charset="-122"/>
-              </a:rPr>
-              <a:t>Main</a:t>
-            </a:r>
-            <a:r>
-              <a:rPr lang="zh-CN" altLang="en-US" sz="1600" dirty="0">
-                <a:solidFill>
-                  <a:schemeClr val="tx1">
-                    <a:lumMod val="65000"/>
-                    <a:lumOff val="35000"/>
-                  </a:schemeClr>
-                </a:solidFill>
-                <a:latin typeface="微软雅黑" panose="020B0503020204020204" pitchFamily="34" charset="-122"/>
-                <a:ea typeface="微软雅黑" panose="020B0503020204020204" pitchFamily="34" charset="-122"/>
-              </a:rPr>
-              <a:t> </a:t>
-            </a:r>
-            <a:r>
-              <a:rPr lang="en-US" altLang="zh-CN" sz="1600" dirty="0">
-                <a:solidFill>
-                  <a:schemeClr val="tx1">
-                    <a:lumMod val="65000"/>
-                    <a:lumOff val="35000"/>
-                  </a:schemeClr>
-                </a:solidFill>
-                <a:latin typeface="微软雅黑" panose="020B0503020204020204" pitchFamily="34" charset="-122"/>
-                <a:ea typeface="微软雅黑" panose="020B0503020204020204" pitchFamily="34" charset="-122"/>
-              </a:rPr>
-              <a:t>Queue</a:t>
-            </a:r>
-          </a:p>
-          <a:p>
-            <a:pPr marL="342900" indent="-342900">
-              <a:lnSpc>
-                <a:spcPts val="2200"/>
-              </a:lnSpc>
-              <a:buFont typeface="Wingdings" charset="2"/>
-              <a:buChar char="p"/>
-            </a:pPr>
-            <a:r>
-              <a:rPr lang="zh-CN" altLang="en-US" sz="1600" dirty="0">
-                <a:solidFill>
-                  <a:schemeClr val="tx1">
-                    <a:lumMod val="65000"/>
-                    <a:lumOff val="35000"/>
-                  </a:schemeClr>
-                </a:solidFill>
-                <a:latin typeface="微软雅黑" panose="020B0503020204020204" pitchFamily="34" charset="-122"/>
-                <a:ea typeface="微软雅黑" panose="020B0503020204020204" pitchFamily="34" charset="-122"/>
-              </a:rPr>
-              <a:t>事件响应、手势识别、界面刷新</a:t>
-            </a:r>
-            <a:endParaRPr lang="en-US" altLang="zh-CN" sz="1600" dirty="0">
+              <a:rPr lang="zh-CN" altLang="en-US" sz="1600">
+                <a:solidFill>
+                  <a:schemeClr val="tx1">
+                    <a:lumMod val="65000"/>
+                    <a:lumOff val="35000"/>
+                  </a:schemeClr>
+                </a:solidFill>
+                <a:latin typeface="微软雅黑" panose="020B0503020204020204" pitchFamily="34" charset="-122"/>
+                <a:ea typeface="微软雅黑" panose="020B0503020204020204" pitchFamily="34" charset="-122"/>
+              </a:rPr>
+              <a:t>网络请求</a:t>
+            </a:r>
+            <a:endParaRPr lang="en-US" altLang="zh-CN" sz="1600">
               <a:solidFill>
                 <a:schemeClr val="tx1">
                   <a:lumMod val="65000"/>
@@ -14147,39 +16636,7 @@
               <a:buChar char="p"/>
             </a:pPr>
             <a:r>
-              <a:rPr lang="zh-CN" altLang="en-US" sz="1600" dirty="0">
-                <a:solidFill>
-                  <a:schemeClr val="tx1">
-                    <a:lumMod val="65000"/>
-                    <a:lumOff val="35000"/>
-                  </a:schemeClr>
-                </a:solidFill>
-                <a:latin typeface="微软雅黑" panose="020B0503020204020204" pitchFamily="34" charset="-122"/>
-                <a:ea typeface="微软雅黑" panose="020B0503020204020204" pitchFamily="34" charset="-122"/>
-              </a:rPr>
-              <a:t>网络请求</a:t>
-            </a:r>
-            <a:endParaRPr lang="en-US" altLang="zh-CN" sz="1600" dirty="0">
-              <a:solidFill>
-                <a:schemeClr val="tx1">
-                  <a:lumMod val="65000"/>
-                  <a:lumOff val="35000"/>
-                </a:schemeClr>
-              </a:solidFill>
-              <a:latin typeface="微软雅黑" panose="020B0503020204020204" pitchFamily="34" charset="-122"/>
-              <a:ea typeface="微软雅黑" panose="020B0503020204020204" pitchFamily="34" charset="-122"/>
-            </a:endParaRPr>
-          </a:p>
-          <a:p>
-            <a:pPr marL="342900" indent="-342900">
-              <a:lnSpc>
-                <a:spcPts val="2200"/>
-              </a:lnSpc>
-              <a:buFont typeface="Wingdings" charset="2"/>
-              <a:buChar char="p"/>
-            </a:pPr>
-            <a:r>
-              <a:rPr lang="en-US" altLang="zh-CN" sz="1600" dirty="0" err="1">
+              <a:rPr lang="en-US" altLang="zh-CN" sz="1600">
                 <a:solidFill>
                   <a:schemeClr val="tx1">
                     <a:lumMod val="65000"/>
@@ -14191,16 +16648,6 @@
               </a:rPr>
               <a:t>AutoreleasePool</a:t>
             </a:r>
-            <a:endParaRPr lang="en-US" altLang="zh-CN" sz="1600" dirty="0">
-              <a:solidFill>
-                <a:schemeClr val="tx1">
-                  <a:lumMod val="65000"/>
-                  <a:lumOff val="35000"/>
-                </a:schemeClr>
-              </a:solidFill>
-              <a:latin typeface="微软雅黑" panose="020B0503020204020204" pitchFamily="34" charset="-122"/>
-              <a:ea typeface="微软雅黑" panose="020B0503020204020204" pitchFamily="34" charset="-122"/>
-            </a:endParaRPr>
           </a:p>
         </p:txBody>
       </p:sp>
@@ -14880,11 +17327,11 @@
           <a:lstStyle/>
           <a:p>
             <a:r>
-              <a:rPr lang="zh-CN" altLang="en-US"/>
+              <a:rPr lang="zh-CN" altLang="en-US" dirty="0"/>
               <a:t>如果</a:t>
             </a:r>
             <a:r>
-              <a:rPr lang="zh-CN" altLang="en-US">
+              <a:rPr lang="zh-CN" altLang="en-US" dirty="0">
                 <a:solidFill>
                   <a:srgbClr val="FF0000"/>
                 </a:solidFill>
@@ -14892,7 +17339,7 @@
               <a:t>没有</a:t>
             </a:r>
             <a:r>
-              <a:rPr lang="en-US" altLang="zh-CN"/>
+              <a:rPr lang="en-US" altLang="zh-CN" dirty="0"/>
               <a:t>RunLoop</a:t>
             </a:r>
           </a:p>
@@ -15196,11 +17643,11 @@
           <a:lstStyle/>
           <a:p>
             <a:r>
-              <a:rPr lang="zh-CN" altLang="en-US"/>
+              <a:rPr lang="zh-CN" altLang="en-US" dirty="0"/>
               <a:t>如果</a:t>
             </a:r>
             <a:r>
-              <a:rPr lang="zh-CN" altLang="en-US">
+              <a:rPr lang="zh-CN" altLang="en-US" dirty="0">
                 <a:solidFill>
                   <a:srgbClr val="FF0000"/>
                 </a:solidFill>
@@ -15208,7 +17655,7 @@
               <a:t>有了</a:t>
             </a:r>
             <a:r>
-              <a:rPr lang="en-US" altLang="zh-CN"/>
+              <a:rPr lang="en-US" altLang="zh-CN" dirty="0"/>
               <a:t>RunLoop</a:t>
             </a:r>
           </a:p>
@@ -15328,7 +17775,7 @@
               <a:buChar char="n"/>
             </a:pPr>
             <a:r>
-              <a:rPr lang="en-US" altLang="zh-CN" sz="1600">
+              <a:rPr lang="en-US" altLang="zh-CN" sz="1600" dirty="0">
                 <a:solidFill>
                   <a:schemeClr val="tx1">
                     <a:lumMod val="65000"/>
@@ -15341,7 +17788,7 @@
               <a:t>RunLoop</a:t>
             </a:r>
             <a:r>
-              <a:rPr lang="zh-CN" altLang="en-US" sz="1600">
+              <a:rPr lang="zh-CN" altLang="en-US" sz="1600" dirty="0">
                 <a:solidFill>
                   <a:schemeClr val="tx1">
                     <a:lumMod val="65000"/>
@@ -15353,7 +17800,7 @@
               </a:rPr>
               <a:t>的基本作用</a:t>
             </a:r>
-            <a:endParaRPr lang="en-US" altLang="zh-CN" sz="1600">
+            <a:endParaRPr lang="en-US" altLang="zh-CN" sz="1600" dirty="0">
               <a:solidFill>
                 <a:schemeClr val="tx1">
                   <a:lumMod val="65000"/>
@@ -15373,7 +17820,7 @@
               <a:buChar char="p"/>
             </a:pPr>
             <a:r>
-              <a:rPr lang="zh-CN" altLang="en-US" sz="1600">
+              <a:rPr lang="zh-CN" altLang="en-US" sz="1600" dirty="0">
                 <a:solidFill>
                   <a:schemeClr val="tx1">
                     <a:lumMod val="65000"/>
@@ -15385,7 +17832,7 @@
               </a:rPr>
               <a:t>保持程序的持续运行</a:t>
             </a:r>
-            <a:endParaRPr lang="en-US" altLang="zh-CN" sz="1600">
+            <a:endParaRPr lang="en-US" altLang="zh-CN" sz="1600" dirty="0">
               <a:solidFill>
                 <a:schemeClr val="tx1">
                   <a:lumMod val="65000"/>
@@ -15405,7 +17852,7 @@
               <a:buChar char="p"/>
             </a:pPr>
             <a:r>
-              <a:rPr lang="zh-CN" altLang="en-US" sz="1600">
+              <a:rPr lang="zh-CN" altLang="en-US" sz="1600" dirty="0">
                 <a:solidFill>
                   <a:schemeClr val="tx1">
                     <a:lumMod val="65000"/>
@@ -15418,7 +17865,7 @@
               <a:t>处理</a:t>
             </a:r>
             <a:r>
-              <a:rPr lang="en-US" altLang="zh-CN" sz="1600">
+              <a:rPr lang="en-US" altLang="zh-CN" sz="1600" dirty="0">
                 <a:solidFill>
                   <a:schemeClr val="tx1">
                     <a:lumMod val="65000"/>
@@ -15431,7 +17878,7 @@
               <a:t>App</a:t>
             </a:r>
             <a:r>
-              <a:rPr lang="zh-CN" altLang="en-US" sz="1600">
+              <a:rPr lang="zh-CN" altLang="en-US" sz="1600" dirty="0">
                 <a:solidFill>
                   <a:schemeClr val="tx1">
                     <a:lumMod val="65000"/>
@@ -15443,7 +17890,7 @@
               </a:rPr>
               <a:t>中的各种事件（比如触摸事件、定时器事件等）</a:t>
             </a:r>
-            <a:endParaRPr lang="en-US" altLang="zh-CN" sz="1600">
+            <a:endParaRPr lang="en-US" altLang="zh-CN" sz="1600" dirty="0">
               <a:solidFill>
                 <a:schemeClr val="tx1">
                   <a:lumMod val="65000"/>
@@ -15463,7 +17910,7 @@
               <a:buChar char="p"/>
             </a:pPr>
             <a:r>
-              <a:rPr lang="zh-CN" altLang="en-US" sz="1600">
+              <a:rPr lang="zh-CN" altLang="en-US" sz="1600" dirty="0">
                 <a:solidFill>
                   <a:schemeClr val="tx1">
                     <a:lumMod val="65000"/>
@@ -15476,7 +17923,7 @@
               <a:t>节省</a:t>
             </a:r>
             <a:r>
-              <a:rPr lang="en-US" altLang="zh-CN" sz="1600">
+              <a:rPr lang="en-US" altLang="zh-CN" sz="1600" dirty="0">
                 <a:solidFill>
                   <a:schemeClr val="tx1">
                     <a:lumMod val="65000"/>
@@ -15489,7 +17936,7 @@
               <a:t>CPU</a:t>
             </a:r>
             <a:r>
-              <a:rPr lang="zh-CN" altLang="en-US" sz="1600">
+              <a:rPr lang="zh-CN" altLang="en-US" sz="1600" dirty="0">
                 <a:solidFill>
                   <a:schemeClr val="tx1">
                     <a:lumMod val="65000"/>
@@ -15501,7 +17948,7 @@
               </a:rPr>
               <a:t>资源，提高程序性能：该做事时做事，该休息时休息</a:t>
             </a:r>
-            <a:endParaRPr lang="en-US" altLang="zh-CN" sz="1600">
+            <a:endParaRPr lang="en-US" altLang="zh-CN" sz="1600" dirty="0">
               <a:solidFill>
                 <a:schemeClr val="tx1">
                   <a:lumMod val="65000"/>
@@ -15521,7 +17968,7 @@
               <a:buChar char="p"/>
             </a:pPr>
             <a:r>
-              <a:rPr lang="en-US" altLang="zh-CN" sz="1600">
+              <a:rPr lang="en-US" altLang="zh-CN" sz="1600" dirty="0">
                 <a:solidFill>
                   <a:schemeClr val="tx1">
                     <a:lumMod val="65000"/>
@@ -16103,11 +18550,11 @@
           <a:lstStyle/>
           <a:p>
             <a:r>
-              <a:rPr lang="en-US" altLang="zh-CN"/>
+              <a:rPr lang="en-US" altLang="zh-CN" dirty="0"/>
               <a:t>RunLoop</a:t>
             </a:r>
             <a:r>
-              <a:rPr lang="zh-CN" altLang="en-US"/>
+              <a:rPr lang="zh-CN" altLang="en-US" dirty="0"/>
               <a:t>对象</a:t>
             </a:r>
           </a:p>
@@ -16221,7 +18668,7 @@
               <a:t>来访问和使用</a:t>
             </a:r>
             <a:r>
-              <a:rPr lang="en-US" altLang="zh-CN" sz="1600" dirty="0" err="1">
+              <a:rPr lang="en-US" altLang="zh-CN" sz="1600" dirty="0">
                 <a:solidFill>
                   <a:schemeClr val="tx1">
                     <a:lumMod val="65000"/>
@@ -16233,16 +18680,6 @@
               </a:rPr>
               <a:t>RunLoop</a:t>
             </a:r>
-            <a:endParaRPr lang="en-US" altLang="zh-CN" sz="1600" dirty="0">
-              <a:solidFill>
-                <a:schemeClr val="tx1">
-                  <a:lumMod val="65000"/>
-                  <a:lumOff val="35000"/>
-                </a:schemeClr>
-              </a:solidFill>
-              <a:latin typeface="微软雅黑" panose="020B0503020204020204" pitchFamily="34" charset="-122"/>
-              <a:ea typeface="微软雅黑" panose="020B0503020204020204" pitchFamily="34" charset="-122"/>
-            </a:endParaRPr>
           </a:p>
           <a:p>
             <a:pPr marL="342900" indent="-342900">
@@ -16276,7 +18713,7 @@
               <a:t>：</a:t>
             </a:r>
             <a:r>
-              <a:rPr lang="en-US" altLang="zh-CN" sz="1600" dirty="0" err="1">
+              <a:rPr lang="en-US" altLang="zh-CN" sz="1600" dirty="0">
                 <a:solidFill>
                   <a:srgbClr val="FF0000"/>
                 </a:solidFill>
@@ -16285,13 +18722,6 @@
               </a:rPr>
               <a:t>NSRunLoop</a:t>
             </a:r>
-            <a:endParaRPr lang="en-US" altLang="zh-CN" sz="1600" dirty="0">
-              <a:solidFill>
-                <a:srgbClr val="FF0000"/>
-              </a:solidFill>
-              <a:latin typeface="微软雅黑" panose="020B0503020204020204" pitchFamily="34" charset="-122"/>
-              <a:ea typeface="微软雅黑" panose="020B0503020204020204" pitchFamily="34" charset="-122"/>
-            </a:endParaRPr>
           </a:p>
           <a:p>
             <a:pPr marL="342900" indent="-342900">
@@ -16412,6 +18842,29 @@
               <a:buChar char="n"/>
             </a:pPr>
             <a:r>
+              <a:rPr lang="en-US" altLang="zh-CN" sz="1600" dirty="0">
+                <a:solidFill>
+                  <a:srgbClr val="FF0000"/>
+                </a:solidFill>
+                <a:latin typeface="微软雅黑" panose="020B0503020204020204" pitchFamily="34" charset="-122"/>
+                <a:ea typeface="微软雅黑" panose="020B0503020204020204" pitchFamily="34" charset="-122"/>
+              </a:rPr>
+              <a:t>NSRunLoop</a:t>
+            </a:r>
+            <a:r>
+              <a:rPr lang="zh-CN" altLang="en-US" sz="1600" dirty="0">
+                <a:solidFill>
+                  <a:schemeClr val="tx1">
+                    <a:lumMod val="65000"/>
+                    <a:lumOff val="35000"/>
+                  </a:schemeClr>
+                </a:solidFill>
+                <a:latin typeface="微软雅黑" panose="020B0503020204020204" pitchFamily="34" charset="-122"/>
+                <a:ea typeface="微软雅黑" panose="020B0503020204020204" pitchFamily="34" charset="-122"/>
+              </a:rPr>
+              <a:t>和</a:t>
+            </a:r>
+            <a:r>
               <a:rPr lang="en-US" altLang="zh-CN" sz="1600" dirty="0" err="1">
                 <a:solidFill>
                   <a:srgbClr val="FF0000"/>
@@ -16419,7 +18872,7 @@
                 <a:latin typeface="微软雅黑" panose="020B0503020204020204" pitchFamily="34" charset="-122"/>
                 <a:ea typeface="微软雅黑" panose="020B0503020204020204" pitchFamily="34" charset="-122"/>
               </a:rPr>
-              <a:t>NSRunLoop</a:t>
+              <a:t>CFRunLoopRef</a:t>
             </a:r>
             <a:r>
               <a:rPr lang="zh-CN" altLang="en-US" sz="1600" dirty="0">
@@ -16432,33 +18885,10 @@
                 <a:latin typeface="微软雅黑" panose="020B0503020204020204" pitchFamily="34" charset="-122"/>
                 <a:ea typeface="微软雅黑" panose="020B0503020204020204" pitchFamily="34" charset="-122"/>
               </a:rPr>
-              <a:t>和</a:t>
-            </a:r>
-            <a:r>
-              <a:rPr lang="en-US" altLang="zh-CN" sz="1600" dirty="0" err="1">
-                <a:solidFill>
-                  <a:srgbClr val="FF0000"/>
-                </a:solidFill>
-                <a:latin typeface="微软雅黑" panose="020B0503020204020204" pitchFamily="34" charset="-122"/>
-                <a:ea typeface="微软雅黑" panose="020B0503020204020204" pitchFamily="34" charset="-122"/>
-              </a:rPr>
-              <a:t>CFRunLoopRef</a:t>
-            </a:r>
-            <a:r>
-              <a:rPr lang="zh-CN" altLang="en-US" sz="1600" dirty="0">
-                <a:solidFill>
-                  <a:schemeClr val="tx1">
-                    <a:lumMod val="65000"/>
-                    <a:lumOff val="35000"/>
-                  </a:schemeClr>
-                </a:solidFill>
-                <a:latin typeface="微软雅黑" panose="020B0503020204020204" pitchFamily="34" charset="-122"/>
-                <a:ea typeface="微软雅黑" panose="020B0503020204020204" pitchFamily="34" charset="-122"/>
-              </a:rPr>
               <a:t>都代表着</a:t>
             </a:r>
             <a:r>
-              <a:rPr lang="en-US" altLang="zh-CN" sz="1600" dirty="0" err="1">
+              <a:rPr lang="en-US" altLang="zh-CN" sz="1600" dirty="0">
                 <a:solidFill>
                   <a:schemeClr val="tx1">
                     <a:lumMod val="65000"/>
@@ -16503,7 +18933,7 @@
               <a:buChar char="p"/>
             </a:pPr>
             <a:r>
-              <a:rPr lang="en-US" altLang="zh-CN" sz="1600" dirty="0" err="1">
+              <a:rPr lang="en-US" altLang="zh-CN" sz="1600" dirty="0">
                 <a:solidFill>
                   <a:schemeClr val="tx1">
                     <a:lumMod val="65000"/>
@@ -16708,25 +19138,25 @@
           <a:p>
             <a:pPr algn="ctr"/>
             <a:r>
-              <a:rPr kumimoji="1" lang="en-US" altLang="zh-CN"/>
+              <a:rPr kumimoji="1" lang="en-US" altLang="zh-CN" dirty="0"/>
               <a:t>NSRunLoop</a:t>
             </a:r>
           </a:p>
           <a:p>
             <a:pPr algn="ctr"/>
-            <a:endParaRPr kumimoji="1" lang="en-US" altLang="zh-CN"/>
+            <a:endParaRPr kumimoji="1" lang="en-US" altLang="zh-CN" dirty="0"/>
           </a:p>
           <a:p>
             <a:pPr algn="ctr"/>
-            <a:endParaRPr kumimoji="1" lang="en-US" altLang="zh-CN"/>
+            <a:endParaRPr kumimoji="1" lang="en-US" altLang="zh-CN" dirty="0"/>
           </a:p>
           <a:p>
             <a:pPr algn="ctr"/>
-            <a:endParaRPr kumimoji="1" lang="en-US" altLang="zh-CN"/>
+            <a:endParaRPr kumimoji="1" lang="en-US" altLang="zh-CN" dirty="0"/>
           </a:p>
           <a:p>
             <a:pPr algn="ctr"/>
-            <a:endParaRPr kumimoji="1" lang="zh-CN" altLang="en-US"/>
+            <a:endParaRPr kumimoji="1" lang="zh-CN" altLang="en-US" dirty="0"/>
           </a:p>
         </p:txBody>
       </p:sp>
@@ -17286,11 +19716,11 @@
           <a:lstStyle/>
           <a:p>
             <a:r>
-              <a:rPr lang="en-US" altLang="zh-CN"/>
+              <a:rPr lang="en-US" altLang="zh-CN" dirty="0"/>
               <a:t>RunLoop</a:t>
             </a:r>
             <a:r>
-              <a:rPr lang="zh-CN" altLang="en-US"/>
+              <a:rPr lang="zh-CN" altLang="en-US" dirty="0"/>
               <a:t>与线程</a:t>
             </a:r>
           </a:p>
@@ -17339,7 +19769,7 @@
               <a:t>每条线程都有唯一的一个与之对应的</a:t>
             </a:r>
             <a:r>
-              <a:rPr lang="en-US" altLang="zh-CN" sz="1600" dirty="0" err="1">
+              <a:rPr lang="en-US" altLang="zh-CN" sz="1600" dirty="0">
                 <a:solidFill>
                   <a:schemeClr val="tx1">
                     <a:lumMod val="65000"/>
@@ -17403,7 +19833,7 @@
               <a:buChar char="n"/>
             </a:pPr>
             <a:r>
-              <a:rPr lang="en-US" altLang="zh-CN" sz="1600" dirty="0" err="1">
+              <a:rPr lang="en-US" altLang="zh-CN" sz="1600" dirty="0">
                 <a:solidFill>
                   <a:schemeClr val="tx1">
                     <a:lumMod val="65000"/>
@@ -17481,7 +19911,7 @@
               <a:t>，</a:t>
             </a:r>
             <a:r>
-              <a:rPr lang="en-US" altLang="zh-CN" sz="1600" dirty="0" err="1">
+              <a:rPr lang="en-US" altLang="zh-CN" sz="1600" dirty="0">
                 <a:solidFill>
                   <a:schemeClr val="tx1">
                     <a:lumMod val="65000"/>
@@ -17561,7 +19991,7 @@
               <a:t>线程刚创建时并没有</a:t>
             </a:r>
             <a:r>
-              <a:rPr lang="en-US" altLang="zh-CN" sz="1600" dirty="0" err="1">
+              <a:rPr lang="en-US" altLang="zh-CN" sz="1600" dirty="0">
                 <a:solidFill>
                   <a:schemeClr val="tx1">
                     <a:lumMod val="65000"/>
@@ -17587,7 +20017,7 @@
               <a:t>对象，</a:t>
             </a:r>
             <a:r>
-              <a:rPr lang="en-US" altLang="zh-CN" sz="1600" dirty="0" err="1">
+              <a:rPr lang="en-US" altLang="zh-CN" sz="1600" dirty="0">
                 <a:solidFill>
                   <a:schemeClr val="tx1">
                     <a:lumMod val="65000"/>
@@ -17651,7 +20081,7 @@
               <a:buChar char="n"/>
             </a:pPr>
             <a:r>
-              <a:rPr lang="en-US" altLang="zh-CN" sz="1600" dirty="0" err="1">
+              <a:rPr lang="en-US" altLang="zh-CN" sz="1600" dirty="0">
                 <a:solidFill>
                   <a:schemeClr val="tx1">
                     <a:lumMod val="65000"/>
@@ -17728,7 +20158,7 @@
               <a:t>主线程的</a:t>
             </a:r>
             <a:r>
-              <a:rPr lang="en-US" altLang="zh-CN" sz="1600" dirty="0" err="1">
+              <a:rPr lang="en-US" altLang="zh-CN" sz="1600" dirty="0">
                 <a:solidFill>
                   <a:schemeClr val="tx1">
                     <a:lumMod val="65000"/>
@@ -17754,7 +20184,7 @@
               <a:t>已经自动获取（创建），子线程默认没有开启</a:t>
             </a:r>
             <a:r>
-              <a:rPr lang="en-US" altLang="zh-CN" sz="1600" dirty="0" err="1">
+              <a:rPr lang="en-US" altLang="zh-CN" sz="1600" dirty="0">
                 <a:solidFill>
                   <a:schemeClr val="tx1">
                     <a:lumMod val="65000"/>
@@ -17766,16 +20196,6 @@
               </a:rPr>
               <a:t>RunLoop</a:t>
             </a:r>
-            <a:endParaRPr lang="en-US" altLang="zh-CN" sz="1600" dirty="0">
-              <a:solidFill>
-                <a:schemeClr val="tx1">
-                  <a:lumMod val="65000"/>
-                  <a:lumOff val="35000"/>
-                </a:schemeClr>
-              </a:solidFill>
-              <a:latin typeface="微软雅黑" panose="020B0503020204020204" pitchFamily="34" charset="-122"/>
-              <a:ea typeface="微软雅黑" panose="020B0503020204020204" pitchFamily="34" charset="-122"/>
-            </a:endParaRPr>
           </a:p>
           <a:p>
             <a:pPr marL="342900" indent="-342900">
@@ -18204,15 +20624,15 @@
           <a:lstStyle/>
           <a:p>
             <a:r>
-              <a:rPr lang="zh-CN" altLang="en-US"/>
+              <a:rPr lang="zh-CN" altLang="en-US" dirty="0"/>
               <a:t>获取</a:t>
             </a:r>
             <a:r>
-              <a:rPr lang="en-US" altLang="zh-CN"/>
+              <a:rPr lang="en-US" altLang="zh-CN" dirty="0"/>
               <a:t>RunLoop</a:t>
             </a:r>
             <a:r>
-              <a:rPr lang="zh-CN" altLang="en-US"/>
+              <a:rPr lang="zh-CN" altLang="en-US" dirty="0"/>
               <a:t>对象</a:t>
             </a:r>
           </a:p>
@@ -18276,7 +20696,7 @@
               <a:t>[</a:t>
             </a:r>
             <a:r>
-              <a:rPr lang="en-US" altLang="zh-CN" sz="1600" dirty="0" err="1">
+              <a:rPr lang="en-US" altLang="zh-CN" sz="1600" dirty="0">
                 <a:solidFill>
                   <a:srgbClr val="5C2699"/>
                 </a:solidFill>
@@ -18294,7 +20714,7 @@
               <a:t> </a:t>
             </a:r>
             <a:r>
-              <a:rPr lang="en-US" altLang="zh-CN" sz="1600" dirty="0" err="1">
+              <a:rPr lang="en-US" altLang="zh-CN" sz="1600" dirty="0">
                 <a:solidFill>
                   <a:srgbClr val="2E0D6E"/>
                 </a:solidFill>
@@ -18330,7 +20750,7 @@
               <a:t>获得当前线程的</a:t>
             </a:r>
             <a:r>
-              <a:rPr lang="en-US" altLang="zh-CN" sz="1600" dirty="0" err="1">
+              <a:rPr lang="en-US" altLang="zh-CN" sz="1600" dirty="0">
                 <a:solidFill>
                   <a:srgbClr val="007400"/>
                 </a:solidFill>
@@ -18369,7 +20789,7 @@
               <a:t>[</a:t>
             </a:r>
             <a:r>
-              <a:rPr lang="en-US" altLang="zh-CN" sz="1600" dirty="0" err="1">
+              <a:rPr lang="en-US" altLang="zh-CN" sz="1600" dirty="0">
                 <a:solidFill>
                   <a:srgbClr val="5C2699"/>
                 </a:solidFill>
@@ -18387,7 +20807,7 @@
               <a:t> </a:t>
             </a:r>
             <a:r>
-              <a:rPr lang="en-US" altLang="zh-CN" sz="1600" dirty="0" err="1">
+              <a:rPr lang="en-US" altLang="zh-CN" sz="1600" dirty="0">
                 <a:solidFill>
                   <a:srgbClr val="2E0D6E"/>
                 </a:solidFill>
@@ -18423,7 +20843,7 @@
               <a:t>获得主线程的</a:t>
             </a:r>
             <a:r>
-              <a:rPr lang="en-US" altLang="zh-CN" sz="1600" dirty="0" err="1">
+              <a:rPr lang="en-US" altLang="zh-CN" sz="1600" dirty="0">
                 <a:solidFill>
                   <a:srgbClr val="007400"/>
                 </a:solidFill>
@@ -18511,7 +20931,7 @@
               <a:buChar char="p"/>
             </a:pPr>
             <a:r>
-              <a:rPr lang="en-US" altLang="zh-CN" sz="1600" dirty="0" err="1">
+              <a:rPr lang="en-US" altLang="zh-CN" sz="1600" dirty="0">
                 <a:solidFill>
                   <a:srgbClr val="2E0D6E"/>
                 </a:solidFill>
@@ -18547,7 +20967,7 @@
               <a:t>获得当前线程的</a:t>
             </a:r>
             <a:r>
-              <a:rPr lang="en-US" altLang="zh-CN" sz="1600" dirty="0" err="1">
+              <a:rPr lang="en-US" altLang="zh-CN" sz="1600" dirty="0">
                 <a:solidFill>
                   <a:srgbClr val="007400"/>
                 </a:solidFill>
@@ -18577,7 +20997,7 @@
               <a:buChar char="p"/>
             </a:pPr>
             <a:r>
-              <a:rPr lang="mr-IN" altLang="zh-CN" sz="1600" dirty="0" err="1">
+              <a:rPr lang="mr-IN" altLang="zh-CN" sz="1600" dirty="0">
                 <a:solidFill>
                   <a:srgbClr val="2E0D6E"/>
                 </a:solidFill>
@@ -18613,7 +21033,7 @@
               <a:t>获得主线程的</a:t>
             </a:r>
             <a:r>
-              <a:rPr lang="mr-IN" altLang="zh-CN" sz="1600" dirty="0" err="1">
+              <a:rPr lang="mr-IN" altLang="zh-CN" sz="1600" dirty="0">
                 <a:solidFill>
                   <a:srgbClr val="007400"/>
                 </a:solidFill>
@@ -19107,11 +21527,11 @@
           <a:lstStyle/>
           <a:p>
             <a:r>
-              <a:rPr lang="en-US" altLang="zh-CN"/>
+              <a:rPr lang="en-US" altLang="zh-CN" dirty="0"/>
               <a:t>RunLoop</a:t>
             </a:r>
             <a:r>
-              <a:rPr lang="zh-CN" altLang="en-US"/>
+              <a:rPr lang="zh-CN" altLang="en-US" dirty="0"/>
               <a:t>相关的类</a:t>
             </a:r>
           </a:p>
@@ -19173,7 +21593,7 @@
               <a:t>中关于</a:t>
             </a:r>
             <a:r>
-              <a:rPr lang="en-US" altLang="zh-CN" sz="1600" dirty="0" err="1">
+              <a:rPr lang="en-US" altLang="zh-CN" sz="1600" dirty="0">
                 <a:solidFill>
                   <a:schemeClr val="tx1">
                     <a:lumMod val="65000"/>
@@ -19442,29 +21862,29 @@
           <a:p>
             <a:pPr algn="ctr"/>
             <a:r>
-              <a:rPr kumimoji="1" lang="en-US" altLang="zh-CN" sz="3200"/>
+              <a:rPr kumimoji="1" lang="en-US" altLang="zh-CN" sz="3200" dirty="0"/>
               <a:t>RunLoop</a:t>
             </a:r>
           </a:p>
           <a:p>
             <a:pPr algn="ctr"/>
-            <a:endParaRPr kumimoji="1" lang="en-US" altLang="zh-CN" sz="3200"/>
+            <a:endParaRPr kumimoji="1" lang="en-US" altLang="zh-CN" sz="3200" dirty="0"/>
           </a:p>
           <a:p>
             <a:pPr algn="ctr"/>
-            <a:endParaRPr kumimoji="1" lang="en-US" altLang="zh-CN" sz="3200"/>
+            <a:endParaRPr kumimoji="1" lang="en-US" altLang="zh-CN" sz="3200" dirty="0"/>
           </a:p>
           <a:p>
             <a:pPr algn="ctr"/>
-            <a:endParaRPr kumimoji="1" lang="en-US" altLang="zh-CN" sz="3200"/>
+            <a:endParaRPr kumimoji="1" lang="en-US" altLang="zh-CN" sz="3200" dirty="0"/>
           </a:p>
           <a:p>
             <a:pPr algn="ctr"/>
-            <a:endParaRPr kumimoji="1" lang="en-US" altLang="zh-CN" sz="3200"/>
+            <a:endParaRPr kumimoji="1" lang="en-US" altLang="zh-CN" sz="3200" dirty="0"/>
           </a:p>
           <a:p>
             <a:pPr algn="ctr"/>
-            <a:endParaRPr kumimoji="1" lang="zh-CN" altLang="en-US" sz="3200"/>
+            <a:endParaRPr kumimoji="1" lang="zh-CN" altLang="en-US" sz="3200" dirty="0"/>
           </a:p>
         </p:txBody>
       </p:sp>
@@ -20121,7 +22541,7 @@
         </p:blipFill>
         <p:spPr>
           <a:xfrm>
-            <a:off x="5057483" y="1349930"/>
+            <a:off x="4912795" y="1279651"/>
             <a:ext cx="5157480" cy="2195174"/>
           </a:xfrm>
           <a:prstGeom prst="rect">
